--- a/DONT TOUCH THIS !!!!!!!!!!!/Abgabe/Präsentation.pptx
+++ b/DONT TOUCH THIS !!!!!!!!!!!/Abgabe/Präsentation.pptx
@@ -11,35 +11,36 @@
     <p:sldMasterId id="2147483712" r:id="rId7"/>
   </p:sldMasterIdLst>
   <p:notesMasterIdLst>
-    <p:notesMasterId r:id="rId31"/>
+    <p:notesMasterId r:id="rId32"/>
   </p:notesMasterIdLst>
   <p:handoutMasterIdLst>
-    <p:handoutMasterId r:id="rId32"/>
+    <p:handoutMasterId r:id="rId33"/>
   </p:handoutMasterIdLst>
   <p:sldIdLst>
     <p:sldId id="355" r:id="rId8"/>
     <p:sldId id="399" r:id="rId9"/>
     <p:sldId id="398" r:id="rId10"/>
-    <p:sldId id="396" r:id="rId11"/>
-    <p:sldId id="397" r:id="rId12"/>
-    <p:sldId id="369" r:id="rId13"/>
-    <p:sldId id="392" r:id="rId14"/>
-    <p:sldId id="371" r:id="rId15"/>
-    <p:sldId id="372" r:id="rId16"/>
-    <p:sldId id="373" r:id="rId17"/>
-    <p:sldId id="394" r:id="rId18"/>
-    <p:sldId id="375" r:id="rId19"/>
-    <p:sldId id="376" r:id="rId20"/>
-    <p:sldId id="393" r:id="rId21"/>
-    <p:sldId id="391" r:id="rId22"/>
-    <p:sldId id="390" r:id="rId23"/>
-    <p:sldId id="378" r:id="rId24"/>
-    <p:sldId id="377" r:id="rId25"/>
-    <p:sldId id="389" r:id="rId26"/>
-    <p:sldId id="379" r:id="rId27"/>
-    <p:sldId id="395" r:id="rId28"/>
-    <p:sldId id="380" r:id="rId29"/>
-    <p:sldId id="381" r:id="rId30"/>
+    <p:sldId id="400" r:id="rId11"/>
+    <p:sldId id="396" r:id="rId12"/>
+    <p:sldId id="397" r:id="rId13"/>
+    <p:sldId id="369" r:id="rId14"/>
+    <p:sldId id="392" r:id="rId15"/>
+    <p:sldId id="371" r:id="rId16"/>
+    <p:sldId id="372" r:id="rId17"/>
+    <p:sldId id="373" r:id="rId18"/>
+    <p:sldId id="394" r:id="rId19"/>
+    <p:sldId id="375" r:id="rId20"/>
+    <p:sldId id="376" r:id="rId21"/>
+    <p:sldId id="393" r:id="rId22"/>
+    <p:sldId id="391" r:id="rId23"/>
+    <p:sldId id="390" r:id="rId24"/>
+    <p:sldId id="378" r:id="rId25"/>
+    <p:sldId id="377" r:id="rId26"/>
+    <p:sldId id="389" r:id="rId27"/>
+    <p:sldId id="379" r:id="rId28"/>
+    <p:sldId id="395" r:id="rId29"/>
+    <p:sldId id="380" r:id="rId30"/>
+    <p:sldId id="381" r:id="rId31"/>
   </p:sldIdLst>
   <p:sldSz cx="9144000" cy="6858000" type="screen4x3"/>
   <p:notesSz cx="9925050" cy="6665913"/>
@@ -170,7 +171,7 @@
   </p:defaultTextStyle>
   <p:extLst>
     <p:ext uri="{EFAFB233-063F-42B5-8137-9DF3F51BA10A}">
-      <p15:sldGuideLst xmlns:p15="http://schemas.microsoft.com/office/powerpoint/2012/main" xmlns="">
+      <p15:sldGuideLst xmlns:p15="http://schemas.microsoft.com/office/powerpoint/2012/main">
         <p15:guide id="1" orient="horz" pos="2160">
           <p15:clr>
             <a:srgbClr val="A4A3A4"/>
@@ -184,7 +185,7 @@
       </p15:sldGuideLst>
     </p:ext>
     <p:ext uri="{2D200454-40CA-4A62-9FC3-DE9A4176ACB9}">
-      <p15:notesGuideLst xmlns:p15="http://schemas.microsoft.com/office/powerpoint/2012/main" xmlns="">
+      <p15:notesGuideLst xmlns:p15="http://schemas.microsoft.com/office/powerpoint/2012/main">
         <p15:guide id="1" orient="horz" pos="2100">
           <p15:clr>
             <a:srgbClr val="A4A3A4"/>
@@ -202,7 +203,7 @@
 </file>
 
 <file path=ppt/charts/chart1.xml><?xml version="1.0" encoding="utf-8"?>
-<c:chartSpace xmlns:c="http://schemas.openxmlformats.org/drawingml/2006/chart" xmlns:a="http://schemas.openxmlformats.org/drawingml/2006/main" xmlns:r="http://schemas.openxmlformats.org/officeDocument/2006/relationships">
+<c:chartSpace xmlns:c="http://schemas.openxmlformats.org/drawingml/2006/chart" xmlns:a="http://schemas.openxmlformats.org/drawingml/2006/main" xmlns:r="http://schemas.openxmlformats.org/officeDocument/2006/relationships" xmlns:c16r2="http://schemas.microsoft.com/office/drawing/2015/06/chart">
   <c:date1904 val="0"/>
   <c:lang val="de-DE"/>
   <c:roundedCorners val="0"/>
@@ -294,7 +295,7 @@
               </c:numCache>
             </c:numRef>
           </c:val>
-          <c:extLst xmlns:c16r2="http://schemas.microsoft.com/office/drawing/2015/06/chart">
+          <c:extLst>
             <c:ext xmlns:c16="http://schemas.microsoft.com/office/drawing/2014/chart" uri="{C3380CC4-5D6E-409C-BE32-E72D297353CC}">
               <c16:uniqueId val="{00000000-5856-45FC-9875-FA0A9BDF3537}"/>
             </c:ext>
@@ -372,7 +373,7 @@
               </c:numCache>
             </c:numRef>
           </c:val>
-          <c:extLst xmlns:c16r2="http://schemas.microsoft.com/office/drawing/2015/06/chart">
+          <c:extLst>
             <c:ext xmlns:c16="http://schemas.microsoft.com/office/drawing/2014/chart" uri="{C3380CC4-5D6E-409C-BE32-E72D297353CC}">
               <c16:uniqueId val="{00000001-5856-45FC-9875-FA0A9BDF3537}"/>
             </c:ext>
@@ -429,7 +430,6 @@
               </a:p>
             </c:rich>
           </c:tx>
-          <c:layout/>
           <c:overlay val="0"/>
           <c:spPr>
             <a:noFill/>
@@ -438,6 +438,26 @@
             </a:ln>
             <a:effectLst/>
           </c:spPr>
+          <c:txPr>
+            <a:bodyPr rot="0" spcFirstLastPara="1" vertOverflow="ellipsis" vert="horz" wrap="square" anchor="ctr" anchorCtr="1"/>
+            <a:lstStyle/>
+            <a:p>
+              <a:pPr>
+                <a:defRPr sz="1330" b="0" i="0" u="none" strike="noStrike" kern="1200" baseline="0">
+                  <a:solidFill>
+                    <a:schemeClr val="tx1">
+                      <a:lumMod val="65000"/>
+                      <a:lumOff val="35000"/>
+                    </a:schemeClr>
+                  </a:solidFill>
+                  <a:latin typeface="+mn-lt"/>
+                  <a:ea typeface="+mn-ea"/>
+                  <a:cs typeface="+mn-cs"/>
+                </a:defRPr>
+              </a:pPr>
+              <a:endParaRPr lang="de-DE"/>
+            </a:p>
+          </c:txPr>
         </c:title>
         <c:numFmt formatCode="General" sourceLinked="1"/>
         <c:majorTickMark val="none"/>
@@ -551,6 +571,26 @@
             </a:ln>
             <a:effectLst/>
           </c:spPr>
+          <c:txPr>
+            <a:bodyPr rot="-5400000" spcFirstLastPara="1" vertOverflow="ellipsis" vert="horz" wrap="square" anchor="ctr" anchorCtr="1"/>
+            <a:lstStyle/>
+            <a:p>
+              <a:pPr>
+                <a:defRPr sz="1330" b="0" i="0" u="none" strike="noStrike" kern="1200" baseline="0">
+                  <a:solidFill>
+                    <a:schemeClr val="tx1">
+                      <a:lumMod val="65000"/>
+                      <a:lumOff val="35000"/>
+                    </a:schemeClr>
+                  </a:solidFill>
+                  <a:latin typeface="+mn-lt"/>
+                  <a:ea typeface="+mn-ea"/>
+                  <a:cs typeface="+mn-cs"/>
+                </a:defRPr>
+              </a:pPr>
+              <a:endParaRPr lang="de-DE"/>
+            </a:p>
+          </c:txPr>
         </c:title>
         <c:numFmt formatCode="General" sourceLinked="1"/>
         <c:majorTickMark val="none"/>
@@ -597,7 +637,6 @@
     </c:plotArea>
     <c:legend>
       <c:legendPos val="b"/>
-      <c:layout/>
       <c:overlay val="0"/>
       <c:spPr>
         <a:noFill/>
@@ -648,14 +687,14 @@
       <a:endParaRPr lang="de-DE"/>
     </a:p>
   </c:txPr>
-  <c:externalData r:id="rId1">
+  <c:externalData r:id="rId3">
     <c:autoUpdate val="0"/>
   </c:externalData>
 </c:chartSpace>
 </file>
 
 <file path=ppt/charts/chart2.xml><?xml version="1.0" encoding="utf-8"?>
-<c:chartSpace xmlns:c="http://schemas.openxmlformats.org/drawingml/2006/chart" xmlns:a="http://schemas.openxmlformats.org/drawingml/2006/main" xmlns:r="http://schemas.openxmlformats.org/officeDocument/2006/relationships">
+<c:chartSpace xmlns:c="http://schemas.openxmlformats.org/drawingml/2006/chart" xmlns:a="http://schemas.openxmlformats.org/drawingml/2006/main" xmlns:r="http://schemas.openxmlformats.org/officeDocument/2006/relationships" xmlns:c16r2="http://schemas.microsoft.com/office/drawing/2015/06/chart">
   <c:date1904 val="0"/>
   <c:lang val="de-DE"/>
   <c:roundedCorners val="0"/>
@@ -741,7 +780,7 @@
               </c:numCache>
             </c:numRef>
           </c:val>
-          <c:extLst xmlns:c16r2="http://schemas.microsoft.com/office/drawing/2015/06/chart">
+          <c:extLst>
             <c:ext xmlns:c16="http://schemas.microsoft.com/office/drawing/2014/chart" uri="{C3380CC4-5D6E-409C-BE32-E72D297353CC}">
               <c16:uniqueId val="{00000000-DCF6-400F-B109-FF128E5E5DD0}"/>
             </c:ext>
@@ -803,7 +842,7 @@
               </c:numCache>
             </c:numRef>
           </c:val>
-          <c:extLst xmlns:c16r2="http://schemas.microsoft.com/office/drawing/2015/06/chart">
+          <c:extLst>
             <c:ext xmlns:c16="http://schemas.microsoft.com/office/drawing/2014/chart" uri="{C3380CC4-5D6E-409C-BE32-E72D297353CC}">
               <c16:uniqueId val="{00000001-DCF6-400F-B109-FF128E5E5DD0}"/>
             </c:ext>
@@ -865,7 +904,7 @@
               </c:numCache>
             </c:numRef>
           </c:val>
-          <c:extLst xmlns:c16r2="http://schemas.microsoft.com/office/drawing/2015/06/chart">
+          <c:extLst>
             <c:ext xmlns:c16="http://schemas.microsoft.com/office/drawing/2014/chart" uri="{C3380CC4-5D6E-409C-BE32-E72D297353CC}">
               <c16:uniqueId val="{00000002-DCF6-400F-B109-FF128E5E5DD0}"/>
             </c:ext>
@@ -963,7 +1002,7 @@
 </file>
 
 <file path=ppt/charts/chart3.xml><?xml version="1.0" encoding="utf-8"?>
-<c:chartSpace xmlns:c="http://schemas.openxmlformats.org/drawingml/2006/chart" xmlns:a="http://schemas.openxmlformats.org/drawingml/2006/main" xmlns:r="http://schemas.openxmlformats.org/officeDocument/2006/relationships">
+<c:chartSpace xmlns:c="http://schemas.openxmlformats.org/drawingml/2006/chart" xmlns:a="http://schemas.openxmlformats.org/drawingml/2006/main" xmlns:r="http://schemas.openxmlformats.org/officeDocument/2006/relationships" xmlns:c16r2="http://schemas.microsoft.com/office/drawing/2015/06/chart">
   <c:date1904 val="0"/>
   <c:lang val="de-DE"/>
   <c:roundedCorners val="0"/>
@@ -1048,7 +1087,7 @@
               </c:numCache>
             </c:numRef>
           </c:val>
-          <c:extLst xmlns:c16r2="http://schemas.microsoft.com/office/drawing/2015/06/chart">
+          <c:extLst>
             <c:ext xmlns:c16="http://schemas.microsoft.com/office/drawing/2014/chart" uri="{C3380CC4-5D6E-409C-BE32-E72D297353CC}">
               <c16:uniqueId val="{00000000-B67E-4CD6-9B37-A34C239A5A53}"/>
             </c:ext>
@@ -1119,7 +1158,7 @@
               </c:numCache>
             </c:numRef>
           </c:val>
-          <c:extLst xmlns:c16r2="http://schemas.microsoft.com/office/drawing/2015/06/chart">
+          <c:extLst>
             <c:ext xmlns:c16="http://schemas.microsoft.com/office/drawing/2014/chart" uri="{C3380CC4-5D6E-409C-BE32-E72D297353CC}">
               <c16:uniqueId val="{00000001-B67E-4CD6-9B37-A34C239A5A53}"/>
             </c:ext>
@@ -1190,7 +1229,7 @@
               </c:numCache>
             </c:numRef>
           </c:val>
-          <c:extLst xmlns:c16r2="http://schemas.microsoft.com/office/drawing/2015/06/chart">
+          <c:extLst>
             <c:ext xmlns:c16="http://schemas.microsoft.com/office/drawing/2014/chart" uri="{C3380CC4-5D6E-409C-BE32-E72D297353CC}">
               <c16:uniqueId val="{00000002-B67E-4CD6-9B37-A34C239A5A53}"/>
             </c:ext>
@@ -3372,10 +3411,6 @@
             <a:br>
               <a:rPr lang="de-DE" noProof="0" dirty="0"/>
             </a:br>
-            <a:r>
-              <a:rPr lang="de-DE" noProof="0" dirty="0"/>
-              <a:t/>
-            </a:r>
             <a:br>
               <a:rPr lang="de-DE" noProof="0" dirty="0"/>
             </a:br>
@@ -3588,10 +3623,6 @@
             <a:br>
               <a:rPr lang="de-DE" noProof="0" dirty="0"/>
             </a:br>
-            <a:r>
-              <a:rPr lang="de-DE" noProof="0" dirty="0"/>
-              <a:t/>
-            </a:r>
             <a:br>
               <a:rPr lang="de-DE" noProof="0" dirty="0"/>
             </a:br>
@@ -11882,24 +11913,83 @@
           <a:lstStyle/>
           <a:p>
             <a:r>
-              <a:rPr/>
-              <a:t>Kurze und knappe Texte, Fließtexte linksbündig, kein Blocksatz</a:t>
-            </a:r>
-          </a:p>
-          <a:p>
-            <a:endParaRPr/>
-          </a:p>
-          <a:p>
-            <a:r>
-              <a:rPr/>
-              <a:t>Beispiel:</a:t>
-            </a:r>
-          </a:p>
-          <a:p>
-            <a:r>
-              <a:rPr/>
-              <a:t>Tem soluptam, nisi as verum ereprehendam at acculpa quidisq uissit volupta tusdant utem as etur, odi odis es doluptiae dem nimaion con nossinctenis pora quam voloria consenimus blabore everfer epeliquo maio etur.</a:t>
-            </a:r>
+              <a:rPr dirty="0"/>
+              <a:t>Als erstes soll mit schwarz und weiß gearbeitet werden.</a:t>
+            </a:r>
+            <a:br>
+              <a:rPr dirty="0"/>
+            </a:br>
+            <a:r>
+              <a:rPr dirty="0"/>
+              <a:t>Für Aufwändigere Darstellungen sind Farben mit Bedacht und in möglichst geringem Umfang einzusetzen.</a:t>
+            </a:r>
+            <a:br>
+              <a:rPr dirty="0"/>
+            </a:br>
+            <a:endParaRPr dirty="0"/>
+          </a:p>
+          <a:p>
+            <a:r>
+              <a:rPr dirty="0"/>
+              <a:t>In diesem Folienmaster ist die Farbpalette festgelegt.</a:t>
+            </a:r>
+          </a:p>
+          <a:p>
+            <a:endParaRPr dirty="0"/>
+          </a:p>
+          <a:p>
+            <a:r>
+              <a:rPr dirty="0"/>
+              <a:t>Zuerst mit </a:t>
+            </a:r>
+            <a:r>
+              <a:rPr lang="de-DE" dirty="0"/>
+              <a:t>den Primärfarben </a:t>
+            </a:r>
+            <a:r>
+              <a:rPr dirty="0"/>
+              <a:t>arbeiten</a:t>
+            </a:r>
+            <a:r>
+              <a:rPr lang="de-DE" dirty="0"/>
+              <a:t>.</a:t>
+            </a:r>
+          </a:p>
+          <a:p>
+            <a:endParaRPr lang="de-DE" dirty="0"/>
+          </a:p>
+          <a:p>
+            <a:endParaRPr lang="de-DE" dirty="0"/>
+          </a:p>
+          <a:p>
+            <a:r>
+              <a:rPr dirty="0"/>
+              <a:t>Für z.B. komplexe Diagramme stehen noch</a:t>
+            </a:r>
+            <a:r>
+              <a:rPr lang="de-DE" dirty="0"/>
+              <a:t>Sekundärfarben </a:t>
+            </a:r>
+            <a:r>
+              <a:rPr dirty="0"/>
+              <a:t>zur Verfügung.</a:t>
+            </a:r>
+          </a:p>
+          <a:p>
+            <a:endParaRPr dirty="0"/>
+          </a:p>
+          <a:p>
+            <a:endParaRPr dirty="0"/>
+          </a:p>
+          <a:p>
+            <a:r>
+              <a:rPr lang="de-DE" dirty="0"/>
+              <a:t>Gering im Einsatz sind die Akzentfarben.</a:t>
+            </a:r>
+            <a:endParaRPr dirty="0"/>
+          </a:p>
+          <a:p>
+            <a:endParaRPr dirty="0"/>
           </a:p>
         </p:txBody>
       </p:sp>
@@ -11913,7 +12003,11 @@
             <p:ph type="sldNum" sz="quarter" idx="11"/>
           </p:nvPr>
         </p:nvSpPr>
-        <p:spPr/>
+        <p:spPr>
+          <a:prstGeom prst="rect">
+            <a:avLst/>
+          </a:prstGeom>
+        </p:spPr>
         <p:txBody>
           <a:bodyPr/>
           <a:lstStyle/>
@@ -11929,7 +12023,7 @@
       </p:sp>
       <p:sp>
         <p:nvSpPr>
-          <p:cNvPr id="6" name="Fußzeilenplatzhalter 4"/>
+          <p:cNvPr id="19" name="Fußzeilenplatzhalter 4"/>
           <p:cNvSpPr>
             <a:spLocks noGrp="1"/>
           </p:cNvSpPr>
@@ -11970,9 +12064,573 @@
           <a:lstStyle/>
           <a:p>
             <a:r>
-              <a:rPr dirty="0"/>
-              <a:t>Texte</a:t>
-            </a:r>
+              <a:rPr sz="3000" dirty="0"/>
+              <a:t>Farben</a:t>
+            </a:r>
+            <a:endParaRPr lang="de-DE" sz="3000" dirty="0"/>
+          </a:p>
+        </p:txBody>
+      </p:sp>
+      <p:sp>
+        <p:nvSpPr>
+          <p:cNvPr id="14" name="Rechteck 13"/>
+          <p:cNvSpPr/>
+          <p:nvPr/>
+        </p:nvSpPr>
+        <p:spPr>
+          <a:xfrm>
+            <a:off x="321735" y="3843868"/>
+            <a:ext cx="855132" cy="245531"/>
+          </a:xfrm>
+          <a:prstGeom prst="rect">
+            <a:avLst/>
+          </a:prstGeom>
+          <a:solidFill>
+            <a:schemeClr val="bg2"/>
+          </a:solidFill>
+          <a:ln>
+            <a:noFill/>
+          </a:ln>
+        </p:spPr>
+        <p:style>
+          <a:lnRef idx="2">
+            <a:schemeClr val="accent1">
+              <a:shade val="50000"/>
+            </a:schemeClr>
+          </a:lnRef>
+          <a:fillRef idx="1">
+            <a:schemeClr val="accent1"/>
+          </a:fillRef>
+          <a:effectRef idx="0">
+            <a:schemeClr val="accent1"/>
+          </a:effectRef>
+          <a:fontRef idx="minor">
+            <a:schemeClr val="lt1"/>
+          </a:fontRef>
+        </p:style>
+        <p:txBody>
+          <a:bodyPr rot="0" spcFirstLastPara="0" vertOverflow="overflow" horzOverflow="overflow" vert="horz" wrap="square" lIns="91440" tIns="45720" rIns="91440" bIns="45720" numCol="1" spcCol="0" rtlCol="0" fromWordArt="0" anchor="t" anchorCtr="0" forceAA="0" compatLnSpc="1">
+            <a:prstTxWarp prst="textNoShape">
+              <a:avLst/>
+            </a:prstTxWarp>
+            <a:noAutofit/>
+          </a:bodyPr>
+          <a:lstStyle/>
+          <a:p>
+            <a:pPr algn="ctr">
+              <a:lnSpc>
+                <a:spcPct val="114000"/>
+              </a:lnSpc>
+            </a:pPr>
+            <a:endParaRPr lang="de-DE" dirty="0">
+              <a:solidFill>
+                <a:schemeClr val="accent1"/>
+              </a:solidFill>
+            </a:endParaRPr>
+          </a:p>
+        </p:txBody>
+      </p:sp>
+      <p:sp>
+        <p:nvSpPr>
+          <p:cNvPr id="24" name="Rechteck 23"/>
+          <p:cNvSpPr/>
+          <p:nvPr/>
+        </p:nvSpPr>
+        <p:spPr>
+          <a:xfrm>
+            <a:off x="1295402" y="3843868"/>
+            <a:ext cx="855132" cy="245531"/>
+          </a:xfrm>
+          <a:prstGeom prst="rect">
+            <a:avLst/>
+          </a:prstGeom>
+          <a:solidFill>
+            <a:schemeClr val="tx1"/>
+          </a:solidFill>
+          <a:ln>
+            <a:noFill/>
+          </a:ln>
+        </p:spPr>
+        <p:style>
+          <a:lnRef idx="2">
+            <a:schemeClr val="accent1">
+              <a:shade val="50000"/>
+            </a:schemeClr>
+          </a:lnRef>
+          <a:fillRef idx="1">
+            <a:schemeClr val="accent1"/>
+          </a:fillRef>
+          <a:effectRef idx="0">
+            <a:schemeClr val="accent1"/>
+          </a:effectRef>
+          <a:fontRef idx="minor">
+            <a:schemeClr val="lt1"/>
+          </a:fontRef>
+        </p:style>
+        <p:txBody>
+          <a:bodyPr rot="0" spcFirstLastPara="0" vertOverflow="overflow" horzOverflow="overflow" vert="horz" wrap="square" lIns="91440" tIns="45720" rIns="91440" bIns="45720" numCol="1" spcCol="0" rtlCol="0" fromWordArt="0" anchor="t" anchorCtr="0" forceAA="0" compatLnSpc="1">
+            <a:prstTxWarp prst="textNoShape">
+              <a:avLst/>
+            </a:prstTxWarp>
+            <a:noAutofit/>
+          </a:bodyPr>
+          <a:lstStyle/>
+          <a:p>
+            <a:pPr algn="ctr">
+              <a:lnSpc>
+                <a:spcPct val="114000"/>
+              </a:lnSpc>
+            </a:pPr>
+            <a:endParaRPr lang="de-DE" dirty="0">
+              <a:solidFill>
+                <a:schemeClr val="tx1"/>
+              </a:solidFill>
+            </a:endParaRPr>
+          </a:p>
+        </p:txBody>
+      </p:sp>
+      <p:sp>
+        <p:nvSpPr>
+          <p:cNvPr id="25" name="Rechteck 24"/>
+          <p:cNvSpPr/>
+          <p:nvPr/>
+        </p:nvSpPr>
+        <p:spPr>
+          <a:xfrm>
+            <a:off x="2260602" y="3843868"/>
+            <a:ext cx="855132" cy="245531"/>
+          </a:xfrm>
+          <a:prstGeom prst="rect">
+            <a:avLst/>
+          </a:prstGeom>
+          <a:solidFill>
+            <a:schemeClr val="bg1"/>
+          </a:solidFill>
+          <a:ln w="6350" cap="flat" cmpd="sng" algn="ctr">
+            <a:solidFill>
+              <a:schemeClr val="tx1"/>
+            </a:solidFill>
+            <a:prstDash val="solid"/>
+            <a:round/>
+            <a:headEnd type="none" w="med" len="med"/>
+            <a:tailEnd type="none" w="med" len="med"/>
+          </a:ln>
+        </p:spPr>
+        <p:style>
+          <a:lnRef idx="2">
+            <a:schemeClr val="accent1">
+              <a:shade val="50000"/>
+            </a:schemeClr>
+          </a:lnRef>
+          <a:fillRef idx="1">
+            <a:schemeClr val="accent1"/>
+          </a:fillRef>
+          <a:effectRef idx="0">
+            <a:schemeClr val="accent1"/>
+          </a:effectRef>
+          <a:fontRef idx="minor">
+            <a:schemeClr val="lt1"/>
+          </a:fontRef>
+        </p:style>
+        <p:txBody>
+          <a:bodyPr rot="0" spcFirstLastPara="0" vertOverflow="overflow" horzOverflow="overflow" vert="horz" wrap="square" lIns="91440" tIns="45720" rIns="91440" bIns="45720" numCol="1" spcCol="0" rtlCol="0" fromWordArt="0" anchor="t" anchorCtr="0" forceAA="0" compatLnSpc="1">
+            <a:prstTxWarp prst="textNoShape">
+              <a:avLst/>
+            </a:prstTxWarp>
+            <a:noAutofit/>
+          </a:bodyPr>
+          <a:lstStyle/>
+          <a:p>
+            <a:pPr algn="ctr">
+              <a:lnSpc>
+                <a:spcPct val="114000"/>
+              </a:lnSpc>
+            </a:pPr>
+            <a:endParaRPr lang="de-DE" dirty="0"/>
+          </a:p>
+        </p:txBody>
+      </p:sp>
+      <p:sp>
+        <p:nvSpPr>
+          <p:cNvPr id="26" name="Rechteck 25"/>
+          <p:cNvSpPr/>
+          <p:nvPr/>
+        </p:nvSpPr>
+        <p:spPr>
+          <a:xfrm>
+            <a:off x="321735" y="4665135"/>
+            <a:ext cx="855132" cy="245531"/>
+          </a:xfrm>
+          <a:prstGeom prst="rect">
+            <a:avLst/>
+          </a:prstGeom>
+          <a:solidFill>
+            <a:schemeClr val="accent1"/>
+          </a:solidFill>
+          <a:ln>
+            <a:noFill/>
+          </a:ln>
+        </p:spPr>
+        <p:style>
+          <a:lnRef idx="2">
+            <a:schemeClr val="accent1">
+              <a:shade val="50000"/>
+            </a:schemeClr>
+          </a:lnRef>
+          <a:fillRef idx="1">
+            <a:schemeClr val="accent1"/>
+          </a:fillRef>
+          <a:effectRef idx="0">
+            <a:schemeClr val="accent1"/>
+          </a:effectRef>
+          <a:fontRef idx="minor">
+            <a:schemeClr val="lt1"/>
+          </a:fontRef>
+        </p:style>
+        <p:txBody>
+          <a:bodyPr rot="0" spcFirstLastPara="0" vertOverflow="overflow" horzOverflow="overflow" vert="horz" wrap="square" lIns="91440" tIns="45720" rIns="91440" bIns="45720" numCol="1" spcCol="0" rtlCol="0" fromWordArt="0" anchor="t" anchorCtr="0" forceAA="0" compatLnSpc="1">
+            <a:prstTxWarp prst="textNoShape">
+              <a:avLst/>
+            </a:prstTxWarp>
+            <a:noAutofit/>
+          </a:bodyPr>
+          <a:lstStyle/>
+          <a:p>
+            <a:pPr algn="ctr">
+              <a:lnSpc>
+                <a:spcPct val="114000"/>
+              </a:lnSpc>
+            </a:pPr>
+            <a:endParaRPr lang="de-DE" dirty="0"/>
+          </a:p>
+        </p:txBody>
+      </p:sp>
+      <p:sp>
+        <p:nvSpPr>
+          <p:cNvPr id="27" name="Rechteck 26"/>
+          <p:cNvSpPr/>
+          <p:nvPr/>
+        </p:nvSpPr>
+        <p:spPr>
+          <a:xfrm>
+            <a:off x="1295402" y="4665135"/>
+            <a:ext cx="855132" cy="245531"/>
+          </a:xfrm>
+          <a:prstGeom prst="rect">
+            <a:avLst/>
+          </a:prstGeom>
+          <a:solidFill>
+            <a:schemeClr val="accent2"/>
+          </a:solidFill>
+          <a:ln>
+            <a:noFill/>
+          </a:ln>
+        </p:spPr>
+        <p:style>
+          <a:lnRef idx="2">
+            <a:schemeClr val="accent1">
+              <a:shade val="50000"/>
+            </a:schemeClr>
+          </a:lnRef>
+          <a:fillRef idx="1">
+            <a:schemeClr val="accent1"/>
+          </a:fillRef>
+          <a:effectRef idx="0">
+            <a:schemeClr val="accent1"/>
+          </a:effectRef>
+          <a:fontRef idx="minor">
+            <a:schemeClr val="lt1"/>
+          </a:fontRef>
+        </p:style>
+        <p:txBody>
+          <a:bodyPr rot="0" spcFirstLastPara="0" vertOverflow="overflow" horzOverflow="overflow" vert="horz" wrap="square" lIns="91440" tIns="45720" rIns="91440" bIns="45720" numCol="1" spcCol="0" rtlCol="0" fromWordArt="0" anchor="t" anchorCtr="0" forceAA="0" compatLnSpc="1">
+            <a:prstTxWarp prst="textNoShape">
+              <a:avLst/>
+            </a:prstTxWarp>
+            <a:noAutofit/>
+          </a:bodyPr>
+          <a:lstStyle/>
+          <a:p>
+            <a:pPr algn="ctr">
+              <a:lnSpc>
+                <a:spcPct val="114000"/>
+              </a:lnSpc>
+            </a:pPr>
+            <a:endParaRPr lang="de-DE" dirty="0"/>
+          </a:p>
+        </p:txBody>
+      </p:sp>
+      <p:sp>
+        <p:nvSpPr>
+          <p:cNvPr id="28" name="Rechteck 27"/>
+          <p:cNvSpPr/>
+          <p:nvPr/>
+        </p:nvSpPr>
+        <p:spPr>
+          <a:xfrm>
+            <a:off x="2260602" y="4665135"/>
+            <a:ext cx="855132" cy="245531"/>
+          </a:xfrm>
+          <a:prstGeom prst="rect">
+            <a:avLst/>
+          </a:prstGeom>
+          <a:solidFill>
+            <a:schemeClr val="accent3"/>
+          </a:solidFill>
+          <a:ln>
+            <a:noFill/>
+          </a:ln>
+        </p:spPr>
+        <p:style>
+          <a:lnRef idx="2">
+            <a:schemeClr val="accent1">
+              <a:shade val="50000"/>
+            </a:schemeClr>
+          </a:lnRef>
+          <a:fillRef idx="1">
+            <a:schemeClr val="accent1"/>
+          </a:fillRef>
+          <a:effectRef idx="0">
+            <a:schemeClr val="accent1"/>
+          </a:effectRef>
+          <a:fontRef idx="minor">
+            <a:schemeClr val="lt1"/>
+          </a:fontRef>
+        </p:style>
+        <p:txBody>
+          <a:bodyPr rot="0" spcFirstLastPara="0" vertOverflow="overflow" horzOverflow="overflow" vert="horz" wrap="square" lIns="91440" tIns="45720" rIns="91440" bIns="45720" numCol="1" spcCol="0" rtlCol="0" fromWordArt="0" anchor="t" anchorCtr="0" forceAA="0" compatLnSpc="1">
+            <a:prstTxWarp prst="textNoShape">
+              <a:avLst/>
+            </a:prstTxWarp>
+            <a:noAutofit/>
+          </a:bodyPr>
+          <a:lstStyle/>
+          <a:p>
+            <a:pPr algn="ctr">
+              <a:lnSpc>
+                <a:spcPct val="114000"/>
+              </a:lnSpc>
+            </a:pPr>
+            <a:endParaRPr lang="de-DE" dirty="0"/>
+          </a:p>
+        </p:txBody>
+      </p:sp>
+      <p:sp>
+        <p:nvSpPr>
+          <p:cNvPr id="29" name="Rechteck 28"/>
+          <p:cNvSpPr/>
+          <p:nvPr/>
+        </p:nvSpPr>
+        <p:spPr>
+          <a:xfrm>
+            <a:off x="3225802" y="4665135"/>
+            <a:ext cx="855132" cy="245531"/>
+          </a:xfrm>
+          <a:prstGeom prst="rect">
+            <a:avLst/>
+          </a:prstGeom>
+          <a:solidFill>
+            <a:srgbClr val="999999"/>
+          </a:solidFill>
+          <a:ln>
+            <a:noFill/>
+          </a:ln>
+        </p:spPr>
+        <p:style>
+          <a:lnRef idx="2">
+            <a:schemeClr val="accent1">
+              <a:shade val="50000"/>
+            </a:schemeClr>
+          </a:lnRef>
+          <a:fillRef idx="1">
+            <a:schemeClr val="accent1"/>
+          </a:fillRef>
+          <a:effectRef idx="0">
+            <a:schemeClr val="accent1"/>
+          </a:effectRef>
+          <a:fontRef idx="minor">
+            <a:schemeClr val="lt1"/>
+          </a:fontRef>
+        </p:style>
+        <p:txBody>
+          <a:bodyPr rot="0" spcFirstLastPara="0" vertOverflow="overflow" horzOverflow="overflow" vert="horz" wrap="square" lIns="91440" tIns="45720" rIns="91440" bIns="45720" numCol="1" spcCol="0" rtlCol="0" fromWordArt="0" anchor="t" anchorCtr="0" forceAA="0" compatLnSpc="1">
+            <a:prstTxWarp prst="textNoShape">
+              <a:avLst/>
+            </a:prstTxWarp>
+            <a:noAutofit/>
+          </a:bodyPr>
+          <a:lstStyle/>
+          <a:p>
+            <a:pPr algn="ctr">
+              <a:lnSpc>
+                <a:spcPct val="114000"/>
+              </a:lnSpc>
+            </a:pPr>
+            <a:endParaRPr lang="de-DE" dirty="0"/>
+          </a:p>
+        </p:txBody>
+      </p:sp>
+      <p:sp>
+        <p:nvSpPr>
+          <p:cNvPr id="36" name="Rechteck 35"/>
+          <p:cNvSpPr/>
+          <p:nvPr/>
+        </p:nvSpPr>
+        <p:spPr>
+          <a:xfrm>
+            <a:off x="321735" y="5529793"/>
+            <a:ext cx="855132" cy="245531"/>
+          </a:xfrm>
+          <a:prstGeom prst="rect">
+            <a:avLst/>
+          </a:prstGeom>
+          <a:solidFill>
+            <a:schemeClr val="accent5"/>
+          </a:solidFill>
+          <a:ln>
+            <a:noFill/>
+          </a:ln>
+        </p:spPr>
+        <p:style>
+          <a:lnRef idx="2">
+            <a:schemeClr val="accent1">
+              <a:shade val="50000"/>
+            </a:schemeClr>
+          </a:lnRef>
+          <a:fillRef idx="1">
+            <a:schemeClr val="accent1"/>
+          </a:fillRef>
+          <a:effectRef idx="0">
+            <a:schemeClr val="accent1"/>
+          </a:effectRef>
+          <a:fontRef idx="minor">
+            <a:schemeClr val="lt1"/>
+          </a:fontRef>
+        </p:style>
+        <p:txBody>
+          <a:bodyPr rot="0" spcFirstLastPara="0" vertOverflow="overflow" horzOverflow="overflow" vert="horz" wrap="square" lIns="91440" tIns="45720" rIns="91440" bIns="45720" numCol="1" spcCol="0" rtlCol="0" fromWordArt="0" anchor="t" anchorCtr="0" forceAA="0" compatLnSpc="1">
+            <a:prstTxWarp prst="textNoShape">
+              <a:avLst/>
+            </a:prstTxWarp>
+            <a:noAutofit/>
+          </a:bodyPr>
+          <a:lstStyle/>
+          <a:p>
+            <a:pPr algn="ctr">
+              <a:lnSpc>
+                <a:spcPct val="114000"/>
+              </a:lnSpc>
+            </a:pPr>
+            <a:endParaRPr lang="de-DE" dirty="0"/>
+          </a:p>
+        </p:txBody>
+      </p:sp>
+      <p:sp>
+        <p:nvSpPr>
+          <p:cNvPr id="37" name="Rechteck 36"/>
+          <p:cNvSpPr/>
+          <p:nvPr/>
+        </p:nvSpPr>
+        <p:spPr>
+          <a:xfrm>
+            <a:off x="1295402" y="5529793"/>
+            <a:ext cx="855132" cy="245531"/>
+          </a:xfrm>
+          <a:prstGeom prst="rect">
+            <a:avLst/>
+          </a:prstGeom>
+          <a:solidFill>
+            <a:schemeClr val="accent4"/>
+          </a:solidFill>
+          <a:ln>
+            <a:noFill/>
+          </a:ln>
+        </p:spPr>
+        <p:style>
+          <a:lnRef idx="2">
+            <a:schemeClr val="accent1">
+              <a:shade val="50000"/>
+            </a:schemeClr>
+          </a:lnRef>
+          <a:fillRef idx="1">
+            <a:schemeClr val="accent1"/>
+          </a:fillRef>
+          <a:effectRef idx="0">
+            <a:schemeClr val="accent1"/>
+          </a:effectRef>
+          <a:fontRef idx="minor">
+            <a:schemeClr val="lt1"/>
+          </a:fontRef>
+        </p:style>
+        <p:txBody>
+          <a:bodyPr rot="0" spcFirstLastPara="0" vertOverflow="overflow" horzOverflow="overflow" vert="horz" wrap="square" lIns="91440" tIns="45720" rIns="91440" bIns="45720" numCol="1" spcCol="0" rtlCol="0" fromWordArt="0" anchor="t" anchorCtr="0" forceAA="0" compatLnSpc="1">
+            <a:prstTxWarp prst="textNoShape">
+              <a:avLst/>
+            </a:prstTxWarp>
+            <a:noAutofit/>
+          </a:bodyPr>
+          <a:lstStyle/>
+          <a:p>
+            <a:pPr algn="ctr">
+              <a:lnSpc>
+                <a:spcPct val="114000"/>
+              </a:lnSpc>
+            </a:pPr>
+            <a:endParaRPr lang="de-DE" dirty="0"/>
+          </a:p>
+        </p:txBody>
+      </p:sp>
+      <p:sp>
+        <p:nvSpPr>
+          <p:cNvPr id="38" name="Rechteck 37"/>
+          <p:cNvSpPr/>
+          <p:nvPr/>
+        </p:nvSpPr>
+        <p:spPr>
+          <a:xfrm>
+            <a:off x="2260602" y="5529793"/>
+            <a:ext cx="855132" cy="245531"/>
+          </a:xfrm>
+          <a:prstGeom prst="rect">
+            <a:avLst/>
+          </a:prstGeom>
+          <a:solidFill>
+            <a:schemeClr val="accent6"/>
+          </a:solidFill>
+          <a:ln>
+            <a:noFill/>
+          </a:ln>
+        </p:spPr>
+        <p:style>
+          <a:lnRef idx="2">
+            <a:schemeClr val="accent1">
+              <a:shade val="50000"/>
+            </a:schemeClr>
+          </a:lnRef>
+          <a:fillRef idx="1">
+            <a:schemeClr val="accent1"/>
+          </a:fillRef>
+          <a:effectRef idx="0">
+            <a:schemeClr val="accent1"/>
+          </a:effectRef>
+          <a:fontRef idx="minor">
+            <a:schemeClr val="lt1"/>
+          </a:fontRef>
+        </p:style>
+        <p:txBody>
+          <a:bodyPr rot="0" spcFirstLastPara="0" vertOverflow="overflow" horzOverflow="overflow" vert="horz" wrap="square" lIns="91440" tIns="45720" rIns="91440" bIns="45720" numCol="1" spcCol="0" rtlCol="0" fromWordArt="0" anchor="t" anchorCtr="0" forceAA="0" compatLnSpc="1">
+            <a:prstTxWarp prst="textNoShape">
+              <a:avLst/>
+            </a:prstTxWarp>
+            <a:noAutofit/>
+          </a:bodyPr>
+          <a:lstStyle/>
+          <a:p>
+            <a:pPr algn="ctr">
+              <a:lnSpc>
+                <a:spcPct val="114000"/>
+              </a:lnSpc>
+            </a:pPr>
             <a:endParaRPr lang="de-DE" dirty="0"/>
           </a:p>
         </p:txBody>
@@ -12018,94 +12676,24 @@
           <a:lstStyle/>
           <a:p>
             <a:r>
-              <a:rPr lang="de-DE"/>
-              <a:t>Bei kleinen Aufzählungen auf Aufzählungszeichen verzichten und ggf. zusätzliche Leerzeile</a:t>
-            </a:r>
-          </a:p>
-          <a:p>
-            <a:r>
-              <a:rPr lang="de-DE"/>
-              <a:t>Nur die wesentlichen Punkte nennen und Themen auf verschiedene Seiten splitten.</a:t>
-            </a:r>
-          </a:p>
-          <a:p>
-            <a:endParaRPr lang="de-DE"/>
-          </a:p>
-          <a:p>
-            <a:r>
-              <a:rPr lang="de-DE"/>
-              <a:t>Punkt 1</a:t>
-            </a:r>
-          </a:p>
-          <a:p>
-            <a:endParaRPr lang="de-DE"/>
-          </a:p>
-          <a:p>
-            <a:r>
-              <a:rPr lang="de-DE"/>
-              <a:t>Punkt 2</a:t>
-            </a:r>
-          </a:p>
-          <a:p>
-            <a:endParaRPr lang="de-DE"/>
-          </a:p>
-          <a:p>
-            <a:r>
-              <a:rPr lang="de-DE"/>
-              <a:t>Wenn Unterpunkte in einer Aufzählung nötig sind ist ein Einrücken mit – möglich</a:t>
-            </a:r>
-          </a:p>
-          <a:p>
-            <a:pPr lvl="1"/>
-            <a:r>
-              <a:rPr lang="de-DE"/>
-              <a:t>Unterpunkt 1</a:t>
-            </a:r>
-          </a:p>
-          <a:p>
-            <a:pPr lvl="2"/>
-            <a:r>
-              <a:rPr lang="de-DE"/>
-              <a:t>Unterpunkt 1</a:t>
-            </a:r>
-          </a:p>
-          <a:p>
-            <a:pPr lvl="2"/>
-            <a:r>
-              <a:rPr lang="de-DE"/>
-              <a:t>Unterpunkt 2</a:t>
-            </a:r>
-          </a:p>
-          <a:p>
-            <a:endParaRPr lang="de-DE"/>
-          </a:p>
-          <a:p>
-            <a:r>
-              <a:rPr lang="de-DE"/>
-              <a:t>Bei größeren Listen die Standardeinstellung • verwenden</a:t>
-            </a:r>
-          </a:p>
-          <a:p>
-            <a:pPr lvl="1"/>
-            <a:r>
-              <a:rPr lang="de-DE"/>
-              <a:t>Unterpunkt 1</a:t>
-            </a:r>
-          </a:p>
-          <a:p>
-            <a:pPr lvl="1"/>
-            <a:r>
-              <a:rPr lang="de-DE"/>
-              <a:t>Unterpunkt 2</a:t>
-            </a:r>
-          </a:p>
-          <a:p>
-            <a:pPr lvl="1"/>
-            <a:r>
-              <a:rPr lang="de-DE"/>
-              <a:t>Unterpunkt 3</a:t>
-            </a:r>
-            <a:endParaRPr lang="de-DE" dirty="0"/>
+              <a:rPr/>
+              <a:t>Kurze und knappe Texte, Fließtexte linksbündig, kein Blocksatz</a:t>
+            </a:r>
+          </a:p>
+          <a:p>
+            <a:endParaRPr/>
+          </a:p>
+          <a:p>
+            <a:r>
+              <a:rPr/>
+              <a:t>Beispiel:</a:t>
+            </a:r>
+          </a:p>
+          <a:p>
+            <a:r>
+              <a:rPr/>
+              <a:t>Tem soluptam, nisi as verum ereprehendam at acculpa quidisq uissit volupta tusdant utem as etur, odi odis es doluptiae dem nimaion con nossinctenis pora quam voloria consenimus blabore everfer epeliquo maio etur.</a:t>
+            </a:r>
           </a:p>
         </p:txBody>
       </p:sp>
@@ -12135,7 +12723,7 @@
       </p:sp>
       <p:sp>
         <p:nvSpPr>
-          <p:cNvPr id="5" name="Fußzeilenplatzhalter 4"/>
+          <p:cNvPr id="6" name="Fußzeilenplatzhalter 4"/>
           <p:cNvSpPr>
             <a:spLocks noGrp="1"/>
           </p:cNvSpPr>
@@ -12166,14 +12754,18 @@
             <p:ph type="title"/>
           </p:nvPr>
         </p:nvSpPr>
-        <p:spPr/>
+        <p:spPr>
+          <a:prstGeom prst="rect">
+            <a:avLst/>
+          </a:prstGeom>
+        </p:spPr>
         <p:txBody>
           <a:bodyPr/>
           <a:lstStyle/>
           <a:p>
             <a:r>
-              <a:rPr lang="de-DE"/>
-              <a:t>Aufzählung</a:t>
+              <a:rPr dirty="0"/>
+              <a:t>Texte</a:t>
             </a:r>
             <a:endParaRPr lang="de-DE" dirty="0"/>
           </a:p>
@@ -12220,30 +12812,94 @@
           <a:lstStyle/>
           <a:p>
             <a:r>
-              <a:rPr/>
-              <a:t>schlichte Darstellung von Informationen</a:t>
-            </a:r>
-          </a:p>
-          <a:p>
-            <a:endParaRPr/>
-          </a:p>
-          <a:p>
-            <a:r>
-              <a:rPr/>
-              <a:t>reduzierte Farben</a:t>
-            </a:r>
-          </a:p>
-          <a:p>
-            <a:endParaRPr/>
-          </a:p>
-          <a:p>
-            <a:r>
-              <a:rPr/>
-              <a:t>Rahmen und Überlagerungen nach Möglichkeit vermeiden</a:t>
-            </a:r>
-          </a:p>
-          <a:p>
-            <a:endParaRPr dirty="0"/>
+              <a:rPr lang="de-DE"/>
+              <a:t>Bei kleinen Aufzählungen auf Aufzählungszeichen verzichten und ggf. zusätzliche Leerzeile</a:t>
+            </a:r>
+          </a:p>
+          <a:p>
+            <a:r>
+              <a:rPr lang="de-DE"/>
+              <a:t>Nur die wesentlichen Punkte nennen und Themen auf verschiedene Seiten splitten.</a:t>
+            </a:r>
+          </a:p>
+          <a:p>
+            <a:endParaRPr lang="de-DE"/>
+          </a:p>
+          <a:p>
+            <a:r>
+              <a:rPr lang="de-DE"/>
+              <a:t>Punkt 1</a:t>
+            </a:r>
+          </a:p>
+          <a:p>
+            <a:endParaRPr lang="de-DE"/>
+          </a:p>
+          <a:p>
+            <a:r>
+              <a:rPr lang="de-DE"/>
+              <a:t>Punkt 2</a:t>
+            </a:r>
+          </a:p>
+          <a:p>
+            <a:endParaRPr lang="de-DE"/>
+          </a:p>
+          <a:p>
+            <a:r>
+              <a:rPr lang="de-DE"/>
+              <a:t>Wenn Unterpunkte in einer Aufzählung nötig sind ist ein Einrücken mit – möglich</a:t>
+            </a:r>
+          </a:p>
+          <a:p>
+            <a:pPr lvl="1"/>
+            <a:r>
+              <a:rPr lang="de-DE"/>
+              <a:t>Unterpunkt 1</a:t>
+            </a:r>
+          </a:p>
+          <a:p>
+            <a:pPr lvl="2"/>
+            <a:r>
+              <a:rPr lang="de-DE"/>
+              <a:t>Unterpunkt 1</a:t>
+            </a:r>
+          </a:p>
+          <a:p>
+            <a:pPr lvl="2"/>
+            <a:r>
+              <a:rPr lang="de-DE"/>
+              <a:t>Unterpunkt 2</a:t>
+            </a:r>
+          </a:p>
+          <a:p>
+            <a:endParaRPr lang="de-DE"/>
+          </a:p>
+          <a:p>
+            <a:r>
+              <a:rPr lang="de-DE"/>
+              <a:t>Bei größeren Listen die Standardeinstellung • verwenden</a:t>
+            </a:r>
+          </a:p>
+          <a:p>
+            <a:pPr lvl="1"/>
+            <a:r>
+              <a:rPr lang="de-DE"/>
+              <a:t>Unterpunkt 1</a:t>
+            </a:r>
+          </a:p>
+          <a:p>
+            <a:pPr lvl="1"/>
+            <a:r>
+              <a:rPr lang="de-DE"/>
+              <a:t>Unterpunkt 2</a:t>
+            </a:r>
+          </a:p>
+          <a:p>
+            <a:pPr lvl="1"/>
+            <a:r>
+              <a:rPr lang="de-DE"/>
+              <a:t>Unterpunkt 3</a:t>
+            </a:r>
+            <a:endParaRPr lang="de-DE" dirty="0"/>
           </a:p>
         </p:txBody>
       </p:sp>
@@ -12273,7 +12929,7 @@
       </p:sp>
       <p:sp>
         <p:nvSpPr>
-          <p:cNvPr id="6" name="Fußzeilenplatzhalter 4"/>
+          <p:cNvPr id="5" name="Fußzeilenplatzhalter 4"/>
           <p:cNvSpPr>
             <a:spLocks noGrp="1"/>
           </p:cNvSpPr>
@@ -12304,20 +12960,16 @@
             <p:ph type="title"/>
           </p:nvPr>
         </p:nvSpPr>
-        <p:spPr>
-          <a:prstGeom prst="rect">
-            <a:avLst/>
-          </a:prstGeom>
-        </p:spPr>
+        <p:spPr/>
         <p:txBody>
           <a:bodyPr/>
           <a:lstStyle/>
           <a:p>
             <a:r>
-              <a:rPr sz="3000"/>
-              <a:t>Bilder - Allgemein</a:t>
-            </a:r>
-            <a:endParaRPr lang="de-DE" sz="3000" dirty="0"/>
+              <a:rPr lang="de-DE"/>
+              <a:t>Aufzählung</a:t>
+            </a:r>
+            <a:endParaRPr lang="de-DE" dirty="0"/>
           </a:p>
         </p:txBody>
       </p:sp>
@@ -12348,12 +13000,12 @@
       </p:grpSpPr>
       <p:sp>
         <p:nvSpPr>
-          <p:cNvPr id="3" name="Textplatzhalter 2"/>
-          <p:cNvSpPr>
-            <a:spLocks noGrp="1"/>
-          </p:cNvSpPr>
-          <p:nvPr>
-            <p:ph type="body" sz="quarter" idx="13"/>
+          <p:cNvPr id="2" name="Inhaltsplatzhalter 1"/>
+          <p:cNvSpPr>
+            <a:spLocks noGrp="1"/>
+          </p:cNvSpPr>
+          <p:nvPr>
+            <p:ph idx="1"/>
           </p:nvPr>
         </p:nvSpPr>
         <p:spPr/>
@@ -12362,27 +13014,41 @@
           <a:lstStyle/>
           <a:p>
             <a:r>
-              <a:rPr lang="de-DE"/>
-              <a:t>Bildbeschreibung</a:t>
-            </a:r>
-            <a:br>
-              <a:rPr lang="de-DE"/>
-            </a:br>
-            <a:r>
-              <a:rPr lang="de-DE"/>
-              <a:t>oberer Bildrand: Begrenzung durch Text</a:t>
-            </a:r>
-          </a:p>
-        </p:txBody>
-      </p:sp>
-      <p:sp>
-        <p:nvSpPr>
-          <p:cNvPr id="5" name="Foliennummernplatzhalter 4"/>
-          <p:cNvSpPr>
-            <a:spLocks noGrp="1"/>
-          </p:cNvSpPr>
-          <p:nvPr>
-            <p:ph type="sldNum" sz="quarter" idx="15"/>
+              <a:rPr/>
+              <a:t>schlichte Darstellung von Informationen</a:t>
+            </a:r>
+          </a:p>
+          <a:p>
+            <a:endParaRPr/>
+          </a:p>
+          <a:p>
+            <a:r>
+              <a:rPr/>
+              <a:t>reduzierte Farben</a:t>
+            </a:r>
+          </a:p>
+          <a:p>
+            <a:endParaRPr/>
+          </a:p>
+          <a:p>
+            <a:r>
+              <a:rPr/>
+              <a:t>Rahmen und Überlagerungen nach Möglichkeit vermeiden</a:t>
+            </a:r>
+          </a:p>
+          <a:p>
+            <a:endParaRPr dirty="0"/>
+          </a:p>
+        </p:txBody>
+      </p:sp>
+      <p:sp>
+        <p:nvSpPr>
+          <p:cNvPr id="4" name="Foliennummernplatzhalter 3"/>
+          <p:cNvSpPr>
+            <a:spLocks noGrp="1"/>
+          </p:cNvSpPr>
+          <p:nvPr>
+            <p:ph type="sldNum" sz="quarter" idx="11"/>
           </p:nvPr>
         </p:nvSpPr>
         <p:spPr/>
@@ -12401,12 +13067,12 @@
       </p:sp>
       <p:sp>
         <p:nvSpPr>
-          <p:cNvPr id="10" name="Fußzeilenplatzhalter 4"/>
-          <p:cNvSpPr>
-            <a:spLocks noGrp="1"/>
-          </p:cNvSpPr>
-          <p:nvPr>
-            <p:ph type="ftr" sz="quarter" idx="16"/>
+          <p:cNvPr id="6" name="Fußzeilenplatzhalter 4"/>
+          <p:cNvSpPr>
+            <a:spLocks noGrp="1"/>
+          </p:cNvSpPr>
+          <p:nvPr>
+            <p:ph type="ftr" sz="quarter" idx="12"/>
           </p:nvPr>
         </p:nvSpPr>
         <p:spPr/>
@@ -12424,55 +13090,28 @@
       </p:sp>
       <p:sp>
         <p:nvSpPr>
-          <p:cNvPr id="22" name="Inhaltsplatzhalter 21"/>
-          <p:cNvSpPr>
-            <a:spLocks noGrp="1"/>
-          </p:cNvSpPr>
-          <p:nvPr>
-            <p:ph sz="quarter" idx="18"/>
-          </p:nvPr>
-        </p:nvSpPr>
-        <p:spPr/>
+          <p:cNvPr id="3" name="Titel 2"/>
+          <p:cNvSpPr>
+            <a:spLocks noGrp="1"/>
+          </p:cNvSpPr>
+          <p:nvPr>
+            <p:ph type="title"/>
+          </p:nvPr>
+        </p:nvSpPr>
+        <p:spPr>
+          <a:prstGeom prst="rect">
+            <a:avLst/>
+          </a:prstGeom>
+        </p:spPr>
         <p:txBody>
           <a:bodyPr/>
           <a:lstStyle/>
           <a:p>
-            <a:endParaRPr lang="de-DE"/>
-          </a:p>
-        </p:txBody>
-      </p:sp>
-      <p:sp>
-        <p:nvSpPr>
-          <p:cNvPr id="21" name="Bildplatzhalter 20"/>
-          <p:cNvSpPr>
-            <a:spLocks noGrp="1"/>
-          </p:cNvSpPr>
-          <p:nvPr>
-            <p:ph type="pic" sz="quarter" idx="14"/>
-          </p:nvPr>
-        </p:nvSpPr>
-        <p:spPr/>
-      </p:sp>
-      <p:sp>
-        <p:nvSpPr>
-          <p:cNvPr id="4" name="Titel 3"/>
-          <p:cNvSpPr>
-            <a:spLocks noGrp="1"/>
-          </p:cNvSpPr>
-          <p:nvPr>
-            <p:ph type="title"/>
-          </p:nvPr>
-        </p:nvSpPr>
-        <p:spPr/>
-        <p:txBody>
-          <a:bodyPr/>
-          <a:lstStyle/>
-          <a:p>
-            <a:r>
-              <a:rPr lang="de-DE"/>
-              <a:t>Bilder</a:t>
-            </a:r>
-            <a:endParaRPr lang="de-DE" dirty="0"/>
+            <a:r>
+              <a:rPr sz="3000"/>
+              <a:t>Bilder - Allgemein</a:t>
+            </a:r>
+            <a:endParaRPr lang="de-DE" sz="3000" dirty="0"/>
           </a:p>
         </p:txBody>
       </p:sp>
@@ -12508,7 +13147,7 @@
             <a:spLocks noGrp="1"/>
           </p:cNvSpPr>
           <p:nvPr>
-            <p:ph idx="14"/>
+            <p:ph type="body" sz="quarter" idx="13"/>
           </p:nvPr>
         </p:nvSpPr>
         <p:spPr/>
@@ -12517,76 +13156,16 @@
           <a:lstStyle/>
           <a:p>
             <a:r>
-              <a:rPr lang="de-DE" dirty="0"/>
-              <a:t>Überschrift 2</a:t>
-            </a:r>
-          </a:p>
-          <a:p>
-            <a:r>
-              <a:rPr lang="de-DE" dirty="0"/>
-              <a:t>Hier steht ein einleitender oder beschreibender Fließtext und nach Wunsch eine Aufzählung</a:t>
-            </a:r>
-          </a:p>
-          <a:p>
-            <a:endParaRPr lang="de-DE" dirty="0"/>
-          </a:p>
-          <a:p>
-            <a:r>
-              <a:rPr lang="de-DE" dirty="0"/>
-              <a:t>Punkt 1</a:t>
-            </a:r>
-          </a:p>
-          <a:p>
-            <a:endParaRPr lang="de-DE" dirty="0"/>
-          </a:p>
-          <a:p>
-            <a:r>
-              <a:rPr lang="de-DE" dirty="0"/>
-              <a:t>Punkt 2</a:t>
-            </a:r>
-          </a:p>
-          <a:p>
-            <a:endParaRPr lang="de-DE" dirty="0"/>
-          </a:p>
-          <a:p>
-            <a:r>
-              <a:rPr lang="de-DE" dirty="0"/>
-              <a:t>Punkt 3</a:t>
-            </a:r>
-          </a:p>
-          <a:p>
-            <a:endParaRPr lang="de-DE" dirty="0"/>
-          </a:p>
-          <a:p>
-            <a:r>
-              <a:rPr lang="de-DE" dirty="0"/>
-              <a:t>Punkt 4</a:t>
-            </a:r>
-          </a:p>
-          <a:p>
-            <a:endParaRPr lang="de-DE" dirty="0"/>
-          </a:p>
-          <a:p>
-            <a:endParaRPr lang="de-DE" dirty="0"/>
-          </a:p>
-        </p:txBody>
-      </p:sp>
-      <p:sp>
-        <p:nvSpPr>
-          <p:cNvPr id="18" name="Inhaltsplatzhalter 17"/>
-          <p:cNvSpPr>
-            <a:spLocks noGrp="1"/>
-          </p:cNvSpPr>
-          <p:nvPr>
-            <p:ph idx="15"/>
-          </p:nvPr>
-        </p:nvSpPr>
-        <p:spPr/>
-        <p:txBody>
-          <a:bodyPr/>
-          <a:lstStyle/>
-          <a:p>
-            <a:endParaRPr lang="de-DE"/>
+              <a:rPr lang="de-DE"/>
+              <a:t>Bildbeschreibung</a:t>
+            </a:r>
+            <a:br>
+              <a:rPr lang="de-DE"/>
+            </a:br>
+            <a:r>
+              <a:rPr lang="de-DE"/>
+              <a:t>oberer Bildrand: Begrenzung durch Text</a:t>
+            </a:r>
           </a:p>
         </p:txBody>
       </p:sp>
@@ -12597,7 +13176,7 @@
             <a:spLocks noGrp="1"/>
           </p:cNvSpPr>
           <p:nvPr>
-            <p:ph type="sldNum" sz="quarter" idx="16"/>
+            <p:ph type="sldNum" sz="quarter" idx="15"/>
           </p:nvPr>
         </p:nvSpPr>
         <p:spPr/>
@@ -12616,12 +13195,12 @@
       </p:sp>
       <p:sp>
         <p:nvSpPr>
-          <p:cNvPr id="7" name="Fußzeilenplatzhalter 4"/>
-          <p:cNvSpPr>
-            <a:spLocks noGrp="1"/>
-          </p:cNvSpPr>
-          <p:nvPr>
-            <p:ph type="ftr" sz="quarter" idx="17"/>
+          <p:cNvPr id="10" name="Fußzeilenplatzhalter 4"/>
+          <p:cNvSpPr>
+            <a:spLocks noGrp="1"/>
+          </p:cNvSpPr>
+          <p:nvPr>
+            <p:ph type="ftr" sz="quarter" idx="16"/>
           </p:nvPr>
         </p:nvSpPr>
         <p:spPr/>
@@ -12636,6 +13215,37 @@
             <a:endParaRPr lang="en-US" dirty="0"/>
           </a:p>
         </p:txBody>
+      </p:sp>
+      <p:sp>
+        <p:nvSpPr>
+          <p:cNvPr id="22" name="Inhaltsplatzhalter 21"/>
+          <p:cNvSpPr>
+            <a:spLocks noGrp="1"/>
+          </p:cNvSpPr>
+          <p:nvPr>
+            <p:ph sz="quarter" idx="18"/>
+          </p:nvPr>
+        </p:nvSpPr>
+        <p:spPr/>
+        <p:txBody>
+          <a:bodyPr/>
+          <a:lstStyle/>
+          <a:p>
+            <a:endParaRPr lang="de-DE"/>
+          </a:p>
+        </p:txBody>
+      </p:sp>
+      <p:sp>
+        <p:nvSpPr>
+          <p:cNvPr id="21" name="Bildplatzhalter 20"/>
+          <p:cNvSpPr>
+            <a:spLocks noGrp="1"/>
+          </p:cNvSpPr>
+          <p:nvPr>
+            <p:ph type="pic" sz="quarter" idx="14"/>
+          </p:nvPr>
+        </p:nvSpPr>
+        <p:spPr/>
       </p:sp>
       <p:sp>
         <p:nvSpPr>
@@ -12687,12 +13297,12 @@
       </p:grpSpPr>
       <p:sp>
         <p:nvSpPr>
-          <p:cNvPr id="18" name="Inhaltsplatzhalter 17"/>
-          <p:cNvSpPr>
-            <a:spLocks noGrp="1"/>
-          </p:cNvSpPr>
-          <p:nvPr>
-            <p:ph idx="1"/>
+          <p:cNvPr id="3" name="Textplatzhalter 2"/>
+          <p:cNvSpPr>
+            <a:spLocks noGrp="1"/>
+          </p:cNvSpPr>
+          <p:nvPr>
+            <p:ph idx="14"/>
           </p:nvPr>
         </p:nvSpPr>
         <p:spPr/>
@@ -12700,6 +13310,76 @@
           <a:bodyPr/>
           <a:lstStyle/>
           <a:p>
+            <a:r>
+              <a:rPr lang="de-DE" dirty="0"/>
+              <a:t>Überschrift 2</a:t>
+            </a:r>
+          </a:p>
+          <a:p>
+            <a:r>
+              <a:rPr lang="de-DE" dirty="0"/>
+              <a:t>Hier steht ein einleitender oder beschreibender Fließtext und nach Wunsch eine Aufzählung</a:t>
+            </a:r>
+          </a:p>
+          <a:p>
+            <a:endParaRPr lang="de-DE" dirty="0"/>
+          </a:p>
+          <a:p>
+            <a:r>
+              <a:rPr lang="de-DE" dirty="0"/>
+              <a:t>Punkt 1</a:t>
+            </a:r>
+          </a:p>
+          <a:p>
+            <a:endParaRPr lang="de-DE" dirty="0"/>
+          </a:p>
+          <a:p>
+            <a:r>
+              <a:rPr lang="de-DE" dirty="0"/>
+              <a:t>Punkt 2</a:t>
+            </a:r>
+          </a:p>
+          <a:p>
+            <a:endParaRPr lang="de-DE" dirty="0"/>
+          </a:p>
+          <a:p>
+            <a:r>
+              <a:rPr lang="de-DE" dirty="0"/>
+              <a:t>Punkt 3</a:t>
+            </a:r>
+          </a:p>
+          <a:p>
+            <a:endParaRPr lang="de-DE" dirty="0"/>
+          </a:p>
+          <a:p>
+            <a:r>
+              <a:rPr lang="de-DE" dirty="0"/>
+              <a:t>Punkt 4</a:t>
+            </a:r>
+          </a:p>
+          <a:p>
+            <a:endParaRPr lang="de-DE" dirty="0"/>
+          </a:p>
+          <a:p>
+            <a:endParaRPr lang="de-DE" dirty="0"/>
+          </a:p>
+        </p:txBody>
+      </p:sp>
+      <p:sp>
+        <p:nvSpPr>
+          <p:cNvPr id="18" name="Inhaltsplatzhalter 17"/>
+          <p:cNvSpPr>
+            <a:spLocks noGrp="1"/>
+          </p:cNvSpPr>
+          <p:nvPr>
+            <p:ph idx="15"/>
+          </p:nvPr>
+        </p:nvSpPr>
+        <p:spPr/>
+        <p:txBody>
+          <a:bodyPr/>
+          <a:lstStyle/>
+          <a:p>
             <a:endParaRPr lang="de-DE"/>
           </a:p>
         </p:txBody>
@@ -12711,7 +13391,7 @@
             <a:spLocks noGrp="1"/>
           </p:cNvSpPr>
           <p:nvPr>
-            <p:ph type="sldNum" sz="quarter" idx="11"/>
+            <p:ph type="sldNum" sz="quarter" idx="16"/>
           </p:nvPr>
         </p:nvSpPr>
         <p:spPr/>
@@ -12730,12 +13410,12 @@
       </p:sp>
       <p:sp>
         <p:nvSpPr>
-          <p:cNvPr id="8" name="Fußzeilenplatzhalter 4"/>
-          <p:cNvSpPr>
-            <a:spLocks noGrp="1"/>
-          </p:cNvSpPr>
-          <p:nvPr>
-            <p:ph type="ftr" sz="quarter" idx="12"/>
+          <p:cNvPr id="7" name="Fußzeilenplatzhalter 4"/>
+          <p:cNvSpPr>
+            <a:spLocks noGrp="1"/>
+          </p:cNvSpPr>
+          <p:nvPr>
+            <p:ph type="ftr" sz="quarter" idx="17"/>
           </p:nvPr>
         </p:nvSpPr>
         <p:spPr/>
@@ -12748,35 +13428,6 @@
               <a:t>Dr. rer. nat. Erika Mustermann (TUM) | kann beliebig erweitert werden | Infos mit Strich trennen</a:t>
             </a:r>
             <a:endParaRPr lang="en-US" dirty="0"/>
-          </a:p>
-        </p:txBody>
-      </p:sp>
-      <p:sp>
-        <p:nvSpPr>
-          <p:cNvPr id="3" name="Textplatzhalter 2"/>
-          <p:cNvSpPr>
-            <a:spLocks noGrp="1"/>
-          </p:cNvSpPr>
-          <p:nvPr>
-            <p:ph type="body" sz="quarter" idx="13"/>
-          </p:nvPr>
-        </p:nvSpPr>
-        <p:spPr/>
-        <p:txBody>
-          <a:bodyPr/>
-          <a:lstStyle/>
-          <a:p>
-            <a:r>
-              <a:rPr lang="de-DE"/>
-              <a:t>Bildbeschreibung</a:t>
-            </a:r>
-            <a:br>
-              <a:rPr lang="de-DE"/>
-            </a:br>
-            <a:r>
-              <a:rPr lang="de-DE"/>
-              <a:t>oberer Bildrand: Begrenzung durch Text</a:t>
-            </a:r>
           </a:p>
         </p:txBody>
       </p:sp>
@@ -12830,12 +13481,12 @@
       </p:grpSpPr>
       <p:sp>
         <p:nvSpPr>
-          <p:cNvPr id="3" name="Textplatzhalter 2"/>
-          <p:cNvSpPr>
-            <a:spLocks noGrp="1"/>
-          </p:cNvSpPr>
-          <p:nvPr>
-            <p:ph type="body" sz="quarter" idx="13"/>
+          <p:cNvPr id="18" name="Inhaltsplatzhalter 17"/>
+          <p:cNvSpPr>
+            <a:spLocks noGrp="1"/>
+          </p:cNvSpPr>
+          <p:nvPr>
+            <p:ph idx="1"/>
           </p:nvPr>
         </p:nvSpPr>
         <p:spPr/>
@@ -12843,17 +13494,7 @@
           <a:bodyPr/>
           <a:lstStyle/>
           <a:p>
-            <a:r>
-              <a:rPr lang="de-DE"/>
-              <a:t>Bildbeschreibung</a:t>
-            </a:r>
-            <a:br>
-              <a:rPr lang="de-DE"/>
-            </a:br>
-            <a:r>
-              <a:rPr lang="de-DE"/>
-              <a:t>oberer Bildrand: Begrenzung durch Text</a:t>
-            </a:r>
+            <a:endParaRPr lang="de-DE"/>
           </a:p>
         </p:txBody>
       </p:sp>
@@ -12864,7 +13505,7 @@
             <a:spLocks noGrp="1"/>
           </p:cNvSpPr>
           <p:nvPr>
-            <p:ph type="sldNum" sz="quarter" idx="15"/>
+            <p:ph type="sldNum" sz="quarter" idx="11"/>
           </p:nvPr>
         </p:nvSpPr>
         <p:spPr/>
@@ -12883,12 +13524,12 @@
       </p:sp>
       <p:sp>
         <p:nvSpPr>
-          <p:cNvPr id="6" name="Fußzeilenplatzhalter 5"/>
-          <p:cNvSpPr>
-            <a:spLocks noGrp="1"/>
-          </p:cNvSpPr>
-          <p:nvPr>
-            <p:ph type="ftr" sz="quarter" idx="16"/>
+          <p:cNvPr id="8" name="Fußzeilenplatzhalter 4"/>
+          <p:cNvSpPr>
+            <a:spLocks noGrp="1"/>
+          </p:cNvSpPr>
+          <p:nvPr>
+            <p:ph type="ftr" sz="quarter" idx="12"/>
           </p:nvPr>
         </p:nvSpPr>
         <p:spPr/>
@@ -12897,23 +13538,41 @@
           <a:lstStyle/>
           <a:p>
             <a:r>
-              <a:rPr lang="de-DE" noProof="0"/>
+              <a:rPr lang="de-DE"/>
               <a:t>Dr. rer. nat. Erika Mustermann (TUM) | kann beliebig erweitert werden | Infos mit Strich trennen</a:t>
             </a:r>
-          </a:p>
-        </p:txBody>
-      </p:sp>
-      <p:sp>
-        <p:nvSpPr>
-          <p:cNvPr id="17" name="Bildplatzhalter 16"/>
-          <p:cNvSpPr>
-            <a:spLocks noGrp="1"/>
-          </p:cNvSpPr>
-          <p:nvPr>
-            <p:ph type="pic" sz="quarter" idx="17"/>
+            <a:endParaRPr lang="en-US" dirty="0"/>
+          </a:p>
+        </p:txBody>
+      </p:sp>
+      <p:sp>
+        <p:nvSpPr>
+          <p:cNvPr id="3" name="Textplatzhalter 2"/>
+          <p:cNvSpPr>
+            <a:spLocks noGrp="1"/>
+          </p:cNvSpPr>
+          <p:nvPr>
+            <p:ph type="body" sz="quarter" idx="13"/>
           </p:nvPr>
         </p:nvSpPr>
         <p:spPr/>
+        <p:txBody>
+          <a:bodyPr/>
+          <a:lstStyle/>
+          <a:p>
+            <a:r>
+              <a:rPr lang="de-DE"/>
+              <a:t>Bildbeschreibung</a:t>
+            </a:r>
+            <a:br>
+              <a:rPr lang="de-DE"/>
+            </a:br>
+            <a:r>
+              <a:rPr lang="de-DE"/>
+              <a:t>oberer Bildrand: Begrenzung durch Text</a:t>
+            </a:r>
+          </a:p>
+        </p:txBody>
       </p:sp>
       <p:sp>
         <p:nvSpPr>
@@ -12980,16 +13639,15 @@
           <a:p>
             <a:r>
               <a:rPr lang="de-DE"/>
-              <a:t>Weißer bzw. transparenter Hintergrund</a:t>
+              <a:t>Bildbeschreibung</a:t>
             </a:r>
             <a:br>
               <a:rPr lang="de-DE"/>
             </a:br>
             <a:r>
               <a:rPr lang="de-DE"/>
-              <a:t>mit genug Freiraum anordnen</a:t>
-            </a:r>
-            <a:endParaRPr lang="de-DE" dirty="0"/>
+              <a:t>oberer Bildrand: Begrenzung durch Text</a:t>
+            </a:r>
           </a:p>
         </p:txBody>
       </p:sp>
@@ -13019,7 +13677,7 @@
       </p:sp>
       <p:sp>
         <p:nvSpPr>
-          <p:cNvPr id="10" name="Fußzeilenplatzhalter 4"/>
+          <p:cNvPr id="6" name="Fußzeilenplatzhalter 5"/>
           <p:cNvSpPr>
             <a:spLocks noGrp="1"/>
           </p:cNvSpPr>
@@ -13033,16 +13691,15 @@
           <a:lstStyle/>
           <a:p>
             <a:r>
-              <a:rPr lang="de-DE"/>
+              <a:rPr lang="de-DE" noProof="0"/>
               <a:t>Dr. rer. nat. Erika Mustermann (TUM) | kann beliebig erweitert werden | Infos mit Strich trennen</a:t>
             </a:r>
-            <a:endParaRPr lang="en-US" dirty="0"/>
-          </a:p>
-        </p:txBody>
-      </p:sp>
-      <p:sp>
-        <p:nvSpPr>
-          <p:cNvPr id="18" name="Bildplatzhalter 17"/>
+          </a:p>
+        </p:txBody>
+      </p:sp>
+      <p:sp>
+        <p:nvSpPr>
+          <p:cNvPr id="17" name="Bildplatzhalter 16"/>
           <p:cNvSpPr>
             <a:spLocks noGrp="1"/>
           </p:cNvSpPr>
@@ -13069,7 +13726,7 @@
           <a:p>
             <a:r>
               <a:rPr lang="de-DE"/>
-              <a:t>Nicht formatfüllende Bilder</a:t>
+              <a:t>Bilder</a:t>
             </a:r>
             <a:endParaRPr lang="de-DE" dirty="0"/>
           </a:p>
@@ -13102,19 +13759,37 @@
       </p:grpSpPr>
       <p:sp>
         <p:nvSpPr>
-          <p:cNvPr id="14" name="Bildplatzhalter 13"/>
-          <p:cNvSpPr>
-            <a:spLocks noGrp="1"/>
-          </p:cNvSpPr>
-          <p:nvPr>
-            <p:ph type="pic" sz="quarter" idx="14"/>
+          <p:cNvPr id="3" name="Textplatzhalter 2"/>
+          <p:cNvSpPr>
+            <a:spLocks noGrp="1"/>
+          </p:cNvSpPr>
+          <p:nvPr>
+            <p:ph type="body" sz="quarter" idx="13"/>
           </p:nvPr>
         </p:nvSpPr>
         <p:spPr/>
-      </p:sp>
-      <p:sp>
-        <p:nvSpPr>
-          <p:cNvPr id="4" name="Foliennummernplatzhalter 3"/>
+        <p:txBody>
+          <a:bodyPr/>
+          <a:lstStyle/>
+          <a:p>
+            <a:r>
+              <a:rPr lang="de-DE"/>
+              <a:t>Weißer bzw. transparenter Hintergrund</a:t>
+            </a:r>
+            <a:br>
+              <a:rPr lang="de-DE"/>
+            </a:br>
+            <a:r>
+              <a:rPr lang="de-DE"/>
+              <a:t>mit genug Freiraum anordnen</a:t>
+            </a:r>
+            <a:endParaRPr lang="de-DE" dirty="0"/>
+          </a:p>
+        </p:txBody>
+      </p:sp>
+      <p:sp>
+        <p:nvSpPr>
+          <p:cNvPr id="5" name="Foliennummernplatzhalter 4"/>
           <p:cNvSpPr>
             <a:spLocks noGrp="1"/>
           </p:cNvSpPr>
@@ -13138,7 +13813,7 @@
       </p:sp>
       <p:sp>
         <p:nvSpPr>
-          <p:cNvPr id="5" name="Fußzeilenplatzhalter 4"/>
+          <p:cNvPr id="10" name="Fußzeilenplatzhalter 4"/>
           <p:cNvSpPr>
             <a:spLocks noGrp="1"/>
           </p:cNvSpPr>
@@ -13161,7 +13836,19 @@
       </p:sp>
       <p:sp>
         <p:nvSpPr>
-          <p:cNvPr id="3" name="Titel 2"/>
+          <p:cNvPr id="18" name="Bildplatzhalter 17"/>
+          <p:cNvSpPr>
+            <a:spLocks noGrp="1"/>
+          </p:cNvSpPr>
+          <p:nvPr>
+            <p:ph type="pic" sz="quarter" idx="17"/>
+          </p:nvPr>
+        </p:nvSpPr>
+        <p:spPr/>
+      </p:sp>
+      <p:sp>
+        <p:nvSpPr>
+          <p:cNvPr id="4" name="Titel 3"/>
           <p:cNvSpPr>
             <a:spLocks noGrp="1"/>
           </p:cNvSpPr>
@@ -13176,7 +13863,7 @@
           <a:p>
             <a:r>
               <a:rPr lang="de-DE"/>
-              <a:t>Bilder Format füllend - maximale Bildgröße</a:t>
+              <a:t>Nicht formatfüllende Bilder</a:t>
             </a:r>
             <a:endParaRPr lang="de-DE" dirty="0"/>
           </a:p>
@@ -13209,31 +13896,15 @@
       </p:grpSpPr>
       <p:sp>
         <p:nvSpPr>
-          <p:cNvPr id="2" name="Textplatzhalter 1"/>
-          <p:cNvSpPr>
-            <a:spLocks noGrp="1"/>
-          </p:cNvSpPr>
-          <p:nvPr>
-            <p:ph type="body" sz="quarter" idx="13"/>
+          <p:cNvPr id="14" name="Bildplatzhalter 13"/>
+          <p:cNvSpPr>
+            <a:spLocks noGrp="1"/>
+          </p:cNvSpPr>
+          <p:nvPr>
+            <p:ph type="pic" sz="quarter" idx="14"/>
           </p:nvPr>
         </p:nvSpPr>
         <p:spPr/>
-        <p:txBody>
-          <a:bodyPr/>
-          <a:lstStyle/>
-          <a:p>
-            <a:r>
-              <a:rPr lang="de-DE"/>
-              <a:t>Alternativ mit formatfüllendem Hintergrund: 5 % schwarz</a:t>
-            </a:r>
-          </a:p>
-          <a:p>
-            <a:r>
-              <a:rPr lang="de-DE"/>
-              <a:t>Beschriftungen können zusätzlich neben den Bildern angebracht werden</a:t>
-            </a:r>
-          </a:p>
-        </p:txBody>
       </p:sp>
       <p:sp>
         <p:nvSpPr>
@@ -13261,7 +13932,7 @@
       </p:sp>
       <p:sp>
         <p:nvSpPr>
-          <p:cNvPr id="11" name="Fußzeilenplatzhalter 4"/>
+          <p:cNvPr id="5" name="Fußzeilenplatzhalter 4"/>
           <p:cNvSpPr>
             <a:spLocks noGrp="1"/>
           </p:cNvSpPr>
@@ -13284,12 +13955,12 @@
       </p:sp>
       <p:sp>
         <p:nvSpPr>
-          <p:cNvPr id="7" name="Inhaltsplatzhalter 6"/>
-          <p:cNvSpPr>
-            <a:spLocks noGrp="1"/>
-          </p:cNvSpPr>
-          <p:nvPr>
-            <p:ph sz="quarter" idx="18"/>
+          <p:cNvPr id="3" name="Titel 2"/>
+          <p:cNvSpPr>
+            <a:spLocks noGrp="1"/>
+          </p:cNvSpPr>
+          <p:nvPr>
+            <p:ph type="title"/>
           </p:nvPr>
         </p:nvSpPr>
         <p:spPr/>
@@ -13299,42 +13970,7 @@
           <a:p>
             <a:r>
               <a:rPr lang="de-DE"/>
-              <a:t>Bilderklärung</a:t>
-            </a:r>
-            <a:endParaRPr lang="de-DE" dirty="0"/>
-          </a:p>
-        </p:txBody>
-      </p:sp>
-      <p:sp>
-        <p:nvSpPr>
-          <p:cNvPr id="21" name="Bildplatzhalter 20"/>
-          <p:cNvSpPr>
-            <a:spLocks noGrp="1"/>
-          </p:cNvSpPr>
-          <p:nvPr>
-            <p:ph type="pic" sz="quarter" idx="14"/>
-          </p:nvPr>
-        </p:nvSpPr>
-        <p:spPr/>
-      </p:sp>
-      <p:sp>
-        <p:nvSpPr>
-          <p:cNvPr id="3" name="Titel 2"/>
-          <p:cNvSpPr>
-            <a:spLocks noGrp="1"/>
-          </p:cNvSpPr>
-          <p:nvPr>
-            <p:ph type="title"/>
-          </p:nvPr>
-        </p:nvSpPr>
-        <p:spPr/>
-        <p:txBody>
-          <a:bodyPr/>
-          <a:lstStyle/>
-          <a:p>
-            <a:r>
-              <a:rPr lang="de-DE"/>
-              <a:t>Nicht Format füllende Bilder</a:t>
+              <a:t>Bilder Format füllend - maximale Bildgröße</a:t>
             </a:r>
             <a:endParaRPr lang="de-DE" dirty="0"/>
           </a:p>
@@ -13543,10 +14179,9 @@
           <a:lstStyle/>
           <a:p>
             <a:r>
-              <a:rPr lang="de-DE" dirty="0" smtClean="0"/>
+              <a:rPr lang="de-DE" dirty="0"/>
               <a:t>Aufgabenstellung</a:t>
             </a:r>
-            <a:endParaRPr lang="de-DE" dirty="0"/>
           </a:p>
         </p:txBody>
       </p:sp>
@@ -13580,6 +14215,164 @@
           <a:chExt cx="0" cy="0"/>
         </a:xfrm>
       </p:grpSpPr>
+      <p:sp>
+        <p:nvSpPr>
+          <p:cNvPr id="2" name="Textplatzhalter 1"/>
+          <p:cNvSpPr>
+            <a:spLocks noGrp="1"/>
+          </p:cNvSpPr>
+          <p:nvPr>
+            <p:ph type="body" sz="quarter" idx="13"/>
+          </p:nvPr>
+        </p:nvSpPr>
+        <p:spPr/>
+        <p:txBody>
+          <a:bodyPr/>
+          <a:lstStyle/>
+          <a:p>
+            <a:r>
+              <a:rPr lang="de-DE"/>
+              <a:t>Alternativ mit formatfüllendem Hintergrund: 5 % schwarz</a:t>
+            </a:r>
+          </a:p>
+          <a:p>
+            <a:r>
+              <a:rPr lang="de-DE"/>
+              <a:t>Beschriftungen können zusätzlich neben den Bildern angebracht werden</a:t>
+            </a:r>
+          </a:p>
+        </p:txBody>
+      </p:sp>
+      <p:sp>
+        <p:nvSpPr>
+          <p:cNvPr id="4" name="Foliennummernplatzhalter 3"/>
+          <p:cNvSpPr>
+            <a:spLocks noGrp="1"/>
+          </p:cNvSpPr>
+          <p:nvPr>
+            <p:ph type="sldNum" sz="quarter" idx="15"/>
+          </p:nvPr>
+        </p:nvSpPr>
+        <p:spPr/>
+        <p:txBody>
+          <a:bodyPr/>
+          <a:lstStyle/>
+          <a:p>
+            <a:fld id="{CE58CB1E-F828-4F11-99E0-327109AF9DA4}" type="slidenum">
+              <a:rPr lang="de-DE" smtClean="0"/>
+              <a:pPr/>
+              <a:t>20</a:t>
+            </a:fld>
+            <a:endParaRPr lang="de-DE" dirty="0"/>
+          </a:p>
+        </p:txBody>
+      </p:sp>
+      <p:sp>
+        <p:nvSpPr>
+          <p:cNvPr id="11" name="Fußzeilenplatzhalter 4"/>
+          <p:cNvSpPr>
+            <a:spLocks noGrp="1"/>
+          </p:cNvSpPr>
+          <p:nvPr>
+            <p:ph type="ftr" sz="quarter" idx="16"/>
+          </p:nvPr>
+        </p:nvSpPr>
+        <p:spPr/>
+        <p:txBody>
+          <a:bodyPr/>
+          <a:lstStyle/>
+          <a:p>
+            <a:r>
+              <a:rPr lang="de-DE"/>
+              <a:t>Dr. rer. nat. Erika Mustermann (TUM) | kann beliebig erweitert werden | Infos mit Strich trennen</a:t>
+            </a:r>
+            <a:endParaRPr lang="en-US" dirty="0"/>
+          </a:p>
+        </p:txBody>
+      </p:sp>
+      <p:sp>
+        <p:nvSpPr>
+          <p:cNvPr id="7" name="Inhaltsplatzhalter 6"/>
+          <p:cNvSpPr>
+            <a:spLocks noGrp="1"/>
+          </p:cNvSpPr>
+          <p:nvPr>
+            <p:ph sz="quarter" idx="18"/>
+          </p:nvPr>
+        </p:nvSpPr>
+        <p:spPr/>
+        <p:txBody>
+          <a:bodyPr/>
+          <a:lstStyle/>
+          <a:p>
+            <a:r>
+              <a:rPr lang="de-DE"/>
+              <a:t>Bilderklärung</a:t>
+            </a:r>
+            <a:endParaRPr lang="de-DE" dirty="0"/>
+          </a:p>
+        </p:txBody>
+      </p:sp>
+      <p:sp>
+        <p:nvSpPr>
+          <p:cNvPr id="21" name="Bildplatzhalter 20"/>
+          <p:cNvSpPr>
+            <a:spLocks noGrp="1"/>
+          </p:cNvSpPr>
+          <p:nvPr>
+            <p:ph type="pic" sz="quarter" idx="14"/>
+          </p:nvPr>
+        </p:nvSpPr>
+        <p:spPr/>
+      </p:sp>
+      <p:sp>
+        <p:nvSpPr>
+          <p:cNvPr id="3" name="Titel 2"/>
+          <p:cNvSpPr>
+            <a:spLocks noGrp="1"/>
+          </p:cNvSpPr>
+          <p:nvPr>
+            <p:ph type="title"/>
+          </p:nvPr>
+        </p:nvSpPr>
+        <p:spPr/>
+        <p:txBody>
+          <a:bodyPr/>
+          <a:lstStyle/>
+          <a:p>
+            <a:r>
+              <a:rPr lang="de-DE"/>
+              <a:t>Nicht Format füllende Bilder</a:t>
+            </a:r>
+            <a:endParaRPr lang="de-DE" dirty="0"/>
+          </a:p>
+        </p:txBody>
+      </p:sp>
+    </p:spTree>
+  </p:cSld>
+  <p:clrMapOvr>
+    <a:masterClrMapping/>
+  </p:clrMapOvr>
+</p:sld>
+</file>
+
+<file path=ppt/slides/slide21.xml><?xml version="1.0" encoding="utf-8"?>
+<p:sld xmlns:a="http://schemas.openxmlformats.org/drawingml/2006/main" xmlns:r="http://schemas.openxmlformats.org/officeDocument/2006/relationships" xmlns:p="http://schemas.openxmlformats.org/presentationml/2006/main">
+  <p:cSld>
+    <p:spTree>
+      <p:nvGrpSpPr>
+        <p:cNvPr id="1" name=""/>
+        <p:cNvGrpSpPr/>
+        <p:nvPr/>
+      </p:nvGrpSpPr>
+      <p:grpSpPr>
+        <a:xfrm>
+          <a:off x="0" y="0"/>
+          <a:ext cx="0" cy="0"/>
+          <a:chOff x="0" y="0"/>
+          <a:chExt cx="0" cy="0"/>
+        </a:xfrm>
+      </p:grpSpPr>
       <p:graphicFrame>
         <p:nvGraphicFramePr>
           <p:cNvPr id="7" name="Inhaltsplatzhalter 6"/>
@@ -13604,14 +14397,14 @@
                 <a:gridCol w="3493889">
                   <a:extLst>
                     <a:ext uri="{9D8B030D-6E8A-4147-A177-3AD203B41FA5}">
-                      <a16:colId xmlns:a16="http://schemas.microsoft.com/office/drawing/2014/main" xmlns="" val="20000"/>
+                      <a16:colId xmlns:a16="http://schemas.microsoft.com/office/drawing/2014/main" val="20000"/>
                     </a:ext>
                   </a:extLst>
                 </a:gridCol>
                 <a:gridCol w="5015618">
                   <a:extLst>
                     <a:ext uri="{9D8B030D-6E8A-4147-A177-3AD203B41FA5}">
-                      <a16:colId xmlns:a16="http://schemas.microsoft.com/office/drawing/2014/main" xmlns="" val="20001"/>
+                      <a16:colId xmlns:a16="http://schemas.microsoft.com/office/drawing/2014/main" val="20001"/>
                     </a:ext>
                   </a:extLst>
                 </a:gridCol>
@@ -13727,7 +14520,7 @@
                 </a:tc>
                 <a:extLst>
                   <a:ext uri="{0D108BD9-81ED-4DB2-BD59-A6C34878D82A}">
-                    <a16:rowId xmlns:a16="http://schemas.microsoft.com/office/drawing/2014/main" xmlns="" val="10000"/>
+                    <a16:rowId xmlns:a16="http://schemas.microsoft.com/office/drawing/2014/main" val="10000"/>
                   </a:ext>
                 </a:extLst>
               </a:tr>
@@ -13842,7 +14635,7 @@
                 </a:tc>
                 <a:extLst>
                   <a:ext uri="{0D108BD9-81ED-4DB2-BD59-A6C34878D82A}">
-                    <a16:rowId xmlns:a16="http://schemas.microsoft.com/office/drawing/2014/main" xmlns="" val="10001"/>
+                    <a16:rowId xmlns:a16="http://schemas.microsoft.com/office/drawing/2014/main" val="10001"/>
                   </a:ext>
                 </a:extLst>
               </a:tr>
@@ -13957,7 +14750,7 @@
                 </a:tc>
                 <a:extLst>
                   <a:ext uri="{0D108BD9-81ED-4DB2-BD59-A6C34878D82A}">
-                    <a16:rowId xmlns:a16="http://schemas.microsoft.com/office/drawing/2014/main" xmlns="" val="10002"/>
+                    <a16:rowId xmlns:a16="http://schemas.microsoft.com/office/drawing/2014/main" val="10002"/>
                   </a:ext>
                 </a:extLst>
               </a:tr>
@@ -14072,7 +14865,7 @@
                 </a:tc>
                 <a:extLst>
                   <a:ext uri="{0D108BD9-81ED-4DB2-BD59-A6C34878D82A}">
-                    <a16:rowId xmlns:a16="http://schemas.microsoft.com/office/drawing/2014/main" xmlns="" val="10003"/>
+                    <a16:rowId xmlns:a16="http://schemas.microsoft.com/office/drawing/2014/main" val="10003"/>
                   </a:ext>
                 </a:extLst>
               </a:tr>
@@ -14187,7 +14980,7 @@
                 </a:tc>
                 <a:extLst>
                   <a:ext uri="{0D108BD9-81ED-4DB2-BD59-A6C34878D82A}">
-                    <a16:rowId xmlns:a16="http://schemas.microsoft.com/office/drawing/2014/main" xmlns="" val="10004"/>
+                    <a16:rowId xmlns:a16="http://schemas.microsoft.com/office/drawing/2014/main" val="10004"/>
                   </a:ext>
                 </a:extLst>
               </a:tr>
@@ -14213,7 +15006,7 @@
             <a:fld id="{CE58CB1E-F828-4F11-99E0-327109AF9DA4}" type="slidenum">
               <a:rPr lang="de-DE" smtClean="0"/>
               <a:pPr/>
-              <a:t>20</a:t>
+              <a:t>21</a:t>
             </a:fld>
             <a:endParaRPr lang="de-DE" dirty="0"/>
           </a:p>
@@ -14303,7 +15096,7 @@
 </p:sld>
 </file>
 
-<file path=ppt/slides/slide21.xml><?xml version="1.0" encoding="utf-8"?>
+<file path=ppt/slides/slide22.xml><?xml version="1.0" encoding="utf-8"?>
 <p:sld xmlns:a="http://schemas.openxmlformats.org/drawingml/2006/main" xmlns:r="http://schemas.openxmlformats.org/officeDocument/2006/relationships" xmlns:p="http://schemas.openxmlformats.org/presentationml/2006/main">
   <p:cSld>
     <p:spTree>
@@ -14344,14 +15137,14 @@
                 <a:gridCol w="3493889">
                   <a:extLst>
                     <a:ext uri="{9D8B030D-6E8A-4147-A177-3AD203B41FA5}">
-                      <a16:colId xmlns:a16="http://schemas.microsoft.com/office/drawing/2014/main" xmlns="" val="20000"/>
+                      <a16:colId xmlns:a16="http://schemas.microsoft.com/office/drawing/2014/main" val="20000"/>
                     </a:ext>
                   </a:extLst>
                 </a:gridCol>
                 <a:gridCol w="5015618">
                   <a:extLst>
                     <a:ext uri="{9D8B030D-6E8A-4147-A177-3AD203B41FA5}">
-                      <a16:colId xmlns:a16="http://schemas.microsoft.com/office/drawing/2014/main" xmlns="" val="20001"/>
+                      <a16:colId xmlns:a16="http://schemas.microsoft.com/office/drawing/2014/main" val="20001"/>
                     </a:ext>
                   </a:extLst>
                 </a:gridCol>
@@ -14425,7 +15218,7 @@
                 </a:tc>
                 <a:extLst>
                   <a:ext uri="{0D108BD9-81ED-4DB2-BD59-A6C34878D82A}">
-                    <a16:rowId xmlns:a16="http://schemas.microsoft.com/office/drawing/2014/main" xmlns="" val="10000"/>
+                    <a16:rowId xmlns:a16="http://schemas.microsoft.com/office/drawing/2014/main" val="10000"/>
                   </a:ext>
                 </a:extLst>
               </a:tr>
@@ -14498,7 +15291,7 @@
                 </a:tc>
                 <a:extLst>
                   <a:ext uri="{0D108BD9-81ED-4DB2-BD59-A6C34878D82A}">
-                    <a16:rowId xmlns:a16="http://schemas.microsoft.com/office/drawing/2014/main" xmlns="" val="10001"/>
+                    <a16:rowId xmlns:a16="http://schemas.microsoft.com/office/drawing/2014/main" val="10001"/>
                   </a:ext>
                 </a:extLst>
               </a:tr>
@@ -14571,7 +15364,7 @@
                 </a:tc>
                 <a:extLst>
                   <a:ext uri="{0D108BD9-81ED-4DB2-BD59-A6C34878D82A}">
-                    <a16:rowId xmlns:a16="http://schemas.microsoft.com/office/drawing/2014/main" xmlns="" val="10002"/>
+                    <a16:rowId xmlns:a16="http://schemas.microsoft.com/office/drawing/2014/main" val="10002"/>
                   </a:ext>
                 </a:extLst>
               </a:tr>
@@ -14644,7 +15437,7 @@
                 </a:tc>
                 <a:extLst>
                   <a:ext uri="{0D108BD9-81ED-4DB2-BD59-A6C34878D82A}">
-                    <a16:rowId xmlns:a16="http://schemas.microsoft.com/office/drawing/2014/main" xmlns="" val="10003"/>
+                    <a16:rowId xmlns:a16="http://schemas.microsoft.com/office/drawing/2014/main" val="10003"/>
                   </a:ext>
                 </a:extLst>
               </a:tr>
@@ -14717,7 +15510,7 @@
                 </a:tc>
                 <a:extLst>
                   <a:ext uri="{0D108BD9-81ED-4DB2-BD59-A6C34878D82A}">
-                    <a16:rowId xmlns:a16="http://schemas.microsoft.com/office/drawing/2014/main" xmlns="" val="10004"/>
+                    <a16:rowId xmlns:a16="http://schemas.microsoft.com/office/drawing/2014/main" val="10004"/>
                   </a:ext>
                 </a:extLst>
               </a:tr>
@@ -14743,7 +15536,7 @@
             <a:fld id="{CE58CB1E-F828-4F11-99E0-327109AF9DA4}" type="slidenum">
               <a:rPr lang="de-DE" smtClean="0"/>
               <a:pPr/>
-              <a:t>21</a:t>
+              <a:t>22</a:t>
             </a:fld>
             <a:endParaRPr lang="de-DE" dirty="0"/>
           </a:p>
@@ -14825,148 +15618,6 @@
           </a:p>
         </p:txBody>
       </p:sp>
-    </p:spTree>
-  </p:cSld>
-  <p:clrMapOvr>
-    <a:masterClrMapping/>
-  </p:clrMapOvr>
-</p:sld>
-</file>
-
-<file path=ppt/slides/slide22.xml><?xml version="1.0" encoding="utf-8"?>
-<p:sld xmlns:a="http://schemas.openxmlformats.org/drawingml/2006/main" xmlns:r="http://schemas.openxmlformats.org/officeDocument/2006/relationships" xmlns:p="http://schemas.openxmlformats.org/presentationml/2006/main">
-  <p:cSld>
-    <p:spTree>
-      <p:nvGrpSpPr>
-        <p:cNvPr id="1" name=""/>
-        <p:cNvGrpSpPr/>
-        <p:nvPr/>
-      </p:nvGrpSpPr>
-      <p:grpSpPr>
-        <a:xfrm>
-          <a:off x="0" y="0"/>
-          <a:ext cx="0" cy="0"/>
-          <a:chOff x="0" y="0"/>
-          <a:chExt cx="0" cy="0"/>
-        </a:xfrm>
-      </p:grpSpPr>
-      <p:sp>
-        <p:nvSpPr>
-          <p:cNvPr id="5" name="Foliennummernplatzhalter 4"/>
-          <p:cNvSpPr>
-            <a:spLocks noGrp="1"/>
-          </p:cNvSpPr>
-          <p:nvPr>
-            <p:ph type="sldNum" sz="quarter" idx="11"/>
-          </p:nvPr>
-        </p:nvSpPr>
-        <p:spPr/>
-        <p:txBody>
-          <a:bodyPr/>
-          <a:lstStyle/>
-          <a:p>
-            <a:fld id="{CE58CB1E-F828-4F11-99E0-327109AF9DA4}" type="slidenum">
-              <a:rPr lang="de-DE" smtClean="0"/>
-              <a:pPr/>
-              <a:t>22</a:t>
-            </a:fld>
-            <a:endParaRPr lang="de-DE" dirty="0"/>
-          </a:p>
-        </p:txBody>
-      </p:sp>
-      <p:sp>
-        <p:nvSpPr>
-          <p:cNvPr id="9" name="Fußzeilenplatzhalter 4"/>
-          <p:cNvSpPr>
-            <a:spLocks noGrp="1"/>
-          </p:cNvSpPr>
-          <p:nvPr>
-            <p:ph type="ftr" sz="quarter" idx="12"/>
-          </p:nvPr>
-        </p:nvSpPr>
-        <p:spPr/>
-        <p:txBody>
-          <a:bodyPr/>
-          <a:lstStyle/>
-          <a:p>
-            <a:r>
-              <a:rPr lang="de-DE"/>
-              <a:t>Dr. rer. nat. Erika Mustermann (TUM) | kann beliebig erweitert werden | Infos mit Strich trennen</a:t>
-            </a:r>
-            <a:endParaRPr lang="en-US" dirty="0"/>
-          </a:p>
-        </p:txBody>
-      </p:sp>
-      <p:sp>
-        <p:nvSpPr>
-          <p:cNvPr id="3" name="Textplatzhalter 2"/>
-          <p:cNvSpPr>
-            <a:spLocks noGrp="1"/>
-          </p:cNvSpPr>
-          <p:nvPr>
-            <p:ph type="body" sz="quarter" idx="13"/>
-          </p:nvPr>
-        </p:nvSpPr>
-        <p:spPr/>
-        <p:txBody>
-          <a:bodyPr/>
-          <a:lstStyle/>
-          <a:p>
-            <a:r>
-              <a:rPr lang="de-DE" dirty="0"/>
-              <a:t>Nach Möglichkeit linksbündig bleiben</a:t>
-            </a:r>
-            <a:br>
-              <a:rPr lang="de-DE" dirty="0"/>
-            </a:br>
-            <a:r>
-              <a:rPr lang="de-DE" dirty="0"/>
-              <a:t>Unnötige Striche und Balken vermeiden</a:t>
-            </a:r>
-          </a:p>
-        </p:txBody>
-      </p:sp>
-      <p:sp>
-        <p:nvSpPr>
-          <p:cNvPr id="4" name="Titel 3"/>
-          <p:cNvSpPr>
-            <a:spLocks noGrp="1"/>
-          </p:cNvSpPr>
-          <p:nvPr>
-            <p:ph type="title"/>
-          </p:nvPr>
-        </p:nvSpPr>
-        <p:spPr/>
-        <p:txBody>
-          <a:bodyPr/>
-          <a:lstStyle/>
-          <a:p>
-            <a:r>
-              <a:rPr lang="de-DE"/>
-              <a:t>Diagramme – Beispiel 1</a:t>
-            </a:r>
-            <a:endParaRPr lang="de-DE" dirty="0"/>
-          </a:p>
-        </p:txBody>
-      </p:sp>
-      <p:graphicFrame>
-        <p:nvGraphicFramePr>
-          <p:cNvPr id="14" name="Diagramm 13"/>
-          <p:cNvGraphicFramePr/>
-          <p:nvPr>
-            <p:extLst/>
-          </p:nvPr>
-        </p:nvGraphicFramePr>
-        <p:xfrm>
-          <a:off x="209868" y="2388199"/>
-          <a:ext cx="8515032" cy="4207865"/>
-        </p:xfrm>
-        <a:graphic>
-          <a:graphicData uri="http://schemas.openxmlformats.org/drawingml/2006/chart">
-            <c:chart xmlns:c="http://schemas.openxmlformats.org/drawingml/2006/chart" xmlns:r="http://schemas.openxmlformats.org/officeDocument/2006/relationships" r:id="rId2"/>
-          </a:graphicData>
-        </a:graphic>
-      </p:graphicFrame>
     </p:spTree>
   </p:cSld>
   <p:clrMapOvr>
@@ -14992,6 +15643,148 @@
           <a:chExt cx="0" cy="0"/>
         </a:xfrm>
       </p:grpSpPr>
+      <p:sp>
+        <p:nvSpPr>
+          <p:cNvPr id="5" name="Foliennummernplatzhalter 4"/>
+          <p:cNvSpPr>
+            <a:spLocks noGrp="1"/>
+          </p:cNvSpPr>
+          <p:nvPr>
+            <p:ph type="sldNum" sz="quarter" idx="11"/>
+          </p:nvPr>
+        </p:nvSpPr>
+        <p:spPr/>
+        <p:txBody>
+          <a:bodyPr/>
+          <a:lstStyle/>
+          <a:p>
+            <a:fld id="{CE58CB1E-F828-4F11-99E0-327109AF9DA4}" type="slidenum">
+              <a:rPr lang="de-DE" smtClean="0"/>
+              <a:pPr/>
+              <a:t>23</a:t>
+            </a:fld>
+            <a:endParaRPr lang="de-DE" dirty="0"/>
+          </a:p>
+        </p:txBody>
+      </p:sp>
+      <p:sp>
+        <p:nvSpPr>
+          <p:cNvPr id="9" name="Fußzeilenplatzhalter 4"/>
+          <p:cNvSpPr>
+            <a:spLocks noGrp="1"/>
+          </p:cNvSpPr>
+          <p:nvPr>
+            <p:ph type="ftr" sz="quarter" idx="12"/>
+          </p:nvPr>
+        </p:nvSpPr>
+        <p:spPr/>
+        <p:txBody>
+          <a:bodyPr/>
+          <a:lstStyle/>
+          <a:p>
+            <a:r>
+              <a:rPr lang="de-DE"/>
+              <a:t>Dr. rer. nat. Erika Mustermann (TUM) | kann beliebig erweitert werden | Infos mit Strich trennen</a:t>
+            </a:r>
+            <a:endParaRPr lang="en-US" dirty="0"/>
+          </a:p>
+        </p:txBody>
+      </p:sp>
+      <p:sp>
+        <p:nvSpPr>
+          <p:cNvPr id="3" name="Textplatzhalter 2"/>
+          <p:cNvSpPr>
+            <a:spLocks noGrp="1"/>
+          </p:cNvSpPr>
+          <p:nvPr>
+            <p:ph type="body" sz="quarter" idx="13"/>
+          </p:nvPr>
+        </p:nvSpPr>
+        <p:spPr/>
+        <p:txBody>
+          <a:bodyPr/>
+          <a:lstStyle/>
+          <a:p>
+            <a:r>
+              <a:rPr lang="de-DE" dirty="0"/>
+              <a:t>Nach Möglichkeit linksbündig bleiben</a:t>
+            </a:r>
+            <a:br>
+              <a:rPr lang="de-DE" dirty="0"/>
+            </a:br>
+            <a:r>
+              <a:rPr lang="de-DE" dirty="0"/>
+              <a:t>Unnötige Striche und Balken vermeiden</a:t>
+            </a:r>
+          </a:p>
+        </p:txBody>
+      </p:sp>
+      <p:sp>
+        <p:nvSpPr>
+          <p:cNvPr id="4" name="Titel 3"/>
+          <p:cNvSpPr>
+            <a:spLocks noGrp="1"/>
+          </p:cNvSpPr>
+          <p:nvPr>
+            <p:ph type="title"/>
+          </p:nvPr>
+        </p:nvSpPr>
+        <p:spPr/>
+        <p:txBody>
+          <a:bodyPr/>
+          <a:lstStyle/>
+          <a:p>
+            <a:r>
+              <a:rPr lang="de-DE"/>
+              <a:t>Diagramme – Beispiel 1</a:t>
+            </a:r>
+            <a:endParaRPr lang="de-DE" dirty="0"/>
+          </a:p>
+        </p:txBody>
+      </p:sp>
+      <p:graphicFrame>
+        <p:nvGraphicFramePr>
+          <p:cNvPr id="14" name="Diagramm 13"/>
+          <p:cNvGraphicFramePr/>
+          <p:nvPr>
+            <p:extLst/>
+          </p:nvPr>
+        </p:nvGraphicFramePr>
+        <p:xfrm>
+          <a:off x="209868" y="2388199"/>
+          <a:ext cx="8515032" cy="4207865"/>
+        </p:xfrm>
+        <a:graphic>
+          <a:graphicData uri="http://schemas.openxmlformats.org/drawingml/2006/chart">
+            <c:chart xmlns:c="http://schemas.openxmlformats.org/drawingml/2006/chart" xmlns:r="http://schemas.openxmlformats.org/officeDocument/2006/relationships" r:id="rId2"/>
+          </a:graphicData>
+        </a:graphic>
+      </p:graphicFrame>
+    </p:spTree>
+  </p:cSld>
+  <p:clrMapOvr>
+    <a:masterClrMapping/>
+  </p:clrMapOvr>
+</p:sld>
+</file>
+
+<file path=ppt/slides/slide24.xml><?xml version="1.0" encoding="utf-8"?>
+<p:sld xmlns:a="http://schemas.openxmlformats.org/drawingml/2006/main" xmlns:r="http://schemas.openxmlformats.org/officeDocument/2006/relationships" xmlns:p="http://schemas.openxmlformats.org/presentationml/2006/main">
+  <p:cSld>
+    <p:spTree>
+      <p:nvGrpSpPr>
+        <p:cNvPr id="1" name=""/>
+        <p:cNvGrpSpPr/>
+        <p:nvPr/>
+      </p:nvGrpSpPr>
+      <p:grpSpPr>
+        <a:xfrm>
+          <a:off x="0" y="0"/>
+          <a:ext cx="0" cy="0"/>
+          <a:chOff x="0" y="0"/>
+          <a:chExt cx="0" cy="0"/>
+        </a:xfrm>
+      </p:grpSpPr>
       <p:graphicFrame>
         <p:nvGraphicFramePr>
           <p:cNvPr id="6" name="Inhaltsplatzhalter 5"/>
@@ -15035,7 +15828,7 @@
             <a:fld id="{CE58CB1E-F828-4F11-99E0-327109AF9DA4}" type="slidenum">
               <a:rPr lang="de-DE" smtClean="0"/>
               <a:pPr/>
-              <a:t>23</a:t>
+              <a:t>24</a:t>
             </a:fld>
             <a:endParaRPr lang="de-DE" dirty="0"/>
           </a:p>
@@ -15342,6 +16135,368 @@
 </file>
 
 <file path=ppt/slides/slide4.xml><?xml version="1.0" encoding="utf-8"?>
+<p:sld xmlns:a="http://schemas.openxmlformats.org/drawingml/2006/main" xmlns:r="http://schemas.openxmlformats.org/officeDocument/2006/relationships" xmlns:p="http://schemas.openxmlformats.org/presentationml/2006/main">
+  <p:cSld>
+    <p:spTree>
+      <p:nvGrpSpPr>
+        <p:cNvPr id="1" name=""/>
+        <p:cNvGrpSpPr/>
+        <p:nvPr/>
+      </p:nvGrpSpPr>
+      <p:grpSpPr>
+        <a:xfrm>
+          <a:off x="0" y="0"/>
+          <a:ext cx="0" cy="0"/>
+          <a:chOff x="0" y="0"/>
+          <a:chExt cx="0" cy="0"/>
+        </a:xfrm>
+      </p:grpSpPr>
+      <p:sp>
+        <p:nvSpPr>
+          <p:cNvPr id="33" name="Pfeil: gebogen 32"/>
+          <p:cNvSpPr/>
+          <p:nvPr/>
+        </p:nvSpPr>
+        <p:spPr>
+          <a:xfrm rot="5400000">
+            <a:off x="2626257" y="2158446"/>
+            <a:ext cx="3894637" cy="3894637"/>
+          </a:xfrm>
+          <a:prstGeom prst="circularArrow">
+            <a:avLst>
+              <a:gd name="adj1" fmla="val 5085"/>
+              <a:gd name="adj2" fmla="val 327528"/>
+              <a:gd name="adj3" fmla="val 15845032"/>
+              <a:gd name="adj4" fmla="val 16227440"/>
+              <a:gd name="adj5" fmla="val 5932"/>
+            </a:avLst>
+          </a:prstGeom>
+          <a:solidFill>
+            <a:schemeClr val="accent2"/>
+          </a:solidFill>
+        </p:spPr>
+        <p:style>
+          <a:lnRef idx="0">
+            <a:schemeClr val="accent2">
+              <a:tint val="60000"/>
+              <a:hueOff val="0"/>
+              <a:satOff val="0"/>
+              <a:lumOff val="0"/>
+              <a:alphaOff val="0"/>
+            </a:schemeClr>
+          </a:lnRef>
+          <a:fillRef idx="1">
+            <a:scrgbClr r="0" g="0" b="0"/>
+          </a:fillRef>
+          <a:effectRef idx="0">
+            <a:schemeClr val="accent2">
+              <a:tint val="60000"/>
+              <a:hueOff val="0"/>
+              <a:satOff val="0"/>
+              <a:lumOff val="0"/>
+              <a:alphaOff val="0"/>
+            </a:schemeClr>
+          </a:effectRef>
+          <a:fontRef idx="minor">
+            <a:schemeClr val="dk1">
+              <a:hueOff val="0"/>
+              <a:satOff val="0"/>
+              <a:lumOff val="0"/>
+              <a:alphaOff val="0"/>
+            </a:schemeClr>
+          </a:fontRef>
+        </p:style>
+      </p:sp>
+      <p:sp>
+        <p:nvSpPr>
+          <p:cNvPr id="3" name="Foliennummernplatzhalter 2"/>
+          <p:cNvSpPr>
+            <a:spLocks noGrp="1"/>
+          </p:cNvSpPr>
+          <p:nvPr>
+            <p:ph type="sldNum" sz="quarter" idx="11"/>
+          </p:nvPr>
+        </p:nvSpPr>
+        <p:spPr/>
+        <p:txBody>
+          <a:bodyPr/>
+          <a:lstStyle/>
+          <a:p>
+            <a:fld id="{CE58CB1E-F828-4F11-99E0-327109AF9DA4}" type="slidenum">
+              <a:rPr lang="de-DE" smtClean="0"/>
+              <a:pPr/>
+              <a:t>4</a:t>
+            </a:fld>
+            <a:endParaRPr lang="de-DE" dirty="0"/>
+          </a:p>
+        </p:txBody>
+      </p:sp>
+      <p:sp>
+        <p:nvSpPr>
+          <p:cNvPr id="4" name="Fußzeilenplatzhalter 3"/>
+          <p:cNvSpPr>
+            <a:spLocks noGrp="1"/>
+          </p:cNvSpPr>
+          <p:nvPr>
+            <p:ph type="ftr" sz="quarter" idx="12"/>
+          </p:nvPr>
+        </p:nvSpPr>
+        <p:spPr/>
+        <p:txBody>
+          <a:bodyPr/>
+          <a:lstStyle/>
+          <a:p>
+            <a:r>
+              <a:rPr lang="de-DE"/>
+              <a:t>Dr. rer. nat. Erika Mustermann (TUM) | kann beliebig erweitert werden | Infos mit Strich trennen</a:t>
+            </a:r>
+            <a:endParaRPr lang="en-US" dirty="0"/>
+          </a:p>
+        </p:txBody>
+      </p:sp>
+      <p:sp>
+        <p:nvSpPr>
+          <p:cNvPr id="5" name="Titel 4"/>
+          <p:cNvSpPr>
+            <a:spLocks noGrp="1"/>
+          </p:cNvSpPr>
+          <p:nvPr>
+            <p:ph type="title"/>
+          </p:nvPr>
+        </p:nvSpPr>
+        <p:spPr/>
+        <p:txBody>
+          <a:bodyPr/>
+          <a:lstStyle/>
+          <a:p>
+            <a:r>
+              <a:rPr lang="de-DE" dirty="0"/>
+              <a:t>Single-Pixel-</a:t>
+            </a:r>
+            <a:r>
+              <a:rPr lang="de-DE" dirty="0" err="1"/>
+              <a:t>Calculation</a:t>
+            </a:r>
+            <a:endParaRPr lang="de-DE" dirty="0"/>
+          </a:p>
+        </p:txBody>
+      </p:sp>
+      <p:sp>
+        <p:nvSpPr>
+          <p:cNvPr id="29" name="Pfeil: gebogen 28"/>
+          <p:cNvSpPr/>
+          <p:nvPr/>
+        </p:nvSpPr>
+        <p:spPr>
+          <a:xfrm rot="5400000">
+            <a:off x="2095169" y="1633206"/>
+            <a:ext cx="4956838" cy="4956838"/>
+          </a:xfrm>
+          <a:prstGeom prst="circularArrow">
+            <a:avLst>
+              <a:gd name="adj1" fmla="val 5085"/>
+              <a:gd name="adj2" fmla="val 327528"/>
+              <a:gd name="adj3" fmla="val 15841117"/>
+              <a:gd name="adj4" fmla="val 16231354"/>
+              <a:gd name="adj5" fmla="val 5932"/>
+            </a:avLst>
+          </a:prstGeom>
+          <a:solidFill>
+            <a:schemeClr val="accent1"/>
+          </a:solidFill>
+        </p:spPr>
+        <p:style>
+          <a:lnRef idx="0">
+            <a:schemeClr val="accent2">
+              <a:tint val="60000"/>
+              <a:hueOff val="0"/>
+              <a:satOff val="0"/>
+              <a:lumOff val="0"/>
+              <a:alphaOff val="0"/>
+            </a:schemeClr>
+          </a:lnRef>
+          <a:fillRef idx="1">
+            <a:scrgbClr r="0" g="0" b="0"/>
+          </a:fillRef>
+          <a:effectRef idx="0">
+            <a:schemeClr val="accent2">
+              <a:tint val="60000"/>
+              <a:hueOff val="0"/>
+              <a:satOff val="0"/>
+              <a:lumOff val="0"/>
+              <a:alphaOff val="0"/>
+            </a:schemeClr>
+          </a:effectRef>
+          <a:fontRef idx="minor">
+            <a:schemeClr val="dk1">
+              <a:hueOff val="0"/>
+              <a:satOff val="0"/>
+              <a:lumOff val="0"/>
+              <a:alphaOff val="0"/>
+            </a:schemeClr>
+          </a:fontRef>
+        </p:style>
+        <p:txBody>
+          <a:bodyPr/>
+          <a:lstStyle/>
+          <a:p>
+            <a:endParaRPr lang="de-DE" dirty="0"/>
+          </a:p>
+        </p:txBody>
+      </p:sp>
+      <p:sp>
+        <p:nvSpPr>
+          <p:cNvPr id="30" name="Textfeld 29"/>
+          <p:cNvSpPr txBox="1"/>
+          <p:nvPr/>
+        </p:nvSpPr>
+        <p:spPr>
+          <a:xfrm>
+            <a:off x="6682687" y="4146584"/>
+            <a:ext cx="136256" cy="257250"/>
+          </a:xfrm>
+          <a:prstGeom prst="rect">
+            <a:avLst/>
+          </a:prstGeom>
+          <a:noFill/>
+        </p:spPr>
+        <p:txBody>
+          <a:bodyPr wrap="none" lIns="0" tIns="0" rIns="0" bIns="0" rtlCol="0">
+            <a:spAutoFit/>
+          </a:bodyPr>
+          <a:lstStyle/>
+          <a:p>
+            <a:pPr>
+              <a:lnSpc>
+                <a:spcPct val="114000"/>
+              </a:lnSpc>
+            </a:pPr>
+            <a:r>
+              <a:rPr lang="de-DE" sz="1600" dirty="0">
+                <a:solidFill>
+                  <a:schemeClr val="bg1"/>
+                </a:solidFill>
+                <a:latin typeface="+mn-lt"/>
+              </a:rPr>
+              <a:t>Y</a:t>
+            </a:r>
+          </a:p>
+        </p:txBody>
+      </p:sp>
+      <p:sp>
+        <p:nvSpPr>
+          <p:cNvPr id="34" name="Textfeld 33"/>
+          <p:cNvSpPr txBox="1"/>
+          <p:nvPr/>
+        </p:nvSpPr>
+        <p:spPr>
+          <a:xfrm>
+            <a:off x="3469106" y="3567828"/>
+            <a:ext cx="2208938" cy="1075872"/>
+          </a:xfrm>
+          <a:prstGeom prst="rect">
+            <a:avLst/>
+          </a:prstGeom>
+          <a:noFill/>
+        </p:spPr>
+        <p:txBody>
+          <a:bodyPr wrap="none" lIns="0" tIns="0" rIns="0" bIns="0" rtlCol="0">
+            <a:spAutoFit/>
+          </a:bodyPr>
+          <a:lstStyle/>
+          <a:p>
+            <a:pPr algn="ctr">
+              <a:lnSpc>
+                <a:spcPct val="114000"/>
+              </a:lnSpc>
+            </a:pPr>
+            <a:r>
+              <a:rPr lang="de-DE" sz="3200" dirty="0">
+                <a:solidFill>
+                  <a:schemeClr val="tx1">
+                    <a:lumMod val="85000"/>
+                    <a:lumOff val="15000"/>
+                  </a:schemeClr>
+                </a:solidFill>
+                <a:latin typeface="+mn-lt"/>
+              </a:rPr>
+              <a:t>Mandelbrot</a:t>
+            </a:r>
+          </a:p>
+          <a:p>
+            <a:pPr algn="ctr">
+              <a:lnSpc>
+                <a:spcPct val="114000"/>
+              </a:lnSpc>
+            </a:pPr>
+            <a:r>
+              <a:rPr lang="de-DE" sz="3200" dirty="0">
+                <a:solidFill>
+                  <a:schemeClr val="tx1">
+                    <a:lumMod val="85000"/>
+                    <a:lumOff val="15000"/>
+                  </a:schemeClr>
+                </a:solidFill>
+                <a:latin typeface="+mn-lt"/>
+              </a:rPr>
+              <a:t>Berechnung</a:t>
+            </a:r>
+          </a:p>
+        </p:txBody>
+      </p:sp>
+      <p:sp>
+        <p:nvSpPr>
+          <p:cNvPr id="35" name="Textfeld 34"/>
+          <p:cNvSpPr txBox="1"/>
+          <p:nvPr/>
+        </p:nvSpPr>
+        <p:spPr>
+          <a:xfrm>
+            <a:off x="6216033" y="4146584"/>
+            <a:ext cx="136256" cy="257250"/>
+          </a:xfrm>
+          <a:prstGeom prst="rect">
+            <a:avLst/>
+          </a:prstGeom>
+          <a:noFill/>
+        </p:spPr>
+        <p:txBody>
+          <a:bodyPr wrap="none" lIns="0" tIns="0" rIns="0" bIns="0" rtlCol="0">
+            <a:spAutoFit/>
+          </a:bodyPr>
+          <a:lstStyle/>
+          <a:p>
+            <a:pPr>
+              <a:lnSpc>
+                <a:spcPct val="114000"/>
+              </a:lnSpc>
+            </a:pPr>
+            <a:r>
+              <a:rPr lang="de-DE" sz="1600" dirty="0">
+                <a:solidFill>
+                  <a:schemeClr val="bg1"/>
+                </a:solidFill>
+                <a:latin typeface="+mn-lt"/>
+              </a:rPr>
+              <a:t>X</a:t>
+            </a:r>
+          </a:p>
+        </p:txBody>
+      </p:sp>
+    </p:spTree>
+    <p:extLst>
+      <p:ext uri="{BB962C8B-B14F-4D97-AF65-F5344CB8AC3E}">
+        <p14:creationId xmlns:p14="http://schemas.microsoft.com/office/powerpoint/2010/main" val="952674891"/>
+      </p:ext>
+    </p:extLst>
+  </p:cSld>
+  <p:clrMapOvr>
+    <a:masterClrMapping/>
+  </p:clrMapOvr>
+</p:sld>
+</file>
+
+<file path=ppt/slides/slide5.xml><?xml version="1.0" encoding="utf-8"?>
 <p:sld xmlns:a="http://schemas.openxmlformats.org/drawingml/2006/main" xmlns:r="http://schemas.openxmlformats.org/officeDocument/2006/relationships" xmlns:p="http://schemas.openxmlformats.org/presentationml/2006/main">
   <p:cSld>
     <p:spTree>
@@ -15502,7 +16657,7 @@
             <a:fld id="{CE58CB1E-F828-4F11-99E0-327109AF9DA4}" type="slidenum">
               <a:rPr lang="de-DE" smtClean="0"/>
               <a:pPr/>
-              <a:t>4</a:t>
+              <a:t>5</a:t>
             </a:fld>
             <a:endParaRPr lang="de-DE" dirty="0"/>
           </a:p>
@@ -16318,7 +17473,7 @@
 </p:sld>
 </file>
 
-<file path=ppt/slides/slide5.xml><?xml version="1.0" encoding="utf-8"?>
+<file path=ppt/slides/slide6.xml><?xml version="1.0" encoding="utf-8"?>
 <p:sld xmlns:a="http://schemas.openxmlformats.org/drawingml/2006/main" xmlns:r="http://schemas.openxmlformats.org/officeDocument/2006/relationships" xmlns:p="http://schemas.openxmlformats.org/presentationml/2006/main">
   <p:cSld>
     <p:spTree>
@@ -16353,7 +17508,7 @@
             <a:fld id="{CE58CB1E-F828-4F11-99E0-327109AF9DA4}" type="slidenum">
               <a:rPr lang="de-DE" smtClean="0"/>
               <a:pPr/>
-              <a:t>5</a:t>
+              <a:t>6</a:t>
             </a:fld>
             <a:endParaRPr lang="de-DE" dirty="0"/>
           </a:p>
@@ -16452,158 +17607,6 @@
 </p:sld>
 </file>
 
-<file path=ppt/slides/slide6.xml><?xml version="1.0" encoding="utf-8"?>
-<p:sld xmlns:a="http://schemas.openxmlformats.org/drawingml/2006/main" xmlns:r="http://schemas.openxmlformats.org/officeDocument/2006/relationships" xmlns:p="http://schemas.openxmlformats.org/presentationml/2006/main">
-  <p:cSld>
-    <p:spTree>
-      <p:nvGrpSpPr>
-        <p:cNvPr id="1" name=""/>
-        <p:cNvGrpSpPr/>
-        <p:nvPr/>
-      </p:nvGrpSpPr>
-      <p:grpSpPr>
-        <a:xfrm>
-          <a:off x="0" y="0"/>
-          <a:ext cx="0" cy="0"/>
-          <a:chOff x="0" y="0"/>
-          <a:chExt cx="0" cy="0"/>
-        </a:xfrm>
-      </p:grpSpPr>
-      <p:sp>
-        <p:nvSpPr>
-          <p:cNvPr id="2" name="Inhaltsplatzhalter 1"/>
-          <p:cNvSpPr>
-            <a:spLocks noGrp="1"/>
-          </p:cNvSpPr>
-          <p:nvPr>
-            <p:ph idx="1"/>
-          </p:nvPr>
-        </p:nvSpPr>
-        <p:spPr/>
-        <p:txBody>
-          <a:bodyPr/>
-          <a:lstStyle/>
-          <a:p>
-            <a:r>
-              <a:rPr dirty="0" err="1"/>
-              <a:t>Dieser</a:t>
-            </a:r>
-            <a:r>
-              <a:rPr dirty="0"/>
-              <a:t> Folienmaster gilt bei offiziellen Präsentationen im Rahmen der TUM.</a:t>
-            </a:r>
-            <a:br>
-              <a:rPr dirty="0"/>
-            </a:br>
-            <a:r>
-              <a:rPr dirty="0"/>
-              <a:t>Es ist darauf zu achten, dass wir uns in einem durchgängigen Layout </a:t>
-            </a:r>
-            <a:r>
-              <a:rPr dirty="0" err="1"/>
-              <a:t>präsentieren</a:t>
-            </a:r>
-            <a:r>
-              <a:rPr dirty="0"/>
-              <a:t>.</a:t>
-            </a:r>
-          </a:p>
-          <a:p>
-            <a:r>
-              <a:rPr lang="de-DE" dirty="0"/>
-              <a:t>Abweichungen vom vorgegebenen Layout bitte auf ein Minimum reduzieren.</a:t>
-            </a:r>
-          </a:p>
-          <a:p>
-            <a:endParaRPr dirty="0"/>
-          </a:p>
-          <a:p>
-            <a:endParaRPr sz="2200" dirty="0"/>
-          </a:p>
-        </p:txBody>
-      </p:sp>
-      <p:sp>
-        <p:nvSpPr>
-          <p:cNvPr id="4" name="Foliennummernplatzhalter 3"/>
-          <p:cNvSpPr>
-            <a:spLocks noGrp="1"/>
-          </p:cNvSpPr>
-          <p:nvPr>
-            <p:ph type="sldNum" sz="quarter" idx="11"/>
-          </p:nvPr>
-        </p:nvSpPr>
-        <p:spPr/>
-        <p:txBody>
-          <a:bodyPr/>
-          <a:lstStyle/>
-          <a:p>
-            <a:fld id="{CE58CB1E-F828-4F11-99E0-327109AF9DA4}" type="slidenum">
-              <a:rPr lang="de-DE" smtClean="0"/>
-              <a:pPr/>
-              <a:t>6</a:t>
-            </a:fld>
-            <a:endParaRPr lang="de-DE" dirty="0"/>
-          </a:p>
-        </p:txBody>
-      </p:sp>
-      <p:sp>
-        <p:nvSpPr>
-          <p:cNvPr id="7" name="Fußzeilenplatzhalter 4"/>
-          <p:cNvSpPr>
-            <a:spLocks noGrp="1"/>
-          </p:cNvSpPr>
-          <p:nvPr>
-            <p:ph type="ftr" sz="quarter" idx="12"/>
-          </p:nvPr>
-        </p:nvSpPr>
-        <p:spPr/>
-        <p:txBody>
-          <a:bodyPr/>
-          <a:lstStyle/>
-          <a:p>
-            <a:r>
-              <a:rPr lang="de-DE"/>
-              <a:t>Dr. rer. nat. Erika Mustermann (TUM) | kann beliebig erweitert werden | Infos mit Strich trennen</a:t>
-            </a:r>
-            <a:endParaRPr lang="en-US" dirty="0"/>
-          </a:p>
-        </p:txBody>
-      </p:sp>
-      <p:sp>
-        <p:nvSpPr>
-          <p:cNvPr id="3" name="Titel 2"/>
-          <p:cNvSpPr>
-            <a:spLocks noGrp="1"/>
-          </p:cNvSpPr>
-          <p:nvPr>
-            <p:ph type="title"/>
-          </p:nvPr>
-        </p:nvSpPr>
-        <p:spPr>
-          <a:prstGeom prst="rect">
-            <a:avLst/>
-          </a:prstGeom>
-        </p:spPr>
-        <p:txBody>
-          <a:bodyPr/>
-          <a:lstStyle/>
-          <a:p>
-            <a:r>
-              <a:rPr sz="3000" dirty="0"/>
-              <a:t>Gültigkeit der Masterfolien</a:t>
-            </a:r>
-            <a:endParaRPr lang="de-DE" sz="3000" dirty="0"/>
-          </a:p>
-        </p:txBody>
-      </p:sp>
-    </p:spTree>
-  </p:cSld>
-  <p:clrMapOvr>
-    <a:masterClrMapping/>
-  </p:clrMapOvr>
-</p:sld>
-</file>
-
 <file path=ppt/slides/slide7.xml><?xml version="1.0" encoding="utf-8"?>
 <p:sld xmlns:a="http://schemas.openxmlformats.org/drawingml/2006/main" xmlns:r="http://schemas.openxmlformats.org/officeDocument/2006/relationships" xmlns:p="http://schemas.openxmlformats.org/presentationml/2006/main">
   <p:cSld>
@@ -16631,27 +17634,46 @@
             <p:ph idx="1"/>
           </p:nvPr>
         </p:nvSpPr>
-        <p:spPr>
-          <a:xfrm>
-            <a:off x="319090" y="2105024"/>
-            <a:ext cx="8508999" cy="4356735"/>
-          </a:xfrm>
-        </p:spPr>
+        <p:spPr/>
         <p:txBody>
           <a:bodyPr/>
           <a:lstStyle/>
           <a:p>
             <a:r>
+              <a:rPr dirty="0" err="1"/>
+              <a:t>Dieser</a:t>
+            </a:r>
+            <a:r>
               <a:rPr dirty="0"/>
-              <a:t>Als Grundlage dient der Corporate Design Style Guide der TUM.</a:t>
+              <a:t> Folienmaster gilt bei offiziellen Präsentationen im Rahmen der TUM.</a:t>
             </a:r>
             <a:br>
               <a:rPr dirty="0"/>
             </a:br>
             <a:r>
               <a:rPr dirty="0"/>
-              <a:t>Die Präsentationsvorlage ist auf gute Lesbarkeit und klare Darstellung von Informationen optimiert.</a:t>
-            </a:r>
+              <a:t>Es ist darauf zu achten, dass wir uns in einem durchgängigen Layout </a:t>
+            </a:r>
+            <a:r>
+              <a:rPr dirty="0" err="1"/>
+              <a:t>präsentieren</a:t>
+            </a:r>
+            <a:r>
+              <a:rPr dirty="0"/>
+              <a:t>.</a:t>
+            </a:r>
+          </a:p>
+          <a:p>
+            <a:r>
+              <a:rPr lang="de-DE" dirty="0"/>
+              <a:t>Abweichungen vom vorgegebenen Layout bitte auf ein Minimum reduzieren.</a:t>
+            </a:r>
+          </a:p>
+          <a:p>
+            <a:endParaRPr dirty="0"/>
+          </a:p>
+          <a:p>
+            <a:endParaRPr sz="2200" dirty="0"/>
           </a:p>
         </p:txBody>
       </p:sp>
@@ -16681,7 +17703,7 @@
       </p:sp>
       <p:sp>
         <p:nvSpPr>
-          <p:cNvPr id="6" name="Fußzeilenplatzhalter 4"/>
+          <p:cNvPr id="7" name="Fußzeilenplatzhalter 4"/>
           <p:cNvSpPr>
             <a:spLocks noGrp="1"/>
           </p:cNvSpPr>
@@ -16722,15 +17744,8 @@
           <a:lstStyle/>
           <a:p>
             <a:r>
-              <a:rPr lang="de-DE" sz="3200" dirty="0"/>
-              <a:t>Hier steht eine Überschrift</a:t>
-            </a:r>
-            <a:br>
-              <a:rPr lang="de-DE" sz="3200" dirty="0"/>
-            </a:br>
-            <a:r>
-              <a:rPr lang="de-DE" sz="3200" dirty="0"/>
-              <a:t>max. 2-zeilig</a:t>
+              <a:rPr sz="3000" dirty="0"/>
+              <a:t>Gültigkeit der Masterfolien</a:t>
             </a:r>
             <a:endParaRPr lang="de-DE" sz="3000" dirty="0"/>
           </a:p>
@@ -16771,106 +17786,26 @@
             <p:ph idx="1"/>
           </p:nvPr>
         </p:nvSpPr>
-        <p:spPr/>
+        <p:spPr>
+          <a:xfrm>
+            <a:off x="319090" y="2105024"/>
+            <a:ext cx="8508999" cy="4356735"/>
+          </a:xfrm>
+        </p:spPr>
         <p:txBody>
           <a:bodyPr/>
           <a:lstStyle/>
           <a:p>
             <a:r>
               <a:rPr dirty="0"/>
-              <a:t>Das Grundprinzip ist, Informationen bestmöglich zu transportieren. Dazu muss vor allem die Schrift einheitlich und für alle im Raum lesbar sein. </a:t>
-            </a:r>
-          </a:p>
-          <a:p>
-            <a:endParaRPr dirty="0"/>
-          </a:p>
-          <a:p>
-            <a:r>
-              <a:rPr dirty="0" err="1"/>
-              <a:t>Schriftart</a:t>
-            </a:r>
-            <a:r>
+              <a:t>Als Grundlage dient der Corporate Design Style Guide der TUM.</a:t>
+            </a:r>
+            <a:br>
               <a:rPr dirty="0"/>
-              <a:t>: Arial</a:t>
-            </a:r>
-          </a:p>
-          <a:p>
-            <a:endParaRPr dirty="0"/>
-          </a:p>
-          <a:p>
-            <a:r>
-              <a:rPr dirty="0" err="1"/>
-              <a:t>Schriftgr</a:t>
-            </a:r>
-            <a:r>
-              <a:rPr lang="de-DE" dirty="0" err="1"/>
-              <a:t>ößen</a:t>
-            </a:r>
+            </a:br>
             <a:r>
               <a:rPr dirty="0"/>
-              <a:t>:</a:t>
-            </a:r>
-            <a:r>
-              <a:rPr lang="de-DE" dirty="0"/>
-              <a:t>30 | 22 | 16 | 12</a:t>
-            </a:r>
-            <a:endParaRPr dirty="0"/>
-          </a:p>
-          <a:p>
-            <a:endParaRPr dirty="0"/>
-          </a:p>
-          <a:p>
-            <a:r>
-              <a:rPr dirty="0" err="1"/>
-              <a:t>Zeilenabstand</a:t>
-            </a:r>
-            <a:r>
-              <a:rPr dirty="0"/>
-              <a:t>: 1,15mm</a:t>
-            </a:r>
-          </a:p>
-          <a:p>
-            <a:endParaRPr dirty="0"/>
-          </a:p>
-          <a:p>
-            <a:r>
-              <a:rPr dirty="0"/>
-              <a:t>Die Einstellungen sind in den Textfeldern und Textfeldvorlagen dieses ppt-Masters als Standard eingestellt. Bei Diagrammen und Tabellen muss die Schriftgröße ggf. angepasst werden.</a:t>
-            </a:r>
-            <a:r>
-              <a:rPr lang="de-DE" dirty="0"/>
-              <a:t> Für Auszeichnungen im Fließtext kann auch </a:t>
-            </a:r>
-            <a:r>
-              <a:rPr lang="de-DE" b="1" dirty="0"/>
-              <a:t>fett </a:t>
-            </a:r>
-            <a:r>
-              <a:rPr lang="de-DE" dirty="0"/>
-              <a:t>markiert werden.</a:t>
-            </a:r>
-            <a:endParaRPr dirty="0"/>
-          </a:p>
-          <a:p>
-            <a:r>
-              <a:rPr dirty="0"/>
-              <a:t>Bei großer Distanz bzw. </a:t>
-            </a:r>
-            <a:r>
-              <a:rPr dirty="0" err="1"/>
-              <a:t>kleinem</a:t>
-            </a:r>
-            <a:r>
-              <a:rPr dirty="0"/>
-              <a:t> </a:t>
-            </a:r>
-            <a:r>
-              <a:rPr dirty="0" err="1"/>
-              <a:t>Präsentationsmedium</a:t>
-            </a:r>
-            <a:r>
-              <a:rPr dirty="0"/>
-              <a:t> kann der Schriftgrad notfalls proportional erhöht werden.</a:t>
+              <a:t>Die Präsentationsvorlage ist auf gute Lesbarkeit und klare Darstellung von Informationen optimiert.</a:t>
             </a:r>
           </a:p>
         </p:txBody>
@@ -16885,11 +17820,7 @@
             <p:ph type="sldNum" sz="quarter" idx="11"/>
           </p:nvPr>
         </p:nvSpPr>
-        <p:spPr>
-          <a:prstGeom prst="rect">
-            <a:avLst/>
-          </a:prstGeom>
-        </p:spPr>
+        <p:spPr/>
         <p:txBody>
           <a:bodyPr/>
           <a:lstStyle/>
@@ -16946,8 +17877,15 @@
           <a:lstStyle/>
           <a:p>
             <a:r>
-              <a:rPr sz="3000" dirty="0"/>
-              <a:t>Schrift</a:t>
+              <a:rPr lang="de-DE" sz="3200" dirty="0"/>
+              <a:t>Hier steht eine Überschrift</a:t>
+            </a:r>
+            <a:br>
+              <a:rPr lang="de-DE" sz="3200" dirty="0"/>
+            </a:br>
+            <a:r>
+              <a:rPr lang="de-DE" sz="3200" dirty="0"/>
+              <a:t>max. 2-zeilig</a:t>
             </a:r>
             <a:endParaRPr lang="de-DE" sz="3000" dirty="0"/>
           </a:p>
@@ -16995,82 +17933,100 @@
           <a:p>
             <a:r>
               <a:rPr dirty="0"/>
-              <a:t>Als erstes soll mit schwarz und weiß gearbeitet werden.</a:t>
-            </a:r>
-            <a:br>
+              <a:t>Das Grundprinzip ist, Informationen bestmöglich zu transportieren. Dazu muss vor allem die Schrift einheitlich und für alle im Raum lesbar sein. </a:t>
+            </a:r>
+          </a:p>
+          <a:p>
+            <a:endParaRPr dirty="0"/>
+          </a:p>
+          <a:p>
+            <a:r>
+              <a:rPr dirty="0" err="1"/>
+              <a:t>Schriftart</a:t>
+            </a:r>
+            <a:r>
               <a:rPr dirty="0"/>
-            </a:br>
+              <a:t>: Arial</a:t>
+            </a:r>
+          </a:p>
+          <a:p>
+            <a:endParaRPr dirty="0"/>
+          </a:p>
+          <a:p>
+            <a:r>
+              <a:rPr dirty="0" err="1"/>
+              <a:t>Schriftgr</a:t>
+            </a:r>
+            <a:r>
+              <a:rPr lang="de-DE" dirty="0" err="1"/>
+              <a:t>ößen</a:t>
+            </a:r>
             <a:r>
               <a:rPr dirty="0"/>
-              <a:t>Für Aufwändigere Darstellungen sind Farben mit Bedacht und in möglichst geringem Umfang einzusetzen.</a:t>
-            </a:r>
-            <a:br>
+              <a:t>:</a:t>
+            </a:r>
+            <a:r>
+              <a:rPr lang="de-DE" dirty="0"/>
+              <a:t>30 | 22 | 16 | 12</a:t>
+            </a:r>
+            <a:endParaRPr dirty="0"/>
+          </a:p>
+          <a:p>
+            <a:endParaRPr dirty="0"/>
+          </a:p>
+          <a:p>
+            <a:r>
+              <a:rPr dirty="0" err="1"/>
+              <a:t>Zeilenabstand</a:t>
+            </a:r>
+            <a:r>
               <a:rPr dirty="0"/>
-            </a:br>
+              <a:t>: 1,15mm</a:t>
+            </a:r>
+          </a:p>
+          <a:p>
             <a:endParaRPr dirty="0"/>
           </a:p>
           <a:p>
             <a:r>
               <a:rPr dirty="0"/>
-              <a:t>In diesem Folienmaster ist die Farbpalette festgelegt.</a:t>
-            </a:r>
-          </a:p>
-          <a:p>
+              <a:t>Die Einstellungen sind in den Textfeldern und Textfeldvorlagen dieses ppt-Masters als Standard eingestellt. Bei Diagrammen und Tabellen muss die Schriftgröße ggf. angepasst werden.</a:t>
+            </a:r>
+            <a:r>
+              <a:rPr lang="de-DE" dirty="0"/>
+              <a:t> Für Auszeichnungen im Fließtext kann auch </a:t>
+            </a:r>
+            <a:r>
+              <a:rPr lang="de-DE" b="1" dirty="0"/>
+              <a:t>fett </a:t>
+            </a:r>
+            <a:r>
+              <a:rPr lang="de-DE" dirty="0"/>
+              <a:t>markiert werden.</a:t>
+            </a:r>
             <a:endParaRPr dirty="0"/>
           </a:p>
           <a:p>
             <a:r>
               <a:rPr dirty="0"/>
-              <a:t>Zuerst mit </a:t>
-            </a:r>
-            <a:r>
-              <a:rPr lang="de-DE" dirty="0"/>
-              <a:t>den Primärfarben </a:t>
+              <a:t>Bei großer Distanz bzw. </a:t>
+            </a:r>
+            <a:r>
+              <a:rPr dirty="0" err="1"/>
+              <a:t>kleinem</a:t>
             </a:r>
             <a:r>
               <a:rPr dirty="0"/>
-              <a:t>arbeiten</a:t>
-            </a:r>
-            <a:r>
-              <a:rPr lang="de-DE" dirty="0"/>
-              <a:t>.</a:t>
-            </a:r>
-          </a:p>
-          <a:p>
-            <a:endParaRPr lang="de-DE" dirty="0"/>
-          </a:p>
-          <a:p>
-            <a:endParaRPr lang="de-DE" dirty="0"/>
-          </a:p>
-          <a:p>
+              <a:t> </a:t>
+            </a:r>
+            <a:r>
+              <a:rPr dirty="0" err="1"/>
+              <a:t>Präsentationsmedium</a:t>
+            </a:r>
             <a:r>
               <a:rPr dirty="0"/>
-              <a:t>Für z.B. komplexe Diagramme stehen noch</a:t>
-            </a:r>
-            <a:r>
-              <a:rPr lang="de-DE" dirty="0"/>
-              <a:t>Sekundärfarben </a:t>
-            </a:r>
-            <a:r>
-              <a:rPr dirty="0"/>
-              <a:t>zur Verfügung.</a:t>
-            </a:r>
-          </a:p>
-          <a:p>
-            <a:endParaRPr dirty="0"/>
-          </a:p>
-          <a:p>
-            <a:endParaRPr dirty="0"/>
-          </a:p>
-          <a:p>
-            <a:r>
-              <a:rPr lang="de-DE" dirty="0"/>
-              <a:t>Gering im Einsatz sind die Akzentfarben.</a:t>
-            </a:r>
-            <a:endParaRPr dirty="0"/>
-          </a:p>
-          <a:p>
-            <a:endParaRPr dirty="0"/>
+              <a:t> kann der Schriftgrad notfalls proportional erhöht werden.</a:t>
+            </a:r>
           </a:p>
         </p:txBody>
       </p:sp>
@@ -17104,7 +18060,7 @@
       </p:sp>
       <p:sp>
         <p:nvSpPr>
-          <p:cNvPr id="19" name="Fußzeilenplatzhalter 4"/>
+          <p:cNvPr id="6" name="Fußzeilenplatzhalter 4"/>
           <p:cNvSpPr>
             <a:spLocks noGrp="1"/>
           </p:cNvSpPr>
@@ -17146,573 +18102,9 @@
           <a:p>
             <a:r>
               <a:rPr sz="3000" dirty="0"/>
-              <a:t>Farben</a:t>
+              <a:t>Schrift</a:t>
             </a:r>
             <a:endParaRPr lang="de-DE" sz="3000" dirty="0"/>
-          </a:p>
-        </p:txBody>
-      </p:sp>
-      <p:sp>
-        <p:nvSpPr>
-          <p:cNvPr id="14" name="Rechteck 13"/>
-          <p:cNvSpPr/>
-          <p:nvPr/>
-        </p:nvSpPr>
-        <p:spPr>
-          <a:xfrm>
-            <a:off x="321735" y="3843868"/>
-            <a:ext cx="855132" cy="245531"/>
-          </a:xfrm>
-          <a:prstGeom prst="rect">
-            <a:avLst/>
-          </a:prstGeom>
-          <a:solidFill>
-            <a:schemeClr val="bg2"/>
-          </a:solidFill>
-          <a:ln>
-            <a:noFill/>
-          </a:ln>
-        </p:spPr>
-        <p:style>
-          <a:lnRef idx="2">
-            <a:schemeClr val="accent1">
-              <a:shade val="50000"/>
-            </a:schemeClr>
-          </a:lnRef>
-          <a:fillRef idx="1">
-            <a:schemeClr val="accent1"/>
-          </a:fillRef>
-          <a:effectRef idx="0">
-            <a:schemeClr val="accent1"/>
-          </a:effectRef>
-          <a:fontRef idx="minor">
-            <a:schemeClr val="lt1"/>
-          </a:fontRef>
-        </p:style>
-        <p:txBody>
-          <a:bodyPr rot="0" spcFirstLastPara="0" vertOverflow="overflow" horzOverflow="overflow" vert="horz" wrap="square" lIns="91440" tIns="45720" rIns="91440" bIns="45720" numCol="1" spcCol="0" rtlCol="0" fromWordArt="0" anchor="t" anchorCtr="0" forceAA="0" compatLnSpc="1">
-            <a:prstTxWarp prst="textNoShape">
-              <a:avLst/>
-            </a:prstTxWarp>
-            <a:noAutofit/>
-          </a:bodyPr>
-          <a:lstStyle/>
-          <a:p>
-            <a:pPr algn="ctr">
-              <a:lnSpc>
-                <a:spcPct val="114000"/>
-              </a:lnSpc>
-            </a:pPr>
-            <a:endParaRPr lang="de-DE" dirty="0">
-              <a:solidFill>
-                <a:schemeClr val="accent1"/>
-              </a:solidFill>
-            </a:endParaRPr>
-          </a:p>
-        </p:txBody>
-      </p:sp>
-      <p:sp>
-        <p:nvSpPr>
-          <p:cNvPr id="24" name="Rechteck 23"/>
-          <p:cNvSpPr/>
-          <p:nvPr/>
-        </p:nvSpPr>
-        <p:spPr>
-          <a:xfrm>
-            <a:off x="1295402" y="3843868"/>
-            <a:ext cx="855132" cy="245531"/>
-          </a:xfrm>
-          <a:prstGeom prst="rect">
-            <a:avLst/>
-          </a:prstGeom>
-          <a:solidFill>
-            <a:schemeClr val="tx1"/>
-          </a:solidFill>
-          <a:ln>
-            <a:noFill/>
-          </a:ln>
-        </p:spPr>
-        <p:style>
-          <a:lnRef idx="2">
-            <a:schemeClr val="accent1">
-              <a:shade val="50000"/>
-            </a:schemeClr>
-          </a:lnRef>
-          <a:fillRef idx="1">
-            <a:schemeClr val="accent1"/>
-          </a:fillRef>
-          <a:effectRef idx="0">
-            <a:schemeClr val="accent1"/>
-          </a:effectRef>
-          <a:fontRef idx="minor">
-            <a:schemeClr val="lt1"/>
-          </a:fontRef>
-        </p:style>
-        <p:txBody>
-          <a:bodyPr rot="0" spcFirstLastPara="0" vertOverflow="overflow" horzOverflow="overflow" vert="horz" wrap="square" lIns="91440" tIns="45720" rIns="91440" bIns="45720" numCol="1" spcCol="0" rtlCol="0" fromWordArt="0" anchor="t" anchorCtr="0" forceAA="0" compatLnSpc="1">
-            <a:prstTxWarp prst="textNoShape">
-              <a:avLst/>
-            </a:prstTxWarp>
-            <a:noAutofit/>
-          </a:bodyPr>
-          <a:lstStyle/>
-          <a:p>
-            <a:pPr algn="ctr">
-              <a:lnSpc>
-                <a:spcPct val="114000"/>
-              </a:lnSpc>
-            </a:pPr>
-            <a:endParaRPr lang="de-DE" dirty="0">
-              <a:solidFill>
-                <a:schemeClr val="tx1"/>
-              </a:solidFill>
-            </a:endParaRPr>
-          </a:p>
-        </p:txBody>
-      </p:sp>
-      <p:sp>
-        <p:nvSpPr>
-          <p:cNvPr id="25" name="Rechteck 24"/>
-          <p:cNvSpPr/>
-          <p:nvPr/>
-        </p:nvSpPr>
-        <p:spPr>
-          <a:xfrm>
-            <a:off x="2260602" y="3843868"/>
-            <a:ext cx="855132" cy="245531"/>
-          </a:xfrm>
-          <a:prstGeom prst="rect">
-            <a:avLst/>
-          </a:prstGeom>
-          <a:solidFill>
-            <a:schemeClr val="bg1"/>
-          </a:solidFill>
-          <a:ln w="6350" cap="flat" cmpd="sng" algn="ctr">
-            <a:solidFill>
-              <a:schemeClr val="tx1"/>
-            </a:solidFill>
-            <a:prstDash val="solid"/>
-            <a:round/>
-            <a:headEnd type="none" w="med" len="med"/>
-            <a:tailEnd type="none" w="med" len="med"/>
-          </a:ln>
-        </p:spPr>
-        <p:style>
-          <a:lnRef idx="2">
-            <a:schemeClr val="accent1">
-              <a:shade val="50000"/>
-            </a:schemeClr>
-          </a:lnRef>
-          <a:fillRef idx="1">
-            <a:schemeClr val="accent1"/>
-          </a:fillRef>
-          <a:effectRef idx="0">
-            <a:schemeClr val="accent1"/>
-          </a:effectRef>
-          <a:fontRef idx="minor">
-            <a:schemeClr val="lt1"/>
-          </a:fontRef>
-        </p:style>
-        <p:txBody>
-          <a:bodyPr rot="0" spcFirstLastPara="0" vertOverflow="overflow" horzOverflow="overflow" vert="horz" wrap="square" lIns="91440" tIns="45720" rIns="91440" bIns="45720" numCol="1" spcCol="0" rtlCol="0" fromWordArt="0" anchor="t" anchorCtr="0" forceAA="0" compatLnSpc="1">
-            <a:prstTxWarp prst="textNoShape">
-              <a:avLst/>
-            </a:prstTxWarp>
-            <a:noAutofit/>
-          </a:bodyPr>
-          <a:lstStyle/>
-          <a:p>
-            <a:pPr algn="ctr">
-              <a:lnSpc>
-                <a:spcPct val="114000"/>
-              </a:lnSpc>
-            </a:pPr>
-            <a:endParaRPr lang="de-DE" dirty="0"/>
-          </a:p>
-        </p:txBody>
-      </p:sp>
-      <p:sp>
-        <p:nvSpPr>
-          <p:cNvPr id="26" name="Rechteck 25"/>
-          <p:cNvSpPr/>
-          <p:nvPr/>
-        </p:nvSpPr>
-        <p:spPr>
-          <a:xfrm>
-            <a:off x="321735" y="4665135"/>
-            <a:ext cx="855132" cy="245531"/>
-          </a:xfrm>
-          <a:prstGeom prst="rect">
-            <a:avLst/>
-          </a:prstGeom>
-          <a:solidFill>
-            <a:schemeClr val="accent1"/>
-          </a:solidFill>
-          <a:ln>
-            <a:noFill/>
-          </a:ln>
-        </p:spPr>
-        <p:style>
-          <a:lnRef idx="2">
-            <a:schemeClr val="accent1">
-              <a:shade val="50000"/>
-            </a:schemeClr>
-          </a:lnRef>
-          <a:fillRef idx="1">
-            <a:schemeClr val="accent1"/>
-          </a:fillRef>
-          <a:effectRef idx="0">
-            <a:schemeClr val="accent1"/>
-          </a:effectRef>
-          <a:fontRef idx="minor">
-            <a:schemeClr val="lt1"/>
-          </a:fontRef>
-        </p:style>
-        <p:txBody>
-          <a:bodyPr rot="0" spcFirstLastPara="0" vertOverflow="overflow" horzOverflow="overflow" vert="horz" wrap="square" lIns="91440" tIns="45720" rIns="91440" bIns="45720" numCol="1" spcCol="0" rtlCol="0" fromWordArt="0" anchor="t" anchorCtr="0" forceAA="0" compatLnSpc="1">
-            <a:prstTxWarp prst="textNoShape">
-              <a:avLst/>
-            </a:prstTxWarp>
-            <a:noAutofit/>
-          </a:bodyPr>
-          <a:lstStyle/>
-          <a:p>
-            <a:pPr algn="ctr">
-              <a:lnSpc>
-                <a:spcPct val="114000"/>
-              </a:lnSpc>
-            </a:pPr>
-            <a:endParaRPr lang="de-DE" dirty="0"/>
-          </a:p>
-        </p:txBody>
-      </p:sp>
-      <p:sp>
-        <p:nvSpPr>
-          <p:cNvPr id="27" name="Rechteck 26"/>
-          <p:cNvSpPr/>
-          <p:nvPr/>
-        </p:nvSpPr>
-        <p:spPr>
-          <a:xfrm>
-            <a:off x="1295402" y="4665135"/>
-            <a:ext cx="855132" cy="245531"/>
-          </a:xfrm>
-          <a:prstGeom prst="rect">
-            <a:avLst/>
-          </a:prstGeom>
-          <a:solidFill>
-            <a:schemeClr val="accent2"/>
-          </a:solidFill>
-          <a:ln>
-            <a:noFill/>
-          </a:ln>
-        </p:spPr>
-        <p:style>
-          <a:lnRef idx="2">
-            <a:schemeClr val="accent1">
-              <a:shade val="50000"/>
-            </a:schemeClr>
-          </a:lnRef>
-          <a:fillRef idx="1">
-            <a:schemeClr val="accent1"/>
-          </a:fillRef>
-          <a:effectRef idx="0">
-            <a:schemeClr val="accent1"/>
-          </a:effectRef>
-          <a:fontRef idx="minor">
-            <a:schemeClr val="lt1"/>
-          </a:fontRef>
-        </p:style>
-        <p:txBody>
-          <a:bodyPr rot="0" spcFirstLastPara="0" vertOverflow="overflow" horzOverflow="overflow" vert="horz" wrap="square" lIns="91440" tIns="45720" rIns="91440" bIns="45720" numCol="1" spcCol="0" rtlCol="0" fromWordArt="0" anchor="t" anchorCtr="0" forceAA="0" compatLnSpc="1">
-            <a:prstTxWarp prst="textNoShape">
-              <a:avLst/>
-            </a:prstTxWarp>
-            <a:noAutofit/>
-          </a:bodyPr>
-          <a:lstStyle/>
-          <a:p>
-            <a:pPr algn="ctr">
-              <a:lnSpc>
-                <a:spcPct val="114000"/>
-              </a:lnSpc>
-            </a:pPr>
-            <a:endParaRPr lang="de-DE" dirty="0"/>
-          </a:p>
-        </p:txBody>
-      </p:sp>
-      <p:sp>
-        <p:nvSpPr>
-          <p:cNvPr id="28" name="Rechteck 27"/>
-          <p:cNvSpPr/>
-          <p:nvPr/>
-        </p:nvSpPr>
-        <p:spPr>
-          <a:xfrm>
-            <a:off x="2260602" y="4665135"/>
-            <a:ext cx="855132" cy="245531"/>
-          </a:xfrm>
-          <a:prstGeom prst="rect">
-            <a:avLst/>
-          </a:prstGeom>
-          <a:solidFill>
-            <a:schemeClr val="accent3"/>
-          </a:solidFill>
-          <a:ln>
-            <a:noFill/>
-          </a:ln>
-        </p:spPr>
-        <p:style>
-          <a:lnRef idx="2">
-            <a:schemeClr val="accent1">
-              <a:shade val="50000"/>
-            </a:schemeClr>
-          </a:lnRef>
-          <a:fillRef idx="1">
-            <a:schemeClr val="accent1"/>
-          </a:fillRef>
-          <a:effectRef idx="0">
-            <a:schemeClr val="accent1"/>
-          </a:effectRef>
-          <a:fontRef idx="minor">
-            <a:schemeClr val="lt1"/>
-          </a:fontRef>
-        </p:style>
-        <p:txBody>
-          <a:bodyPr rot="0" spcFirstLastPara="0" vertOverflow="overflow" horzOverflow="overflow" vert="horz" wrap="square" lIns="91440" tIns="45720" rIns="91440" bIns="45720" numCol="1" spcCol="0" rtlCol="0" fromWordArt="0" anchor="t" anchorCtr="0" forceAA="0" compatLnSpc="1">
-            <a:prstTxWarp prst="textNoShape">
-              <a:avLst/>
-            </a:prstTxWarp>
-            <a:noAutofit/>
-          </a:bodyPr>
-          <a:lstStyle/>
-          <a:p>
-            <a:pPr algn="ctr">
-              <a:lnSpc>
-                <a:spcPct val="114000"/>
-              </a:lnSpc>
-            </a:pPr>
-            <a:endParaRPr lang="de-DE" dirty="0"/>
-          </a:p>
-        </p:txBody>
-      </p:sp>
-      <p:sp>
-        <p:nvSpPr>
-          <p:cNvPr id="29" name="Rechteck 28"/>
-          <p:cNvSpPr/>
-          <p:nvPr/>
-        </p:nvSpPr>
-        <p:spPr>
-          <a:xfrm>
-            <a:off x="3225802" y="4665135"/>
-            <a:ext cx="855132" cy="245531"/>
-          </a:xfrm>
-          <a:prstGeom prst="rect">
-            <a:avLst/>
-          </a:prstGeom>
-          <a:solidFill>
-            <a:srgbClr val="999999"/>
-          </a:solidFill>
-          <a:ln>
-            <a:noFill/>
-          </a:ln>
-        </p:spPr>
-        <p:style>
-          <a:lnRef idx="2">
-            <a:schemeClr val="accent1">
-              <a:shade val="50000"/>
-            </a:schemeClr>
-          </a:lnRef>
-          <a:fillRef idx="1">
-            <a:schemeClr val="accent1"/>
-          </a:fillRef>
-          <a:effectRef idx="0">
-            <a:schemeClr val="accent1"/>
-          </a:effectRef>
-          <a:fontRef idx="minor">
-            <a:schemeClr val="lt1"/>
-          </a:fontRef>
-        </p:style>
-        <p:txBody>
-          <a:bodyPr rot="0" spcFirstLastPara="0" vertOverflow="overflow" horzOverflow="overflow" vert="horz" wrap="square" lIns="91440" tIns="45720" rIns="91440" bIns="45720" numCol="1" spcCol="0" rtlCol="0" fromWordArt="0" anchor="t" anchorCtr="0" forceAA="0" compatLnSpc="1">
-            <a:prstTxWarp prst="textNoShape">
-              <a:avLst/>
-            </a:prstTxWarp>
-            <a:noAutofit/>
-          </a:bodyPr>
-          <a:lstStyle/>
-          <a:p>
-            <a:pPr algn="ctr">
-              <a:lnSpc>
-                <a:spcPct val="114000"/>
-              </a:lnSpc>
-            </a:pPr>
-            <a:endParaRPr lang="de-DE" dirty="0"/>
-          </a:p>
-        </p:txBody>
-      </p:sp>
-      <p:sp>
-        <p:nvSpPr>
-          <p:cNvPr id="36" name="Rechteck 35"/>
-          <p:cNvSpPr/>
-          <p:nvPr/>
-        </p:nvSpPr>
-        <p:spPr>
-          <a:xfrm>
-            <a:off x="321735" y="5529793"/>
-            <a:ext cx="855132" cy="245531"/>
-          </a:xfrm>
-          <a:prstGeom prst="rect">
-            <a:avLst/>
-          </a:prstGeom>
-          <a:solidFill>
-            <a:schemeClr val="accent5"/>
-          </a:solidFill>
-          <a:ln>
-            <a:noFill/>
-          </a:ln>
-        </p:spPr>
-        <p:style>
-          <a:lnRef idx="2">
-            <a:schemeClr val="accent1">
-              <a:shade val="50000"/>
-            </a:schemeClr>
-          </a:lnRef>
-          <a:fillRef idx="1">
-            <a:schemeClr val="accent1"/>
-          </a:fillRef>
-          <a:effectRef idx="0">
-            <a:schemeClr val="accent1"/>
-          </a:effectRef>
-          <a:fontRef idx="minor">
-            <a:schemeClr val="lt1"/>
-          </a:fontRef>
-        </p:style>
-        <p:txBody>
-          <a:bodyPr rot="0" spcFirstLastPara="0" vertOverflow="overflow" horzOverflow="overflow" vert="horz" wrap="square" lIns="91440" tIns="45720" rIns="91440" bIns="45720" numCol="1" spcCol="0" rtlCol="0" fromWordArt="0" anchor="t" anchorCtr="0" forceAA="0" compatLnSpc="1">
-            <a:prstTxWarp prst="textNoShape">
-              <a:avLst/>
-            </a:prstTxWarp>
-            <a:noAutofit/>
-          </a:bodyPr>
-          <a:lstStyle/>
-          <a:p>
-            <a:pPr algn="ctr">
-              <a:lnSpc>
-                <a:spcPct val="114000"/>
-              </a:lnSpc>
-            </a:pPr>
-            <a:endParaRPr lang="de-DE" dirty="0"/>
-          </a:p>
-        </p:txBody>
-      </p:sp>
-      <p:sp>
-        <p:nvSpPr>
-          <p:cNvPr id="37" name="Rechteck 36"/>
-          <p:cNvSpPr/>
-          <p:nvPr/>
-        </p:nvSpPr>
-        <p:spPr>
-          <a:xfrm>
-            <a:off x="1295402" y="5529793"/>
-            <a:ext cx="855132" cy="245531"/>
-          </a:xfrm>
-          <a:prstGeom prst="rect">
-            <a:avLst/>
-          </a:prstGeom>
-          <a:solidFill>
-            <a:schemeClr val="accent4"/>
-          </a:solidFill>
-          <a:ln>
-            <a:noFill/>
-          </a:ln>
-        </p:spPr>
-        <p:style>
-          <a:lnRef idx="2">
-            <a:schemeClr val="accent1">
-              <a:shade val="50000"/>
-            </a:schemeClr>
-          </a:lnRef>
-          <a:fillRef idx="1">
-            <a:schemeClr val="accent1"/>
-          </a:fillRef>
-          <a:effectRef idx="0">
-            <a:schemeClr val="accent1"/>
-          </a:effectRef>
-          <a:fontRef idx="minor">
-            <a:schemeClr val="lt1"/>
-          </a:fontRef>
-        </p:style>
-        <p:txBody>
-          <a:bodyPr rot="0" spcFirstLastPara="0" vertOverflow="overflow" horzOverflow="overflow" vert="horz" wrap="square" lIns="91440" tIns="45720" rIns="91440" bIns="45720" numCol="1" spcCol="0" rtlCol="0" fromWordArt="0" anchor="t" anchorCtr="0" forceAA="0" compatLnSpc="1">
-            <a:prstTxWarp prst="textNoShape">
-              <a:avLst/>
-            </a:prstTxWarp>
-            <a:noAutofit/>
-          </a:bodyPr>
-          <a:lstStyle/>
-          <a:p>
-            <a:pPr algn="ctr">
-              <a:lnSpc>
-                <a:spcPct val="114000"/>
-              </a:lnSpc>
-            </a:pPr>
-            <a:endParaRPr lang="de-DE" dirty="0"/>
-          </a:p>
-        </p:txBody>
-      </p:sp>
-      <p:sp>
-        <p:nvSpPr>
-          <p:cNvPr id="38" name="Rechteck 37"/>
-          <p:cNvSpPr/>
-          <p:nvPr/>
-        </p:nvSpPr>
-        <p:spPr>
-          <a:xfrm>
-            <a:off x="2260602" y="5529793"/>
-            <a:ext cx="855132" cy="245531"/>
-          </a:xfrm>
-          <a:prstGeom prst="rect">
-            <a:avLst/>
-          </a:prstGeom>
-          <a:solidFill>
-            <a:schemeClr val="accent6"/>
-          </a:solidFill>
-          <a:ln>
-            <a:noFill/>
-          </a:ln>
-        </p:spPr>
-        <p:style>
-          <a:lnRef idx="2">
-            <a:schemeClr val="accent1">
-              <a:shade val="50000"/>
-            </a:schemeClr>
-          </a:lnRef>
-          <a:fillRef idx="1">
-            <a:schemeClr val="accent1"/>
-          </a:fillRef>
-          <a:effectRef idx="0">
-            <a:schemeClr val="accent1"/>
-          </a:effectRef>
-          <a:fontRef idx="minor">
-            <a:schemeClr val="lt1"/>
-          </a:fontRef>
-        </p:style>
-        <p:txBody>
-          <a:bodyPr rot="0" spcFirstLastPara="0" vertOverflow="overflow" horzOverflow="overflow" vert="horz" wrap="square" lIns="91440" tIns="45720" rIns="91440" bIns="45720" numCol="1" spcCol="0" rtlCol="0" fromWordArt="0" anchor="t" anchorCtr="0" forceAA="0" compatLnSpc="1">
-            <a:prstTxWarp prst="textNoShape">
-              <a:avLst/>
-            </a:prstTxWarp>
-            <a:noAutofit/>
-          </a:bodyPr>
-          <a:lstStyle/>
-          <a:p>
-            <a:pPr algn="ctr">
-              <a:lnSpc>
-                <a:spcPct val="114000"/>
-              </a:lnSpc>
-            </a:pPr>
-            <a:endParaRPr lang="de-DE" dirty="0"/>
           </a:p>
         </p:txBody>
       </p:sp>

--- a/DONT TOUCH THIS !!!!!!!!!!!/Abgabe/Präsentation.pptx
+++ b/DONT TOUCH THIS !!!!!!!!!!!/Abgabe/Präsentation.pptx
@@ -203,497 +203,6 @@
 </file>
 
 <file path=ppt/charts/chart1.xml><?xml version="1.0" encoding="utf-8"?>
-<c:chartSpace xmlns:c="http://schemas.openxmlformats.org/drawingml/2006/chart" xmlns:a="http://schemas.openxmlformats.org/drawingml/2006/main" xmlns:r="http://schemas.openxmlformats.org/officeDocument/2006/relationships" xmlns:c16r2="http://schemas.microsoft.com/office/drawing/2015/06/chart">
-  <c:date1904 val="0"/>
-  <c:lang val="de-DE"/>
-  <c:roundedCorners val="0"/>
-  <mc:AlternateContent xmlns:mc="http://schemas.openxmlformats.org/markup-compatibility/2006">
-    <mc:Choice xmlns:c14="http://schemas.microsoft.com/office/drawing/2007/8/2/chart" Requires="c14">
-      <c14:style val="102"/>
-    </mc:Choice>
-    <mc:Fallback>
-      <c:style val="2"/>
-    </mc:Fallback>
-  </mc:AlternateContent>
-  <c:chart>
-    <c:autoTitleDeleted val="1"/>
-    <c:plotArea>
-      <c:layout/>
-      <c:barChart>
-        <c:barDir val="col"/>
-        <c:grouping val="clustered"/>
-        <c:varyColors val="0"/>
-        <c:ser>
-          <c:idx val="0"/>
-          <c:order val="0"/>
-          <c:tx>
-            <c:strRef>
-              <c:f>Tabelle1!$B$1</c:f>
-              <c:strCache>
-                <c:ptCount val="1"/>
-                <c:pt idx="0">
-                  <c:v>Single</c:v>
-                </c:pt>
-              </c:strCache>
-            </c:strRef>
-          </c:tx>
-          <c:spPr>
-            <a:solidFill>
-              <a:schemeClr val="accent1"/>
-            </a:solidFill>
-            <a:ln>
-              <a:noFill/>
-            </a:ln>
-            <a:effectLst/>
-          </c:spPr>
-          <c:invertIfNegative val="0"/>
-          <c:cat>
-            <c:numRef>
-              <c:f>Tabelle1!$A$2:$A$6</c:f>
-              <c:numCache>
-                <c:formatCode>General</c:formatCode>
-                <c:ptCount val="5"/>
-                <c:pt idx="0">
-                  <c:v>128</c:v>
-                </c:pt>
-                <c:pt idx="1">
-                  <c:v>512</c:v>
-                </c:pt>
-                <c:pt idx="2">
-                  <c:v>1024</c:v>
-                </c:pt>
-                <c:pt idx="3">
-                  <c:v>4096</c:v>
-                </c:pt>
-                <c:pt idx="4">
-                  <c:v>16384</c:v>
-                </c:pt>
-              </c:numCache>
-            </c:numRef>
-          </c:cat>
-          <c:val>
-            <c:numRef>
-              <c:f>Tabelle1!$B$2:$B$6</c:f>
-              <c:numCache>
-                <c:formatCode>General</c:formatCode>
-                <c:ptCount val="5"/>
-                <c:pt idx="0">
-                  <c:v>0</c:v>
-                </c:pt>
-                <c:pt idx="1">
-                  <c:v>0</c:v>
-                </c:pt>
-                <c:pt idx="2">
-                  <c:v>0</c:v>
-                </c:pt>
-                <c:pt idx="3">
-                  <c:v>0</c:v>
-                </c:pt>
-                <c:pt idx="4">
-                  <c:v>0</c:v>
-                </c:pt>
-              </c:numCache>
-            </c:numRef>
-          </c:val>
-          <c:extLst>
-            <c:ext xmlns:c16="http://schemas.microsoft.com/office/drawing/2014/chart" uri="{C3380CC4-5D6E-409C-BE32-E72D297353CC}">
-              <c16:uniqueId val="{00000000-5856-45FC-9875-FA0A9BDF3537}"/>
-            </c:ext>
-          </c:extLst>
-        </c:ser>
-        <c:ser>
-          <c:idx val="1"/>
-          <c:order val="1"/>
-          <c:tx>
-            <c:strRef>
-              <c:f>Tabelle1!$C$1</c:f>
-              <c:strCache>
-                <c:ptCount val="1"/>
-                <c:pt idx="0">
-                  <c:v>Parallel</c:v>
-                </c:pt>
-              </c:strCache>
-            </c:strRef>
-          </c:tx>
-          <c:spPr>
-            <a:solidFill>
-              <a:schemeClr val="accent2"/>
-            </a:solidFill>
-            <a:ln>
-              <a:noFill/>
-            </a:ln>
-            <a:effectLst/>
-          </c:spPr>
-          <c:invertIfNegative val="0"/>
-          <c:cat>
-            <c:numRef>
-              <c:f>Tabelle1!$A$2:$A$6</c:f>
-              <c:numCache>
-                <c:formatCode>General</c:formatCode>
-                <c:ptCount val="5"/>
-                <c:pt idx="0">
-                  <c:v>128</c:v>
-                </c:pt>
-                <c:pt idx="1">
-                  <c:v>512</c:v>
-                </c:pt>
-                <c:pt idx="2">
-                  <c:v>1024</c:v>
-                </c:pt>
-                <c:pt idx="3">
-                  <c:v>4096</c:v>
-                </c:pt>
-                <c:pt idx="4">
-                  <c:v>16384</c:v>
-                </c:pt>
-              </c:numCache>
-            </c:numRef>
-          </c:cat>
-          <c:val>
-            <c:numRef>
-              <c:f>Tabelle1!$C$2:$C$6</c:f>
-              <c:numCache>
-                <c:formatCode>General</c:formatCode>
-                <c:ptCount val="5"/>
-                <c:pt idx="0">
-                  <c:v>0</c:v>
-                </c:pt>
-                <c:pt idx="1">
-                  <c:v>0</c:v>
-                </c:pt>
-                <c:pt idx="2">
-                  <c:v>0</c:v>
-                </c:pt>
-                <c:pt idx="3">
-                  <c:v>0</c:v>
-                </c:pt>
-                <c:pt idx="4">
-                  <c:v>0</c:v>
-                </c:pt>
-              </c:numCache>
-            </c:numRef>
-          </c:val>
-          <c:extLst>
-            <c:ext xmlns:c16="http://schemas.microsoft.com/office/drawing/2014/chart" uri="{C3380CC4-5D6E-409C-BE32-E72D297353CC}">
-              <c16:uniqueId val="{00000001-5856-45FC-9875-FA0A9BDF3537}"/>
-            </c:ext>
-          </c:extLst>
-        </c:ser>
-        <c:dLbls>
-          <c:showLegendKey val="0"/>
-          <c:showVal val="0"/>
-          <c:showCatName val="0"/>
-          <c:showSerName val="0"/>
-          <c:showPercent val="0"/>
-          <c:showBubbleSize val="0"/>
-        </c:dLbls>
-        <c:gapWidth val="219"/>
-        <c:overlap val="-27"/>
-        <c:axId val="32700288"/>
-        <c:axId val="32456704"/>
-      </c:barChart>
-      <c:catAx>
-        <c:axId val="32700288"/>
-        <c:scaling>
-          <c:orientation val="minMax"/>
-        </c:scaling>
-        <c:delete val="0"/>
-        <c:axPos val="b"/>
-        <c:title>
-          <c:tx>
-            <c:rich>
-              <a:bodyPr rot="0" spcFirstLastPara="1" vertOverflow="ellipsis" vert="horz" wrap="square" anchor="ctr" anchorCtr="1"/>
-              <a:lstStyle/>
-              <a:p>
-                <a:pPr>
-                  <a:defRPr sz="1330" b="0" i="0" u="none" strike="noStrike" kern="1200" baseline="0">
-                    <a:solidFill>
-                      <a:schemeClr val="tx1">
-                        <a:lumMod val="65000"/>
-                        <a:lumOff val="35000"/>
-                      </a:schemeClr>
-                    </a:solidFill>
-                    <a:latin typeface="+mn-lt"/>
-                    <a:ea typeface="+mn-ea"/>
-                    <a:cs typeface="+mn-cs"/>
-                  </a:defRPr>
-                </a:pPr>
-                <a:r>
-                  <a:rPr lang="de-DE" dirty="0"/>
-                  <a:t>Auflösung</a:t>
-                </a:r>
-                <a:r>
-                  <a:rPr lang="de-DE" baseline="0" dirty="0"/>
-                  <a:t> pro Achse</a:t>
-                </a:r>
-                <a:endParaRPr lang="de-DE" dirty="0"/>
-              </a:p>
-            </c:rich>
-          </c:tx>
-          <c:overlay val="0"/>
-          <c:spPr>
-            <a:noFill/>
-            <a:ln>
-              <a:noFill/>
-            </a:ln>
-            <a:effectLst/>
-          </c:spPr>
-          <c:txPr>
-            <a:bodyPr rot="0" spcFirstLastPara="1" vertOverflow="ellipsis" vert="horz" wrap="square" anchor="ctr" anchorCtr="1"/>
-            <a:lstStyle/>
-            <a:p>
-              <a:pPr>
-                <a:defRPr sz="1330" b="0" i="0" u="none" strike="noStrike" kern="1200" baseline="0">
-                  <a:solidFill>
-                    <a:schemeClr val="tx1">
-                      <a:lumMod val="65000"/>
-                      <a:lumOff val="35000"/>
-                    </a:schemeClr>
-                  </a:solidFill>
-                  <a:latin typeface="+mn-lt"/>
-                  <a:ea typeface="+mn-ea"/>
-                  <a:cs typeface="+mn-cs"/>
-                </a:defRPr>
-              </a:pPr>
-              <a:endParaRPr lang="de-DE"/>
-            </a:p>
-          </c:txPr>
-        </c:title>
-        <c:numFmt formatCode="General" sourceLinked="1"/>
-        <c:majorTickMark val="none"/>
-        <c:minorTickMark val="none"/>
-        <c:tickLblPos val="nextTo"/>
-        <c:spPr>
-          <a:noFill/>
-          <a:ln w="9525" cap="flat" cmpd="sng" algn="ctr">
-            <a:solidFill>
-              <a:schemeClr val="tx1">
-                <a:lumMod val="15000"/>
-                <a:lumOff val="85000"/>
-              </a:schemeClr>
-            </a:solidFill>
-            <a:round/>
-          </a:ln>
-          <a:effectLst/>
-        </c:spPr>
-        <c:txPr>
-          <a:bodyPr rot="-60000000" spcFirstLastPara="1" vertOverflow="ellipsis" vert="horz" wrap="square" anchor="ctr" anchorCtr="1"/>
-          <a:lstStyle/>
-          <a:p>
-            <a:pPr>
-              <a:defRPr sz="1197" b="0" i="0" u="none" strike="noStrike" kern="1200" baseline="0">
-                <a:solidFill>
-                  <a:schemeClr val="tx1">
-                    <a:lumMod val="65000"/>
-                    <a:lumOff val="35000"/>
-                  </a:schemeClr>
-                </a:solidFill>
-                <a:latin typeface="+mn-lt"/>
-                <a:ea typeface="+mn-ea"/>
-                <a:cs typeface="+mn-cs"/>
-              </a:defRPr>
-            </a:pPr>
-            <a:endParaRPr lang="de-DE"/>
-          </a:p>
-        </c:txPr>
-        <c:crossAx val="32456704"/>
-        <c:crosses val="autoZero"/>
-        <c:auto val="1"/>
-        <c:lblAlgn val="ctr"/>
-        <c:lblOffset val="100"/>
-        <c:noMultiLvlLbl val="0"/>
-      </c:catAx>
-      <c:valAx>
-        <c:axId val="32456704"/>
-        <c:scaling>
-          <c:orientation val="minMax"/>
-        </c:scaling>
-        <c:delete val="0"/>
-        <c:axPos val="l"/>
-        <c:majorGridlines>
-          <c:spPr>
-            <a:ln w="9525" cap="flat" cmpd="sng" algn="ctr">
-              <a:solidFill>
-                <a:schemeClr val="tx1">
-                  <a:lumMod val="15000"/>
-                  <a:lumOff val="85000"/>
-                </a:schemeClr>
-              </a:solidFill>
-              <a:round/>
-            </a:ln>
-            <a:effectLst/>
-          </c:spPr>
-        </c:majorGridlines>
-        <c:title>
-          <c:tx>
-            <c:rich>
-              <a:bodyPr rot="-5400000" spcFirstLastPara="1" vertOverflow="ellipsis" vert="horz" wrap="square" anchor="ctr" anchorCtr="1"/>
-              <a:lstStyle/>
-              <a:p>
-                <a:pPr>
-                  <a:defRPr sz="1330" b="0" i="0" u="none" strike="noStrike" kern="1200" baseline="0">
-                    <a:solidFill>
-                      <a:schemeClr val="tx1">
-                        <a:lumMod val="65000"/>
-                        <a:lumOff val="35000"/>
-                      </a:schemeClr>
-                    </a:solidFill>
-                    <a:latin typeface="+mn-lt"/>
-                    <a:ea typeface="+mn-ea"/>
-                    <a:cs typeface="+mn-cs"/>
-                  </a:defRPr>
-                </a:pPr>
-                <a:r>
-                  <a:rPr lang="de-DE" dirty="0"/>
-                  <a:t>Zeit</a:t>
-                </a:r>
-                <a:r>
-                  <a:rPr lang="de-DE" baseline="0" dirty="0"/>
-                  <a:t> in s</a:t>
-                </a:r>
-                <a:endParaRPr lang="de-DE" dirty="0"/>
-              </a:p>
-            </c:rich>
-          </c:tx>
-          <c:layout>
-            <c:manualLayout>
-              <c:xMode val="edge"/>
-              <c:yMode val="edge"/>
-              <c:x val="1.2500000000000001E-2"/>
-              <c:y val="0.36392224409448815"/>
-            </c:manualLayout>
-          </c:layout>
-          <c:overlay val="0"/>
-          <c:spPr>
-            <a:noFill/>
-            <a:ln>
-              <a:noFill/>
-            </a:ln>
-            <a:effectLst/>
-          </c:spPr>
-          <c:txPr>
-            <a:bodyPr rot="-5400000" spcFirstLastPara="1" vertOverflow="ellipsis" vert="horz" wrap="square" anchor="ctr" anchorCtr="1"/>
-            <a:lstStyle/>
-            <a:p>
-              <a:pPr>
-                <a:defRPr sz="1330" b="0" i="0" u="none" strike="noStrike" kern="1200" baseline="0">
-                  <a:solidFill>
-                    <a:schemeClr val="tx1">
-                      <a:lumMod val="65000"/>
-                      <a:lumOff val="35000"/>
-                    </a:schemeClr>
-                  </a:solidFill>
-                  <a:latin typeface="+mn-lt"/>
-                  <a:ea typeface="+mn-ea"/>
-                  <a:cs typeface="+mn-cs"/>
-                </a:defRPr>
-              </a:pPr>
-              <a:endParaRPr lang="de-DE"/>
-            </a:p>
-          </c:txPr>
-        </c:title>
-        <c:numFmt formatCode="General" sourceLinked="1"/>
-        <c:majorTickMark val="none"/>
-        <c:minorTickMark val="none"/>
-        <c:tickLblPos val="nextTo"/>
-        <c:spPr>
-          <a:noFill/>
-          <a:ln>
-            <a:noFill/>
-          </a:ln>
-          <a:effectLst/>
-        </c:spPr>
-        <c:txPr>
-          <a:bodyPr rot="-60000000" spcFirstLastPara="1" vertOverflow="ellipsis" vert="horz" wrap="square" anchor="ctr" anchorCtr="1"/>
-          <a:lstStyle/>
-          <a:p>
-            <a:pPr>
-              <a:defRPr sz="1197" b="0" i="0" u="none" strike="noStrike" kern="1200" baseline="0">
-                <a:solidFill>
-                  <a:schemeClr val="tx1">
-                    <a:lumMod val="65000"/>
-                    <a:lumOff val="35000"/>
-                  </a:schemeClr>
-                </a:solidFill>
-                <a:latin typeface="+mn-lt"/>
-                <a:ea typeface="+mn-ea"/>
-                <a:cs typeface="+mn-cs"/>
-              </a:defRPr>
-            </a:pPr>
-            <a:endParaRPr lang="de-DE"/>
-          </a:p>
-        </c:txPr>
-        <c:crossAx val="32700288"/>
-        <c:crosses val="autoZero"/>
-        <c:crossBetween val="between"/>
-      </c:valAx>
-      <c:spPr>
-        <a:noFill/>
-        <a:ln>
-          <a:noFill/>
-        </a:ln>
-        <a:effectLst/>
-      </c:spPr>
-    </c:plotArea>
-    <c:legend>
-      <c:legendPos val="b"/>
-      <c:overlay val="0"/>
-      <c:spPr>
-        <a:noFill/>
-        <a:ln>
-          <a:noFill/>
-        </a:ln>
-        <a:effectLst/>
-      </c:spPr>
-      <c:txPr>
-        <a:bodyPr rot="0" spcFirstLastPara="1" vertOverflow="ellipsis" vert="horz" wrap="square" anchor="ctr" anchorCtr="1"/>
-        <a:lstStyle/>
-        <a:p>
-          <a:pPr>
-            <a:defRPr sz="1197" b="0" i="0" u="none" strike="noStrike" kern="1200" baseline="0">
-              <a:solidFill>
-                <a:schemeClr val="tx1">
-                  <a:lumMod val="65000"/>
-                  <a:lumOff val="35000"/>
-                </a:schemeClr>
-              </a:solidFill>
-              <a:latin typeface="+mn-lt"/>
-              <a:ea typeface="+mn-ea"/>
-              <a:cs typeface="+mn-cs"/>
-            </a:defRPr>
-          </a:pPr>
-          <a:endParaRPr lang="de-DE"/>
-        </a:p>
-      </c:txPr>
-    </c:legend>
-    <c:plotVisOnly val="1"/>
-    <c:dispBlanksAs val="gap"/>
-    <c:showDLblsOverMax val="0"/>
-  </c:chart>
-  <c:spPr>
-    <a:noFill/>
-    <a:ln>
-      <a:noFill/>
-    </a:ln>
-    <a:effectLst/>
-  </c:spPr>
-  <c:txPr>
-    <a:bodyPr/>
-    <a:lstStyle/>
-    <a:p>
-      <a:pPr>
-        <a:defRPr/>
-      </a:pPr>
-      <a:endParaRPr lang="de-DE"/>
-    </a:p>
-  </c:txPr>
-  <c:externalData r:id="rId3">
-    <c:autoUpdate val="0"/>
-  </c:externalData>
-</c:chartSpace>
-</file>
-
-<file path=ppt/charts/chart2.xml><?xml version="1.0" encoding="utf-8"?>
 <c:chartSpace xmlns:c="http://schemas.openxmlformats.org/drawingml/2006/chart" xmlns:a="http://schemas.openxmlformats.org/drawingml/2006/main" xmlns:r="http://schemas.openxmlformats.org/officeDocument/2006/relationships" xmlns:c16r2="http://schemas.microsoft.com/office/drawing/2015/06/chart">
   <c:date1904 val="0"/>
   <c:lang val="de-DE"/>
@@ -1001,7 +510,7 @@
 </c:chartSpace>
 </file>
 
-<file path=ppt/charts/chart3.xml><?xml version="1.0" encoding="utf-8"?>
+<file path=ppt/charts/chart2.xml><?xml version="1.0" encoding="utf-8"?>
 <c:chartSpace xmlns:c="http://schemas.openxmlformats.org/drawingml/2006/chart" xmlns:a="http://schemas.openxmlformats.org/drawingml/2006/main" xmlns:r="http://schemas.openxmlformats.org/officeDocument/2006/relationships" xmlns:c16r2="http://schemas.microsoft.com/office/drawing/2015/06/chart">
   <c:date1904 val="0"/>
   <c:lang val="de-DE"/>
@@ -1429,549 +938,6 @@
     <c:autoUpdate val="0"/>
   </c:externalData>
 </c:chartSpace>
-</file>
-
-<file path=ppt/charts/colors1.xml><?xml version="1.0" encoding="utf-8"?>
-<cs:colorStyle xmlns:cs="http://schemas.microsoft.com/office/drawing/2012/chartStyle" xmlns:a="http://schemas.openxmlformats.org/drawingml/2006/main" meth="cycle" id="10">
-  <a:schemeClr val="accent1"/>
-  <a:schemeClr val="accent2"/>
-  <a:schemeClr val="accent3"/>
-  <a:schemeClr val="accent4"/>
-  <a:schemeClr val="accent5"/>
-  <a:schemeClr val="accent6"/>
-  <cs:variation/>
-  <cs:variation>
-    <a:lumMod val="60000"/>
-  </cs:variation>
-  <cs:variation>
-    <a:lumMod val="80000"/>
-    <a:lumOff val="20000"/>
-  </cs:variation>
-  <cs:variation>
-    <a:lumMod val="80000"/>
-  </cs:variation>
-  <cs:variation>
-    <a:lumMod val="60000"/>
-    <a:lumOff val="40000"/>
-  </cs:variation>
-  <cs:variation>
-    <a:lumMod val="50000"/>
-  </cs:variation>
-  <cs:variation>
-    <a:lumMod val="70000"/>
-    <a:lumOff val="30000"/>
-  </cs:variation>
-  <cs:variation>
-    <a:lumMod val="70000"/>
-  </cs:variation>
-  <cs:variation>
-    <a:lumMod val="50000"/>
-    <a:lumOff val="50000"/>
-  </cs:variation>
-</cs:colorStyle>
-</file>
-
-<file path=ppt/charts/style1.xml><?xml version="1.0" encoding="utf-8"?>
-<cs:chartStyle xmlns:cs="http://schemas.microsoft.com/office/drawing/2012/chartStyle" xmlns:a="http://schemas.openxmlformats.org/drawingml/2006/main" id="201">
-  <cs:axisTitle>
-    <cs:lnRef idx="0"/>
-    <cs:fillRef idx="0"/>
-    <cs:effectRef idx="0"/>
-    <cs:fontRef idx="minor">
-      <a:schemeClr val="tx1">
-        <a:lumMod val="65000"/>
-        <a:lumOff val="35000"/>
-      </a:schemeClr>
-    </cs:fontRef>
-    <cs:defRPr sz="1330" kern="1200"/>
-  </cs:axisTitle>
-  <cs:categoryAxis>
-    <cs:lnRef idx="0"/>
-    <cs:fillRef idx="0"/>
-    <cs:effectRef idx="0"/>
-    <cs:fontRef idx="minor">
-      <a:schemeClr val="tx1">
-        <a:lumMod val="65000"/>
-        <a:lumOff val="35000"/>
-      </a:schemeClr>
-    </cs:fontRef>
-    <cs:spPr>
-      <a:ln w="9525" cap="flat" cmpd="sng" algn="ctr">
-        <a:solidFill>
-          <a:schemeClr val="tx1">
-            <a:lumMod val="15000"/>
-            <a:lumOff val="85000"/>
-          </a:schemeClr>
-        </a:solidFill>
-        <a:round/>
-      </a:ln>
-    </cs:spPr>
-    <cs:defRPr sz="1197" kern="1200"/>
-  </cs:categoryAxis>
-  <cs:chartArea mods="allowNoFillOverride allowNoLineOverride">
-    <cs:lnRef idx="0"/>
-    <cs:fillRef idx="0"/>
-    <cs:effectRef idx="0"/>
-    <cs:fontRef idx="minor">
-      <a:schemeClr val="tx1"/>
-    </cs:fontRef>
-    <cs:spPr>
-      <a:solidFill>
-        <a:schemeClr val="bg1"/>
-      </a:solidFill>
-      <a:ln w="9525" cap="flat" cmpd="sng" algn="ctr">
-        <a:solidFill>
-          <a:schemeClr val="tx1">
-            <a:lumMod val="15000"/>
-            <a:lumOff val="85000"/>
-          </a:schemeClr>
-        </a:solidFill>
-        <a:round/>
-      </a:ln>
-    </cs:spPr>
-    <cs:defRPr sz="1330" kern="1200"/>
-  </cs:chartArea>
-  <cs:dataLabel>
-    <cs:lnRef idx="0"/>
-    <cs:fillRef idx="0"/>
-    <cs:effectRef idx="0"/>
-    <cs:fontRef idx="minor">
-      <a:schemeClr val="tx1">
-        <a:lumMod val="75000"/>
-        <a:lumOff val="25000"/>
-      </a:schemeClr>
-    </cs:fontRef>
-    <cs:defRPr sz="1197" kern="1200"/>
-  </cs:dataLabel>
-  <cs:dataLabelCallout>
-    <cs:lnRef idx="0"/>
-    <cs:fillRef idx="0"/>
-    <cs:effectRef idx="0"/>
-    <cs:fontRef idx="minor">
-      <a:schemeClr val="dk1">
-        <a:lumMod val="65000"/>
-        <a:lumOff val="35000"/>
-      </a:schemeClr>
-    </cs:fontRef>
-    <cs:spPr>
-      <a:solidFill>
-        <a:schemeClr val="lt1"/>
-      </a:solidFill>
-      <a:ln>
-        <a:solidFill>
-          <a:schemeClr val="dk1">
-            <a:lumMod val="25000"/>
-            <a:lumOff val="75000"/>
-          </a:schemeClr>
-        </a:solidFill>
-      </a:ln>
-    </cs:spPr>
-    <cs:defRPr sz="1197" kern="1200"/>
-    <cs:bodyPr rot="0" spcFirstLastPara="1" vertOverflow="clip" horzOverflow="clip" vert="horz" wrap="square" lIns="36576" tIns="18288" rIns="36576" bIns="18288" anchor="ctr" anchorCtr="1">
-      <a:spAutoFit/>
-    </cs:bodyPr>
-  </cs:dataLabelCallout>
-  <cs:dataPoint>
-    <cs:lnRef idx="0"/>
-    <cs:fillRef idx="1">
-      <cs:styleClr val="auto"/>
-    </cs:fillRef>
-    <cs:effectRef idx="0"/>
-    <cs:fontRef idx="minor">
-      <a:schemeClr val="tx1"/>
-    </cs:fontRef>
-  </cs:dataPoint>
-  <cs:dataPoint3D>
-    <cs:lnRef idx="0"/>
-    <cs:fillRef idx="1">
-      <cs:styleClr val="auto"/>
-    </cs:fillRef>
-    <cs:effectRef idx="0"/>
-    <cs:fontRef idx="minor">
-      <a:schemeClr val="tx1"/>
-    </cs:fontRef>
-  </cs:dataPoint3D>
-  <cs:dataPointLine>
-    <cs:lnRef idx="0">
-      <cs:styleClr val="auto"/>
-    </cs:lnRef>
-    <cs:fillRef idx="1"/>
-    <cs:effectRef idx="0"/>
-    <cs:fontRef idx="minor">
-      <a:schemeClr val="tx1"/>
-    </cs:fontRef>
-    <cs:spPr>
-      <a:ln w="28575" cap="rnd">
-        <a:solidFill>
-          <a:schemeClr val="phClr"/>
-        </a:solidFill>
-        <a:round/>
-      </a:ln>
-    </cs:spPr>
-  </cs:dataPointLine>
-  <cs:dataPointMarker>
-    <cs:lnRef idx="0">
-      <cs:styleClr val="auto"/>
-    </cs:lnRef>
-    <cs:fillRef idx="1">
-      <cs:styleClr val="auto"/>
-    </cs:fillRef>
-    <cs:effectRef idx="0"/>
-    <cs:fontRef idx="minor">
-      <a:schemeClr val="tx1"/>
-    </cs:fontRef>
-    <cs:spPr>
-      <a:ln w="9525">
-        <a:solidFill>
-          <a:schemeClr val="phClr"/>
-        </a:solidFill>
-      </a:ln>
-    </cs:spPr>
-  </cs:dataPointMarker>
-  <cs:dataPointMarkerLayout symbol="circle" size="5"/>
-  <cs:dataPointWireframe>
-    <cs:lnRef idx="0">
-      <cs:styleClr val="auto"/>
-    </cs:lnRef>
-    <cs:fillRef idx="1"/>
-    <cs:effectRef idx="0"/>
-    <cs:fontRef idx="minor">
-      <a:schemeClr val="tx1"/>
-    </cs:fontRef>
-    <cs:spPr>
-      <a:ln w="9525" cap="rnd">
-        <a:solidFill>
-          <a:schemeClr val="phClr"/>
-        </a:solidFill>
-        <a:round/>
-      </a:ln>
-    </cs:spPr>
-  </cs:dataPointWireframe>
-  <cs:dataTable>
-    <cs:lnRef idx="0"/>
-    <cs:fillRef idx="0"/>
-    <cs:effectRef idx="0"/>
-    <cs:fontRef idx="minor">
-      <a:schemeClr val="tx1">
-        <a:lumMod val="65000"/>
-        <a:lumOff val="35000"/>
-      </a:schemeClr>
-    </cs:fontRef>
-    <cs:spPr>
-      <a:noFill/>
-      <a:ln w="9525" cap="flat" cmpd="sng" algn="ctr">
-        <a:solidFill>
-          <a:schemeClr val="tx1">
-            <a:lumMod val="15000"/>
-            <a:lumOff val="85000"/>
-          </a:schemeClr>
-        </a:solidFill>
-        <a:round/>
-      </a:ln>
-    </cs:spPr>
-    <cs:defRPr sz="1197" kern="1200"/>
-  </cs:dataTable>
-  <cs:downBar>
-    <cs:lnRef idx="0"/>
-    <cs:fillRef idx="0"/>
-    <cs:effectRef idx="0"/>
-    <cs:fontRef idx="minor">
-      <a:schemeClr val="dk1"/>
-    </cs:fontRef>
-    <cs:spPr>
-      <a:solidFill>
-        <a:schemeClr val="dk1">
-          <a:lumMod val="65000"/>
-          <a:lumOff val="35000"/>
-        </a:schemeClr>
-      </a:solidFill>
-      <a:ln w="9525">
-        <a:solidFill>
-          <a:schemeClr val="tx1">
-            <a:lumMod val="65000"/>
-            <a:lumOff val="35000"/>
-          </a:schemeClr>
-        </a:solidFill>
-      </a:ln>
-    </cs:spPr>
-  </cs:downBar>
-  <cs:dropLine>
-    <cs:lnRef idx="0"/>
-    <cs:fillRef idx="0"/>
-    <cs:effectRef idx="0"/>
-    <cs:fontRef idx="minor">
-      <a:schemeClr val="tx1"/>
-    </cs:fontRef>
-    <cs:spPr>
-      <a:ln w="9525" cap="flat" cmpd="sng" algn="ctr">
-        <a:solidFill>
-          <a:schemeClr val="tx1">
-            <a:lumMod val="35000"/>
-            <a:lumOff val="65000"/>
-          </a:schemeClr>
-        </a:solidFill>
-        <a:round/>
-      </a:ln>
-    </cs:spPr>
-  </cs:dropLine>
-  <cs:errorBar>
-    <cs:lnRef idx="0"/>
-    <cs:fillRef idx="0"/>
-    <cs:effectRef idx="0"/>
-    <cs:fontRef idx="minor">
-      <a:schemeClr val="tx1"/>
-    </cs:fontRef>
-    <cs:spPr>
-      <a:ln w="9525" cap="flat" cmpd="sng" algn="ctr">
-        <a:solidFill>
-          <a:schemeClr val="tx1">
-            <a:lumMod val="65000"/>
-            <a:lumOff val="35000"/>
-          </a:schemeClr>
-        </a:solidFill>
-        <a:round/>
-      </a:ln>
-    </cs:spPr>
-  </cs:errorBar>
-  <cs:floor>
-    <cs:lnRef idx="0"/>
-    <cs:fillRef idx="0"/>
-    <cs:effectRef idx="0"/>
-    <cs:fontRef idx="minor">
-      <a:schemeClr val="tx1"/>
-    </cs:fontRef>
-    <cs:spPr>
-      <a:noFill/>
-      <a:ln>
-        <a:noFill/>
-      </a:ln>
-    </cs:spPr>
-  </cs:floor>
-  <cs:gridlineMajor>
-    <cs:lnRef idx="0"/>
-    <cs:fillRef idx="0"/>
-    <cs:effectRef idx="0"/>
-    <cs:fontRef idx="minor">
-      <a:schemeClr val="tx1"/>
-    </cs:fontRef>
-    <cs:spPr>
-      <a:ln w="9525" cap="flat" cmpd="sng" algn="ctr">
-        <a:solidFill>
-          <a:schemeClr val="tx1">
-            <a:lumMod val="15000"/>
-            <a:lumOff val="85000"/>
-          </a:schemeClr>
-        </a:solidFill>
-        <a:round/>
-      </a:ln>
-    </cs:spPr>
-  </cs:gridlineMajor>
-  <cs:gridlineMinor>
-    <cs:lnRef idx="0"/>
-    <cs:fillRef idx="0"/>
-    <cs:effectRef idx="0"/>
-    <cs:fontRef idx="minor">
-      <a:schemeClr val="tx1"/>
-    </cs:fontRef>
-    <cs:spPr>
-      <a:ln w="9525" cap="flat" cmpd="sng" algn="ctr">
-        <a:solidFill>
-          <a:schemeClr val="tx1">
-            <a:lumMod val="5000"/>
-            <a:lumOff val="95000"/>
-          </a:schemeClr>
-        </a:solidFill>
-        <a:round/>
-      </a:ln>
-    </cs:spPr>
-  </cs:gridlineMinor>
-  <cs:hiLoLine>
-    <cs:lnRef idx="0"/>
-    <cs:fillRef idx="0"/>
-    <cs:effectRef idx="0"/>
-    <cs:fontRef idx="minor">
-      <a:schemeClr val="tx1"/>
-    </cs:fontRef>
-    <cs:spPr>
-      <a:ln w="9525" cap="flat" cmpd="sng" algn="ctr">
-        <a:solidFill>
-          <a:schemeClr val="tx1">
-            <a:lumMod val="75000"/>
-            <a:lumOff val="25000"/>
-          </a:schemeClr>
-        </a:solidFill>
-        <a:round/>
-      </a:ln>
-    </cs:spPr>
-  </cs:hiLoLine>
-  <cs:leaderLine>
-    <cs:lnRef idx="0"/>
-    <cs:fillRef idx="0"/>
-    <cs:effectRef idx="0"/>
-    <cs:fontRef idx="minor">
-      <a:schemeClr val="tx1"/>
-    </cs:fontRef>
-    <cs:spPr>
-      <a:ln w="9525" cap="flat" cmpd="sng" algn="ctr">
-        <a:solidFill>
-          <a:schemeClr val="tx1">
-            <a:lumMod val="35000"/>
-            <a:lumOff val="65000"/>
-          </a:schemeClr>
-        </a:solidFill>
-        <a:round/>
-      </a:ln>
-    </cs:spPr>
-  </cs:leaderLine>
-  <cs:legend>
-    <cs:lnRef idx="0"/>
-    <cs:fillRef idx="0"/>
-    <cs:effectRef idx="0"/>
-    <cs:fontRef idx="minor">
-      <a:schemeClr val="tx1">
-        <a:lumMod val="65000"/>
-        <a:lumOff val="35000"/>
-      </a:schemeClr>
-    </cs:fontRef>
-    <cs:defRPr sz="1197" kern="1200"/>
-  </cs:legend>
-  <cs:plotArea mods="allowNoFillOverride allowNoLineOverride">
-    <cs:lnRef idx="0"/>
-    <cs:fillRef idx="0"/>
-    <cs:effectRef idx="0"/>
-    <cs:fontRef idx="minor">
-      <a:schemeClr val="tx1"/>
-    </cs:fontRef>
-  </cs:plotArea>
-  <cs:plotArea3D mods="allowNoFillOverride allowNoLineOverride">
-    <cs:lnRef idx="0"/>
-    <cs:fillRef idx="0"/>
-    <cs:effectRef idx="0"/>
-    <cs:fontRef idx="minor">
-      <a:schemeClr val="tx1"/>
-    </cs:fontRef>
-  </cs:plotArea3D>
-  <cs:seriesAxis>
-    <cs:lnRef idx="0"/>
-    <cs:fillRef idx="0"/>
-    <cs:effectRef idx="0"/>
-    <cs:fontRef idx="minor">
-      <a:schemeClr val="tx1">
-        <a:lumMod val="65000"/>
-        <a:lumOff val="35000"/>
-      </a:schemeClr>
-    </cs:fontRef>
-    <cs:defRPr sz="1197" kern="1200"/>
-  </cs:seriesAxis>
-  <cs:seriesLine>
-    <cs:lnRef idx="0"/>
-    <cs:fillRef idx="0"/>
-    <cs:effectRef idx="0"/>
-    <cs:fontRef idx="minor">
-      <a:schemeClr val="tx1"/>
-    </cs:fontRef>
-    <cs:spPr>
-      <a:ln w="9525" cap="flat" cmpd="sng" algn="ctr">
-        <a:solidFill>
-          <a:schemeClr val="tx1">
-            <a:lumMod val="35000"/>
-            <a:lumOff val="65000"/>
-          </a:schemeClr>
-        </a:solidFill>
-        <a:round/>
-      </a:ln>
-    </cs:spPr>
-  </cs:seriesLine>
-  <cs:title>
-    <cs:lnRef idx="0"/>
-    <cs:fillRef idx="0"/>
-    <cs:effectRef idx="0"/>
-    <cs:fontRef idx="minor">
-      <a:schemeClr val="tx1">
-        <a:lumMod val="65000"/>
-        <a:lumOff val="35000"/>
-      </a:schemeClr>
-    </cs:fontRef>
-    <cs:defRPr sz="1862" b="0" kern="1200" spc="0" baseline="0"/>
-  </cs:title>
-  <cs:trendline>
-    <cs:lnRef idx="0">
-      <cs:styleClr val="auto"/>
-    </cs:lnRef>
-    <cs:fillRef idx="0"/>
-    <cs:effectRef idx="0"/>
-    <cs:fontRef idx="minor">
-      <a:schemeClr val="tx1"/>
-    </cs:fontRef>
-    <cs:spPr>
-      <a:ln w="19050" cap="rnd">
-        <a:solidFill>
-          <a:schemeClr val="phClr"/>
-        </a:solidFill>
-        <a:prstDash val="sysDot"/>
-      </a:ln>
-    </cs:spPr>
-  </cs:trendline>
-  <cs:trendlineLabel>
-    <cs:lnRef idx="0"/>
-    <cs:fillRef idx="0"/>
-    <cs:effectRef idx="0"/>
-    <cs:fontRef idx="minor">
-      <a:schemeClr val="tx1">
-        <a:lumMod val="65000"/>
-        <a:lumOff val="35000"/>
-      </a:schemeClr>
-    </cs:fontRef>
-    <cs:defRPr sz="1197" kern="1200"/>
-  </cs:trendlineLabel>
-  <cs:upBar>
-    <cs:lnRef idx="0"/>
-    <cs:fillRef idx="0"/>
-    <cs:effectRef idx="0"/>
-    <cs:fontRef idx="minor">
-      <a:schemeClr val="dk1"/>
-    </cs:fontRef>
-    <cs:spPr>
-      <a:solidFill>
-        <a:schemeClr val="lt1"/>
-      </a:solidFill>
-      <a:ln w="9525">
-        <a:solidFill>
-          <a:schemeClr val="tx1">
-            <a:lumMod val="15000"/>
-            <a:lumOff val="85000"/>
-          </a:schemeClr>
-        </a:solidFill>
-      </a:ln>
-    </cs:spPr>
-  </cs:upBar>
-  <cs:valueAxis>
-    <cs:lnRef idx="0"/>
-    <cs:fillRef idx="0"/>
-    <cs:effectRef idx="0"/>
-    <cs:fontRef idx="minor">
-      <a:schemeClr val="tx1">
-        <a:lumMod val="65000"/>
-        <a:lumOff val="35000"/>
-      </a:schemeClr>
-    </cs:fontRef>
-    <cs:defRPr sz="1197" kern="1200"/>
-  </cs:valueAxis>
-  <cs:wall>
-    <cs:lnRef idx="0"/>
-    <cs:fillRef idx="0"/>
-    <cs:effectRef idx="0"/>
-    <cs:fontRef idx="minor">
-      <a:schemeClr val="tx1"/>
-    </cs:fontRef>
-    <cs:spPr>
-      <a:noFill/>
-      <a:ln>
-        <a:noFill/>
-      </a:ln>
-    </cs:spPr>
-  </cs:wall>
-</cs:chartStyle>
 </file>
 
 <file path=ppt/handoutMasters/handoutMaster1.xml><?xml version="1.0" encoding="utf-8"?>
@@ -17572,28 +16538,30 @@
           </a:p>
         </p:txBody>
       </p:sp>
-      <p:graphicFrame>
-        <p:nvGraphicFramePr>
-          <p:cNvPr id="7" name="Diagramm 6"/>
-          <p:cNvGraphicFramePr/>
-          <p:nvPr>
-            <p:extLst>
-              <p:ext uri="{D42A27DB-BD31-4B8C-83A1-F6EECF244321}">
-                <p14:modId xmlns:p14="http://schemas.microsoft.com/office/powerpoint/2010/main" val="1841260317"/>
-              </p:ext>
-            </p:extLst>
-          </p:nvPr>
-        </p:nvGraphicFramePr>
-        <p:xfrm>
-          <a:off x="1524000" y="1397000"/>
-          <a:ext cx="6096000" cy="4064000"/>
-        </p:xfrm>
-        <a:graphic>
-          <a:graphicData uri="http://schemas.openxmlformats.org/drawingml/2006/chart">
-            <c:chart xmlns:c="http://schemas.openxmlformats.org/drawingml/2006/chart" xmlns:r="http://schemas.openxmlformats.org/officeDocument/2006/relationships" r:id="rId2"/>
-          </a:graphicData>
-        </a:graphic>
-      </p:graphicFrame>
+      <p:pic>
+        <p:nvPicPr>
+          <p:cNvPr id="2" name="Grafik 1"/>
+          <p:cNvPicPr>
+            <a:picLocks noChangeAspect="1"/>
+          </p:cNvPicPr>
+          <p:nvPr/>
+        </p:nvPicPr>
+        <p:blipFill>
+          <a:blip r:embed="rId2"/>
+          <a:stretch>
+            <a:fillRect/>
+          </a:stretch>
+        </p:blipFill>
+        <p:spPr>
+          <a:xfrm>
+            <a:off x="1476375" y="1385887"/>
+            <a:ext cx="6191250" cy="4086225"/>
+          </a:xfrm>
+          <a:prstGeom prst="rect">
+            <a:avLst/>
+          </a:prstGeom>
+        </p:spPr>
+      </p:pic>
     </p:spTree>
     <p:extLst>
       <p:ext uri="{BB962C8B-B14F-4D97-AF65-F5344CB8AC3E}">

--- a/DONT TOUCH THIS !!!!!!!!!!!/Abgabe/Präsentation.pptx
+++ b/DONT TOUCH THIS !!!!!!!!!!!/Abgabe/Präsentation.pptx
@@ -11,10 +11,10 @@
     <p:sldMasterId id="2147483712" r:id="rId7"/>
   </p:sldMasterIdLst>
   <p:notesMasterIdLst>
-    <p:notesMasterId r:id="rId32"/>
+    <p:notesMasterId r:id="rId14"/>
   </p:notesMasterIdLst>
   <p:handoutMasterIdLst>
-    <p:handoutMasterId r:id="rId33"/>
+    <p:handoutMasterId r:id="rId15"/>
   </p:handoutMasterIdLst>
   <p:sldIdLst>
     <p:sldId id="355" r:id="rId8"/>
@@ -23,24 +23,6 @@
     <p:sldId id="400" r:id="rId11"/>
     <p:sldId id="396" r:id="rId12"/>
     <p:sldId id="397" r:id="rId13"/>
-    <p:sldId id="369" r:id="rId14"/>
-    <p:sldId id="392" r:id="rId15"/>
-    <p:sldId id="371" r:id="rId16"/>
-    <p:sldId id="372" r:id="rId17"/>
-    <p:sldId id="373" r:id="rId18"/>
-    <p:sldId id="394" r:id="rId19"/>
-    <p:sldId id="375" r:id="rId20"/>
-    <p:sldId id="376" r:id="rId21"/>
-    <p:sldId id="393" r:id="rId22"/>
-    <p:sldId id="391" r:id="rId23"/>
-    <p:sldId id="390" r:id="rId24"/>
-    <p:sldId id="378" r:id="rId25"/>
-    <p:sldId id="377" r:id="rId26"/>
-    <p:sldId id="389" r:id="rId27"/>
-    <p:sldId id="379" r:id="rId28"/>
-    <p:sldId id="395" r:id="rId29"/>
-    <p:sldId id="380" r:id="rId30"/>
-    <p:sldId id="381" r:id="rId31"/>
   </p:sldIdLst>
   <p:sldSz cx="9144000" cy="6858000" type="screen4x3"/>
   <p:notesSz cx="9925050" cy="6665913"/>
@@ -202,744 +184,6 @@
 </p:presentation>
 </file>
 
-<file path=ppt/charts/chart1.xml><?xml version="1.0" encoding="utf-8"?>
-<c:chartSpace xmlns:c="http://schemas.openxmlformats.org/drawingml/2006/chart" xmlns:a="http://schemas.openxmlformats.org/drawingml/2006/main" xmlns:r="http://schemas.openxmlformats.org/officeDocument/2006/relationships" xmlns:c16r2="http://schemas.microsoft.com/office/drawing/2015/06/chart">
-  <c:date1904 val="0"/>
-  <c:lang val="de-DE"/>
-  <c:roundedCorners val="0"/>
-  <mc:AlternateContent xmlns:mc="http://schemas.openxmlformats.org/markup-compatibility/2006">
-    <mc:Choice xmlns:c14="http://schemas.microsoft.com/office/drawing/2007/8/2/chart" Requires="c14">
-      <c14:style val="102"/>
-    </mc:Choice>
-    <mc:Fallback>
-      <c:style val="2"/>
-    </mc:Fallback>
-  </mc:AlternateContent>
-  <c:chart>
-    <c:autoTitleDeleted val="0"/>
-    <c:plotArea>
-      <c:layout>
-        <c:manualLayout>
-          <c:layoutTarget val="inner"/>
-          <c:xMode val="edge"/>
-          <c:yMode val="edge"/>
-          <c:x val="0.16284448490622305"/>
-          <c:y val="2.9692476916371611E-3"/>
-          <c:w val="0.4620606955380589"/>
-          <c:h val="0.84285219742549367"/>
-        </c:manualLayout>
-      </c:layout>
-      <c:barChart>
-        <c:barDir val="bar"/>
-        <c:grouping val="clustered"/>
-        <c:varyColors val="0"/>
-        <c:ser>
-          <c:idx val="0"/>
-          <c:order val="0"/>
-          <c:tx>
-            <c:strRef>
-              <c:f>Tabelle1!$B$1</c:f>
-              <c:strCache>
-                <c:ptCount val="1"/>
-                <c:pt idx="0">
-                  <c:v>Datenreihe 1</c:v>
-                </c:pt>
-              </c:strCache>
-            </c:strRef>
-          </c:tx>
-          <c:invertIfNegative val="0"/>
-          <c:cat>
-            <c:strRef>
-              <c:f>Tabelle1!$A$2:$A$5</c:f>
-              <c:strCache>
-                <c:ptCount val="4"/>
-                <c:pt idx="0">
-                  <c:v>Kategorie 1</c:v>
-                </c:pt>
-                <c:pt idx="1">
-                  <c:v>Kategorie 2</c:v>
-                </c:pt>
-                <c:pt idx="2">
-                  <c:v>Kategorie 3</c:v>
-                </c:pt>
-                <c:pt idx="3">
-                  <c:v>Kategorie 4</c:v>
-                </c:pt>
-              </c:strCache>
-            </c:strRef>
-          </c:cat>
-          <c:val>
-            <c:numRef>
-              <c:f>Tabelle1!$B$2:$B$5</c:f>
-              <c:numCache>
-                <c:formatCode>General</c:formatCode>
-                <c:ptCount val="4"/>
-                <c:pt idx="0">
-                  <c:v>4.3</c:v>
-                </c:pt>
-                <c:pt idx="1">
-                  <c:v>2.5</c:v>
-                </c:pt>
-                <c:pt idx="2">
-                  <c:v>3.5</c:v>
-                </c:pt>
-                <c:pt idx="3">
-                  <c:v>4.5</c:v>
-                </c:pt>
-              </c:numCache>
-            </c:numRef>
-          </c:val>
-          <c:extLst>
-            <c:ext xmlns:c16="http://schemas.microsoft.com/office/drawing/2014/chart" uri="{C3380CC4-5D6E-409C-BE32-E72D297353CC}">
-              <c16:uniqueId val="{00000000-DCF6-400F-B109-FF128E5E5DD0}"/>
-            </c:ext>
-          </c:extLst>
-        </c:ser>
-        <c:ser>
-          <c:idx val="1"/>
-          <c:order val="1"/>
-          <c:tx>
-            <c:strRef>
-              <c:f>Tabelle1!$C$1</c:f>
-              <c:strCache>
-                <c:ptCount val="1"/>
-                <c:pt idx="0">
-                  <c:v>Datenreihe 2</c:v>
-                </c:pt>
-              </c:strCache>
-            </c:strRef>
-          </c:tx>
-          <c:invertIfNegative val="0"/>
-          <c:cat>
-            <c:strRef>
-              <c:f>Tabelle1!$A$2:$A$5</c:f>
-              <c:strCache>
-                <c:ptCount val="4"/>
-                <c:pt idx="0">
-                  <c:v>Kategorie 1</c:v>
-                </c:pt>
-                <c:pt idx="1">
-                  <c:v>Kategorie 2</c:v>
-                </c:pt>
-                <c:pt idx="2">
-                  <c:v>Kategorie 3</c:v>
-                </c:pt>
-                <c:pt idx="3">
-                  <c:v>Kategorie 4</c:v>
-                </c:pt>
-              </c:strCache>
-            </c:strRef>
-          </c:cat>
-          <c:val>
-            <c:numRef>
-              <c:f>Tabelle1!$C$2:$C$5</c:f>
-              <c:numCache>
-                <c:formatCode>General</c:formatCode>
-                <c:ptCount val="4"/>
-                <c:pt idx="0">
-                  <c:v>2.4</c:v>
-                </c:pt>
-                <c:pt idx="1">
-                  <c:v>4.4000000000000004</c:v>
-                </c:pt>
-                <c:pt idx="2">
-                  <c:v>1.8</c:v>
-                </c:pt>
-                <c:pt idx="3">
-                  <c:v>2.8</c:v>
-                </c:pt>
-              </c:numCache>
-            </c:numRef>
-          </c:val>
-          <c:extLst>
-            <c:ext xmlns:c16="http://schemas.microsoft.com/office/drawing/2014/chart" uri="{C3380CC4-5D6E-409C-BE32-E72D297353CC}">
-              <c16:uniqueId val="{00000001-DCF6-400F-B109-FF128E5E5DD0}"/>
-            </c:ext>
-          </c:extLst>
-        </c:ser>
-        <c:ser>
-          <c:idx val="2"/>
-          <c:order val="2"/>
-          <c:tx>
-            <c:strRef>
-              <c:f>Tabelle1!$D$1</c:f>
-              <c:strCache>
-                <c:ptCount val="1"/>
-                <c:pt idx="0">
-                  <c:v>Datenreihe 3</c:v>
-                </c:pt>
-              </c:strCache>
-            </c:strRef>
-          </c:tx>
-          <c:invertIfNegative val="0"/>
-          <c:cat>
-            <c:strRef>
-              <c:f>Tabelle1!$A$2:$A$5</c:f>
-              <c:strCache>
-                <c:ptCount val="4"/>
-                <c:pt idx="0">
-                  <c:v>Kategorie 1</c:v>
-                </c:pt>
-                <c:pt idx="1">
-                  <c:v>Kategorie 2</c:v>
-                </c:pt>
-                <c:pt idx="2">
-                  <c:v>Kategorie 3</c:v>
-                </c:pt>
-                <c:pt idx="3">
-                  <c:v>Kategorie 4</c:v>
-                </c:pt>
-              </c:strCache>
-            </c:strRef>
-          </c:cat>
-          <c:val>
-            <c:numRef>
-              <c:f>Tabelle1!$D$2:$D$5</c:f>
-              <c:numCache>
-                <c:formatCode>General</c:formatCode>
-                <c:ptCount val="4"/>
-                <c:pt idx="0">
-                  <c:v>2</c:v>
-                </c:pt>
-                <c:pt idx="1">
-                  <c:v>2</c:v>
-                </c:pt>
-                <c:pt idx="2">
-                  <c:v>3</c:v>
-                </c:pt>
-                <c:pt idx="3">
-                  <c:v>5</c:v>
-                </c:pt>
-              </c:numCache>
-            </c:numRef>
-          </c:val>
-          <c:extLst>
-            <c:ext xmlns:c16="http://schemas.microsoft.com/office/drawing/2014/chart" uri="{C3380CC4-5D6E-409C-BE32-E72D297353CC}">
-              <c16:uniqueId val="{00000002-DCF6-400F-B109-FF128E5E5DD0}"/>
-            </c:ext>
-          </c:extLst>
-        </c:ser>
-        <c:dLbls>
-          <c:showLegendKey val="0"/>
-          <c:showVal val="0"/>
-          <c:showCatName val="0"/>
-          <c:showSerName val="0"/>
-          <c:showPercent val="0"/>
-          <c:showBubbleSize val="0"/>
-        </c:dLbls>
-        <c:gapWidth val="150"/>
-        <c:axId val="40064128"/>
-        <c:axId val="40065664"/>
-      </c:barChart>
-      <c:catAx>
-        <c:axId val="40064128"/>
-        <c:scaling>
-          <c:orientation val="maxMin"/>
-        </c:scaling>
-        <c:delete val="0"/>
-        <c:axPos val="l"/>
-        <c:numFmt formatCode="General" sourceLinked="0"/>
-        <c:majorTickMark val="out"/>
-        <c:minorTickMark val="none"/>
-        <c:tickLblPos val="nextTo"/>
-        <c:spPr>
-          <a:ln>
-            <a:noFill/>
-          </a:ln>
-        </c:spPr>
-        <c:crossAx val="40065664"/>
-        <c:crosses val="autoZero"/>
-        <c:auto val="1"/>
-        <c:lblAlgn val="ctr"/>
-        <c:lblOffset val="100"/>
-        <c:noMultiLvlLbl val="0"/>
-      </c:catAx>
-      <c:valAx>
-        <c:axId val="40065664"/>
-        <c:scaling>
-          <c:orientation val="minMax"/>
-        </c:scaling>
-        <c:delete val="1"/>
-        <c:axPos val="t"/>
-        <c:numFmt formatCode="General" sourceLinked="1"/>
-        <c:majorTickMark val="out"/>
-        <c:minorTickMark val="none"/>
-        <c:tickLblPos val="none"/>
-        <c:crossAx val="40064128"/>
-        <c:crosses val="autoZero"/>
-        <c:crossBetween val="between"/>
-      </c:valAx>
-      <c:spPr>
-        <a:noFill/>
-        <a:ln w="25400">
-          <a:noFill/>
-        </a:ln>
-      </c:spPr>
-    </c:plotArea>
-    <c:legend>
-      <c:legendPos val="r"/>
-      <c:layout>
-        <c:manualLayout>
-          <c:xMode val="edge"/>
-          <c:yMode val="edge"/>
-          <c:x val="0.12911754177788201"/>
-          <c:y val="0.88845197256189412"/>
-          <c:w val="0.63252645439265498"/>
-          <c:h val="4.7614212345838999E-2"/>
-        </c:manualLayout>
-      </c:layout>
-      <c:overlay val="0"/>
-    </c:legend>
-    <c:plotVisOnly val="1"/>
-    <c:dispBlanksAs val="gap"/>
-    <c:showDLblsOverMax val="0"/>
-  </c:chart>
-  <c:txPr>
-    <a:bodyPr/>
-    <a:lstStyle/>
-    <a:p>
-      <a:pPr>
-        <a:defRPr sz="1600"/>
-      </a:pPr>
-      <a:endParaRPr lang="de-DE"/>
-    </a:p>
-  </c:txPr>
-  <c:externalData r:id="rId1">
-    <c:autoUpdate val="0"/>
-  </c:externalData>
-</c:chartSpace>
-</file>
-
-<file path=ppt/charts/chart2.xml><?xml version="1.0" encoding="utf-8"?>
-<c:chartSpace xmlns:c="http://schemas.openxmlformats.org/drawingml/2006/chart" xmlns:a="http://schemas.openxmlformats.org/drawingml/2006/main" xmlns:r="http://schemas.openxmlformats.org/officeDocument/2006/relationships" xmlns:c16r2="http://schemas.microsoft.com/office/drawing/2015/06/chart">
-  <c:date1904 val="0"/>
-  <c:lang val="de-DE"/>
-  <c:roundedCorners val="0"/>
-  <mc:AlternateContent xmlns:mc="http://schemas.openxmlformats.org/markup-compatibility/2006">
-    <mc:Choice xmlns:c14="http://schemas.microsoft.com/office/drawing/2007/8/2/chart" Requires="c14">
-      <c14:style val="102"/>
-    </mc:Choice>
-    <mc:Fallback>
-      <c:style val="2"/>
-    </mc:Fallback>
-  </mc:AlternateContent>
-  <c:chart>
-    <c:autoTitleDeleted val="1"/>
-    <c:plotArea>
-      <c:layout/>
-      <c:barChart>
-        <c:barDir val="col"/>
-        <c:grouping val="clustered"/>
-        <c:varyColors val="0"/>
-        <c:ser>
-          <c:idx val="0"/>
-          <c:order val="0"/>
-          <c:tx>
-            <c:strRef>
-              <c:f>Tabelle1!$B$1</c:f>
-              <c:strCache>
-                <c:ptCount val="1"/>
-                <c:pt idx="0">
-                  <c:v>Datenreihe 1</c:v>
-                </c:pt>
-              </c:strCache>
-            </c:strRef>
-          </c:tx>
-          <c:spPr>
-            <a:solidFill>
-              <a:schemeClr val="accent1"/>
-            </a:solidFill>
-            <a:ln>
-              <a:noFill/>
-            </a:ln>
-            <a:effectLst/>
-          </c:spPr>
-          <c:invertIfNegative val="0"/>
-          <c:cat>
-            <c:strRef>
-              <c:f>Tabelle1!$A$2:$A$5</c:f>
-              <c:strCache>
-                <c:ptCount val="4"/>
-                <c:pt idx="0">
-                  <c:v>Kategorie 1</c:v>
-                </c:pt>
-                <c:pt idx="1">
-                  <c:v>Kategorie 2</c:v>
-                </c:pt>
-                <c:pt idx="2">
-                  <c:v>Kategorie 3</c:v>
-                </c:pt>
-                <c:pt idx="3">
-                  <c:v>Kategorie 4</c:v>
-                </c:pt>
-              </c:strCache>
-            </c:strRef>
-          </c:cat>
-          <c:val>
-            <c:numRef>
-              <c:f>Tabelle1!$B$2:$B$5</c:f>
-              <c:numCache>
-                <c:formatCode>General</c:formatCode>
-                <c:ptCount val="4"/>
-                <c:pt idx="0">
-                  <c:v>4.3</c:v>
-                </c:pt>
-                <c:pt idx="1">
-                  <c:v>2.5</c:v>
-                </c:pt>
-                <c:pt idx="2">
-                  <c:v>3.5</c:v>
-                </c:pt>
-                <c:pt idx="3">
-                  <c:v>4.5</c:v>
-                </c:pt>
-              </c:numCache>
-            </c:numRef>
-          </c:val>
-          <c:extLst>
-            <c:ext xmlns:c16="http://schemas.microsoft.com/office/drawing/2014/chart" uri="{C3380CC4-5D6E-409C-BE32-E72D297353CC}">
-              <c16:uniqueId val="{00000000-B67E-4CD6-9B37-A34C239A5A53}"/>
-            </c:ext>
-          </c:extLst>
-        </c:ser>
-        <c:ser>
-          <c:idx val="1"/>
-          <c:order val="1"/>
-          <c:tx>
-            <c:strRef>
-              <c:f>Tabelle1!$C$1</c:f>
-              <c:strCache>
-                <c:ptCount val="1"/>
-                <c:pt idx="0">
-                  <c:v>Datenreihe 2</c:v>
-                </c:pt>
-              </c:strCache>
-            </c:strRef>
-          </c:tx>
-          <c:spPr>
-            <a:solidFill>
-              <a:schemeClr val="accent2"/>
-            </a:solidFill>
-            <a:ln>
-              <a:noFill/>
-            </a:ln>
-            <a:effectLst/>
-          </c:spPr>
-          <c:invertIfNegative val="0"/>
-          <c:cat>
-            <c:strRef>
-              <c:f>Tabelle1!$A$2:$A$5</c:f>
-              <c:strCache>
-                <c:ptCount val="4"/>
-                <c:pt idx="0">
-                  <c:v>Kategorie 1</c:v>
-                </c:pt>
-                <c:pt idx="1">
-                  <c:v>Kategorie 2</c:v>
-                </c:pt>
-                <c:pt idx="2">
-                  <c:v>Kategorie 3</c:v>
-                </c:pt>
-                <c:pt idx="3">
-                  <c:v>Kategorie 4</c:v>
-                </c:pt>
-              </c:strCache>
-            </c:strRef>
-          </c:cat>
-          <c:val>
-            <c:numRef>
-              <c:f>Tabelle1!$C$2:$C$5</c:f>
-              <c:numCache>
-                <c:formatCode>General</c:formatCode>
-                <c:ptCount val="4"/>
-                <c:pt idx="0">
-                  <c:v>2.4</c:v>
-                </c:pt>
-                <c:pt idx="1">
-                  <c:v>4.4000000000000004</c:v>
-                </c:pt>
-                <c:pt idx="2">
-                  <c:v>1.8</c:v>
-                </c:pt>
-                <c:pt idx="3">
-                  <c:v>2.8</c:v>
-                </c:pt>
-              </c:numCache>
-            </c:numRef>
-          </c:val>
-          <c:extLst>
-            <c:ext xmlns:c16="http://schemas.microsoft.com/office/drawing/2014/chart" uri="{C3380CC4-5D6E-409C-BE32-E72D297353CC}">
-              <c16:uniqueId val="{00000001-B67E-4CD6-9B37-A34C239A5A53}"/>
-            </c:ext>
-          </c:extLst>
-        </c:ser>
-        <c:ser>
-          <c:idx val="2"/>
-          <c:order val="2"/>
-          <c:tx>
-            <c:strRef>
-              <c:f>Tabelle1!$D$1</c:f>
-              <c:strCache>
-                <c:ptCount val="1"/>
-                <c:pt idx="0">
-                  <c:v>Datenreihe 3</c:v>
-                </c:pt>
-              </c:strCache>
-            </c:strRef>
-          </c:tx>
-          <c:spPr>
-            <a:solidFill>
-              <a:schemeClr val="accent3"/>
-            </a:solidFill>
-            <a:ln>
-              <a:noFill/>
-            </a:ln>
-            <a:effectLst/>
-          </c:spPr>
-          <c:invertIfNegative val="0"/>
-          <c:cat>
-            <c:strRef>
-              <c:f>Tabelle1!$A$2:$A$5</c:f>
-              <c:strCache>
-                <c:ptCount val="4"/>
-                <c:pt idx="0">
-                  <c:v>Kategorie 1</c:v>
-                </c:pt>
-                <c:pt idx="1">
-                  <c:v>Kategorie 2</c:v>
-                </c:pt>
-                <c:pt idx="2">
-                  <c:v>Kategorie 3</c:v>
-                </c:pt>
-                <c:pt idx="3">
-                  <c:v>Kategorie 4</c:v>
-                </c:pt>
-              </c:strCache>
-            </c:strRef>
-          </c:cat>
-          <c:val>
-            <c:numRef>
-              <c:f>Tabelle1!$D$2:$D$5</c:f>
-              <c:numCache>
-                <c:formatCode>General</c:formatCode>
-                <c:ptCount val="4"/>
-                <c:pt idx="0">
-                  <c:v>2</c:v>
-                </c:pt>
-                <c:pt idx="1">
-                  <c:v>2</c:v>
-                </c:pt>
-                <c:pt idx="2">
-                  <c:v>3</c:v>
-                </c:pt>
-                <c:pt idx="3">
-                  <c:v>5</c:v>
-                </c:pt>
-              </c:numCache>
-            </c:numRef>
-          </c:val>
-          <c:extLst>
-            <c:ext xmlns:c16="http://schemas.microsoft.com/office/drawing/2014/chart" uri="{C3380CC4-5D6E-409C-BE32-E72D297353CC}">
-              <c16:uniqueId val="{00000002-B67E-4CD6-9B37-A34C239A5A53}"/>
-            </c:ext>
-          </c:extLst>
-        </c:ser>
-        <c:dLbls>
-          <c:showLegendKey val="0"/>
-          <c:showVal val="0"/>
-          <c:showCatName val="0"/>
-          <c:showSerName val="0"/>
-          <c:showPercent val="0"/>
-          <c:showBubbleSize val="0"/>
-        </c:dLbls>
-        <c:gapWidth val="219"/>
-        <c:overlap val="-27"/>
-        <c:axId val="40700928"/>
-        <c:axId val="40706816"/>
-      </c:barChart>
-      <c:catAx>
-        <c:axId val="40700928"/>
-        <c:scaling>
-          <c:orientation val="minMax"/>
-        </c:scaling>
-        <c:delete val="0"/>
-        <c:axPos val="b"/>
-        <c:numFmt formatCode="General" sourceLinked="1"/>
-        <c:majorTickMark val="none"/>
-        <c:minorTickMark val="none"/>
-        <c:tickLblPos val="nextTo"/>
-        <c:spPr>
-          <a:noFill/>
-          <a:ln w="9525" cap="flat" cmpd="sng" algn="ctr">
-            <a:solidFill>
-              <a:schemeClr val="tx1">
-                <a:lumMod val="15000"/>
-                <a:lumOff val="85000"/>
-              </a:schemeClr>
-            </a:solidFill>
-            <a:round/>
-          </a:ln>
-          <a:effectLst/>
-        </c:spPr>
-        <c:txPr>
-          <a:bodyPr rot="-60000000" spcFirstLastPara="1" vertOverflow="ellipsis" vert="horz" wrap="square" anchor="ctr" anchorCtr="1"/>
-          <a:lstStyle/>
-          <a:p>
-            <a:pPr>
-              <a:defRPr sz="1400" b="0" i="0" u="none" strike="noStrike" kern="1200" baseline="0">
-                <a:solidFill>
-                  <a:schemeClr val="tx1">
-                    <a:lumMod val="65000"/>
-                    <a:lumOff val="35000"/>
-                  </a:schemeClr>
-                </a:solidFill>
-                <a:latin typeface="+mn-lt"/>
-                <a:ea typeface="+mn-ea"/>
-                <a:cs typeface="+mn-cs"/>
-              </a:defRPr>
-            </a:pPr>
-            <a:endParaRPr lang="de-DE"/>
-          </a:p>
-        </c:txPr>
-        <c:crossAx val="40706816"/>
-        <c:crosses val="autoZero"/>
-        <c:auto val="1"/>
-        <c:lblAlgn val="ctr"/>
-        <c:lblOffset val="100"/>
-        <c:noMultiLvlLbl val="0"/>
-      </c:catAx>
-      <c:valAx>
-        <c:axId val="40706816"/>
-        <c:scaling>
-          <c:orientation val="minMax"/>
-        </c:scaling>
-        <c:delete val="0"/>
-        <c:axPos val="l"/>
-        <c:majorGridlines>
-          <c:spPr>
-            <a:ln w="9525" cap="flat" cmpd="sng" algn="ctr">
-              <a:solidFill>
-                <a:schemeClr val="tx1">
-                  <a:lumMod val="15000"/>
-                  <a:lumOff val="85000"/>
-                </a:schemeClr>
-              </a:solidFill>
-              <a:round/>
-            </a:ln>
-            <a:effectLst/>
-          </c:spPr>
-        </c:majorGridlines>
-        <c:numFmt formatCode="General" sourceLinked="1"/>
-        <c:majorTickMark val="none"/>
-        <c:minorTickMark val="none"/>
-        <c:tickLblPos val="nextTo"/>
-        <c:spPr>
-          <a:noFill/>
-          <a:ln>
-            <a:noFill/>
-          </a:ln>
-          <a:effectLst/>
-        </c:spPr>
-        <c:txPr>
-          <a:bodyPr rot="-60000000" spcFirstLastPara="1" vertOverflow="ellipsis" vert="horz" wrap="square" anchor="ctr" anchorCtr="1"/>
-          <a:lstStyle/>
-          <a:p>
-            <a:pPr>
-              <a:defRPr sz="1197" b="0" i="0" u="none" strike="noStrike" kern="1200" baseline="0">
-                <a:solidFill>
-                  <a:schemeClr val="tx1">
-                    <a:lumMod val="65000"/>
-                    <a:lumOff val="35000"/>
-                  </a:schemeClr>
-                </a:solidFill>
-                <a:latin typeface="+mn-lt"/>
-                <a:ea typeface="+mn-ea"/>
-                <a:cs typeface="+mn-cs"/>
-              </a:defRPr>
-            </a:pPr>
-            <a:endParaRPr lang="de-DE"/>
-          </a:p>
-        </c:txPr>
-        <c:crossAx val="40700928"/>
-        <c:crosses val="autoZero"/>
-        <c:crossBetween val="between"/>
-      </c:valAx>
-      <c:spPr>
-        <a:noFill/>
-        <a:ln>
-          <a:noFill/>
-        </a:ln>
-        <a:effectLst/>
-      </c:spPr>
-    </c:plotArea>
-    <c:legend>
-      <c:legendPos val="b"/>
-      <c:layout>
-        <c:manualLayout>
-          <c:xMode val="edge"/>
-          <c:yMode val="edge"/>
-          <c:x val="0.28357421553649131"/>
-          <c:y val="0.94919412095734657"/>
-          <c:w val="0.43285156892702098"/>
-          <c:h val="5.0805879042652886E-2"/>
-        </c:manualLayout>
-      </c:layout>
-      <c:overlay val="0"/>
-      <c:spPr>
-        <a:noFill/>
-        <a:ln>
-          <a:noFill/>
-        </a:ln>
-        <a:effectLst/>
-      </c:spPr>
-      <c:txPr>
-        <a:bodyPr rot="0" spcFirstLastPara="1" vertOverflow="ellipsis" vert="horz" wrap="square" anchor="ctr" anchorCtr="1"/>
-        <a:lstStyle/>
-        <a:p>
-          <a:pPr>
-            <a:defRPr sz="1400" b="0" i="0" u="none" strike="noStrike" kern="1200" baseline="0">
-              <a:solidFill>
-                <a:schemeClr val="tx1">
-                  <a:lumMod val="65000"/>
-                  <a:lumOff val="35000"/>
-                </a:schemeClr>
-              </a:solidFill>
-              <a:latin typeface="+mn-lt"/>
-              <a:ea typeface="+mn-ea"/>
-              <a:cs typeface="+mn-cs"/>
-            </a:defRPr>
-          </a:pPr>
-          <a:endParaRPr lang="de-DE"/>
-        </a:p>
-      </c:txPr>
-    </c:legend>
-    <c:plotVisOnly val="1"/>
-    <c:dispBlanksAs val="gap"/>
-    <c:showDLblsOverMax val="0"/>
-  </c:chart>
-  <c:spPr>
-    <a:noFill/>
-    <a:ln>
-      <a:noFill/>
-    </a:ln>
-    <a:effectLst/>
-  </c:spPr>
-  <c:txPr>
-    <a:bodyPr/>
-    <a:lstStyle/>
-    <a:p>
-      <a:pPr>
-        <a:defRPr/>
-      </a:pPr>
-      <a:endParaRPr lang="de-DE"/>
-    </a:p>
-  </c:txPr>
-  <c:externalData r:id="rId1">
-    <c:autoUpdate val="0"/>
-  </c:externalData>
-</c:chartSpace>
-</file>
-
 <file path=ppt/handoutMasters/handoutMaster1.xml><?xml version="1.0" encoding="utf-8"?>
 <p:handoutMaster xmlns:a="http://schemas.openxmlformats.org/drawingml/2006/main" xmlns:r="http://schemas.openxmlformats.org/officeDocument/2006/relationships" xmlns:p="http://schemas.openxmlformats.org/presentationml/2006/main">
   <p:cSld>
@@ -10846,2110 +10090,6 @@
 </p:sld>
 </file>
 
-<file path=ppt/slides/slide10.xml><?xml version="1.0" encoding="utf-8"?>
-<p:sld xmlns:a="http://schemas.openxmlformats.org/drawingml/2006/main" xmlns:r="http://schemas.openxmlformats.org/officeDocument/2006/relationships" xmlns:p="http://schemas.openxmlformats.org/presentationml/2006/main">
-  <p:cSld>
-    <p:spTree>
-      <p:nvGrpSpPr>
-        <p:cNvPr id="1" name=""/>
-        <p:cNvGrpSpPr/>
-        <p:nvPr/>
-      </p:nvGrpSpPr>
-      <p:grpSpPr>
-        <a:xfrm>
-          <a:off x="0" y="0"/>
-          <a:ext cx="0" cy="0"/>
-          <a:chOff x="0" y="0"/>
-          <a:chExt cx="0" cy="0"/>
-        </a:xfrm>
-      </p:grpSpPr>
-      <p:sp>
-        <p:nvSpPr>
-          <p:cNvPr id="2" name="Inhaltsplatzhalter 1"/>
-          <p:cNvSpPr>
-            <a:spLocks noGrp="1"/>
-          </p:cNvSpPr>
-          <p:nvPr>
-            <p:ph idx="1"/>
-          </p:nvPr>
-        </p:nvSpPr>
-        <p:spPr/>
-        <p:txBody>
-          <a:bodyPr/>
-          <a:lstStyle/>
-          <a:p>
-            <a:r>
-              <a:rPr dirty="0"/>
-              <a:t>Als erstes soll mit schwarz und weiß gearbeitet werden.</a:t>
-            </a:r>
-            <a:br>
-              <a:rPr dirty="0"/>
-            </a:br>
-            <a:r>
-              <a:rPr dirty="0"/>
-              <a:t>Für Aufwändigere Darstellungen sind Farben mit Bedacht und in möglichst geringem Umfang einzusetzen.</a:t>
-            </a:r>
-            <a:br>
-              <a:rPr dirty="0"/>
-            </a:br>
-            <a:endParaRPr dirty="0"/>
-          </a:p>
-          <a:p>
-            <a:r>
-              <a:rPr dirty="0"/>
-              <a:t>In diesem Folienmaster ist die Farbpalette festgelegt.</a:t>
-            </a:r>
-          </a:p>
-          <a:p>
-            <a:endParaRPr dirty="0"/>
-          </a:p>
-          <a:p>
-            <a:r>
-              <a:rPr dirty="0"/>
-              <a:t>Zuerst mit </a:t>
-            </a:r>
-            <a:r>
-              <a:rPr lang="de-DE" dirty="0"/>
-              <a:t>den Primärfarben </a:t>
-            </a:r>
-            <a:r>
-              <a:rPr dirty="0"/>
-              <a:t>arbeiten</a:t>
-            </a:r>
-            <a:r>
-              <a:rPr lang="de-DE" dirty="0"/>
-              <a:t>.</a:t>
-            </a:r>
-          </a:p>
-          <a:p>
-            <a:endParaRPr lang="de-DE" dirty="0"/>
-          </a:p>
-          <a:p>
-            <a:endParaRPr lang="de-DE" dirty="0"/>
-          </a:p>
-          <a:p>
-            <a:r>
-              <a:rPr dirty="0"/>
-              <a:t>Für z.B. komplexe Diagramme stehen noch</a:t>
-            </a:r>
-            <a:r>
-              <a:rPr lang="de-DE" dirty="0"/>
-              <a:t>Sekundärfarben </a:t>
-            </a:r>
-            <a:r>
-              <a:rPr dirty="0"/>
-              <a:t>zur Verfügung.</a:t>
-            </a:r>
-          </a:p>
-          <a:p>
-            <a:endParaRPr dirty="0"/>
-          </a:p>
-          <a:p>
-            <a:endParaRPr dirty="0"/>
-          </a:p>
-          <a:p>
-            <a:r>
-              <a:rPr lang="de-DE" dirty="0"/>
-              <a:t>Gering im Einsatz sind die Akzentfarben.</a:t>
-            </a:r>
-            <a:endParaRPr dirty="0"/>
-          </a:p>
-          <a:p>
-            <a:endParaRPr dirty="0"/>
-          </a:p>
-        </p:txBody>
-      </p:sp>
-      <p:sp>
-        <p:nvSpPr>
-          <p:cNvPr id="4" name="Foliennummernplatzhalter 3"/>
-          <p:cNvSpPr>
-            <a:spLocks noGrp="1"/>
-          </p:cNvSpPr>
-          <p:nvPr>
-            <p:ph type="sldNum" sz="quarter" idx="11"/>
-          </p:nvPr>
-        </p:nvSpPr>
-        <p:spPr>
-          <a:prstGeom prst="rect">
-            <a:avLst/>
-          </a:prstGeom>
-        </p:spPr>
-        <p:txBody>
-          <a:bodyPr/>
-          <a:lstStyle/>
-          <a:p>
-            <a:fld id="{CE58CB1E-F828-4F11-99E0-327109AF9DA4}" type="slidenum">
-              <a:rPr lang="de-DE" smtClean="0"/>
-              <a:pPr/>
-              <a:t>10</a:t>
-            </a:fld>
-            <a:endParaRPr lang="de-DE" dirty="0"/>
-          </a:p>
-        </p:txBody>
-      </p:sp>
-      <p:sp>
-        <p:nvSpPr>
-          <p:cNvPr id="19" name="Fußzeilenplatzhalter 4"/>
-          <p:cNvSpPr>
-            <a:spLocks noGrp="1"/>
-          </p:cNvSpPr>
-          <p:nvPr>
-            <p:ph type="ftr" sz="quarter" idx="12"/>
-          </p:nvPr>
-        </p:nvSpPr>
-        <p:spPr/>
-        <p:txBody>
-          <a:bodyPr/>
-          <a:lstStyle/>
-          <a:p>
-            <a:r>
-              <a:rPr lang="de-DE"/>
-              <a:t>Dr. rer. nat. Erika Mustermann (TUM) | kann beliebig erweitert werden | Infos mit Strich trennen</a:t>
-            </a:r>
-            <a:endParaRPr lang="en-US" dirty="0"/>
-          </a:p>
-        </p:txBody>
-      </p:sp>
-      <p:sp>
-        <p:nvSpPr>
-          <p:cNvPr id="3" name="Titel 2"/>
-          <p:cNvSpPr>
-            <a:spLocks noGrp="1"/>
-          </p:cNvSpPr>
-          <p:nvPr>
-            <p:ph type="title"/>
-          </p:nvPr>
-        </p:nvSpPr>
-        <p:spPr>
-          <a:prstGeom prst="rect">
-            <a:avLst/>
-          </a:prstGeom>
-        </p:spPr>
-        <p:txBody>
-          <a:bodyPr/>
-          <a:lstStyle/>
-          <a:p>
-            <a:r>
-              <a:rPr sz="3000" dirty="0"/>
-              <a:t>Farben</a:t>
-            </a:r>
-            <a:endParaRPr lang="de-DE" sz="3000" dirty="0"/>
-          </a:p>
-        </p:txBody>
-      </p:sp>
-      <p:sp>
-        <p:nvSpPr>
-          <p:cNvPr id="14" name="Rechteck 13"/>
-          <p:cNvSpPr/>
-          <p:nvPr/>
-        </p:nvSpPr>
-        <p:spPr>
-          <a:xfrm>
-            <a:off x="321735" y="3843868"/>
-            <a:ext cx="855132" cy="245531"/>
-          </a:xfrm>
-          <a:prstGeom prst="rect">
-            <a:avLst/>
-          </a:prstGeom>
-          <a:solidFill>
-            <a:schemeClr val="bg2"/>
-          </a:solidFill>
-          <a:ln>
-            <a:noFill/>
-          </a:ln>
-        </p:spPr>
-        <p:style>
-          <a:lnRef idx="2">
-            <a:schemeClr val="accent1">
-              <a:shade val="50000"/>
-            </a:schemeClr>
-          </a:lnRef>
-          <a:fillRef idx="1">
-            <a:schemeClr val="accent1"/>
-          </a:fillRef>
-          <a:effectRef idx="0">
-            <a:schemeClr val="accent1"/>
-          </a:effectRef>
-          <a:fontRef idx="minor">
-            <a:schemeClr val="lt1"/>
-          </a:fontRef>
-        </p:style>
-        <p:txBody>
-          <a:bodyPr rot="0" spcFirstLastPara="0" vertOverflow="overflow" horzOverflow="overflow" vert="horz" wrap="square" lIns="91440" tIns="45720" rIns="91440" bIns="45720" numCol="1" spcCol="0" rtlCol="0" fromWordArt="0" anchor="t" anchorCtr="0" forceAA="0" compatLnSpc="1">
-            <a:prstTxWarp prst="textNoShape">
-              <a:avLst/>
-            </a:prstTxWarp>
-            <a:noAutofit/>
-          </a:bodyPr>
-          <a:lstStyle/>
-          <a:p>
-            <a:pPr algn="ctr">
-              <a:lnSpc>
-                <a:spcPct val="114000"/>
-              </a:lnSpc>
-            </a:pPr>
-            <a:endParaRPr lang="de-DE" dirty="0">
-              <a:solidFill>
-                <a:schemeClr val="accent1"/>
-              </a:solidFill>
-            </a:endParaRPr>
-          </a:p>
-        </p:txBody>
-      </p:sp>
-      <p:sp>
-        <p:nvSpPr>
-          <p:cNvPr id="24" name="Rechteck 23"/>
-          <p:cNvSpPr/>
-          <p:nvPr/>
-        </p:nvSpPr>
-        <p:spPr>
-          <a:xfrm>
-            <a:off x="1295402" y="3843868"/>
-            <a:ext cx="855132" cy="245531"/>
-          </a:xfrm>
-          <a:prstGeom prst="rect">
-            <a:avLst/>
-          </a:prstGeom>
-          <a:solidFill>
-            <a:schemeClr val="tx1"/>
-          </a:solidFill>
-          <a:ln>
-            <a:noFill/>
-          </a:ln>
-        </p:spPr>
-        <p:style>
-          <a:lnRef idx="2">
-            <a:schemeClr val="accent1">
-              <a:shade val="50000"/>
-            </a:schemeClr>
-          </a:lnRef>
-          <a:fillRef idx="1">
-            <a:schemeClr val="accent1"/>
-          </a:fillRef>
-          <a:effectRef idx="0">
-            <a:schemeClr val="accent1"/>
-          </a:effectRef>
-          <a:fontRef idx="minor">
-            <a:schemeClr val="lt1"/>
-          </a:fontRef>
-        </p:style>
-        <p:txBody>
-          <a:bodyPr rot="0" spcFirstLastPara="0" vertOverflow="overflow" horzOverflow="overflow" vert="horz" wrap="square" lIns="91440" tIns="45720" rIns="91440" bIns="45720" numCol="1" spcCol="0" rtlCol="0" fromWordArt="0" anchor="t" anchorCtr="0" forceAA="0" compatLnSpc="1">
-            <a:prstTxWarp prst="textNoShape">
-              <a:avLst/>
-            </a:prstTxWarp>
-            <a:noAutofit/>
-          </a:bodyPr>
-          <a:lstStyle/>
-          <a:p>
-            <a:pPr algn="ctr">
-              <a:lnSpc>
-                <a:spcPct val="114000"/>
-              </a:lnSpc>
-            </a:pPr>
-            <a:endParaRPr lang="de-DE" dirty="0">
-              <a:solidFill>
-                <a:schemeClr val="tx1"/>
-              </a:solidFill>
-            </a:endParaRPr>
-          </a:p>
-        </p:txBody>
-      </p:sp>
-      <p:sp>
-        <p:nvSpPr>
-          <p:cNvPr id="25" name="Rechteck 24"/>
-          <p:cNvSpPr/>
-          <p:nvPr/>
-        </p:nvSpPr>
-        <p:spPr>
-          <a:xfrm>
-            <a:off x="2260602" y="3843868"/>
-            <a:ext cx="855132" cy="245531"/>
-          </a:xfrm>
-          <a:prstGeom prst="rect">
-            <a:avLst/>
-          </a:prstGeom>
-          <a:solidFill>
-            <a:schemeClr val="bg1"/>
-          </a:solidFill>
-          <a:ln w="6350" cap="flat" cmpd="sng" algn="ctr">
-            <a:solidFill>
-              <a:schemeClr val="tx1"/>
-            </a:solidFill>
-            <a:prstDash val="solid"/>
-            <a:round/>
-            <a:headEnd type="none" w="med" len="med"/>
-            <a:tailEnd type="none" w="med" len="med"/>
-          </a:ln>
-        </p:spPr>
-        <p:style>
-          <a:lnRef idx="2">
-            <a:schemeClr val="accent1">
-              <a:shade val="50000"/>
-            </a:schemeClr>
-          </a:lnRef>
-          <a:fillRef idx="1">
-            <a:schemeClr val="accent1"/>
-          </a:fillRef>
-          <a:effectRef idx="0">
-            <a:schemeClr val="accent1"/>
-          </a:effectRef>
-          <a:fontRef idx="minor">
-            <a:schemeClr val="lt1"/>
-          </a:fontRef>
-        </p:style>
-        <p:txBody>
-          <a:bodyPr rot="0" spcFirstLastPara="0" vertOverflow="overflow" horzOverflow="overflow" vert="horz" wrap="square" lIns="91440" tIns="45720" rIns="91440" bIns="45720" numCol="1" spcCol="0" rtlCol="0" fromWordArt="0" anchor="t" anchorCtr="0" forceAA="0" compatLnSpc="1">
-            <a:prstTxWarp prst="textNoShape">
-              <a:avLst/>
-            </a:prstTxWarp>
-            <a:noAutofit/>
-          </a:bodyPr>
-          <a:lstStyle/>
-          <a:p>
-            <a:pPr algn="ctr">
-              <a:lnSpc>
-                <a:spcPct val="114000"/>
-              </a:lnSpc>
-            </a:pPr>
-            <a:endParaRPr lang="de-DE" dirty="0"/>
-          </a:p>
-        </p:txBody>
-      </p:sp>
-      <p:sp>
-        <p:nvSpPr>
-          <p:cNvPr id="26" name="Rechteck 25"/>
-          <p:cNvSpPr/>
-          <p:nvPr/>
-        </p:nvSpPr>
-        <p:spPr>
-          <a:xfrm>
-            <a:off x="321735" y="4665135"/>
-            <a:ext cx="855132" cy="245531"/>
-          </a:xfrm>
-          <a:prstGeom prst="rect">
-            <a:avLst/>
-          </a:prstGeom>
-          <a:solidFill>
-            <a:schemeClr val="accent1"/>
-          </a:solidFill>
-          <a:ln>
-            <a:noFill/>
-          </a:ln>
-        </p:spPr>
-        <p:style>
-          <a:lnRef idx="2">
-            <a:schemeClr val="accent1">
-              <a:shade val="50000"/>
-            </a:schemeClr>
-          </a:lnRef>
-          <a:fillRef idx="1">
-            <a:schemeClr val="accent1"/>
-          </a:fillRef>
-          <a:effectRef idx="0">
-            <a:schemeClr val="accent1"/>
-          </a:effectRef>
-          <a:fontRef idx="minor">
-            <a:schemeClr val="lt1"/>
-          </a:fontRef>
-        </p:style>
-        <p:txBody>
-          <a:bodyPr rot="0" spcFirstLastPara="0" vertOverflow="overflow" horzOverflow="overflow" vert="horz" wrap="square" lIns="91440" tIns="45720" rIns="91440" bIns="45720" numCol="1" spcCol="0" rtlCol="0" fromWordArt="0" anchor="t" anchorCtr="0" forceAA="0" compatLnSpc="1">
-            <a:prstTxWarp prst="textNoShape">
-              <a:avLst/>
-            </a:prstTxWarp>
-            <a:noAutofit/>
-          </a:bodyPr>
-          <a:lstStyle/>
-          <a:p>
-            <a:pPr algn="ctr">
-              <a:lnSpc>
-                <a:spcPct val="114000"/>
-              </a:lnSpc>
-            </a:pPr>
-            <a:endParaRPr lang="de-DE" dirty="0"/>
-          </a:p>
-        </p:txBody>
-      </p:sp>
-      <p:sp>
-        <p:nvSpPr>
-          <p:cNvPr id="27" name="Rechteck 26"/>
-          <p:cNvSpPr/>
-          <p:nvPr/>
-        </p:nvSpPr>
-        <p:spPr>
-          <a:xfrm>
-            <a:off x="1295402" y="4665135"/>
-            <a:ext cx="855132" cy="245531"/>
-          </a:xfrm>
-          <a:prstGeom prst="rect">
-            <a:avLst/>
-          </a:prstGeom>
-          <a:solidFill>
-            <a:schemeClr val="accent2"/>
-          </a:solidFill>
-          <a:ln>
-            <a:noFill/>
-          </a:ln>
-        </p:spPr>
-        <p:style>
-          <a:lnRef idx="2">
-            <a:schemeClr val="accent1">
-              <a:shade val="50000"/>
-            </a:schemeClr>
-          </a:lnRef>
-          <a:fillRef idx="1">
-            <a:schemeClr val="accent1"/>
-          </a:fillRef>
-          <a:effectRef idx="0">
-            <a:schemeClr val="accent1"/>
-          </a:effectRef>
-          <a:fontRef idx="minor">
-            <a:schemeClr val="lt1"/>
-          </a:fontRef>
-        </p:style>
-        <p:txBody>
-          <a:bodyPr rot="0" spcFirstLastPara="0" vertOverflow="overflow" horzOverflow="overflow" vert="horz" wrap="square" lIns="91440" tIns="45720" rIns="91440" bIns="45720" numCol="1" spcCol="0" rtlCol="0" fromWordArt="0" anchor="t" anchorCtr="0" forceAA="0" compatLnSpc="1">
-            <a:prstTxWarp prst="textNoShape">
-              <a:avLst/>
-            </a:prstTxWarp>
-            <a:noAutofit/>
-          </a:bodyPr>
-          <a:lstStyle/>
-          <a:p>
-            <a:pPr algn="ctr">
-              <a:lnSpc>
-                <a:spcPct val="114000"/>
-              </a:lnSpc>
-            </a:pPr>
-            <a:endParaRPr lang="de-DE" dirty="0"/>
-          </a:p>
-        </p:txBody>
-      </p:sp>
-      <p:sp>
-        <p:nvSpPr>
-          <p:cNvPr id="28" name="Rechteck 27"/>
-          <p:cNvSpPr/>
-          <p:nvPr/>
-        </p:nvSpPr>
-        <p:spPr>
-          <a:xfrm>
-            <a:off x="2260602" y="4665135"/>
-            <a:ext cx="855132" cy="245531"/>
-          </a:xfrm>
-          <a:prstGeom prst="rect">
-            <a:avLst/>
-          </a:prstGeom>
-          <a:solidFill>
-            <a:schemeClr val="accent3"/>
-          </a:solidFill>
-          <a:ln>
-            <a:noFill/>
-          </a:ln>
-        </p:spPr>
-        <p:style>
-          <a:lnRef idx="2">
-            <a:schemeClr val="accent1">
-              <a:shade val="50000"/>
-            </a:schemeClr>
-          </a:lnRef>
-          <a:fillRef idx="1">
-            <a:schemeClr val="accent1"/>
-          </a:fillRef>
-          <a:effectRef idx="0">
-            <a:schemeClr val="accent1"/>
-          </a:effectRef>
-          <a:fontRef idx="minor">
-            <a:schemeClr val="lt1"/>
-          </a:fontRef>
-        </p:style>
-        <p:txBody>
-          <a:bodyPr rot="0" spcFirstLastPara="0" vertOverflow="overflow" horzOverflow="overflow" vert="horz" wrap="square" lIns="91440" tIns="45720" rIns="91440" bIns="45720" numCol="1" spcCol="0" rtlCol="0" fromWordArt="0" anchor="t" anchorCtr="0" forceAA="0" compatLnSpc="1">
-            <a:prstTxWarp prst="textNoShape">
-              <a:avLst/>
-            </a:prstTxWarp>
-            <a:noAutofit/>
-          </a:bodyPr>
-          <a:lstStyle/>
-          <a:p>
-            <a:pPr algn="ctr">
-              <a:lnSpc>
-                <a:spcPct val="114000"/>
-              </a:lnSpc>
-            </a:pPr>
-            <a:endParaRPr lang="de-DE" dirty="0"/>
-          </a:p>
-        </p:txBody>
-      </p:sp>
-      <p:sp>
-        <p:nvSpPr>
-          <p:cNvPr id="29" name="Rechteck 28"/>
-          <p:cNvSpPr/>
-          <p:nvPr/>
-        </p:nvSpPr>
-        <p:spPr>
-          <a:xfrm>
-            <a:off x="3225802" y="4665135"/>
-            <a:ext cx="855132" cy="245531"/>
-          </a:xfrm>
-          <a:prstGeom prst="rect">
-            <a:avLst/>
-          </a:prstGeom>
-          <a:solidFill>
-            <a:srgbClr val="999999"/>
-          </a:solidFill>
-          <a:ln>
-            <a:noFill/>
-          </a:ln>
-        </p:spPr>
-        <p:style>
-          <a:lnRef idx="2">
-            <a:schemeClr val="accent1">
-              <a:shade val="50000"/>
-            </a:schemeClr>
-          </a:lnRef>
-          <a:fillRef idx="1">
-            <a:schemeClr val="accent1"/>
-          </a:fillRef>
-          <a:effectRef idx="0">
-            <a:schemeClr val="accent1"/>
-          </a:effectRef>
-          <a:fontRef idx="minor">
-            <a:schemeClr val="lt1"/>
-          </a:fontRef>
-        </p:style>
-        <p:txBody>
-          <a:bodyPr rot="0" spcFirstLastPara="0" vertOverflow="overflow" horzOverflow="overflow" vert="horz" wrap="square" lIns="91440" tIns="45720" rIns="91440" bIns="45720" numCol="1" spcCol="0" rtlCol="0" fromWordArt="0" anchor="t" anchorCtr="0" forceAA="0" compatLnSpc="1">
-            <a:prstTxWarp prst="textNoShape">
-              <a:avLst/>
-            </a:prstTxWarp>
-            <a:noAutofit/>
-          </a:bodyPr>
-          <a:lstStyle/>
-          <a:p>
-            <a:pPr algn="ctr">
-              <a:lnSpc>
-                <a:spcPct val="114000"/>
-              </a:lnSpc>
-            </a:pPr>
-            <a:endParaRPr lang="de-DE" dirty="0"/>
-          </a:p>
-        </p:txBody>
-      </p:sp>
-      <p:sp>
-        <p:nvSpPr>
-          <p:cNvPr id="36" name="Rechteck 35"/>
-          <p:cNvSpPr/>
-          <p:nvPr/>
-        </p:nvSpPr>
-        <p:spPr>
-          <a:xfrm>
-            <a:off x="321735" y="5529793"/>
-            <a:ext cx="855132" cy="245531"/>
-          </a:xfrm>
-          <a:prstGeom prst="rect">
-            <a:avLst/>
-          </a:prstGeom>
-          <a:solidFill>
-            <a:schemeClr val="accent5"/>
-          </a:solidFill>
-          <a:ln>
-            <a:noFill/>
-          </a:ln>
-        </p:spPr>
-        <p:style>
-          <a:lnRef idx="2">
-            <a:schemeClr val="accent1">
-              <a:shade val="50000"/>
-            </a:schemeClr>
-          </a:lnRef>
-          <a:fillRef idx="1">
-            <a:schemeClr val="accent1"/>
-          </a:fillRef>
-          <a:effectRef idx="0">
-            <a:schemeClr val="accent1"/>
-          </a:effectRef>
-          <a:fontRef idx="minor">
-            <a:schemeClr val="lt1"/>
-          </a:fontRef>
-        </p:style>
-        <p:txBody>
-          <a:bodyPr rot="0" spcFirstLastPara="0" vertOverflow="overflow" horzOverflow="overflow" vert="horz" wrap="square" lIns="91440" tIns="45720" rIns="91440" bIns="45720" numCol="1" spcCol="0" rtlCol="0" fromWordArt="0" anchor="t" anchorCtr="0" forceAA="0" compatLnSpc="1">
-            <a:prstTxWarp prst="textNoShape">
-              <a:avLst/>
-            </a:prstTxWarp>
-            <a:noAutofit/>
-          </a:bodyPr>
-          <a:lstStyle/>
-          <a:p>
-            <a:pPr algn="ctr">
-              <a:lnSpc>
-                <a:spcPct val="114000"/>
-              </a:lnSpc>
-            </a:pPr>
-            <a:endParaRPr lang="de-DE" dirty="0"/>
-          </a:p>
-        </p:txBody>
-      </p:sp>
-      <p:sp>
-        <p:nvSpPr>
-          <p:cNvPr id="37" name="Rechteck 36"/>
-          <p:cNvSpPr/>
-          <p:nvPr/>
-        </p:nvSpPr>
-        <p:spPr>
-          <a:xfrm>
-            <a:off x="1295402" y="5529793"/>
-            <a:ext cx="855132" cy="245531"/>
-          </a:xfrm>
-          <a:prstGeom prst="rect">
-            <a:avLst/>
-          </a:prstGeom>
-          <a:solidFill>
-            <a:schemeClr val="accent4"/>
-          </a:solidFill>
-          <a:ln>
-            <a:noFill/>
-          </a:ln>
-        </p:spPr>
-        <p:style>
-          <a:lnRef idx="2">
-            <a:schemeClr val="accent1">
-              <a:shade val="50000"/>
-            </a:schemeClr>
-          </a:lnRef>
-          <a:fillRef idx="1">
-            <a:schemeClr val="accent1"/>
-          </a:fillRef>
-          <a:effectRef idx="0">
-            <a:schemeClr val="accent1"/>
-          </a:effectRef>
-          <a:fontRef idx="minor">
-            <a:schemeClr val="lt1"/>
-          </a:fontRef>
-        </p:style>
-        <p:txBody>
-          <a:bodyPr rot="0" spcFirstLastPara="0" vertOverflow="overflow" horzOverflow="overflow" vert="horz" wrap="square" lIns="91440" tIns="45720" rIns="91440" bIns="45720" numCol="1" spcCol="0" rtlCol="0" fromWordArt="0" anchor="t" anchorCtr="0" forceAA="0" compatLnSpc="1">
-            <a:prstTxWarp prst="textNoShape">
-              <a:avLst/>
-            </a:prstTxWarp>
-            <a:noAutofit/>
-          </a:bodyPr>
-          <a:lstStyle/>
-          <a:p>
-            <a:pPr algn="ctr">
-              <a:lnSpc>
-                <a:spcPct val="114000"/>
-              </a:lnSpc>
-            </a:pPr>
-            <a:endParaRPr lang="de-DE" dirty="0"/>
-          </a:p>
-        </p:txBody>
-      </p:sp>
-      <p:sp>
-        <p:nvSpPr>
-          <p:cNvPr id="38" name="Rechteck 37"/>
-          <p:cNvSpPr/>
-          <p:nvPr/>
-        </p:nvSpPr>
-        <p:spPr>
-          <a:xfrm>
-            <a:off x="2260602" y="5529793"/>
-            <a:ext cx="855132" cy="245531"/>
-          </a:xfrm>
-          <a:prstGeom prst="rect">
-            <a:avLst/>
-          </a:prstGeom>
-          <a:solidFill>
-            <a:schemeClr val="accent6"/>
-          </a:solidFill>
-          <a:ln>
-            <a:noFill/>
-          </a:ln>
-        </p:spPr>
-        <p:style>
-          <a:lnRef idx="2">
-            <a:schemeClr val="accent1">
-              <a:shade val="50000"/>
-            </a:schemeClr>
-          </a:lnRef>
-          <a:fillRef idx="1">
-            <a:schemeClr val="accent1"/>
-          </a:fillRef>
-          <a:effectRef idx="0">
-            <a:schemeClr val="accent1"/>
-          </a:effectRef>
-          <a:fontRef idx="minor">
-            <a:schemeClr val="lt1"/>
-          </a:fontRef>
-        </p:style>
-        <p:txBody>
-          <a:bodyPr rot="0" spcFirstLastPara="0" vertOverflow="overflow" horzOverflow="overflow" vert="horz" wrap="square" lIns="91440" tIns="45720" rIns="91440" bIns="45720" numCol="1" spcCol="0" rtlCol="0" fromWordArt="0" anchor="t" anchorCtr="0" forceAA="0" compatLnSpc="1">
-            <a:prstTxWarp prst="textNoShape">
-              <a:avLst/>
-            </a:prstTxWarp>
-            <a:noAutofit/>
-          </a:bodyPr>
-          <a:lstStyle/>
-          <a:p>
-            <a:pPr algn="ctr">
-              <a:lnSpc>
-                <a:spcPct val="114000"/>
-              </a:lnSpc>
-            </a:pPr>
-            <a:endParaRPr lang="de-DE" dirty="0"/>
-          </a:p>
-        </p:txBody>
-      </p:sp>
-    </p:spTree>
-  </p:cSld>
-  <p:clrMapOvr>
-    <a:masterClrMapping/>
-  </p:clrMapOvr>
-</p:sld>
-</file>
-
-<file path=ppt/slides/slide11.xml><?xml version="1.0" encoding="utf-8"?>
-<p:sld xmlns:a="http://schemas.openxmlformats.org/drawingml/2006/main" xmlns:r="http://schemas.openxmlformats.org/officeDocument/2006/relationships" xmlns:p="http://schemas.openxmlformats.org/presentationml/2006/main">
-  <p:cSld>
-    <p:spTree>
-      <p:nvGrpSpPr>
-        <p:cNvPr id="1" name=""/>
-        <p:cNvGrpSpPr/>
-        <p:nvPr/>
-      </p:nvGrpSpPr>
-      <p:grpSpPr>
-        <a:xfrm>
-          <a:off x="0" y="0"/>
-          <a:ext cx="0" cy="0"/>
-          <a:chOff x="0" y="0"/>
-          <a:chExt cx="0" cy="0"/>
-        </a:xfrm>
-      </p:grpSpPr>
-      <p:sp>
-        <p:nvSpPr>
-          <p:cNvPr id="2" name="Inhaltsplatzhalter 1"/>
-          <p:cNvSpPr>
-            <a:spLocks noGrp="1"/>
-          </p:cNvSpPr>
-          <p:nvPr>
-            <p:ph idx="1"/>
-          </p:nvPr>
-        </p:nvSpPr>
-        <p:spPr/>
-        <p:txBody>
-          <a:bodyPr/>
-          <a:lstStyle/>
-          <a:p>
-            <a:r>
-              <a:rPr/>
-              <a:t>Kurze und knappe Texte, Fließtexte linksbündig, kein Blocksatz</a:t>
-            </a:r>
-          </a:p>
-          <a:p>
-            <a:endParaRPr/>
-          </a:p>
-          <a:p>
-            <a:r>
-              <a:rPr/>
-              <a:t>Beispiel:</a:t>
-            </a:r>
-          </a:p>
-          <a:p>
-            <a:r>
-              <a:rPr/>
-              <a:t>Tem soluptam, nisi as verum ereprehendam at acculpa quidisq uissit volupta tusdant utem as etur, odi odis es doluptiae dem nimaion con nossinctenis pora quam voloria consenimus blabore everfer epeliquo maio etur.</a:t>
-            </a:r>
-          </a:p>
-        </p:txBody>
-      </p:sp>
-      <p:sp>
-        <p:nvSpPr>
-          <p:cNvPr id="4" name="Foliennummernplatzhalter 3"/>
-          <p:cNvSpPr>
-            <a:spLocks noGrp="1"/>
-          </p:cNvSpPr>
-          <p:nvPr>
-            <p:ph type="sldNum" sz="quarter" idx="11"/>
-          </p:nvPr>
-        </p:nvSpPr>
-        <p:spPr/>
-        <p:txBody>
-          <a:bodyPr/>
-          <a:lstStyle/>
-          <a:p>
-            <a:fld id="{CE58CB1E-F828-4F11-99E0-327109AF9DA4}" type="slidenum">
-              <a:rPr lang="de-DE" smtClean="0"/>
-              <a:pPr/>
-              <a:t>11</a:t>
-            </a:fld>
-            <a:endParaRPr lang="de-DE" dirty="0"/>
-          </a:p>
-        </p:txBody>
-      </p:sp>
-      <p:sp>
-        <p:nvSpPr>
-          <p:cNvPr id="6" name="Fußzeilenplatzhalter 4"/>
-          <p:cNvSpPr>
-            <a:spLocks noGrp="1"/>
-          </p:cNvSpPr>
-          <p:nvPr>
-            <p:ph type="ftr" sz="quarter" idx="12"/>
-          </p:nvPr>
-        </p:nvSpPr>
-        <p:spPr/>
-        <p:txBody>
-          <a:bodyPr/>
-          <a:lstStyle/>
-          <a:p>
-            <a:r>
-              <a:rPr lang="de-DE"/>
-              <a:t>Dr. rer. nat. Erika Mustermann (TUM) | kann beliebig erweitert werden | Infos mit Strich trennen</a:t>
-            </a:r>
-            <a:endParaRPr lang="en-US" dirty="0"/>
-          </a:p>
-        </p:txBody>
-      </p:sp>
-      <p:sp>
-        <p:nvSpPr>
-          <p:cNvPr id="3" name="Titel 2"/>
-          <p:cNvSpPr>
-            <a:spLocks noGrp="1"/>
-          </p:cNvSpPr>
-          <p:nvPr>
-            <p:ph type="title"/>
-          </p:nvPr>
-        </p:nvSpPr>
-        <p:spPr>
-          <a:prstGeom prst="rect">
-            <a:avLst/>
-          </a:prstGeom>
-        </p:spPr>
-        <p:txBody>
-          <a:bodyPr/>
-          <a:lstStyle/>
-          <a:p>
-            <a:r>
-              <a:rPr dirty="0"/>
-              <a:t>Texte</a:t>
-            </a:r>
-            <a:endParaRPr lang="de-DE" dirty="0"/>
-          </a:p>
-        </p:txBody>
-      </p:sp>
-    </p:spTree>
-  </p:cSld>
-  <p:clrMapOvr>
-    <a:masterClrMapping/>
-  </p:clrMapOvr>
-</p:sld>
-</file>
-
-<file path=ppt/slides/slide12.xml><?xml version="1.0" encoding="utf-8"?>
-<p:sld xmlns:a="http://schemas.openxmlformats.org/drawingml/2006/main" xmlns:r="http://schemas.openxmlformats.org/officeDocument/2006/relationships" xmlns:p="http://schemas.openxmlformats.org/presentationml/2006/main">
-  <p:cSld>
-    <p:spTree>
-      <p:nvGrpSpPr>
-        <p:cNvPr id="1" name=""/>
-        <p:cNvGrpSpPr/>
-        <p:nvPr/>
-      </p:nvGrpSpPr>
-      <p:grpSpPr>
-        <a:xfrm>
-          <a:off x="0" y="0"/>
-          <a:ext cx="0" cy="0"/>
-          <a:chOff x="0" y="0"/>
-          <a:chExt cx="0" cy="0"/>
-        </a:xfrm>
-      </p:grpSpPr>
-      <p:sp>
-        <p:nvSpPr>
-          <p:cNvPr id="2" name="Inhaltsplatzhalter 1"/>
-          <p:cNvSpPr>
-            <a:spLocks noGrp="1"/>
-          </p:cNvSpPr>
-          <p:nvPr>
-            <p:ph idx="1"/>
-          </p:nvPr>
-        </p:nvSpPr>
-        <p:spPr/>
-        <p:txBody>
-          <a:bodyPr/>
-          <a:lstStyle/>
-          <a:p>
-            <a:r>
-              <a:rPr lang="de-DE"/>
-              <a:t>Bei kleinen Aufzählungen auf Aufzählungszeichen verzichten und ggf. zusätzliche Leerzeile</a:t>
-            </a:r>
-          </a:p>
-          <a:p>
-            <a:r>
-              <a:rPr lang="de-DE"/>
-              <a:t>Nur die wesentlichen Punkte nennen und Themen auf verschiedene Seiten splitten.</a:t>
-            </a:r>
-          </a:p>
-          <a:p>
-            <a:endParaRPr lang="de-DE"/>
-          </a:p>
-          <a:p>
-            <a:r>
-              <a:rPr lang="de-DE"/>
-              <a:t>Punkt 1</a:t>
-            </a:r>
-          </a:p>
-          <a:p>
-            <a:endParaRPr lang="de-DE"/>
-          </a:p>
-          <a:p>
-            <a:r>
-              <a:rPr lang="de-DE"/>
-              <a:t>Punkt 2</a:t>
-            </a:r>
-          </a:p>
-          <a:p>
-            <a:endParaRPr lang="de-DE"/>
-          </a:p>
-          <a:p>
-            <a:r>
-              <a:rPr lang="de-DE"/>
-              <a:t>Wenn Unterpunkte in einer Aufzählung nötig sind ist ein Einrücken mit – möglich</a:t>
-            </a:r>
-          </a:p>
-          <a:p>
-            <a:pPr lvl="1"/>
-            <a:r>
-              <a:rPr lang="de-DE"/>
-              <a:t>Unterpunkt 1</a:t>
-            </a:r>
-          </a:p>
-          <a:p>
-            <a:pPr lvl="2"/>
-            <a:r>
-              <a:rPr lang="de-DE"/>
-              <a:t>Unterpunkt 1</a:t>
-            </a:r>
-          </a:p>
-          <a:p>
-            <a:pPr lvl="2"/>
-            <a:r>
-              <a:rPr lang="de-DE"/>
-              <a:t>Unterpunkt 2</a:t>
-            </a:r>
-          </a:p>
-          <a:p>
-            <a:endParaRPr lang="de-DE"/>
-          </a:p>
-          <a:p>
-            <a:r>
-              <a:rPr lang="de-DE"/>
-              <a:t>Bei größeren Listen die Standardeinstellung • verwenden</a:t>
-            </a:r>
-          </a:p>
-          <a:p>
-            <a:pPr lvl="1"/>
-            <a:r>
-              <a:rPr lang="de-DE"/>
-              <a:t>Unterpunkt 1</a:t>
-            </a:r>
-          </a:p>
-          <a:p>
-            <a:pPr lvl="1"/>
-            <a:r>
-              <a:rPr lang="de-DE"/>
-              <a:t>Unterpunkt 2</a:t>
-            </a:r>
-          </a:p>
-          <a:p>
-            <a:pPr lvl="1"/>
-            <a:r>
-              <a:rPr lang="de-DE"/>
-              <a:t>Unterpunkt 3</a:t>
-            </a:r>
-            <a:endParaRPr lang="de-DE" dirty="0"/>
-          </a:p>
-        </p:txBody>
-      </p:sp>
-      <p:sp>
-        <p:nvSpPr>
-          <p:cNvPr id="4" name="Foliennummernplatzhalter 3"/>
-          <p:cNvSpPr>
-            <a:spLocks noGrp="1"/>
-          </p:cNvSpPr>
-          <p:nvPr>
-            <p:ph type="sldNum" sz="quarter" idx="11"/>
-          </p:nvPr>
-        </p:nvSpPr>
-        <p:spPr/>
-        <p:txBody>
-          <a:bodyPr/>
-          <a:lstStyle/>
-          <a:p>
-            <a:fld id="{CE58CB1E-F828-4F11-99E0-327109AF9DA4}" type="slidenum">
-              <a:rPr lang="de-DE" smtClean="0"/>
-              <a:pPr/>
-              <a:t>12</a:t>
-            </a:fld>
-            <a:endParaRPr lang="de-DE" dirty="0"/>
-          </a:p>
-        </p:txBody>
-      </p:sp>
-      <p:sp>
-        <p:nvSpPr>
-          <p:cNvPr id="5" name="Fußzeilenplatzhalter 4"/>
-          <p:cNvSpPr>
-            <a:spLocks noGrp="1"/>
-          </p:cNvSpPr>
-          <p:nvPr>
-            <p:ph type="ftr" sz="quarter" idx="12"/>
-          </p:nvPr>
-        </p:nvSpPr>
-        <p:spPr/>
-        <p:txBody>
-          <a:bodyPr/>
-          <a:lstStyle/>
-          <a:p>
-            <a:r>
-              <a:rPr lang="de-DE"/>
-              <a:t>Dr. rer. nat. Erika Mustermann (TUM) | kann beliebig erweitert werden | Infos mit Strich trennen</a:t>
-            </a:r>
-            <a:endParaRPr lang="en-US" dirty="0"/>
-          </a:p>
-        </p:txBody>
-      </p:sp>
-      <p:sp>
-        <p:nvSpPr>
-          <p:cNvPr id="3" name="Titel 2"/>
-          <p:cNvSpPr>
-            <a:spLocks noGrp="1"/>
-          </p:cNvSpPr>
-          <p:nvPr>
-            <p:ph type="title"/>
-          </p:nvPr>
-        </p:nvSpPr>
-        <p:spPr/>
-        <p:txBody>
-          <a:bodyPr/>
-          <a:lstStyle/>
-          <a:p>
-            <a:r>
-              <a:rPr lang="de-DE"/>
-              <a:t>Aufzählung</a:t>
-            </a:r>
-            <a:endParaRPr lang="de-DE" dirty="0"/>
-          </a:p>
-        </p:txBody>
-      </p:sp>
-    </p:spTree>
-  </p:cSld>
-  <p:clrMapOvr>
-    <a:masterClrMapping/>
-  </p:clrMapOvr>
-</p:sld>
-</file>
-
-<file path=ppt/slides/slide13.xml><?xml version="1.0" encoding="utf-8"?>
-<p:sld xmlns:a="http://schemas.openxmlformats.org/drawingml/2006/main" xmlns:r="http://schemas.openxmlformats.org/officeDocument/2006/relationships" xmlns:p="http://schemas.openxmlformats.org/presentationml/2006/main">
-  <p:cSld>
-    <p:spTree>
-      <p:nvGrpSpPr>
-        <p:cNvPr id="1" name=""/>
-        <p:cNvGrpSpPr/>
-        <p:nvPr/>
-      </p:nvGrpSpPr>
-      <p:grpSpPr>
-        <a:xfrm>
-          <a:off x="0" y="0"/>
-          <a:ext cx="0" cy="0"/>
-          <a:chOff x="0" y="0"/>
-          <a:chExt cx="0" cy="0"/>
-        </a:xfrm>
-      </p:grpSpPr>
-      <p:sp>
-        <p:nvSpPr>
-          <p:cNvPr id="2" name="Inhaltsplatzhalter 1"/>
-          <p:cNvSpPr>
-            <a:spLocks noGrp="1"/>
-          </p:cNvSpPr>
-          <p:nvPr>
-            <p:ph idx="1"/>
-          </p:nvPr>
-        </p:nvSpPr>
-        <p:spPr/>
-        <p:txBody>
-          <a:bodyPr/>
-          <a:lstStyle/>
-          <a:p>
-            <a:r>
-              <a:rPr/>
-              <a:t>schlichte Darstellung von Informationen</a:t>
-            </a:r>
-          </a:p>
-          <a:p>
-            <a:endParaRPr/>
-          </a:p>
-          <a:p>
-            <a:r>
-              <a:rPr/>
-              <a:t>reduzierte Farben</a:t>
-            </a:r>
-          </a:p>
-          <a:p>
-            <a:endParaRPr/>
-          </a:p>
-          <a:p>
-            <a:r>
-              <a:rPr/>
-              <a:t>Rahmen und Überlagerungen nach Möglichkeit vermeiden</a:t>
-            </a:r>
-          </a:p>
-          <a:p>
-            <a:endParaRPr dirty="0"/>
-          </a:p>
-        </p:txBody>
-      </p:sp>
-      <p:sp>
-        <p:nvSpPr>
-          <p:cNvPr id="4" name="Foliennummernplatzhalter 3"/>
-          <p:cNvSpPr>
-            <a:spLocks noGrp="1"/>
-          </p:cNvSpPr>
-          <p:nvPr>
-            <p:ph type="sldNum" sz="quarter" idx="11"/>
-          </p:nvPr>
-        </p:nvSpPr>
-        <p:spPr/>
-        <p:txBody>
-          <a:bodyPr/>
-          <a:lstStyle/>
-          <a:p>
-            <a:fld id="{CE58CB1E-F828-4F11-99E0-327109AF9DA4}" type="slidenum">
-              <a:rPr lang="de-DE" smtClean="0"/>
-              <a:pPr/>
-              <a:t>13</a:t>
-            </a:fld>
-            <a:endParaRPr lang="de-DE" dirty="0"/>
-          </a:p>
-        </p:txBody>
-      </p:sp>
-      <p:sp>
-        <p:nvSpPr>
-          <p:cNvPr id="6" name="Fußzeilenplatzhalter 4"/>
-          <p:cNvSpPr>
-            <a:spLocks noGrp="1"/>
-          </p:cNvSpPr>
-          <p:nvPr>
-            <p:ph type="ftr" sz="quarter" idx="12"/>
-          </p:nvPr>
-        </p:nvSpPr>
-        <p:spPr/>
-        <p:txBody>
-          <a:bodyPr/>
-          <a:lstStyle/>
-          <a:p>
-            <a:r>
-              <a:rPr lang="de-DE"/>
-              <a:t>Dr. rer. nat. Erika Mustermann (TUM) | kann beliebig erweitert werden | Infos mit Strich trennen</a:t>
-            </a:r>
-            <a:endParaRPr lang="en-US" dirty="0"/>
-          </a:p>
-        </p:txBody>
-      </p:sp>
-      <p:sp>
-        <p:nvSpPr>
-          <p:cNvPr id="3" name="Titel 2"/>
-          <p:cNvSpPr>
-            <a:spLocks noGrp="1"/>
-          </p:cNvSpPr>
-          <p:nvPr>
-            <p:ph type="title"/>
-          </p:nvPr>
-        </p:nvSpPr>
-        <p:spPr>
-          <a:prstGeom prst="rect">
-            <a:avLst/>
-          </a:prstGeom>
-        </p:spPr>
-        <p:txBody>
-          <a:bodyPr/>
-          <a:lstStyle/>
-          <a:p>
-            <a:r>
-              <a:rPr sz="3000"/>
-              <a:t>Bilder - Allgemein</a:t>
-            </a:r>
-            <a:endParaRPr lang="de-DE" sz="3000" dirty="0"/>
-          </a:p>
-        </p:txBody>
-      </p:sp>
-    </p:spTree>
-  </p:cSld>
-  <p:clrMapOvr>
-    <a:masterClrMapping/>
-  </p:clrMapOvr>
-</p:sld>
-</file>
-
-<file path=ppt/slides/slide14.xml><?xml version="1.0" encoding="utf-8"?>
-<p:sld xmlns:a="http://schemas.openxmlformats.org/drawingml/2006/main" xmlns:r="http://schemas.openxmlformats.org/officeDocument/2006/relationships" xmlns:p="http://schemas.openxmlformats.org/presentationml/2006/main">
-  <p:cSld>
-    <p:spTree>
-      <p:nvGrpSpPr>
-        <p:cNvPr id="1" name=""/>
-        <p:cNvGrpSpPr/>
-        <p:nvPr/>
-      </p:nvGrpSpPr>
-      <p:grpSpPr>
-        <a:xfrm>
-          <a:off x="0" y="0"/>
-          <a:ext cx="0" cy="0"/>
-          <a:chOff x="0" y="0"/>
-          <a:chExt cx="0" cy="0"/>
-        </a:xfrm>
-      </p:grpSpPr>
-      <p:sp>
-        <p:nvSpPr>
-          <p:cNvPr id="3" name="Textplatzhalter 2"/>
-          <p:cNvSpPr>
-            <a:spLocks noGrp="1"/>
-          </p:cNvSpPr>
-          <p:nvPr>
-            <p:ph type="body" sz="quarter" idx="13"/>
-          </p:nvPr>
-        </p:nvSpPr>
-        <p:spPr/>
-        <p:txBody>
-          <a:bodyPr/>
-          <a:lstStyle/>
-          <a:p>
-            <a:r>
-              <a:rPr lang="de-DE"/>
-              <a:t>Bildbeschreibung</a:t>
-            </a:r>
-            <a:br>
-              <a:rPr lang="de-DE"/>
-            </a:br>
-            <a:r>
-              <a:rPr lang="de-DE"/>
-              <a:t>oberer Bildrand: Begrenzung durch Text</a:t>
-            </a:r>
-          </a:p>
-        </p:txBody>
-      </p:sp>
-      <p:sp>
-        <p:nvSpPr>
-          <p:cNvPr id="5" name="Foliennummernplatzhalter 4"/>
-          <p:cNvSpPr>
-            <a:spLocks noGrp="1"/>
-          </p:cNvSpPr>
-          <p:nvPr>
-            <p:ph type="sldNum" sz="quarter" idx="15"/>
-          </p:nvPr>
-        </p:nvSpPr>
-        <p:spPr/>
-        <p:txBody>
-          <a:bodyPr/>
-          <a:lstStyle/>
-          <a:p>
-            <a:fld id="{CE58CB1E-F828-4F11-99E0-327109AF9DA4}" type="slidenum">
-              <a:rPr lang="de-DE" smtClean="0"/>
-              <a:pPr/>
-              <a:t>14</a:t>
-            </a:fld>
-            <a:endParaRPr lang="de-DE" dirty="0"/>
-          </a:p>
-        </p:txBody>
-      </p:sp>
-      <p:sp>
-        <p:nvSpPr>
-          <p:cNvPr id="10" name="Fußzeilenplatzhalter 4"/>
-          <p:cNvSpPr>
-            <a:spLocks noGrp="1"/>
-          </p:cNvSpPr>
-          <p:nvPr>
-            <p:ph type="ftr" sz="quarter" idx="16"/>
-          </p:nvPr>
-        </p:nvSpPr>
-        <p:spPr/>
-        <p:txBody>
-          <a:bodyPr/>
-          <a:lstStyle/>
-          <a:p>
-            <a:r>
-              <a:rPr lang="de-DE"/>
-              <a:t>Dr. rer. nat. Erika Mustermann (TUM) | kann beliebig erweitert werden | Infos mit Strich trennen</a:t>
-            </a:r>
-            <a:endParaRPr lang="en-US" dirty="0"/>
-          </a:p>
-        </p:txBody>
-      </p:sp>
-      <p:sp>
-        <p:nvSpPr>
-          <p:cNvPr id="22" name="Inhaltsplatzhalter 21"/>
-          <p:cNvSpPr>
-            <a:spLocks noGrp="1"/>
-          </p:cNvSpPr>
-          <p:nvPr>
-            <p:ph sz="quarter" idx="18"/>
-          </p:nvPr>
-        </p:nvSpPr>
-        <p:spPr/>
-        <p:txBody>
-          <a:bodyPr/>
-          <a:lstStyle/>
-          <a:p>
-            <a:endParaRPr lang="de-DE"/>
-          </a:p>
-        </p:txBody>
-      </p:sp>
-      <p:sp>
-        <p:nvSpPr>
-          <p:cNvPr id="21" name="Bildplatzhalter 20"/>
-          <p:cNvSpPr>
-            <a:spLocks noGrp="1"/>
-          </p:cNvSpPr>
-          <p:nvPr>
-            <p:ph type="pic" sz="quarter" idx="14"/>
-          </p:nvPr>
-        </p:nvSpPr>
-        <p:spPr/>
-      </p:sp>
-      <p:sp>
-        <p:nvSpPr>
-          <p:cNvPr id="4" name="Titel 3"/>
-          <p:cNvSpPr>
-            <a:spLocks noGrp="1"/>
-          </p:cNvSpPr>
-          <p:nvPr>
-            <p:ph type="title"/>
-          </p:nvPr>
-        </p:nvSpPr>
-        <p:spPr/>
-        <p:txBody>
-          <a:bodyPr/>
-          <a:lstStyle/>
-          <a:p>
-            <a:r>
-              <a:rPr lang="de-DE"/>
-              <a:t>Bilder</a:t>
-            </a:r>
-            <a:endParaRPr lang="de-DE" dirty="0"/>
-          </a:p>
-        </p:txBody>
-      </p:sp>
-    </p:spTree>
-  </p:cSld>
-  <p:clrMapOvr>
-    <a:masterClrMapping/>
-  </p:clrMapOvr>
-</p:sld>
-</file>
-
-<file path=ppt/slides/slide15.xml><?xml version="1.0" encoding="utf-8"?>
-<p:sld xmlns:a="http://schemas.openxmlformats.org/drawingml/2006/main" xmlns:r="http://schemas.openxmlformats.org/officeDocument/2006/relationships" xmlns:p="http://schemas.openxmlformats.org/presentationml/2006/main">
-  <p:cSld>
-    <p:spTree>
-      <p:nvGrpSpPr>
-        <p:cNvPr id="1" name=""/>
-        <p:cNvGrpSpPr/>
-        <p:nvPr/>
-      </p:nvGrpSpPr>
-      <p:grpSpPr>
-        <a:xfrm>
-          <a:off x="0" y="0"/>
-          <a:ext cx="0" cy="0"/>
-          <a:chOff x="0" y="0"/>
-          <a:chExt cx="0" cy="0"/>
-        </a:xfrm>
-      </p:grpSpPr>
-      <p:sp>
-        <p:nvSpPr>
-          <p:cNvPr id="3" name="Textplatzhalter 2"/>
-          <p:cNvSpPr>
-            <a:spLocks noGrp="1"/>
-          </p:cNvSpPr>
-          <p:nvPr>
-            <p:ph idx="14"/>
-          </p:nvPr>
-        </p:nvSpPr>
-        <p:spPr/>
-        <p:txBody>
-          <a:bodyPr/>
-          <a:lstStyle/>
-          <a:p>
-            <a:r>
-              <a:rPr lang="de-DE" dirty="0"/>
-              <a:t>Überschrift 2</a:t>
-            </a:r>
-          </a:p>
-          <a:p>
-            <a:r>
-              <a:rPr lang="de-DE" dirty="0"/>
-              <a:t>Hier steht ein einleitender oder beschreibender Fließtext und nach Wunsch eine Aufzählung</a:t>
-            </a:r>
-          </a:p>
-          <a:p>
-            <a:endParaRPr lang="de-DE" dirty="0"/>
-          </a:p>
-          <a:p>
-            <a:r>
-              <a:rPr lang="de-DE" dirty="0"/>
-              <a:t>Punkt 1</a:t>
-            </a:r>
-          </a:p>
-          <a:p>
-            <a:endParaRPr lang="de-DE" dirty="0"/>
-          </a:p>
-          <a:p>
-            <a:r>
-              <a:rPr lang="de-DE" dirty="0"/>
-              <a:t>Punkt 2</a:t>
-            </a:r>
-          </a:p>
-          <a:p>
-            <a:endParaRPr lang="de-DE" dirty="0"/>
-          </a:p>
-          <a:p>
-            <a:r>
-              <a:rPr lang="de-DE" dirty="0"/>
-              <a:t>Punkt 3</a:t>
-            </a:r>
-          </a:p>
-          <a:p>
-            <a:endParaRPr lang="de-DE" dirty="0"/>
-          </a:p>
-          <a:p>
-            <a:r>
-              <a:rPr lang="de-DE" dirty="0"/>
-              <a:t>Punkt 4</a:t>
-            </a:r>
-          </a:p>
-          <a:p>
-            <a:endParaRPr lang="de-DE" dirty="0"/>
-          </a:p>
-          <a:p>
-            <a:endParaRPr lang="de-DE" dirty="0"/>
-          </a:p>
-        </p:txBody>
-      </p:sp>
-      <p:sp>
-        <p:nvSpPr>
-          <p:cNvPr id="18" name="Inhaltsplatzhalter 17"/>
-          <p:cNvSpPr>
-            <a:spLocks noGrp="1"/>
-          </p:cNvSpPr>
-          <p:nvPr>
-            <p:ph idx="15"/>
-          </p:nvPr>
-        </p:nvSpPr>
-        <p:spPr/>
-        <p:txBody>
-          <a:bodyPr/>
-          <a:lstStyle/>
-          <a:p>
-            <a:endParaRPr lang="de-DE"/>
-          </a:p>
-        </p:txBody>
-      </p:sp>
-      <p:sp>
-        <p:nvSpPr>
-          <p:cNvPr id="5" name="Foliennummernplatzhalter 4"/>
-          <p:cNvSpPr>
-            <a:spLocks noGrp="1"/>
-          </p:cNvSpPr>
-          <p:nvPr>
-            <p:ph type="sldNum" sz="quarter" idx="16"/>
-          </p:nvPr>
-        </p:nvSpPr>
-        <p:spPr/>
-        <p:txBody>
-          <a:bodyPr/>
-          <a:lstStyle/>
-          <a:p>
-            <a:fld id="{CE58CB1E-F828-4F11-99E0-327109AF9DA4}" type="slidenum">
-              <a:rPr lang="de-DE" smtClean="0"/>
-              <a:pPr/>
-              <a:t>15</a:t>
-            </a:fld>
-            <a:endParaRPr lang="de-DE" dirty="0"/>
-          </a:p>
-        </p:txBody>
-      </p:sp>
-      <p:sp>
-        <p:nvSpPr>
-          <p:cNvPr id="7" name="Fußzeilenplatzhalter 4"/>
-          <p:cNvSpPr>
-            <a:spLocks noGrp="1"/>
-          </p:cNvSpPr>
-          <p:nvPr>
-            <p:ph type="ftr" sz="quarter" idx="17"/>
-          </p:nvPr>
-        </p:nvSpPr>
-        <p:spPr/>
-        <p:txBody>
-          <a:bodyPr/>
-          <a:lstStyle/>
-          <a:p>
-            <a:r>
-              <a:rPr lang="de-DE"/>
-              <a:t>Dr. rer. nat. Erika Mustermann (TUM) | kann beliebig erweitert werden | Infos mit Strich trennen</a:t>
-            </a:r>
-            <a:endParaRPr lang="en-US" dirty="0"/>
-          </a:p>
-        </p:txBody>
-      </p:sp>
-      <p:sp>
-        <p:nvSpPr>
-          <p:cNvPr id="4" name="Titel 3"/>
-          <p:cNvSpPr>
-            <a:spLocks noGrp="1"/>
-          </p:cNvSpPr>
-          <p:nvPr>
-            <p:ph type="title"/>
-          </p:nvPr>
-        </p:nvSpPr>
-        <p:spPr/>
-        <p:txBody>
-          <a:bodyPr/>
-          <a:lstStyle/>
-          <a:p>
-            <a:r>
-              <a:rPr lang="de-DE"/>
-              <a:t>Bilder</a:t>
-            </a:r>
-            <a:endParaRPr lang="de-DE" dirty="0"/>
-          </a:p>
-        </p:txBody>
-      </p:sp>
-    </p:spTree>
-  </p:cSld>
-  <p:clrMapOvr>
-    <a:masterClrMapping/>
-  </p:clrMapOvr>
-</p:sld>
-</file>
-
-<file path=ppt/slides/slide16.xml><?xml version="1.0" encoding="utf-8"?>
-<p:sld xmlns:a="http://schemas.openxmlformats.org/drawingml/2006/main" xmlns:r="http://schemas.openxmlformats.org/officeDocument/2006/relationships" xmlns:p="http://schemas.openxmlformats.org/presentationml/2006/main">
-  <p:cSld>
-    <p:spTree>
-      <p:nvGrpSpPr>
-        <p:cNvPr id="1" name=""/>
-        <p:cNvGrpSpPr/>
-        <p:nvPr/>
-      </p:nvGrpSpPr>
-      <p:grpSpPr>
-        <a:xfrm>
-          <a:off x="0" y="0"/>
-          <a:ext cx="0" cy="0"/>
-          <a:chOff x="0" y="0"/>
-          <a:chExt cx="0" cy="0"/>
-        </a:xfrm>
-      </p:grpSpPr>
-      <p:sp>
-        <p:nvSpPr>
-          <p:cNvPr id="18" name="Inhaltsplatzhalter 17"/>
-          <p:cNvSpPr>
-            <a:spLocks noGrp="1"/>
-          </p:cNvSpPr>
-          <p:nvPr>
-            <p:ph idx="1"/>
-          </p:nvPr>
-        </p:nvSpPr>
-        <p:spPr/>
-        <p:txBody>
-          <a:bodyPr/>
-          <a:lstStyle/>
-          <a:p>
-            <a:endParaRPr lang="de-DE"/>
-          </a:p>
-        </p:txBody>
-      </p:sp>
-      <p:sp>
-        <p:nvSpPr>
-          <p:cNvPr id="5" name="Foliennummernplatzhalter 4"/>
-          <p:cNvSpPr>
-            <a:spLocks noGrp="1"/>
-          </p:cNvSpPr>
-          <p:nvPr>
-            <p:ph type="sldNum" sz="quarter" idx="11"/>
-          </p:nvPr>
-        </p:nvSpPr>
-        <p:spPr/>
-        <p:txBody>
-          <a:bodyPr/>
-          <a:lstStyle/>
-          <a:p>
-            <a:fld id="{CE58CB1E-F828-4F11-99E0-327109AF9DA4}" type="slidenum">
-              <a:rPr lang="de-DE" smtClean="0"/>
-              <a:pPr/>
-              <a:t>16</a:t>
-            </a:fld>
-            <a:endParaRPr lang="de-DE" dirty="0"/>
-          </a:p>
-        </p:txBody>
-      </p:sp>
-      <p:sp>
-        <p:nvSpPr>
-          <p:cNvPr id="8" name="Fußzeilenplatzhalter 4"/>
-          <p:cNvSpPr>
-            <a:spLocks noGrp="1"/>
-          </p:cNvSpPr>
-          <p:nvPr>
-            <p:ph type="ftr" sz="quarter" idx="12"/>
-          </p:nvPr>
-        </p:nvSpPr>
-        <p:spPr/>
-        <p:txBody>
-          <a:bodyPr/>
-          <a:lstStyle/>
-          <a:p>
-            <a:r>
-              <a:rPr lang="de-DE"/>
-              <a:t>Dr. rer. nat. Erika Mustermann (TUM) | kann beliebig erweitert werden | Infos mit Strich trennen</a:t>
-            </a:r>
-            <a:endParaRPr lang="en-US" dirty="0"/>
-          </a:p>
-        </p:txBody>
-      </p:sp>
-      <p:sp>
-        <p:nvSpPr>
-          <p:cNvPr id="3" name="Textplatzhalter 2"/>
-          <p:cNvSpPr>
-            <a:spLocks noGrp="1"/>
-          </p:cNvSpPr>
-          <p:nvPr>
-            <p:ph type="body" sz="quarter" idx="13"/>
-          </p:nvPr>
-        </p:nvSpPr>
-        <p:spPr/>
-        <p:txBody>
-          <a:bodyPr/>
-          <a:lstStyle/>
-          <a:p>
-            <a:r>
-              <a:rPr lang="de-DE"/>
-              <a:t>Bildbeschreibung</a:t>
-            </a:r>
-            <a:br>
-              <a:rPr lang="de-DE"/>
-            </a:br>
-            <a:r>
-              <a:rPr lang="de-DE"/>
-              <a:t>oberer Bildrand: Begrenzung durch Text</a:t>
-            </a:r>
-          </a:p>
-        </p:txBody>
-      </p:sp>
-      <p:sp>
-        <p:nvSpPr>
-          <p:cNvPr id="4" name="Titel 3"/>
-          <p:cNvSpPr>
-            <a:spLocks noGrp="1"/>
-          </p:cNvSpPr>
-          <p:nvPr>
-            <p:ph type="title"/>
-          </p:nvPr>
-        </p:nvSpPr>
-        <p:spPr/>
-        <p:txBody>
-          <a:bodyPr/>
-          <a:lstStyle/>
-          <a:p>
-            <a:r>
-              <a:rPr lang="de-DE"/>
-              <a:t>Bilder</a:t>
-            </a:r>
-            <a:endParaRPr lang="de-DE" dirty="0"/>
-          </a:p>
-        </p:txBody>
-      </p:sp>
-    </p:spTree>
-  </p:cSld>
-  <p:clrMapOvr>
-    <a:masterClrMapping/>
-  </p:clrMapOvr>
-</p:sld>
-</file>
-
-<file path=ppt/slides/slide17.xml><?xml version="1.0" encoding="utf-8"?>
-<p:sld xmlns:a="http://schemas.openxmlformats.org/drawingml/2006/main" xmlns:r="http://schemas.openxmlformats.org/officeDocument/2006/relationships" xmlns:p="http://schemas.openxmlformats.org/presentationml/2006/main">
-  <p:cSld>
-    <p:spTree>
-      <p:nvGrpSpPr>
-        <p:cNvPr id="1" name=""/>
-        <p:cNvGrpSpPr/>
-        <p:nvPr/>
-      </p:nvGrpSpPr>
-      <p:grpSpPr>
-        <a:xfrm>
-          <a:off x="0" y="0"/>
-          <a:ext cx="0" cy="0"/>
-          <a:chOff x="0" y="0"/>
-          <a:chExt cx="0" cy="0"/>
-        </a:xfrm>
-      </p:grpSpPr>
-      <p:sp>
-        <p:nvSpPr>
-          <p:cNvPr id="3" name="Textplatzhalter 2"/>
-          <p:cNvSpPr>
-            <a:spLocks noGrp="1"/>
-          </p:cNvSpPr>
-          <p:nvPr>
-            <p:ph type="body" sz="quarter" idx="13"/>
-          </p:nvPr>
-        </p:nvSpPr>
-        <p:spPr/>
-        <p:txBody>
-          <a:bodyPr/>
-          <a:lstStyle/>
-          <a:p>
-            <a:r>
-              <a:rPr lang="de-DE"/>
-              <a:t>Bildbeschreibung</a:t>
-            </a:r>
-            <a:br>
-              <a:rPr lang="de-DE"/>
-            </a:br>
-            <a:r>
-              <a:rPr lang="de-DE"/>
-              <a:t>oberer Bildrand: Begrenzung durch Text</a:t>
-            </a:r>
-          </a:p>
-        </p:txBody>
-      </p:sp>
-      <p:sp>
-        <p:nvSpPr>
-          <p:cNvPr id="5" name="Foliennummernplatzhalter 4"/>
-          <p:cNvSpPr>
-            <a:spLocks noGrp="1"/>
-          </p:cNvSpPr>
-          <p:nvPr>
-            <p:ph type="sldNum" sz="quarter" idx="15"/>
-          </p:nvPr>
-        </p:nvSpPr>
-        <p:spPr/>
-        <p:txBody>
-          <a:bodyPr/>
-          <a:lstStyle/>
-          <a:p>
-            <a:fld id="{CE58CB1E-F828-4F11-99E0-327109AF9DA4}" type="slidenum">
-              <a:rPr lang="de-DE" smtClean="0"/>
-              <a:pPr/>
-              <a:t>17</a:t>
-            </a:fld>
-            <a:endParaRPr lang="de-DE" dirty="0"/>
-          </a:p>
-        </p:txBody>
-      </p:sp>
-      <p:sp>
-        <p:nvSpPr>
-          <p:cNvPr id="6" name="Fußzeilenplatzhalter 5"/>
-          <p:cNvSpPr>
-            <a:spLocks noGrp="1"/>
-          </p:cNvSpPr>
-          <p:nvPr>
-            <p:ph type="ftr" sz="quarter" idx="16"/>
-          </p:nvPr>
-        </p:nvSpPr>
-        <p:spPr/>
-        <p:txBody>
-          <a:bodyPr/>
-          <a:lstStyle/>
-          <a:p>
-            <a:r>
-              <a:rPr lang="de-DE" noProof="0"/>
-              <a:t>Dr. rer. nat. Erika Mustermann (TUM) | kann beliebig erweitert werden | Infos mit Strich trennen</a:t>
-            </a:r>
-          </a:p>
-        </p:txBody>
-      </p:sp>
-      <p:sp>
-        <p:nvSpPr>
-          <p:cNvPr id="17" name="Bildplatzhalter 16"/>
-          <p:cNvSpPr>
-            <a:spLocks noGrp="1"/>
-          </p:cNvSpPr>
-          <p:nvPr>
-            <p:ph type="pic" sz="quarter" idx="17"/>
-          </p:nvPr>
-        </p:nvSpPr>
-        <p:spPr/>
-      </p:sp>
-      <p:sp>
-        <p:nvSpPr>
-          <p:cNvPr id="4" name="Titel 3"/>
-          <p:cNvSpPr>
-            <a:spLocks noGrp="1"/>
-          </p:cNvSpPr>
-          <p:nvPr>
-            <p:ph type="title"/>
-          </p:nvPr>
-        </p:nvSpPr>
-        <p:spPr/>
-        <p:txBody>
-          <a:bodyPr/>
-          <a:lstStyle/>
-          <a:p>
-            <a:r>
-              <a:rPr lang="de-DE"/>
-              <a:t>Bilder</a:t>
-            </a:r>
-            <a:endParaRPr lang="de-DE" dirty="0"/>
-          </a:p>
-        </p:txBody>
-      </p:sp>
-    </p:spTree>
-  </p:cSld>
-  <p:clrMapOvr>
-    <a:masterClrMapping/>
-  </p:clrMapOvr>
-</p:sld>
-</file>
-
-<file path=ppt/slides/slide18.xml><?xml version="1.0" encoding="utf-8"?>
-<p:sld xmlns:a="http://schemas.openxmlformats.org/drawingml/2006/main" xmlns:r="http://schemas.openxmlformats.org/officeDocument/2006/relationships" xmlns:p="http://schemas.openxmlformats.org/presentationml/2006/main">
-  <p:cSld>
-    <p:spTree>
-      <p:nvGrpSpPr>
-        <p:cNvPr id="1" name=""/>
-        <p:cNvGrpSpPr/>
-        <p:nvPr/>
-      </p:nvGrpSpPr>
-      <p:grpSpPr>
-        <a:xfrm>
-          <a:off x="0" y="0"/>
-          <a:ext cx="0" cy="0"/>
-          <a:chOff x="0" y="0"/>
-          <a:chExt cx="0" cy="0"/>
-        </a:xfrm>
-      </p:grpSpPr>
-      <p:sp>
-        <p:nvSpPr>
-          <p:cNvPr id="3" name="Textplatzhalter 2"/>
-          <p:cNvSpPr>
-            <a:spLocks noGrp="1"/>
-          </p:cNvSpPr>
-          <p:nvPr>
-            <p:ph type="body" sz="quarter" idx="13"/>
-          </p:nvPr>
-        </p:nvSpPr>
-        <p:spPr/>
-        <p:txBody>
-          <a:bodyPr/>
-          <a:lstStyle/>
-          <a:p>
-            <a:r>
-              <a:rPr lang="de-DE"/>
-              <a:t>Weißer bzw. transparenter Hintergrund</a:t>
-            </a:r>
-            <a:br>
-              <a:rPr lang="de-DE"/>
-            </a:br>
-            <a:r>
-              <a:rPr lang="de-DE"/>
-              <a:t>mit genug Freiraum anordnen</a:t>
-            </a:r>
-            <a:endParaRPr lang="de-DE" dirty="0"/>
-          </a:p>
-        </p:txBody>
-      </p:sp>
-      <p:sp>
-        <p:nvSpPr>
-          <p:cNvPr id="5" name="Foliennummernplatzhalter 4"/>
-          <p:cNvSpPr>
-            <a:spLocks noGrp="1"/>
-          </p:cNvSpPr>
-          <p:nvPr>
-            <p:ph type="sldNum" sz="quarter" idx="15"/>
-          </p:nvPr>
-        </p:nvSpPr>
-        <p:spPr/>
-        <p:txBody>
-          <a:bodyPr/>
-          <a:lstStyle/>
-          <a:p>
-            <a:fld id="{CE58CB1E-F828-4F11-99E0-327109AF9DA4}" type="slidenum">
-              <a:rPr lang="de-DE" smtClean="0"/>
-              <a:pPr/>
-              <a:t>18</a:t>
-            </a:fld>
-            <a:endParaRPr lang="de-DE" dirty="0"/>
-          </a:p>
-        </p:txBody>
-      </p:sp>
-      <p:sp>
-        <p:nvSpPr>
-          <p:cNvPr id="10" name="Fußzeilenplatzhalter 4"/>
-          <p:cNvSpPr>
-            <a:spLocks noGrp="1"/>
-          </p:cNvSpPr>
-          <p:nvPr>
-            <p:ph type="ftr" sz="quarter" idx="16"/>
-          </p:nvPr>
-        </p:nvSpPr>
-        <p:spPr/>
-        <p:txBody>
-          <a:bodyPr/>
-          <a:lstStyle/>
-          <a:p>
-            <a:r>
-              <a:rPr lang="de-DE"/>
-              <a:t>Dr. rer. nat. Erika Mustermann (TUM) | kann beliebig erweitert werden | Infos mit Strich trennen</a:t>
-            </a:r>
-            <a:endParaRPr lang="en-US" dirty="0"/>
-          </a:p>
-        </p:txBody>
-      </p:sp>
-      <p:sp>
-        <p:nvSpPr>
-          <p:cNvPr id="18" name="Bildplatzhalter 17"/>
-          <p:cNvSpPr>
-            <a:spLocks noGrp="1"/>
-          </p:cNvSpPr>
-          <p:nvPr>
-            <p:ph type="pic" sz="quarter" idx="17"/>
-          </p:nvPr>
-        </p:nvSpPr>
-        <p:spPr/>
-      </p:sp>
-      <p:sp>
-        <p:nvSpPr>
-          <p:cNvPr id="4" name="Titel 3"/>
-          <p:cNvSpPr>
-            <a:spLocks noGrp="1"/>
-          </p:cNvSpPr>
-          <p:nvPr>
-            <p:ph type="title"/>
-          </p:nvPr>
-        </p:nvSpPr>
-        <p:spPr/>
-        <p:txBody>
-          <a:bodyPr/>
-          <a:lstStyle/>
-          <a:p>
-            <a:r>
-              <a:rPr lang="de-DE"/>
-              <a:t>Nicht formatfüllende Bilder</a:t>
-            </a:r>
-            <a:endParaRPr lang="de-DE" dirty="0"/>
-          </a:p>
-        </p:txBody>
-      </p:sp>
-    </p:spTree>
-  </p:cSld>
-  <p:clrMapOvr>
-    <a:masterClrMapping/>
-  </p:clrMapOvr>
-</p:sld>
-</file>
-
-<file path=ppt/slides/slide19.xml><?xml version="1.0" encoding="utf-8"?>
-<p:sld xmlns:a="http://schemas.openxmlformats.org/drawingml/2006/main" xmlns:r="http://schemas.openxmlformats.org/officeDocument/2006/relationships" xmlns:p="http://schemas.openxmlformats.org/presentationml/2006/main">
-  <p:cSld>
-    <p:spTree>
-      <p:nvGrpSpPr>
-        <p:cNvPr id="1" name=""/>
-        <p:cNvGrpSpPr/>
-        <p:nvPr/>
-      </p:nvGrpSpPr>
-      <p:grpSpPr>
-        <a:xfrm>
-          <a:off x="0" y="0"/>
-          <a:ext cx="0" cy="0"/>
-          <a:chOff x="0" y="0"/>
-          <a:chExt cx="0" cy="0"/>
-        </a:xfrm>
-      </p:grpSpPr>
-      <p:sp>
-        <p:nvSpPr>
-          <p:cNvPr id="14" name="Bildplatzhalter 13"/>
-          <p:cNvSpPr>
-            <a:spLocks noGrp="1"/>
-          </p:cNvSpPr>
-          <p:nvPr>
-            <p:ph type="pic" sz="quarter" idx="14"/>
-          </p:nvPr>
-        </p:nvSpPr>
-        <p:spPr/>
-      </p:sp>
-      <p:sp>
-        <p:nvSpPr>
-          <p:cNvPr id="4" name="Foliennummernplatzhalter 3"/>
-          <p:cNvSpPr>
-            <a:spLocks noGrp="1"/>
-          </p:cNvSpPr>
-          <p:nvPr>
-            <p:ph type="sldNum" sz="quarter" idx="15"/>
-          </p:nvPr>
-        </p:nvSpPr>
-        <p:spPr/>
-        <p:txBody>
-          <a:bodyPr/>
-          <a:lstStyle/>
-          <a:p>
-            <a:fld id="{CE58CB1E-F828-4F11-99E0-327109AF9DA4}" type="slidenum">
-              <a:rPr lang="de-DE" smtClean="0"/>
-              <a:pPr/>
-              <a:t>19</a:t>
-            </a:fld>
-            <a:endParaRPr lang="de-DE" dirty="0"/>
-          </a:p>
-        </p:txBody>
-      </p:sp>
-      <p:sp>
-        <p:nvSpPr>
-          <p:cNvPr id="5" name="Fußzeilenplatzhalter 4"/>
-          <p:cNvSpPr>
-            <a:spLocks noGrp="1"/>
-          </p:cNvSpPr>
-          <p:nvPr>
-            <p:ph type="ftr" sz="quarter" idx="16"/>
-          </p:nvPr>
-        </p:nvSpPr>
-        <p:spPr/>
-        <p:txBody>
-          <a:bodyPr/>
-          <a:lstStyle/>
-          <a:p>
-            <a:r>
-              <a:rPr lang="de-DE"/>
-              <a:t>Dr. rer. nat. Erika Mustermann (TUM) | kann beliebig erweitert werden | Infos mit Strich trennen</a:t>
-            </a:r>
-            <a:endParaRPr lang="en-US" dirty="0"/>
-          </a:p>
-        </p:txBody>
-      </p:sp>
-      <p:sp>
-        <p:nvSpPr>
-          <p:cNvPr id="3" name="Titel 2"/>
-          <p:cNvSpPr>
-            <a:spLocks noGrp="1"/>
-          </p:cNvSpPr>
-          <p:nvPr>
-            <p:ph type="title"/>
-          </p:nvPr>
-        </p:nvSpPr>
-        <p:spPr/>
-        <p:txBody>
-          <a:bodyPr/>
-          <a:lstStyle/>
-          <a:p>
-            <a:r>
-              <a:rPr lang="de-DE"/>
-              <a:t>Bilder Format füllend - maximale Bildgröße</a:t>
-            </a:r>
-            <a:endParaRPr lang="de-DE" dirty="0"/>
-          </a:p>
-        </p:txBody>
-      </p:sp>
-    </p:spTree>
-  </p:cSld>
-  <p:clrMapOvr>
-    <a:masterClrMapping/>
-  </p:clrMapOvr>
-</p:sld>
-</file>
-
 <file path=ppt/slides/slide2.xml><?xml version="1.0" encoding="utf-8"?>
 <p:sld xmlns:a="http://schemas.openxmlformats.org/drawingml/2006/main" xmlns:r="http://schemas.openxmlformats.org/officeDocument/2006/relationships" xmlns:p="http://schemas.openxmlformats.org/presentationml/2006/main">
   <p:cSld>
@@ -13114,18 +10254,18 @@
           <a:lstStyle/>
           <a:p>
             <a:r>
-              <a:rPr lang="de-DE">
-                <a:solidFill>
-                  <a:prstClr val="black"/>
-                </a:solidFill>
-              </a:rPr>
-              <a:t>Dr. rer. nat. Erika Mustermann (TUM) | kann beliebig erweitert werden | Infos mit Strich trennen</a:t>
-            </a:r>
-            <a:endParaRPr lang="en-US" dirty="0">
-              <a:solidFill>
-                <a:prstClr val="black"/>
-              </a:solidFill>
-            </a:endParaRPr>
+              <a:rPr lang="de-DE" dirty="0"/>
+              <a:t>Oliver Jung | Robin </a:t>
+            </a:r>
+            <a:r>
+              <a:rPr lang="de-DE" dirty="0" err="1"/>
+              <a:t>Ostner</a:t>
+            </a:r>
+            <a:r>
+              <a:rPr lang="de-DE" dirty="0"/>
+              <a:t> | Florian Sprang</a:t>
+            </a:r>
+            <a:endParaRPr lang="en-US" dirty="0"/>
           </a:p>
         </p:txBody>
       </p:sp>
@@ -13157,1696 +10297,6 @@
         <p14:creationId xmlns:p14="http://schemas.microsoft.com/office/powerpoint/2010/main" val="1262625698"/>
       </p:ext>
     </p:extLst>
-  </p:cSld>
-  <p:clrMapOvr>
-    <a:masterClrMapping/>
-  </p:clrMapOvr>
-</p:sld>
-</file>
-
-<file path=ppt/slides/slide20.xml><?xml version="1.0" encoding="utf-8"?>
-<p:sld xmlns:a="http://schemas.openxmlformats.org/drawingml/2006/main" xmlns:r="http://schemas.openxmlformats.org/officeDocument/2006/relationships" xmlns:p="http://schemas.openxmlformats.org/presentationml/2006/main">
-  <p:cSld>
-    <p:spTree>
-      <p:nvGrpSpPr>
-        <p:cNvPr id="1" name=""/>
-        <p:cNvGrpSpPr/>
-        <p:nvPr/>
-      </p:nvGrpSpPr>
-      <p:grpSpPr>
-        <a:xfrm>
-          <a:off x="0" y="0"/>
-          <a:ext cx="0" cy="0"/>
-          <a:chOff x="0" y="0"/>
-          <a:chExt cx="0" cy="0"/>
-        </a:xfrm>
-      </p:grpSpPr>
-      <p:sp>
-        <p:nvSpPr>
-          <p:cNvPr id="2" name="Textplatzhalter 1"/>
-          <p:cNvSpPr>
-            <a:spLocks noGrp="1"/>
-          </p:cNvSpPr>
-          <p:nvPr>
-            <p:ph type="body" sz="quarter" idx="13"/>
-          </p:nvPr>
-        </p:nvSpPr>
-        <p:spPr/>
-        <p:txBody>
-          <a:bodyPr/>
-          <a:lstStyle/>
-          <a:p>
-            <a:r>
-              <a:rPr lang="de-DE"/>
-              <a:t>Alternativ mit formatfüllendem Hintergrund: 5 % schwarz</a:t>
-            </a:r>
-          </a:p>
-          <a:p>
-            <a:r>
-              <a:rPr lang="de-DE"/>
-              <a:t>Beschriftungen können zusätzlich neben den Bildern angebracht werden</a:t>
-            </a:r>
-          </a:p>
-        </p:txBody>
-      </p:sp>
-      <p:sp>
-        <p:nvSpPr>
-          <p:cNvPr id="4" name="Foliennummernplatzhalter 3"/>
-          <p:cNvSpPr>
-            <a:spLocks noGrp="1"/>
-          </p:cNvSpPr>
-          <p:nvPr>
-            <p:ph type="sldNum" sz="quarter" idx="15"/>
-          </p:nvPr>
-        </p:nvSpPr>
-        <p:spPr/>
-        <p:txBody>
-          <a:bodyPr/>
-          <a:lstStyle/>
-          <a:p>
-            <a:fld id="{CE58CB1E-F828-4F11-99E0-327109AF9DA4}" type="slidenum">
-              <a:rPr lang="de-DE" smtClean="0"/>
-              <a:pPr/>
-              <a:t>20</a:t>
-            </a:fld>
-            <a:endParaRPr lang="de-DE" dirty="0"/>
-          </a:p>
-        </p:txBody>
-      </p:sp>
-      <p:sp>
-        <p:nvSpPr>
-          <p:cNvPr id="11" name="Fußzeilenplatzhalter 4"/>
-          <p:cNvSpPr>
-            <a:spLocks noGrp="1"/>
-          </p:cNvSpPr>
-          <p:nvPr>
-            <p:ph type="ftr" sz="quarter" idx="16"/>
-          </p:nvPr>
-        </p:nvSpPr>
-        <p:spPr/>
-        <p:txBody>
-          <a:bodyPr/>
-          <a:lstStyle/>
-          <a:p>
-            <a:r>
-              <a:rPr lang="de-DE"/>
-              <a:t>Dr. rer. nat. Erika Mustermann (TUM) | kann beliebig erweitert werden | Infos mit Strich trennen</a:t>
-            </a:r>
-            <a:endParaRPr lang="en-US" dirty="0"/>
-          </a:p>
-        </p:txBody>
-      </p:sp>
-      <p:sp>
-        <p:nvSpPr>
-          <p:cNvPr id="7" name="Inhaltsplatzhalter 6"/>
-          <p:cNvSpPr>
-            <a:spLocks noGrp="1"/>
-          </p:cNvSpPr>
-          <p:nvPr>
-            <p:ph sz="quarter" idx="18"/>
-          </p:nvPr>
-        </p:nvSpPr>
-        <p:spPr/>
-        <p:txBody>
-          <a:bodyPr/>
-          <a:lstStyle/>
-          <a:p>
-            <a:r>
-              <a:rPr lang="de-DE"/>
-              <a:t>Bilderklärung</a:t>
-            </a:r>
-            <a:endParaRPr lang="de-DE" dirty="0"/>
-          </a:p>
-        </p:txBody>
-      </p:sp>
-      <p:sp>
-        <p:nvSpPr>
-          <p:cNvPr id="21" name="Bildplatzhalter 20"/>
-          <p:cNvSpPr>
-            <a:spLocks noGrp="1"/>
-          </p:cNvSpPr>
-          <p:nvPr>
-            <p:ph type="pic" sz="quarter" idx="14"/>
-          </p:nvPr>
-        </p:nvSpPr>
-        <p:spPr/>
-      </p:sp>
-      <p:sp>
-        <p:nvSpPr>
-          <p:cNvPr id="3" name="Titel 2"/>
-          <p:cNvSpPr>
-            <a:spLocks noGrp="1"/>
-          </p:cNvSpPr>
-          <p:nvPr>
-            <p:ph type="title"/>
-          </p:nvPr>
-        </p:nvSpPr>
-        <p:spPr/>
-        <p:txBody>
-          <a:bodyPr/>
-          <a:lstStyle/>
-          <a:p>
-            <a:r>
-              <a:rPr lang="de-DE"/>
-              <a:t>Nicht Format füllende Bilder</a:t>
-            </a:r>
-            <a:endParaRPr lang="de-DE" dirty="0"/>
-          </a:p>
-        </p:txBody>
-      </p:sp>
-    </p:spTree>
-  </p:cSld>
-  <p:clrMapOvr>
-    <a:masterClrMapping/>
-  </p:clrMapOvr>
-</p:sld>
-</file>
-
-<file path=ppt/slides/slide21.xml><?xml version="1.0" encoding="utf-8"?>
-<p:sld xmlns:a="http://schemas.openxmlformats.org/drawingml/2006/main" xmlns:r="http://schemas.openxmlformats.org/officeDocument/2006/relationships" xmlns:p="http://schemas.openxmlformats.org/presentationml/2006/main">
-  <p:cSld>
-    <p:spTree>
-      <p:nvGrpSpPr>
-        <p:cNvPr id="1" name=""/>
-        <p:cNvGrpSpPr/>
-        <p:nvPr/>
-      </p:nvGrpSpPr>
-      <p:grpSpPr>
-        <a:xfrm>
-          <a:off x="0" y="0"/>
-          <a:ext cx="0" cy="0"/>
-          <a:chOff x="0" y="0"/>
-          <a:chExt cx="0" cy="0"/>
-        </a:xfrm>
-      </p:grpSpPr>
-      <p:graphicFrame>
-        <p:nvGraphicFramePr>
-          <p:cNvPr id="7" name="Inhaltsplatzhalter 6"/>
-          <p:cNvGraphicFramePr>
-            <a:graphicFrameLocks noGrp="1"/>
-          </p:cNvGraphicFramePr>
-          <p:nvPr>
-            <p:ph idx="1"/>
-          </p:nvPr>
-        </p:nvGraphicFramePr>
-        <p:xfrm>
-          <a:off x="319088" y="2498725"/>
-          <a:ext cx="8509507" cy="2119200"/>
-        </p:xfrm>
-        <a:graphic>
-          <a:graphicData uri="http://schemas.openxmlformats.org/drawingml/2006/table">
-            <a:tbl>
-              <a:tblPr bandRow="1">
-                <a:tableStyleId>{5940675A-B579-460E-94D1-54222C63F5DA}</a:tableStyleId>
-              </a:tblPr>
-              <a:tblGrid>
-                <a:gridCol w="3493889">
-                  <a:extLst>
-                    <a:ext uri="{9D8B030D-6E8A-4147-A177-3AD203B41FA5}">
-                      <a16:colId xmlns:a16="http://schemas.microsoft.com/office/drawing/2014/main" val="20000"/>
-                    </a:ext>
-                  </a:extLst>
-                </a:gridCol>
-                <a:gridCol w="5015618">
-                  <a:extLst>
-                    <a:ext uri="{9D8B030D-6E8A-4147-A177-3AD203B41FA5}">
-                      <a16:colId xmlns:a16="http://schemas.microsoft.com/office/drawing/2014/main" val="20001"/>
-                    </a:ext>
-                  </a:extLst>
-                </a:gridCol>
-              </a:tblGrid>
-              <a:tr h="423840">
-                <a:tc>
-                  <a:txBody>
-                    <a:bodyPr/>
-                    <a:lstStyle/>
-                    <a:p>
-                      <a:pPr marL="0" marR="0" indent="0" algn="l" defTabSz="914400" rtl="0" eaLnBrk="1" fontAlgn="auto" latinLnBrk="0" hangingPunct="1">
-                        <a:lnSpc>
-                          <a:spcPct val="100000"/>
-                        </a:lnSpc>
-                        <a:spcBef>
-                          <a:spcPts val="0"/>
-                        </a:spcBef>
-                        <a:spcAft>
-                          <a:spcPts val="0"/>
-                        </a:spcAft>
-                        <a:buClrTx/>
-                        <a:buSzTx/>
-                        <a:buFontTx/>
-                        <a:buNone/>
-                        <a:tabLst/>
-                        <a:defRPr/>
-                      </a:pPr>
-                      <a:r>
-                        <a:rPr lang="de-DE" sz="1600" dirty="0"/>
-                        <a:t>Ø - Strecke</a:t>
-                      </a:r>
-                      <a:endParaRPr lang="de-DE" sz="1600" dirty="0">
-                        <a:latin typeface="+mn-lt"/>
-                      </a:endParaRPr>
-                    </a:p>
-                  </a:txBody>
-                  <a:tcPr marL="0" marR="0" marT="180000" marB="0" anchor="ctr">
-                    <a:lnL w="12700" cmpd="sng">
-                      <a:noFill/>
-                    </a:lnL>
-                    <a:lnR w="12700" cmpd="sng">
-                      <a:noFill/>
-                    </a:lnR>
-                    <a:lnT w="12700" cmpd="sng">
-                      <a:noFill/>
-                    </a:lnT>
-                    <a:lnB w="12700" cmpd="sng">
-                      <a:noFill/>
-                    </a:lnB>
-                    <a:lnTlToBr w="12700" cmpd="sng">
-                      <a:noFill/>
-                      <a:prstDash val="solid"/>
-                    </a:lnTlToBr>
-                    <a:lnBlToTr w="12700" cmpd="sng">
-                      <a:noFill/>
-                      <a:prstDash val="solid"/>
-                    </a:lnBlToTr>
-                  </a:tcPr>
-                </a:tc>
-                <a:tc>
-                  <a:txBody>
-                    <a:bodyPr/>
-                    <a:lstStyle/>
-                    <a:p>
-                      <a:pPr marL="0" marR="0" indent="0" algn="l" defTabSz="914400" rtl="0" eaLnBrk="1" fontAlgn="auto" latinLnBrk="0" hangingPunct="1">
-                        <a:lnSpc>
-                          <a:spcPct val="100000"/>
-                        </a:lnSpc>
-                        <a:spcBef>
-                          <a:spcPts val="0"/>
-                        </a:spcBef>
-                        <a:spcAft>
-                          <a:spcPts val="0"/>
-                        </a:spcAft>
-                        <a:buClrTx/>
-                        <a:buSzTx/>
-                        <a:buFontTx/>
-                        <a:buNone/>
-                        <a:tabLst/>
-                        <a:defRPr/>
-                      </a:pPr>
-                      <a:r>
-                        <a:rPr lang="de-DE" sz="1600" dirty="0"/>
-                        <a:t>39 km/Tag (14.360 km/Jahr)</a:t>
-                      </a:r>
-                      <a:endParaRPr lang="de-DE" sz="1600" dirty="0">
-                        <a:latin typeface="+mn-lt"/>
-                      </a:endParaRPr>
-                    </a:p>
-                  </a:txBody>
-                  <a:tcPr marL="0" marR="0" marT="180000" marB="0" anchor="ctr">
-                    <a:lnL w="12700" cmpd="sng">
-                      <a:noFill/>
-                    </a:lnL>
-                    <a:lnR w="12700" cmpd="sng">
-                      <a:noFill/>
-                    </a:lnR>
-                    <a:lnT w="12700" cmpd="sng">
-                      <a:noFill/>
-                    </a:lnT>
-                    <a:lnB w="12700" cmpd="sng">
-                      <a:noFill/>
-                    </a:lnB>
-                    <a:lnTlToBr w="12700" cmpd="sng">
-                      <a:noFill/>
-                      <a:prstDash val="solid"/>
-                    </a:lnTlToBr>
-                    <a:lnBlToTr w="12700" cmpd="sng">
-                      <a:noFill/>
-                      <a:prstDash val="solid"/>
-                    </a:lnBlToTr>
-                  </a:tcPr>
-                </a:tc>
-                <a:extLst>
-                  <a:ext uri="{0D108BD9-81ED-4DB2-BD59-A6C34878D82A}">
-                    <a16:rowId xmlns:a16="http://schemas.microsoft.com/office/drawing/2014/main" val="10000"/>
-                  </a:ext>
-                </a:extLst>
-              </a:tr>
-              <a:tr h="423840">
-                <a:tc>
-                  <a:txBody>
-                    <a:bodyPr/>
-                    <a:lstStyle/>
-                    <a:p>
-                      <a:pPr marL="0" marR="0" lvl="0" indent="0" algn="l" defTabSz="914400" rtl="0" eaLnBrk="1" fontAlgn="auto" latinLnBrk="0" hangingPunct="1">
-                        <a:lnSpc>
-                          <a:spcPct val="100000"/>
-                        </a:lnSpc>
-                        <a:spcBef>
-                          <a:spcPts val="0"/>
-                        </a:spcBef>
-                        <a:spcAft>
-                          <a:spcPts val="0"/>
-                        </a:spcAft>
-                        <a:buClrTx/>
-                        <a:buSzTx/>
-                        <a:buFontTx/>
-                        <a:buNone/>
-                        <a:tabLst/>
-                        <a:defRPr/>
-                      </a:pPr>
-                      <a:r>
-                        <a:rPr lang="de-DE" sz="1600" dirty="0"/>
-                        <a:t>Ø - Geschwindigkeit</a:t>
-                      </a:r>
-                      <a:endParaRPr lang="de-DE" sz="1600" dirty="0">
-                        <a:latin typeface="+mn-lt"/>
-                      </a:endParaRPr>
-                    </a:p>
-                  </a:txBody>
-                  <a:tcPr marL="0" marR="0" marT="180000" marB="0" anchor="ctr">
-                    <a:lnL w="12700" cmpd="sng">
-                      <a:noFill/>
-                    </a:lnL>
-                    <a:lnR w="12700" cmpd="sng">
-                      <a:noFill/>
-                    </a:lnR>
-                    <a:lnT w="12700" cmpd="sng">
-                      <a:noFill/>
-                    </a:lnT>
-                    <a:lnB w="12700" cmpd="sng">
-                      <a:noFill/>
-                    </a:lnB>
-                    <a:lnTlToBr w="12700" cmpd="sng">
-                      <a:noFill/>
-                      <a:prstDash val="solid"/>
-                    </a:lnTlToBr>
-                    <a:lnBlToTr w="12700" cmpd="sng">
-                      <a:noFill/>
-                      <a:prstDash val="solid"/>
-                    </a:lnBlToTr>
-                  </a:tcPr>
-                </a:tc>
-                <a:tc>
-                  <a:txBody>
-                    <a:bodyPr/>
-                    <a:lstStyle/>
-                    <a:p>
-                      <a:pPr marL="0" marR="0" indent="0" algn="l" defTabSz="914400" rtl="0" eaLnBrk="1" fontAlgn="auto" latinLnBrk="0" hangingPunct="1">
-                        <a:lnSpc>
-                          <a:spcPct val="100000"/>
-                        </a:lnSpc>
-                        <a:spcBef>
-                          <a:spcPts val="0"/>
-                        </a:spcBef>
-                        <a:spcAft>
-                          <a:spcPts val="0"/>
-                        </a:spcAft>
-                        <a:buClrTx/>
-                        <a:buSzTx/>
-                        <a:buFontTx/>
-                        <a:buNone/>
-                        <a:tabLst/>
-                        <a:defRPr/>
-                      </a:pPr>
-                      <a:r>
-                        <a:rPr lang="de-DE" sz="1600" dirty="0"/>
-                        <a:t>25 km/h</a:t>
-                      </a:r>
-                      <a:endParaRPr lang="de-DE" sz="1600" dirty="0">
-                        <a:latin typeface="+mn-lt"/>
-                      </a:endParaRPr>
-                    </a:p>
-                  </a:txBody>
-                  <a:tcPr marL="0" marR="0" marT="180000" marB="0" anchor="ctr">
-                    <a:lnL w="12700" cmpd="sng">
-                      <a:noFill/>
-                    </a:lnL>
-                    <a:lnR w="12700" cmpd="sng">
-                      <a:noFill/>
-                    </a:lnR>
-                    <a:lnT w="12700" cmpd="sng">
-                      <a:noFill/>
-                    </a:lnT>
-                    <a:lnB w="12700" cmpd="sng">
-                      <a:noFill/>
-                    </a:lnB>
-                    <a:lnTlToBr w="12700" cmpd="sng">
-                      <a:noFill/>
-                      <a:prstDash val="solid"/>
-                    </a:lnTlToBr>
-                    <a:lnBlToTr w="12700" cmpd="sng">
-                      <a:noFill/>
-                      <a:prstDash val="solid"/>
-                    </a:lnBlToTr>
-                  </a:tcPr>
-                </a:tc>
-                <a:extLst>
-                  <a:ext uri="{0D108BD9-81ED-4DB2-BD59-A6C34878D82A}">
-                    <a16:rowId xmlns:a16="http://schemas.microsoft.com/office/drawing/2014/main" val="10001"/>
-                  </a:ext>
-                </a:extLst>
-              </a:tr>
-              <a:tr h="423840">
-                <a:tc>
-                  <a:txBody>
-                    <a:bodyPr/>
-                    <a:lstStyle/>
-                    <a:p>
-                      <a:pPr marL="0" marR="0" indent="0" algn="l" defTabSz="914400" rtl="0" eaLnBrk="1" fontAlgn="auto" latinLnBrk="0" hangingPunct="1">
-                        <a:lnSpc>
-                          <a:spcPct val="100000"/>
-                        </a:lnSpc>
-                        <a:spcBef>
-                          <a:spcPts val="0"/>
-                        </a:spcBef>
-                        <a:spcAft>
-                          <a:spcPts val="0"/>
-                        </a:spcAft>
-                        <a:buClrTx/>
-                        <a:buSzTx/>
-                        <a:buFontTx/>
-                        <a:buNone/>
-                        <a:tabLst/>
-                        <a:defRPr/>
-                      </a:pPr>
-                      <a:r>
-                        <a:rPr lang="de-DE" sz="1600" dirty="0"/>
-                        <a:t>Ø - Verfügbare Ladezeit</a:t>
-                      </a:r>
-                      <a:endParaRPr lang="de-DE" sz="1600" dirty="0">
-                        <a:latin typeface="+mn-lt"/>
-                      </a:endParaRPr>
-                    </a:p>
-                  </a:txBody>
-                  <a:tcPr marL="0" marR="0" marT="180000" marB="0" anchor="ctr">
-                    <a:lnL w="12700" cmpd="sng">
-                      <a:noFill/>
-                    </a:lnL>
-                    <a:lnR w="12700" cmpd="sng">
-                      <a:noFill/>
-                    </a:lnR>
-                    <a:lnT w="12700" cmpd="sng">
-                      <a:noFill/>
-                    </a:lnT>
-                    <a:lnB w="12700" cmpd="sng">
-                      <a:noFill/>
-                    </a:lnB>
-                    <a:lnTlToBr w="12700" cmpd="sng">
-                      <a:noFill/>
-                      <a:prstDash val="solid"/>
-                    </a:lnTlToBr>
-                    <a:lnBlToTr w="12700" cmpd="sng">
-                      <a:noFill/>
-                      <a:prstDash val="solid"/>
-                    </a:lnBlToTr>
-                  </a:tcPr>
-                </a:tc>
-                <a:tc>
-                  <a:txBody>
-                    <a:bodyPr/>
-                    <a:lstStyle/>
-                    <a:p>
-                      <a:pPr marL="0" marR="0" indent="0" algn="l" defTabSz="914400" rtl="0" eaLnBrk="1" fontAlgn="auto" latinLnBrk="0" hangingPunct="1">
-                        <a:lnSpc>
-                          <a:spcPct val="100000"/>
-                        </a:lnSpc>
-                        <a:spcBef>
-                          <a:spcPts val="0"/>
-                        </a:spcBef>
-                        <a:spcAft>
-                          <a:spcPts val="0"/>
-                        </a:spcAft>
-                        <a:buClrTx/>
-                        <a:buSzTx/>
-                        <a:buFontTx/>
-                        <a:buNone/>
-                        <a:tabLst/>
-                        <a:defRPr/>
-                      </a:pPr>
-                      <a:r>
-                        <a:rPr lang="de-DE" sz="1600" dirty="0"/>
-                        <a:t>22 h/Tag</a:t>
-                      </a:r>
-                      <a:endParaRPr lang="de-DE" sz="1600" dirty="0">
-                        <a:latin typeface="+mn-lt"/>
-                      </a:endParaRPr>
-                    </a:p>
-                  </a:txBody>
-                  <a:tcPr marL="0" marR="0" marT="180000" marB="0" anchor="ctr">
-                    <a:lnL w="12700" cmpd="sng">
-                      <a:noFill/>
-                    </a:lnL>
-                    <a:lnR w="12700" cmpd="sng">
-                      <a:noFill/>
-                    </a:lnR>
-                    <a:lnT w="12700" cmpd="sng">
-                      <a:noFill/>
-                    </a:lnT>
-                    <a:lnB w="12700" cmpd="sng">
-                      <a:noFill/>
-                    </a:lnB>
-                    <a:lnTlToBr w="12700" cmpd="sng">
-                      <a:noFill/>
-                      <a:prstDash val="solid"/>
-                    </a:lnTlToBr>
-                    <a:lnBlToTr w="12700" cmpd="sng">
-                      <a:noFill/>
-                      <a:prstDash val="solid"/>
-                    </a:lnBlToTr>
-                  </a:tcPr>
-                </a:tc>
-                <a:extLst>
-                  <a:ext uri="{0D108BD9-81ED-4DB2-BD59-A6C34878D82A}">
-                    <a16:rowId xmlns:a16="http://schemas.microsoft.com/office/drawing/2014/main" val="10002"/>
-                  </a:ext>
-                </a:extLst>
-              </a:tr>
-              <a:tr h="423840">
-                <a:tc>
-                  <a:txBody>
-                    <a:bodyPr/>
-                    <a:lstStyle/>
-                    <a:p>
-                      <a:pPr marL="0" marR="0" indent="0" algn="l" defTabSz="914400" rtl="0" eaLnBrk="1" fontAlgn="auto" latinLnBrk="0" hangingPunct="1">
-                        <a:lnSpc>
-                          <a:spcPct val="100000"/>
-                        </a:lnSpc>
-                        <a:spcBef>
-                          <a:spcPts val="0"/>
-                        </a:spcBef>
-                        <a:spcAft>
-                          <a:spcPts val="0"/>
-                        </a:spcAft>
-                        <a:buClrTx/>
-                        <a:buSzTx/>
-                        <a:buFontTx/>
-                        <a:buNone/>
-                        <a:tabLst/>
-                        <a:defRPr/>
-                      </a:pPr>
-                      <a:r>
-                        <a:rPr lang="de-DE" sz="1600" dirty="0"/>
-                        <a:t>Kosten</a:t>
-                      </a:r>
-                      <a:endParaRPr lang="de-DE" sz="1600" dirty="0">
-                        <a:latin typeface="+mn-lt"/>
-                      </a:endParaRPr>
-                    </a:p>
-                  </a:txBody>
-                  <a:tcPr marL="0" marR="0" marT="180000" marB="0" anchor="ctr">
-                    <a:lnL w="12700" cmpd="sng">
-                      <a:noFill/>
-                    </a:lnL>
-                    <a:lnR w="12700" cmpd="sng">
-                      <a:noFill/>
-                    </a:lnR>
-                    <a:lnT w="12700" cmpd="sng">
-                      <a:noFill/>
-                    </a:lnT>
-                    <a:lnB w="12700" cmpd="sng">
-                      <a:noFill/>
-                    </a:lnB>
-                    <a:lnTlToBr w="12700" cmpd="sng">
-                      <a:noFill/>
-                      <a:prstDash val="solid"/>
-                    </a:lnTlToBr>
-                    <a:lnBlToTr w="12700" cmpd="sng">
-                      <a:noFill/>
-                      <a:prstDash val="solid"/>
-                    </a:lnBlToTr>
-                  </a:tcPr>
-                </a:tc>
-                <a:tc>
-                  <a:txBody>
-                    <a:bodyPr/>
-                    <a:lstStyle/>
-                    <a:p>
-                      <a:pPr marL="0" marR="0" lvl="0" indent="0" algn="l" defTabSz="914400" rtl="0" eaLnBrk="1" fontAlgn="auto" latinLnBrk="0" hangingPunct="1">
-                        <a:lnSpc>
-                          <a:spcPct val="100000"/>
-                        </a:lnSpc>
-                        <a:spcBef>
-                          <a:spcPts val="0"/>
-                        </a:spcBef>
-                        <a:spcAft>
-                          <a:spcPts val="0"/>
-                        </a:spcAft>
-                        <a:buClrTx/>
-                        <a:buSzTx/>
-                        <a:buFontTx/>
-                        <a:buNone/>
-                        <a:tabLst/>
-                        <a:defRPr/>
-                      </a:pPr>
-                      <a:r>
-                        <a:rPr lang="de-DE" sz="1600" dirty="0"/>
-                        <a:t>Kleinwagen mit Verbrennungsmotor</a:t>
-                      </a:r>
-                      <a:endParaRPr lang="de-DE" sz="1600" dirty="0">
-                        <a:latin typeface="+mn-lt"/>
-                      </a:endParaRPr>
-                    </a:p>
-                  </a:txBody>
-                  <a:tcPr marL="0" marR="0" marT="180000" marB="0" anchor="ctr">
-                    <a:lnL w="12700" cmpd="sng">
-                      <a:noFill/>
-                    </a:lnL>
-                    <a:lnR w="12700" cmpd="sng">
-                      <a:noFill/>
-                    </a:lnR>
-                    <a:lnT w="12700" cmpd="sng">
-                      <a:noFill/>
-                    </a:lnT>
-                    <a:lnB w="12700" cmpd="sng">
-                      <a:noFill/>
-                    </a:lnB>
-                    <a:lnTlToBr w="12700" cmpd="sng">
-                      <a:noFill/>
-                      <a:prstDash val="solid"/>
-                    </a:lnTlToBr>
-                    <a:lnBlToTr w="12700" cmpd="sng">
-                      <a:noFill/>
-                      <a:prstDash val="solid"/>
-                    </a:lnBlToTr>
-                  </a:tcPr>
-                </a:tc>
-                <a:extLst>
-                  <a:ext uri="{0D108BD9-81ED-4DB2-BD59-A6C34878D82A}">
-                    <a16:rowId xmlns:a16="http://schemas.microsoft.com/office/drawing/2014/main" val="10003"/>
-                  </a:ext>
-                </a:extLst>
-              </a:tr>
-              <a:tr h="423840">
-                <a:tc>
-                  <a:txBody>
-                    <a:bodyPr/>
-                    <a:lstStyle/>
-                    <a:p>
-                      <a:pPr marL="0" marR="0" indent="0" algn="l" defTabSz="914400" rtl="0" eaLnBrk="1" fontAlgn="auto" latinLnBrk="0" hangingPunct="1">
-                        <a:lnSpc>
-                          <a:spcPct val="100000"/>
-                        </a:lnSpc>
-                        <a:spcBef>
-                          <a:spcPts val="0"/>
-                        </a:spcBef>
-                        <a:spcAft>
-                          <a:spcPts val="0"/>
-                        </a:spcAft>
-                        <a:buClrTx/>
-                        <a:buSzTx/>
-                        <a:buFontTx/>
-                        <a:buNone/>
-                        <a:tabLst/>
-                        <a:defRPr/>
-                      </a:pPr>
-                      <a:r>
-                        <a:rPr lang="de-DE" sz="1600" dirty="0"/>
-                        <a:t>Einsatzgebiet</a:t>
-                      </a:r>
-                      <a:endParaRPr lang="de-DE" sz="1600" b="0" dirty="0">
-                        <a:latin typeface="+mn-lt"/>
-                      </a:endParaRPr>
-                    </a:p>
-                  </a:txBody>
-                  <a:tcPr marL="0" marR="0" marT="180000" marB="0" anchor="ctr">
-                    <a:lnL w="12700" cmpd="sng">
-                      <a:noFill/>
-                    </a:lnL>
-                    <a:lnR w="12700" cmpd="sng">
-                      <a:noFill/>
-                    </a:lnR>
-                    <a:lnT w="12700" cmpd="sng">
-                      <a:noFill/>
-                    </a:lnT>
-                    <a:lnB w="12700" cmpd="sng">
-                      <a:noFill/>
-                    </a:lnB>
-                    <a:lnTlToBr w="12700" cmpd="sng">
-                      <a:noFill/>
-                      <a:prstDash val="solid"/>
-                    </a:lnTlToBr>
-                    <a:lnBlToTr w="12700" cmpd="sng">
-                      <a:noFill/>
-                      <a:prstDash val="solid"/>
-                    </a:lnBlToTr>
-                  </a:tcPr>
-                </a:tc>
-                <a:tc>
-                  <a:txBody>
-                    <a:bodyPr/>
-                    <a:lstStyle/>
-                    <a:p>
-                      <a:pPr marL="0" marR="0" indent="0" algn="l" defTabSz="914400" rtl="0" eaLnBrk="1" fontAlgn="auto" latinLnBrk="0" hangingPunct="1">
-                        <a:lnSpc>
-                          <a:spcPct val="100000"/>
-                        </a:lnSpc>
-                        <a:spcBef>
-                          <a:spcPts val="0"/>
-                        </a:spcBef>
-                        <a:spcAft>
-                          <a:spcPts val="0"/>
-                        </a:spcAft>
-                        <a:buClrTx/>
-                        <a:buSzTx/>
-                        <a:buFontTx/>
-                        <a:buNone/>
-                        <a:tabLst/>
-                        <a:defRPr/>
-                      </a:pPr>
-                      <a:r>
-                        <a:rPr lang="de-DE" sz="1600" dirty="0"/>
-                        <a:t>Stadt und Umland</a:t>
-                      </a:r>
-                      <a:endParaRPr lang="de-DE" sz="1600" dirty="0">
-                        <a:latin typeface="+mn-lt"/>
-                      </a:endParaRPr>
-                    </a:p>
-                  </a:txBody>
-                  <a:tcPr marL="0" marR="0" marT="180000" marB="0" anchor="ctr">
-                    <a:lnL w="12700" cmpd="sng">
-                      <a:noFill/>
-                    </a:lnL>
-                    <a:lnR w="12700" cmpd="sng">
-                      <a:noFill/>
-                    </a:lnR>
-                    <a:lnT w="12700" cmpd="sng">
-                      <a:noFill/>
-                    </a:lnT>
-                    <a:lnB w="12700" cmpd="sng">
-                      <a:noFill/>
-                    </a:lnB>
-                    <a:lnTlToBr w="12700" cmpd="sng">
-                      <a:noFill/>
-                      <a:prstDash val="solid"/>
-                    </a:lnTlToBr>
-                    <a:lnBlToTr w="12700" cmpd="sng">
-                      <a:noFill/>
-                      <a:prstDash val="solid"/>
-                    </a:lnBlToTr>
-                  </a:tcPr>
-                </a:tc>
-                <a:extLst>
-                  <a:ext uri="{0D108BD9-81ED-4DB2-BD59-A6C34878D82A}">
-                    <a16:rowId xmlns:a16="http://schemas.microsoft.com/office/drawing/2014/main" val="10004"/>
-                  </a:ext>
-                </a:extLst>
-              </a:tr>
-            </a:tbl>
-          </a:graphicData>
-        </a:graphic>
-      </p:graphicFrame>
-      <p:sp>
-        <p:nvSpPr>
-          <p:cNvPr id="4" name="Foliennummernplatzhalter 3"/>
-          <p:cNvSpPr>
-            <a:spLocks noGrp="1"/>
-          </p:cNvSpPr>
-          <p:nvPr>
-            <p:ph type="sldNum" sz="quarter" idx="11"/>
-          </p:nvPr>
-        </p:nvSpPr>
-        <p:spPr/>
-        <p:txBody>
-          <a:bodyPr/>
-          <a:lstStyle/>
-          <a:p>
-            <a:fld id="{CE58CB1E-F828-4F11-99E0-327109AF9DA4}" type="slidenum">
-              <a:rPr lang="de-DE" smtClean="0"/>
-              <a:pPr/>
-              <a:t>21</a:t>
-            </a:fld>
-            <a:endParaRPr lang="de-DE" dirty="0"/>
-          </a:p>
-        </p:txBody>
-      </p:sp>
-      <p:sp>
-        <p:nvSpPr>
-          <p:cNvPr id="10" name="Fußzeilenplatzhalter 4"/>
-          <p:cNvSpPr>
-            <a:spLocks noGrp="1"/>
-          </p:cNvSpPr>
-          <p:nvPr>
-            <p:ph type="ftr" sz="quarter" idx="12"/>
-          </p:nvPr>
-        </p:nvSpPr>
-        <p:spPr/>
-        <p:txBody>
-          <a:bodyPr/>
-          <a:lstStyle/>
-          <a:p>
-            <a:r>
-              <a:rPr lang="de-DE"/>
-              <a:t>Dr. rer. nat. Erika Mustermann (TUM) | kann beliebig erweitert werden | Infos mit Strich trennen</a:t>
-            </a:r>
-            <a:endParaRPr lang="en-US" dirty="0"/>
-          </a:p>
-        </p:txBody>
-      </p:sp>
-      <p:sp>
-        <p:nvSpPr>
-          <p:cNvPr id="2" name="Textplatzhalter 1"/>
-          <p:cNvSpPr>
-            <a:spLocks noGrp="1"/>
-          </p:cNvSpPr>
-          <p:nvPr>
-            <p:ph type="body" sz="quarter" idx="13"/>
-          </p:nvPr>
-        </p:nvSpPr>
-        <p:spPr/>
-        <p:txBody>
-          <a:bodyPr/>
-          <a:lstStyle/>
-          <a:p>
-            <a:r>
-              <a:rPr lang="de-DE"/>
-              <a:t>Tabelle ohne Farbe und kein Rand</a:t>
-            </a:r>
-            <a:br>
-              <a:rPr lang="de-DE"/>
-            </a:br>
-            <a:r>
-              <a:rPr lang="de-DE"/>
-              <a:t>innerer Seitenrand links 0 cm, oben z.B. 0,5 cm (für genug Zeilenabstand innerhalb) </a:t>
-            </a:r>
-            <a:endParaRPr lang="de-DE" dirty="0"/>
-          </a:p>
-        </p:txBody>
-      </p:sp>
-      <p:sp>
-        <p:nvSpPr>
-          <p:cNvPr id="3" name="Titel 2"/>
-          <p:cNvSpPr>
-            <a:spLocks noGrp="1"/>
-          </p:cNvSpPr>
-          <p:nvPr>
-            <p:ph type="title"/>
-          </p:nvPr>
-        </p:nvSpPr>
-        <p:spPr/>
-        <p:txBody>
-          <a:bodyPr/>
-          <a:lstStyle/>
-          <a:p>
-            <a:r>
-              <a:rPr lang="de-DE"/>
-              <a:t>Tabelle – Beispiel 1</a:t>
-            </a:r>
-            <a:endParaRPr lang="de-DE" dirty="0"/>
-          </a:p>
-        </p:txBody>
-      </p:sp>
-    </p:spTree>
-  </p:cSld>
-  <p:clrMapOvr>
-    <a:masterClrMapping/>
-  </p:clrMapOvr>
-</p:sld>
-</file>
-
-<file path=ppt/slides/slide22.xml><?xml version="1.0" encoding="utf-8"?>
-<p:sld xmlns:a="http://schemas.openxmlformats.org/drawingml/2006/main" xmlns:r="http://schemas.openxmlformats.org/officeDocument/2006/relationships" xmlns:p="http://schemas.openxmlformats.org/presentationml/2006/main">
-  <p:cSld>
-    <p:spTree>
-      <p:nvGrpSpPr>
-        <p:cNvPr id="1" name=""/>
-        <p:cNvGrpSpPr/>
-        <p:nvPr/>
-      </p:nvGrpSpPr>
-      <p:grpSpPr>
-        <a:xfrm>
-          <a:off x="0" y="0"/>
-          <a:ext cx="0" cy="0"/>
-          <a:chOff x="0" y="0"/>
-          <a:chExt cx="0" cy="0"/>
-        </a:xfrm>
-      </p:grpSpPr>
-      <p:graphicFrame>
-        <p:nvGraphicFramePr>
-          <p:cNvPr id="7" name="Inhaltsplatzhalter 6"/>
-          <p:cNvGraphicFramePr>
-            <a:graphicFrameLocks noGrp="1"/>
-          </p:cNvGraphicFramePr>
-          <p:nvPr>
-            <p:ph idx="1"/>
-          </p:nvPr>
-        </p:nvGraphicFramePr>
-        <p:xfrm>
-          <a:off x="319088" y="2498725"/>
-          <a:ext cx="8509507" cy="2119200"/>
-        </p:xfrm>
-        <a:graphic>
-          <a:graphicData uri="http://schemas.openxmlformats.org/drawingml/2006/table">
-            <a:tbl>
-              <a:tblPr bandRow="1">
-                <a:tableStyleId>{5940675A-B579-460E-94D1-54222C63F5DA}</a:tableStyleId>
-              </a:tblPr>
-              <a:tblGrid>
-                <a:gridCol w="3493889">
-                  <a:extLst>
-                    <a:ext uri="{9D8B030D-6E8A-4147-A177-3AD203B41FA5}">
-                      <a16:colId xmlns:a16="http://schemas.microsoft.com/office/drawing/2014/main" val="20000"/>
-                    </a:ext>
-                  </a:extLst>
-                </a:gridCol>
-                <a:gridCol w="5015618">
-                  <a:extLst>
-                    <a:ext uri="{9D8B030D-6E8A-4147-A177-3AD203B41FA5}">
-                      <a16:colId xmlns:a16="http://schemas.microsoft.com/office/drawing/2014/main" val="20001"/>
-                    </a:ext>
-                  </a:extLst>
-                </a:gridCol>
-              </a:tblGrid>
-              <a:tr h="423840">
-                <a:tc>
-                  <a:txBody>
-                    <a:bodyPr/>
-                    <a:lstStyle/>
-                    <a:p>
-                      <a:pPr marL="0" marR="0" indent="0" algn="l" defTabSz="914400" rtl="0" eaLnBrk="1" fontAlgn="auto" latinLnBrk="0" hangingPunct="1">
-                        <a:lnSpc>
-                          <a:spcPct val="100000"/>
-                        </a:lnSpc>
-                        <a:spcBef>
-                          <a:spcPts val="0"/>
-                        </a:spcBef>
-                        <a:spcAft>
-                          <a:spcPts val="0"/>
-                        </a:spcAft>
-                        <a:buClrTx/>
-                        <a:buSzTx/>
-                        <a:buFontTx/>
-                        <a:buNone/>
-                        <a:tabLst/>
-                        <a:defRPr/>
-                      </a:pPr>
-                      <a:r>
-                        <a:rPr lang="de-DE" sz="1600" dirty="0"/>
-                        <a:t>Ø - Strecke</a:t>
-                      </a:r>
-                      <a:endParaRPr lang="de-DE" sz="1600" dirty="0">
-                        <a:latin typeface="+mn-lt"/>
-                      </a:endParaRPr>
-                    </a:p>
-                  </a:txBody>
-                  <a:tcPr marL="54000" marR="0" marT="180000" marB="0" anchor="ctr"/>
-                </a:tc>
-                <a:tc>
-                  <a:txBody>
-                    <a:bodyPr/>
-                    <a:lstStyle/>
-                    <a:p>
-                      <a:pPr marL="0" marR="0" indent="0" algn="l" defTabSz="914400" rtl="0" eaLnBrk="1" fontAlgn="auto" latinLnBrk="0" hangingPunct="1">
-                        <a:lnSpc>
-                          <a:spcPct val="100000"/>
-                        </a:lnSpc>
-                        <a:spcBef>
-                          <a:spcPts val="0"/>
-                        </a:spcBef>
-                        <a:spcAft>
-                          <a:spcPts val="0"/>
-                        </a:spcAft>
-                        <a:buClrTx/>
-                        <a:buSzTx/>
-                        <a:buFontTx/>
-                        <a:buNone/>
-                        <a:tabLst/>
-                        <a:defRPr/>
-                      </a:pPr>
-                      <a:r>
-                        <a:rPr lang="de-DE" sz="1600" dirty="0"/>
-                        <a:t>39 km/Tag (14.360 km/Jahr)</a:t>
-                      </a:r>
-                      <a:endParaRPr lang="de-DE" sz="1600" dirty="0">
-                        <a:latin typeface="+mn-lt"/>
-                      </a:endParaRPr>
-                    </a:p>
-                  </a:txBody>
-                  <a:tcPr marL="54000" marR="0" marT="180000" marB="0" anchor="ctr"/>
-                </a:tc>
-                <a:extLst>
-                  <a:ext uri="{0D108BD9-81ED-4DB2-BD59-A6C34878D82A}">
-                    <a16:rowId xmlns:a16="http://schemas.microsoft.com/office/drawing/2014/main" val="10000"/>
-                  </a:ext>
-                </a:extLst>
-              </a:tr>
-              <a:tr h="423840">
-                <a:tc>
-                  <a:txBody>
-                    <a:bodyPr/>
-                    <a:lstStyle/>
-                    <a:p>
-                      <a:pPr marL="0" marR="0" lvl="0" indent="0" algn="l" defTabSz="914400" rtl="0" eaLnBrk="1" fontAlgn="auto" latinLnBrk="0" hangingPunct="1">
-                        <a:lnSpc>
-                          <a:spcPct val="100000"/>
-                        </a:lnSpc>
-                        <a:spcBef>
-                          <a:spcPts val="0"/>
-                        </a:spcBef>
-                        <a:spcAft>
-                          <a:spcPts val="0"/>
-                        </a:spcAft>
-                        <a:buClrTx/>
-                        <a:buSzTx/>
-                        <a:buFontTx/>
-                        <a:buNone/>
-                        <a:tabLst/>
-                        <a:defRPr/>
-                      </a:pPr>
-                      <a:r>
-                        <a:rPr lang="de-DE" sz="1600" dirty="0"/>
-                        <a:t>Ø - Geschwindigkeit</a:t>
-                      </a:r>
-                      <a:endParaRPr lang="de-DE" sz="1600" dirty="0">
-                        <a:latin typeface="+mn-lt"/>
-                      </a:endParaRPr>
-                    </a:p>
-                  </a:txBody>
-                  <a:tcPr marL="54000" marR="0" marT="180000" marB="0" anchor="ctr"/>
-                </a:tc>
-                <a:tc>
-                  <a:txBody>
-                    <a:bodyPr/>
-                    <a:lstStyle/>
-                    <a:p>
-                      <a:pPr marL="0" marR="0" indent="0" algn="l" defTabSz="914400" rtl="0" eaLnBrk="1" fontAlgn="auto" latinLnBrk="0" hangingPunct="1">
-                        <a:lnSpc>
-                          <a:spcPct val="100000"/>
-                        </a:lnSpc>
-                        <a:spcBef>
-                          <a:spcPts val="0"/>
-                        </a:spcBef>
-                        <a:spcAft>
-                          <a:spcPts val="0"/>
-                        </a:spcAft>
-                        <a:buClrTx/>
-                        <a:buSzTx/>
-                        <a:buFontTx/>
-                        <a:buNone/>
-                        <a:tabLst/>
-                        <a:defRPr/>
-                      </a:pPr>
-                      <a:r>
-                        <a:rPr lang="de-DE" sz="1600" dirty="0"/>
-                        <a:t>25 km/h</a:t>
-                      </a:r>
-                      <a:endParaRPr lang="de-DE" sz="1600" dirty="0">
-                        <a:latin typeface="+mn-lt"/>
-                      </a:endParaRPr>
-                    </a:p>
-                  </a:txBody>
-                  <a:tcPr marL="54000" marR="0" marT="180000" marB="0" anchor="ctr"/>
-                </a:tc>
-                <a:extLst>
-                  <a:ext uri="{0D108BD9-81ED-4DB2-BD59-A6C34878D82A}">
-                    <a16:rowId xmlns:a16="http://schemas.microsoft.com/office/drawing/2014/main" val="10001"/>
-                  </a:ext>
-                </a:extLst>
-              </a:tr>
-              <a:tr h="423840">
-                <a:tc>
-                  <a:txBody>
-                    <a:bodyPr/>
-                    <a:lstStyle/>
-                    <a:p>
-                      <a:pPr marL="0" marR="0" indent="0" algn="l" defTabSz="914400" rtl="0" eaLnBrk="1" fontAlgn="auto" latinLnBrk="0" hangingPunct="1">
-                        <a:lnSpc>
-                          <a:spcPct val="100000"/>
-                        </a:lnSpc>
-                        <a:spcBef>
-                          <a:spcPts val="0"/>
-                        </a:spcBef>
-                        <a:spcAft>
-                          <a:spcPts val="0"/>
-                        </a:spcAft>
-                        <a:buClrTx/>
-                        <a:buSzTx/>
-                        <a:buFontTx/>
-                        <a:buNone/>
-                        <a:tabLst/>
-                        <a:defRPr/>
-                      </a:pPr>
-                      <a:r>
-                        <a:rPr lang="de-DE" sz="1600" dirty="0"/>
-                        <a:t>Ø - Verfügbare Ladezeit</a:t>
-                      </a:r>
-                      <a:endParaRPr lang="de-DE" sz="1600" dirty="0">
-                        <a:latin typeface="+mn-lt"/>
-                      </a:endParaRPr>
-                    </a:p>
-                  </a:txBody>
-                  <a:tcPr marL="54000" marR="0" marT="180000" marB="0" anchor="ctr"/>
-                </a:tc>
-                <a:tc>
-                  <a:txBody>
-                    <a:bodyPr/>
-                    <a:lstStyle/>
-                    <a:p>
-                      <a:pPr marL="0" marR="0" indent="0" algn="l" defTabSz="914400" rtl="0" eaLnBrk="1" fontAlgn="auto" latinLnBrk="0" hangingPunct="1">
-                        <a:lnSpc>
-                          <a:spcPct val="100000"/>
-                        </a:lnSpc>
-                        <a:spcBef>
-                          <a:spcPts val="0"/>
-                        </a:spcBef>
-                        <a:spcAft>
-                          <a:spcPts val="0"/>
-                        </a:spcAft>
-                        <a:buClrTx/>
-                        <a:buSzTx/>
-                        <a:buFontTx/>
-                        <a:buNone/>
-                        <a:tabLst/>
-                        <a:defRPr/>
-                      </a:pPr>
-                      <a:r>
-                        <a:rPr lang="de-DE" sz="1600" dirty="0"/>
-                        <a:t>22 h/Tag</a:t>
-                      </a:r>
-                      <a:endParaRPr lang="de-DE" sz="1600" dirty="0">
-                        <a:latin typeface="+mn-lt"/>
-                      </a:endParaRPr>
-                    </a:p>
-                  </a:txBody>
-                  <a:tcPr marL="54000" marR="0" marT="180000" marB="0" anchor="ctr"/>
-                </a:tc>
-                <a:extLst>
-                  <a:ext uri="{0D108BD9-81ED-4DB2-BD59-A6C34878D82A}">
-                    <a16:rowId xmlns:a16="http://schemas.microsoft.com/office/drawing/2014/main" val="10002"/>
-                  </a:ext>
-                </a:extLst>
-              </a:tr>
-              <a:tr h="423840">
-                <a:tc>
-                  <a:txBody>
-                    <a:bodyPr/>
-                    <a:lstStyle/>
-                    <a:p>
-                      <a:pPr marL="0" marR="0" indent="0" algn="l" defTabSz="914400" rtl="0" eaLnBrk="1" fontAlgn="auto" latinLnBrk="0" hangingPunct="1">
-                        <a:lnSpc>
-                          <a:spcPct val="100000"/>
-                        </a:lnSpc>
-                        <a:spcBef>
-                          <a:spcPts val="0"/>
-                        </a:spcBef>
-                        <a:spcAft>
-                          <a:spcPts val="0"/>
-                        </a:spcAft>
-                        <a:buClrTx/>
-                        <a:buSzTx/>
-                        <a:buFontTx/>
-                        <a:buNone/>
-                        <a:tabLst/>
-                        <a:defRPr/>
-                      </a:pPr>
-                      <a:r>
-                        <a:rPr lang="de-DE" sz="1600" dirty="0"/>
-                        <a:t>Kosten</a:t>
-                      </a:r>
-                      <a:endParaRPr lang="de-DE" sz="1600" dirty="0">
-                        <a:latin typeface="+mn-lt"/>
-                      </a:endParaRPr>
-                    </a:p>
-                  </a:txBody>
-                  <a:tcPr marL="54000" marR="0" marT="180000" marB="0" anchor="ctr"/>
-                </a:tc>
-                <a:tc>
-                  <a:txBody>
-                    <a:bodyPr/>
-                    <a:lstStyle/>
-                    <a:p>
-                      <a:pPr marL="0" marR="0" lvl="0" indent="0" algn="l" defTabSz="914400" rtl="0" eaLnBrk="1" fontAlgn="auto" latinLnBrk="0" hangingPunct="1">
-                        <a:lnSpc>
-                          <a:spcPct val="100000"/>
-                        </a:lnSpc>
-                        <a:spcBef>
-                          <a:spcPts val="0"/>
-                        </a:spcBef>
-                        <a:spcAft>
-                          <a:spcPts val="0"/>
-                        </a:spcAft>
-                        <a:buClrTx/>
-                        <a:buSzTx/>
-                        <a:buFontTx/>
-                        <a:buNone/>
-                        <a:tabLst/>
-                        <a:defRPr/>
-                      </a:pPr>
-                      <a:r>
-                        <a:rPr lang="de-DE" sz="1600" dirty="0"/>
-                        <a:t>Kleinwagen mit Verbrennungsmotor</a:t>
-                      </a:r>
-                      <a:endParaRPr lang="de-DE" sz="1600" dirty="0">
-                        <a:latin typeface="+mn-lt"/>
-                      </a:endParaRPr>
-                    </a:p>
-                  </a:txBody>
-                  <a:tcPr marL="54000" marR="0" marT="180000" marB="0" anchor="ctr"/>
-                </a:tc>
-                <a:extLst>
-                  <a:ext uri="{0D108BD9-81ED-4DB2-BD59-A6C34878D82A}">
-                    <a16:rowId xmlns:a16="http://schemas.microsoft.com/office/drawing/2014/main" val="10003"/>
-                  </a:ext>
-                </a:extLst>
-              </a:tr>
-              <a:tr h="423840">
-                <a:tc>
-                  <a:txBody>
-                    <a:bodyPr/>
-                    <a:lstStyle/>
-                    <a:p>
-                      <a:pPr marL="0" marR="0" indent="0" algn="l" defTabSz="914400" rtl="0" eaLnBrk="1" fontAlgn="auto" latinLnBrk="0" hangingPunct="1">
-                        <a:lnSpc>
-                          <a:spcPct val="100000"/>
-                        </a:lnSpc>
-                        <a:spcBef>
-                          <a:spcPts val="0"/>
-                        </a:spcBef>
-                        <a:spcAft>
-                          <a:spcPts val="0"/>
-                        </a:spcAft>
-                        <a:buClrTx/>
-                        <a:buSzTx/>
-                        <a:buFontTx/>
-                        <a:buNone/>
-                        <a:tabLst/>
-                        <a:defRPr/>
-                      </a:pPr>
-                      <a:r>
-                        <a:rPr lang="de-DE" sz="1600" dirty="0"/>
-                        <a:t>Einsatzgebiet</a:t>
-                      </a:r>
-                      <a:endParaRPr lang="de-DE" sz="1600" b="0" dirty="0">
-                        <a:latin typeface="+mn-lt"/>
-                      </a:endParaRPr>
-                    </a:p>
-                  </a:txBody>
-                  <a:tcPr marL="54000" marR="0" marT="180000" marB="0" anchor="ctr"/>
-                </a:tc>
-                <a:tc>
-                  <a:txBody>
-                    <a:bodyPr/>
-                    <a:lstStyle/>
-                    <a:p>
-                      <a:pPr marL="0" marR="0" indent="0" algn="l" defTabSz="914400" rtl="0" eaLnBrk="1" fontAlgn="auto" latinLnBrk="0" hangingPunct="1">
-                        <a:lnSpc>
-                          <a:spcPct val="100000"/>
-                        </a:lnSpc>
-                        <a:spcBef>
-                          <a:spcPts val="0"/>
-                        </a:spcBef>
-                        <a:spcAft>
-                          <a:spcPts val="0"/>
-                        </a:spcAft>
-                        <a:buClrTx/>
-                        <a:buSzTx/>
-                        <a:buFontTx/>
-                        <a:buNone/>
-                        <a:tabLst/>
-                        <a:defRPr/>
-                      </a:pPr>
-                      <a:r>
-                        <a:rPr lang="de-DE" sz="1600" dirty="0"/>
-                        <a:t>Stadt und Umland</a:t>
-                      </a:r>
-                      <a:endParaRPr lang="de-DE" sz="1600" dirty="0">
-                        <a:latin typeface="+mn-lt"/>
-                      </a:endParaRPr>
-                    </a:p>
-                  </a:txBody>
-                  <a:tcPr marL="54000" marR="0" marT="180000" marB="0" anchor="ctr"/>
-                </a:tc>
-                <a:extLst>
-                  <a:ext uri="{0D108BD9-81ED-4DB2-BD59-A6C34878D82A}">
-                    <a16:rowId xmlns:a16="http://schemas.microsoft.com/office/drawing/2014/main" val="10004"/>
-                  </a:ext>
-                </a:extLst>
-              </a:tr>
-            </a:tbl>
-          </a:graphicData>
-        </a:graphic>
-      </p:graphicFrame>
-      <p:sp>
-        <p:nvSpPr>
-          <p:cNvPr id="4" name="Foliennummernplatzhalter 3"/>
-          <p:cNvSpPr>
-            <a:spLocks noGrp="1"/>
-          </p:cNvSpPr>
-          <p:nvPr>
-            <p:ph type="sldNum" sz="quarter" idx="11"/>
-          </p:nvPr>
-        </p:nvSpPr>
-        <p:spPr/>
-        <p:txBody>
-          <a:bodyPr/>
-          <a:lstStyle/>
-          <a:p>
-            <a:fld id="{CE58CB1E-F828-4F11-99E0-327109AF9DA4}" type="slidenum">
-              <a:rPr lang="de-DE" smtClean="0"/>
-              <a:pPr/>
-              <a:t>22</a:t>
-            </a:fld>
-            <a:endParaRPr lang="de-DE" dirty="0"/>
-          </a:p>
-        </p:txBody>
-      </p:sp>
-      <p:sp>
-        <p:nvSpPr>
-          <p:cNvPr id="10" name="Fußzeilenplatzhalter 4"/>
-          <p:cNvSpPr>
-            <a:spLocks noGrp="1"/>
-          </p:cNvSpPr>
-          <p:nvPr>
-            <p:ph type="ftr" sz="quarter" idx="12"/>
-          </p:nvPr>
-        </p:nvSpPr>
-        <p:spPr/>
-        <p:txBody>
-          <a:bodyPr/>
-          <a:lstStyle/>
-          <a:p>
-            <a:r>
-              <a:rPr lang="de-DE"/>
-              <a:t>Dr. rer. nat. Erika Mustermann (TUM) | kann beliebig erweitert werden | Infos mit Strich trennen</a:t>
-            </a:r>
-            <a:endParaRPr lang="en-US" dirty="0"/>
-          </a:p>
-        </p:txBody>
-      </p:sp>
-      <p:sp>
-        <p:nvSpPr>
-          <p:cNvPr id="2" name="Textplatzhalter 1"/>
-          <p:cNvSpPr>
-            <a:spLocks noGrp="1"/>
-          </p:cNvSpPr>
-          <p:nvPr>
-            <p:ph type="body" sz="quarter" idx="13"/>
-          </p:nvPr>
-        </p:nvSpPr>
-        <p:spPr/>
-        <p:txBody>
-          <a:bodyPr/>
-          <a:lstStyle/>
-          <a:p>
-            <a:r>
-              <a:rPr lang="de-DE"/>
-              <a:t>Tabelle mit schwarzem Rand</a:t>
-            </a:r>
-            <a:br>
-              <a:rPr lang="de-DE"/>
-            </a:br>
-            <a:r>
-              <a:rPr lang="de-DE"/>
-              <a:t>innerer Seitenrand links 0,15 cm, oben z.B. 0,5 cm (für genug Zeilenabstand innerhalb) </a:t>
-            </a:r>
-            <a:endParaRPr lang="de-DE" dirty="0"/>
-          </a:p>
-        </p:txBody>
-      </p:sp>
-      <p:sp>
-        <p:nvSpPr>
-          <p:cNvPr id="3" name="Titel 2"/>
-          <p:cNvSpPr>
-            <a:spLocks noGrp="1"/>
-          </p:cNvSpPr>
-          <p:nvPr>
-            <p:ph type="title"/>
-          </p:nvPr>
-        </p:nvSpPr>
-        <p:spPr/>
-        <p:txBody>
-          <a:bodyPr/>
-          <a:lstStyle/>
-          <a:p>
-            <a:r>
-              <a:rPr lang="de-DE"/>
-              <a:t>Tabelle – Beispiel 2</a:t>
-            </a:r>
-            <a:endParaRPr lang="de-DE" dirty="0"/>
-          </a:p>
-        </p:txBody>
-      </p:sp>
-    </p:spTree>
-  </p:cSld>
-  <p:clrMapOvr>
-    <a:masterClrMapping/>
-  </p:clrMapOvr>
-</p:sld>
-</file>
-
-<file path=ppt/slides/slide23.xml><?xml version="1.0" encoding="utf-8"?>
-<p:sld xmlns:a="http://schemas.openxmlformats.org/drawingml/2006/main" xmlns:r="http://schemas.openxmlformats.org/officeDocument/2006/relationships" xmlns:p="http://schemas.openxmlformats.org/presentationml/2006/main">
-  <p:cSld>
-    <p:spTree>
-      <p:nvGrpSpPr>
-        <p:cNvPr id="1" name=""/>
-        <p:cNvGrpSpPr/>
-        <p:nvPr/>
-      </p:nvGrpSpPr>
-      <p:grpSpPr>
-        <a:xfrm>
-          <a:off x="0" y="0"/>
-          <a:ext cx="0" cy="0"/>
-          <a:chOff x="0" y="0"/>
-          <a:chExt cx="0" cy="0"/>
-        </a:xfrm>
-      </p:grpSpPr>
-      <p:sp>
-        <p:nvSpPr>
-          <p:cNvPr id="5" name="Foliennummernplatzhalter 4"/>
-          <p:cNvSpPr>
-            <a:spLocks noGrp="1"/>
-          </p:cNvSpPr>
-          <p:nvPr>
-            <p:ph type="sldNum" sz="quarter" idx="11"/>
-          </p:nvPr>
-        </p:nvSpPr>
-        <p:spPr/>
-        <p:txBody>
-          <a:bodyPr/>
-          <a:lstStyle/>
-          <a:p>
-            <a:fld id="{CE58CB1E-F828-4F11-99E0-327109AF9DA4}" type="slidenum">
-              <a:rPr lang="de-DE" smtClean="0"/>
-              <a:pPr/>
-              <a:t>23</a:t>
-            </a:fld>
-            <a:endParaRPr lang="de-DE" dirty="0"/>
-          </a:p>
-        </p:txBody>
-      </p:sp>
-      <p:sp>
-        <p:nvSpPr>
-          <p:cNvPr id="9" name="Fußzeilenplatzhalter 4"/>
-          <p:cNvSpPr>
-            <a:spLocks noGrp="1"/>
-          </p:cNvSpPr>
-          <p:nvPr>
-            <p:ph type="ftr" sz="quarter" idx="12"/>
-          </p:nvPr>
-        </p:nvSpPr>
-        <p:spPr/>
-        <p:txBody>
-          <a:bodyPr/>
-          <a:lstStyle/>
-          <a:p>
-            <a:r>
-              <a:rPr lang="de-DE"/>
-              <a:t>Dr. rer. nat. Erika Mustermann (TUM) | kann beliebig erweitert werden | Infos mit Strich trennen</a:t>
-            </a:r>
-            <a:endParaRPr lang="en-US" dirty="0"/>
-          </a:p>
-        </p:txBody>
-      </p:sp>
-      <p:sp>
-        <p:nvSpPr>
-          <p:cNvPr id="3" name="Textplatzhalter 2"/>
-          <p:cNvSpPr>
-            <a:spLocks noGrp="1"/>
-          </p:cNvSpPr>
-          <p:nvPr>
-            <p:ph type="body" sz="quarter" idx="13"/>
-          </p:nvPr>
-        </p:nvSpPr>
-        <p:spPr/>
-        <p:txBody>
-          <a:bodyPr/>
-          <a:lstStyle/>
-          <a:p>
-            <a:r>
-              <a:rPr lang="de-DE" dirty="0"/>
-              <a:t>Nach Möglichkeit linksbündig bleiben</a:t>
-            </a:r>
-            <a:br>
-              <a:rPr lang="de-DE" dirty="0"/>
-            </a:br>
-            <a:r>
-              <a:rPr lang="de-DE" dirty="0"/>
-              <a:t>Unnötige Striche und Balken vermeiden</a:t>
-            </a:r>
-          </a:p>
-        </p:txBody>
-      </p:sp>
-      <p:sp>
-        <p:nvSpPr>
-          <p:cNvPr id="4" name="Titel 3"/>
-          <p:cNvSpPr>
-            <a:spLocks noGrp="1"/>
-          </p:cNvSpPr>
-          <p:nvPr>
-            <p:ph type="title"/>
-          </p:nvPr>
-        </p:nvSpPr>
-        <p:spPr/>
-        <p:txBody>
-          <a:bodyPr/>
-          <a:lstStyle/>
-          <a:p>
-            <a:r>
-              <a:rPr lang="de-DE"/>
-              <a:t>Diagramme – Beispiel 1</a:t>
-            </a:r>
-            <a:endParaRPr lang="de-DE" dirty="0"/>
-          </a:p>
-        </p:txBody>
-      </p:sp>
-      <p:graphicFrame>
-        <p:nvGraphicFramePr>
-          <p:cNvPr id="14" name="Diagramm 13"/>
-          <p:cNvGraphicFramePr/>
-          <p:nvPr>
-            <p:extLst/>
-          </p:nvPr>
-        </p:nvGraphicFramePr>
-        <p:xfrm>
-          <a:off x="209868" y="2388199"/>
-          <a:ext cx="8515032" cy="4207865"/>
-        </p:xfrm>
-        <a:graphic>
-          <a:graphicData uri="http://schemas.openxmlformats.org/drawingml/2006/chart">
-            <c:chart xmlns:c="http://schemas.openxmlformats.org/drawingml/2006/chart" xmlns:r="http://schemas.openxmlformats.org/officeDocument/2006/relationships" r:id="rId2"/>
-          </a:graphicData>
-        </a:graphic>
-      </p:graphicFrame>
-    </p:spTree>
-  </p:cSld>
-  <p:clrMapOvr>
-    <a:masterClrMapping/>
-  </p:clrMapOvr>
-</p:sld>
-</file>
-
-<file path=ppt/slides/slide24.xml><?xml version="1.0" encoding="utf-8"?>
-<p:sld xmlns:a="http://schemas.openxmlformats.org/drawingml/2006/main" xmlns:r="http://schemas.openxmlformats.org/officeDocument/2006/relationships" xmlns:p="http://schemas.openxmlformats.org/presentationml/2006/main">
-  <p:cSld>
-    <p:spTree>
-      <p:nvGrpSpPr>
-        <p:cNvPr id="1" name=""/>
-        <p:cNvGrpSpPr/>
-        <p:nvPr/>
-      </p:nvGrpSpPr>
-      <p:grpSpPr>
-        <a:xfrm>
-          <a:off x="0" y="0"/>
-          <a:ext cx="0" cy="0"/>
-          <a:chOff x="0" y="0"/>
-          <a:chExt cx="0" cy="0"/>
-        </a:xfrm>
-      </p:grpSpPr>
-      <p:graphicFrame>
-        <p:nvGraphicFramePr>
-          <p:cNvPr id="6" name="Inhaltsplatzhalter 5"/>
-          <p:cNvGraphicFramePr>
-            <a:graphicFrameLocks noGrp="1"/>
-          </p:cNvGraphicFramePr>
-          <p:nvPr>
-            <p:ph idx="1"/>
-            <p:extLst>
-              <p:ext uri="{D42A27DB-BD31-4B8C-83A1-F6EECF244321}">
-                <p14:modId xmlns:p14="http://schemas.microsoft.com/office/powerpoint/2010/main" val="2021366215"/>
-              </p:ext>
-            </p:extLst>
-          </p:nvPr>
-        </p:nvGraphicFramePr>
-        <p:xfrm>
-          <a:off x="319088" y="1762125"/>
-          <a:ext cx="8509000" cy="4699000"/>
-        </p:xfrm>
-        <a:graphic>
-          <a:graphicData uri="http://schemas.openxmlformats.org/drawingml/2006/chart">
-            <c:chart xmlns:c="http://schemas.openxmlformats.org/drawingml/2006/chart" xmlns:r="http://schemas.openxmlformats.org/officeDocument/2006/relationships" r:id="rId2"/>
-          </a:graphicData>
-        </a:graphic>
-      </p:graphicFrame>
-      <p:sp>
-        <p:nvSpPr>
-          <p:cNvPr id="4" name="Foliennummernplatzhalter 3"/>
-          <p:cNvSpPr>
-            <a:spLocks noGrp="1"/>
-          </p:cNvSpPr>
-          <p:nvPr>
-            <p:ph type="sldNum" sz="quarter" idx="11"/>
-          </p:nvPr>
-        </p:nvSpPr>
-        <p:spPr/>
-        <p:txBody>
-          <a:bodyPr/>
-          <a:lstStyle/>
-          <a:p>
-            <a:fld id="{CE58CB1E-F828-4F11-99E0-327109AF9DA4}" type="slidenum">
-              <a:rPr lang="de-DE" smtClean="0"/>
-              <a:pPr/>
-              <a:t>24</a:t>
-            </a:fld>
-            <a:endParaRPr lang="de-DE" dirty="0"/>
-          </a:p>
-        </p:txBody>
-      </p:sp>
-      <p:sp>
-        <p:nvSpPr>
-          <p:cNvPr id="7" name="Fußzeilenplatzhalter 4"/>
-          <p:cNvSpPr>
-            <a:spLocks noGrp="1"/>
-          </p:cNvSpPr>
-          <p:nvPr>
-            <p:ph type="ftr" sz="quarter" idx="12"/>
-          </p:nvPr>
-        </p:nvSpPr>
-        <p:spPr/>
-        <p:txBody>
-          <a:bodyPr/>
-          <a:lstStyle/>
-          <a:p>
-            <a:r>
-              <a:rPr lang="de-DE"/>
-              <a:t>Dr. rer. nat. Erika Mustermann (TUM) | kann beliebig erweitert werden | Infos mit Strich trennen</a:t>
-            </a:r>
-            <a:endParaRPr lang="en-US" dirty="0"/>
-          </a:p>
-        </p:txBody>
-      </p:sp>
-      <p:sp>
-        <p:nvSpPr>
-          <p:cNvPr id="3" name="Titel 2"/>
-          <p:cNvSpPr>
-            <a:spLocks noGrp="1"/>
-          </p:cNvSpPr>
-          <p:nvPr>
-            <p:ph type="title"/>
-          </p:nvPr>
-        </p:nvSpPr>
-        <p:spPr/>
-        <p:txBody>
-          <a:bodyPr/>
-          <a:lstStyle/>
-          <a:p>
-            <a:r>
-              <a:rPr lang="de-DE"/>
-              <a:t>Diagramme</a:t>
-            </a:r>
-            <a:endParaRPr lang="de-DE" dirty="0"/>
-          </a:p>
-        </p:txBody>
-      </p:sp>
-    </p:spTree>
   </p:cSld>
   <p:clrMapOvr>
     <a:masterClrMapping/>
@@ -15053,8 +10503,16 @@
           <a:lstStyle/>
           <a:p>
             <a:r>
-              <a:rPr lang="de-DE"/>
-              <a:t>Dr. rer. nat. Erika Mustermann (TUM) | kann beliebig erweitert werden | Infos mit Strich trennen</a:t>
+              <a:rPr lang="de-DE" dirty="0"/>
+              <a:t>Oliver Jung | Robin </a:t>
+            </a:r>
+            <a:r>
+              <a:rPr lang="de-DE" dirty="0" err="1"/>
+              <a:t>Ostner</a:t>
+            </a:r>
+            <a:r>
+              <a:rPr lang="de-DE" dirty="0"/>
+              <a:t> | Florian Sprang</a:t>
             </a:r>
             <a:endParaRPr lang="en-US" dirty="0"/>
           </a:p>
@@ -15213,8 +10671,16 @@
           <a:lstStyle/>
           <a:p>
             <a:r>
-              <a:rPr lang="de-DE"/>
-              <a:t>Dr. rer. nat. Erika Mustermann (TUM) | kann beliebig erweitert werden | Infos mit Strich trennen</a:t>
+              <a:rPr lang="de-DE" dirty="0"/>
+              <a:t>Oliver Jung | Robin </a:t>
+            </a:r>
+            <a:r>
+              <a:rPr lang="de-DE" dirty="0" err="1"/>
+              <a:t>Ostner</a:t>
+            </a:r>
+            <a:r>
+              <a:rPr lang="de-DE" dirty="0"/>
+              <a:t> | Florian Sprang</a:t>
             </a:r>
             <a:endParaRPr lang="en-US" dirty="0"/>
           </a:p>
@@ -16568,515 +12034,6 @@
         <p14:creationId xmlns:p14="http://schemas.microsoft.com/office/powerpoint/2010/main" val="216103440"/>
       </p:ext>
     </p:extLst>
-  </p:cSld>
-  <p:clrMapOvr>
-    <a:masterClrMapping/>
-  </p:clrMapOvr>
-</p:sld>
-</file>
-
-<file path=ppt/slides/slide7.xml><?xml version="1.0" encoding="utf-8"?>
-<p:sld xmlns:a="http://schemas.openxmlformats.org/drawingml/2006/main" xmlns:r="http://schemas.openxmlformats.org/officeDocument/2006/relationships" xmlns:p="http://schemas.openxmlformats.org/presentationml/2006/main">
-  <p:cSld>
-    <p:spTree>
-      <p:nvGrpSpPr>
-        <p:cNvPr id="1" name=""/>
-        <p:cNvGrpSpPr/>
-        <p:nvPr/>
-      </p:nvGrpSpPr>
-      <p:grpSpPr>
-        <a:xfrm>
-          <a:off x="0" y="0"/>
-          <a:ext cx="0" cy="0"/>
-          <a:chOff x="0" y="0"/>
-          <a:chExt cx="0" cy="0"/>
-        </a:xfrm>
-      </p:grpSpPr>
-      <p:sp>
-        <p:nvSpPr>
-          <p:cNvPr id="2" name="Inhaltsplatzhalter 1"/>
-          <p:cNvSpPr>
-            <a:spLocks noGrp="1"/>
-          </p:cNvSpPr>
-          <p:nvPr>
-            <p:ph idx="1"/>
-          </p:nvPr>
-        </p:nvSpPr>
-        <p:spPr/>
-        <p:txBody>
-          <a:bodyPr/>
-          <a:lstStyle/>
-          <a:p>
-            <a:r>
-              <a:rPr dirty="0" err="1"/>
-              <a:t>Dieser</a:t>
-            </a:r>
-            <a:r>
-              <a:rPr dirty="0"/>
-              <a:t> Folienmaster gilt bei offiziellen Präsentationen im Rahmen der TUM.</a:t>
-            </a:r>
-            <a:br>
-              <a:rPr dirty="0"/>
-            </a:br>
-            <a:r>
-              <a:rPr dirty="0"/>
-              <a:t>Es ist darauf zu achten, dass wir uns in einem durchgängigen Layout </a:t>
-            </a:r>
-            <a:r>
-              <a:rPr dirty="0" err="1"/>
-              <a:t>präsentieren</a:t>
-            </a:r>
-            <a:r>
-              <a:rPr dirty="0"/>
-              <a:t>.</a:t>
-            </a:r>
-          </a:p>
-          <a:p>
-            <a:r>
-              <a:rPr lang="de-DE" dirty="0"/>
-              <a:t>Abweichungen vom vorgegebenen Layout bitte auf ein Minimum reduzieren.</a:t>
-            </a:r>
-          </a:p>
-          <a:p>
-            <a:endParaRPr dirty="0"/>
-          </a:p>
-          <a:p>
-            <a:endParaRPr sz="2200" dirty="0"/>
-          </a:p>
-        </p:txBody>
-      </p:sp>
-      <p:sp>
-        <p:nvSpPr>
-          <p:cNvPr id="4" name="Foliennummernplatzhalter 3"/>
-          <p:cNvSpPr>
-            <a:spLocks noGrp="1"/>
-          </p:cNvSpPr>
-          <p:nvPr>
-            <p:ph type="sldNum" sz="quarter" idx="11"/>
-          </p:nvPr>
-        </p:nvSpPr>
-        <p:spPr/>
-        <p:txBody>
-          <a:bodyPr/>
-          <a:lstStyle/>
-          <a:p>
-            <a:fld id="{CE58CB1E-F828-4F11-99E0-327109AF9DA4}" type="slidenum">
-              <a:rPr lang="de-DE" smtClean="0"/>
-              <a:pPr/>
-              <a:t>7</a:t>
-            </a:fld>
-            <a:endParaRPr lang="de-DE" dirty="0"/>
-          </a:p>
-        </p:txBody>
-      </p:sp>
-      <p:sp>
-        <p:nvSpPr>
-          <p:cNvPr id="7" name="Fußzeilenplatzhalter 4"/>
-          <p:cNvSpPr>
-            <a:spLocks noGrp="1"/>
-          </p:cNvSpPr>
-          <p:nvPr>
-            <p:ph type="ftr" sz="quarter" idx="12"/>
-          </p:nvPr>
-        </p:nvSpPr>
-        <p:spPr/>
-        <p:txBody>
-          <a:bodyPr/>
-          <a:lstStyle/>
-          <a:p>
-            <a:r>
-              <a:rPr lang="de-DE"/>
-              <a:t>Dr. rer. nat. Erika Mustermann (TUM) | kann beliebig erweitert werden | Infos mit Strich trennen</a:t>
-            </a:r>
-            <a:endParaRPr lang="en-US" dirty="0"/>
-          </a:p>
-        </p:txBody>
-      </p:sp>
-      <p:sp>
-        <p:nvSpPr>
-          <p:cNvPr id="3" name="Titel 2"/>
-          <p:cNvSpPr>
-            <a:spLocks noGrp="1"/>
-          </p:cNvSpPr>
-          <p:nvPr>
-            <p:ph type="title"/>
-          </p:nvPr>
-        </p:nvSpPr>
-        <p:spPr>
-          <a:prstGeom prst="rect">
-            <a:avLst/>
-          </a:prstGeom>
-        </p:spPr>
-        <p:txBody>
-          <a:bodyPr/>
-          <a:lstStyle/>
-          <a:p>
-            <a:r>
-              <a:rPr sz="3000" dirty="0"/>
-              <a:t>Gültigkeit der Masterfolien</a:t>
-            </a:r>
-            <a:endParaRPr lang="de-DE" sz="3000" dirty="0"/>
-          </a:p>
-        </p:txBody>
-      </p:sp>
-    </p:spTree>
-  </p:cSld>
-  <p:clrMapOvr>
-    <a:masterClrMapping/>
-  </p:clrMapOvr>
-</p:sld>
-</file>
-
-<file path=ppt/slides/slide8.xml><?xml version="1.0" encoding="utf-8"?>
-<p:sld xmlns:a="http://schemas.openxmlformats.org/drawingml/2006/main" xmlns:r="http://schemas.openxmlformats.org/officeDocument/2006/relationships" xmlns:p="http://schemas.openxmlformats.org/presentationml/2006/main">
-  <p:cSld>
-    <p:spTree>
-      <p:nvGrpSpPr>
-        <p:cNvPr id="1" name=""/>
-        <p:cNvGrpSpPr/>
-        <p:nvPr/>
-      </p:nvGrpSpPr>
-      <p:grpSpPr>
-        <a:xfrm>
-          <a:off x="0" y="0"/>
-          <a:ext cx="0" cy="0"/>
-          <a:chOff x="0" y="0"/>
-          <a:chExt cx="0" cy="0"/>
-        </a:xfrm>
-      </p:grpSpPr>
-      <p:sp>
-        <p:nvSpPr>
-          <p:cNvPr id="2" name="Inhaltsplatzhalter 1"/>
-          <p:cNvSpPr>
-            <a:spLocks noGrp="1"/>
-          </p:cNvSpPr>
-          <p:nvPr>
-            <p:ph idx="1"/>
-          </p:nvPr>
-        </p:nvSpPr>
-        <p:spPr>
-          <a:xfrm>
-            <a:off x="319090" y="2105024"/>
-            <a:ext cx="8508999" cy="4356735"/>
-          </a:xfrm>
-        </p:spPr>
-        <p:txBody>
-          <a:bodyPr/>
-          <a:lstStyle/>
-          <a:p>
-            <a:r>
-              <a:rPr dirty="0"/>
-              <a:t>Als Grundlage dient der Corporate Design Style Guide der TUM.</a:t>
-            </a:r>
-            <a:br>
-              <a:rPr dirty="0"/>
-            </a:br>
-            <a:r>
-              <a:rPr dirty="0"/>
-              <a:t>Die Präsentationsvorlage ist auf gute Lesbarkeit und klare Darstellung von Informationen optimiert.</a:t>
-            </a:r>
-          </a:p>
-        </p:txBody>
-      </p:sp>
-      <p:sp>
-        <p:nvSpPr>
-          <p:cNvPr id="4" name="Foliennummernplatzhalter 3"/>
-          <p:cNvSpPr>
-            <a:spLocks noGrp="1"/>
-          </p:cNvSpPr>
-          <p:nvPr>
-            <p:ph type="sldNum" sz="quarter" idx="11"/>
-          </p:nvPr>
-        </p:nvSpPr>
-        <p:spPr/>
-        <p:txBody>
-          <a:bodyPr/>
-          <a:lstStyle/>
-          <a:p>
-            <a:fld id="{CE58CB1E-F828-4F11-99E0-327109AF9DA4}" type="slidenum">
-              <a:rPr lang="de-DE" smtClean="0"/>
-              <a:pPr/>
-              <a:t>8</a:t>
-            </a:fld>
-            <a:endParaRPr lang="de-DE" dirty="0"/>
-          </a:p>
-        </p:txBody>
-      </p:sp>
-      <p:sp>
-        <p:nvSpPr>
-          <p:cNvPr id="6" name="Fußzeilenplatzhalter 4"/>
-          <p:cNvSpPr>
-            <a:spLocks noGrp="1"/>
-          </p:cNvSpPr>
-          <p:nvPr>
-            <p:ph type="ftr" sz="quarter" idx="12"/>
-          </p:nvPr>
-        </p:nvSpPr>
-        <p:spPr/>
-        <p:txBody>
-          <a:bodyPr/>
-          <a:lstStyle/>
-          <a:p>
-            <a:r>
-              <a:rPr lang="de-DE"/>
-              <a:t>Dr. rer. nat. Erika Mustermann (TUM) | kann beliebig erweitert werden | Infos mit Strich trennen</a:t>
-            </a:r>
-            <a:endParaRPr lang="en-US" dirty="0"/>
-          </a:p>
-        </p:txBody>
-      </p:sp>
-      <p:sp>
-        <p:nvSpPr>
-          <p:cNvPr id="3" name="Titel 2"/>
-          <p:cNvSpPr>
-            <a:spLocks noGrp="1"/>
-          </p:cNvSpPr>
-          <p:nvPr>
-            <p:ph type="title"/>
-          </p:nvPr>
-        </p:nvSpPr>
-        <p:spPr>
-          <a:prstGeom prst="rect">
-            <a:avLst/>
-          </a:prstGeom>
-        </p:spPr>
-        <p:txBody>
-          <a:bodyPr/>
-          <a:lstStyle/>
-          <a:p>
-            <a:r>
-              <a:rPr lang="de-DE" sz="3200" dirty="0"/>
-              <a:t>Hier steht eine Überschrift</a:t>
-            </a:r>
-            <a:br>
-              <a:rPr lang="de-DE" sz="3200" dirty="0"/>
-            </a:br>
-            <a:r>
-              <a:rPr lang="de-DE" sz="3200" dirty="0"/>
-              <a:t>max. 2-zeilig</a:t>
-            </a:r>
-            <a:endParaRPr lang="de-DE" sz="3000" dirty="0"/>
-          </a:p>
-        </p:txBody>
-      </p:sp>
-    </p:spTree>
-  </p:cSld>
-  <p:clrMapOvr>
-    <a:masterClrMapping/>
-  </p:clrMapOvr>
-</p:sld>
-</file>
-
-<file path=ppt/slides/slide9.xml><?xml version="1.0" encoding="utf-8"?>
-<p:sld xmlns:a="http://schemas.openxmlformats.org/drawingml/2006/main" xmlns:r="http://schemas.openxmlformats.org/officeDocument/2006/relationships" xmlns:p="http://schemas.openxmlformats.org/presentationml/2006/main">
-  <p:cSld>
-    <p:spTree>
-      <p:nvGrpSpPr>
-        <p:cNvPr id="1" name=""/>
-        <p:cNvGrpSpPr/>
-        <p:nvPr/>
-      </p:nvGrpSpPr>
-      <p:grpSpPr>
-        <a:xfrm>
-          <a:off x="0" y="0"/>
-          <a:ext cx="0" cy="0"/>
-          <a:chOff x="0" y="0"/>
-          <a:chExt cx="0" cy="0"/>
-        </a:xfrm>
-      </p:grpSpPr>
-      <p:sp>
-        <p:nvSpPr>
-          <p:cNvPr id="2" name="Inhaltsplatzhalter 1"/>
-          <p:cNvSpPr>
-            <a:spLocks noGrp="1"/>
-          </p:cNvSpPr>
-          <p:nvPr>
-            <p:ph idx="1"/>
-          </p:nvPr>
-        </p:nvSpPr>
-        <p:spPr/>
-        <p:txBody>
-          <a:bodyPr/>
-          <a:lstStyle/>
-          <a:p>
-            <a:r>
-              <a:rPr dirty="0"/>
-              <a:t>Das Grundprinzip ist, Informationen bestmöglich zu transportieren. Dazu muss vor allem die Schrift einheitlich und für alle im Raum lesbar sein. </a:t>
-            </a:r>
-          </a:p>
-          <a:p>
-            <a:endParaRPr dirty="0"/>
-          </a:p>
-          <a:p>
-            <a:r>
-              <a:rPr dirty="0" err="1"/>
-              <a:t>Schriftart</a:t>
-            </a:r>
-            <a:r>
-              <a:rPr dirty="0"/>
-              <a:t>: Arial</a:t>
-            </a:r>
-          </a:p>
-          <a:p>
-            <a:endParaRPr dirty="0"/>
-          </a:p>
-          <a:p>
-            <a:r>
-              <a:rPr dirty="0" err="1"/>
-              <a:t>Schriftgr</a:t>
-            </a:r>
-            <a:r>
-              <a:rPr lang="de-DE" dirty="0" err="1"/>
-              <a:t>ößen</a:t>
-            </a:r>
-            <a:r>
-              <a:rPr dirty="0"/>
-              <a:t>:</a:t>
-            </a:r>
-            <a:r>
-              <a:rPr lang="de-DE" dirty="0"/>
-              <a:t>30 | 22 | 16 | 12</a:t>
-            </a:r>
-            <a:endParaRPr dirty="0"/>
-          </a:p>
-          <a:p>
-            <a:endParaRPr dirty="0"/>
-          </a:p>
-          <a:p>
-            <a:r>
-              <a:rPr dirty="0" err="1"/>
-              <a:t>Zeilenabstand</a:t>
-            </a:r>
-            <a:r>
-              <a:rPr dirty="0"/>
-              <a:t>: 1,15mm</a:t>
-            </a:r>
-          </a:p>
-          <a:p>
-            <a:endParaRPr dirty="0"/>
-          </a:p>
-          <a:p>
-            <a:r>
-              <a:rPr dirty="0"/>
-              <a:t>Die Einstellungen sind in den Textfeldern und Textfeldvorlagen dieses ppt-Masters als Standard eingestellt. Bei Diagrammen und Tabellen muss die Schriftgröße ggf. angepasst werden.</a:t>
-            </a:r>
-            <a:r>
-              <a:rPr lang="de-DE" dirty="0"/>
-              <a:t> Für Auszeichnungen im Fließtext kann auch </a:t>
-            </a:r>
-            <a:r>
-              <a:rPr lang="de-DE" b="1" dirty="0"/>
-              <a:t>fett </a:t>
-            </a:r>
-            <a:r>
-              <a:rPr lang="de-DE" dirty="0"/>
-              <a:t>markiert werden.</a:t>
-            </a:r>
-            <a:endParaRPr dirty="0"/>
-          </a:p>
-          <a:p>
-            <a:r>
-              <a:rPr dirty="0"/>
-              <a:t>Bei großer Distanz bzw. </a:t>
-            </a:r>
-            <a:r>
-              <a:rPr dirty="0" err="1"/>
-              <a:t>kleinem</a:t>
-            </a:r>
-            <a:r>
-              <a:rPr dirty="0"/>
-              <a:t> </a:t>
-            </a:r>
-            <a:r>
-              <a:rPr dirty="0" err="1"/>
-              <a:t>Präsentationsmedium</a:t>
-            </a:r>
-            <a:r>
-              <a:rPr dirty="0"/>
-              <a:t> kann der Schriftgrad notfalls proportional erhöht werden.</a:t>
-            </a:r>
-          </a:p>
-        </p:txBody>
-      </p:sp>
-      <p:sp>
-        <p:nvSpPr>
-          <p:cNvPr id="4" name="Foliennummernplatzhalter 3"/>
-          <p:cNvSpPr>
-            <a:spLocks noGrp="1"/>
-          </p:cNvSpPr>
-          <p:nvPr>
-            <p:ph type="sldNum" sz="quarter" idx="11"/>
-          </p:nvPr>
-        </p:nvSpPr>
-        <p:spPr>
-          <a:prstGeom prst="rect">
-            <a:avLst/>
-          </a:prstGeom>
-        </p:spPr>
-        <p:txBody>
-          <a:bodyPr/>
-          <a:lstStyle/>
-          <a:p>
-            <a:fld id="{CE58CB1E-F828-4F11-99E0-327109AF9DA4}" type="slidenum">
-              <a:rPr lang="de-DE" smtClean="0"/>
-              <a:pPr/>
-              <a:t>9</a:t>
-            </a:fld>
-            <a:endParaRPr lang="de-DE" dirty="0"/>
-          </a:p>
-        </p:txBody>
-      </p:sp>
-      <p:sp>
-        <p:nvSpPr>
-          <p:cNvPr id="6" name="Fußzeilenplatzhalter 4"/>
-          <p:cNvSpPr>
-            <a:spLocks noGrp="1"/>
-          </p:cNvSpPr>
-          <p:nvPr>
-            <p:ph type="ftr" sz="quarter" idx="12"/>
-          </p:nvPr>
-        </p:nvSpPr>
-        <p:spPr/>
-        <p:txBody>
-          <a:bodyPr/>
-          <a:lstStyle/>
-          <a:p>
-            <a:r>
-              <a:rPr lang="de-DE"/>
-              <a:t>Dr. rer. nat. Erika Mustermann (TUM) | kann beliebig erweitert werden | Infos mit Strich trennen</a:t>
-            </a:r>
-            <a:endParaRPr lang="en-US" dirty="0"/>
-          </a:p>
-        </p:txBody>
-      </p:sp>
-      <p:sp>
-        <p:nvSpPr>
-          <p:cNvPr id="3" name="Titel 2"/>
-          <p:cNvSpPr>
-            <a:spLocks noGrp="1"/>
-          </p:cNvSpPr>
-          <p:nvPr>
-            <p:ph type="title"/>
-          </p:nvPr>
-        </p:nvSpPr>
-        <p:spPr>
-          <a:prstGeom prst="rect">
-            <a:avLst/>
-          </a:prstGeom>
-        </p:spPr>
-        <p:txBody>
-          <a:bodyPr/>
-          <a:lstStyle/>
-          <a:p>
-            <a:r>
-              <a:rPr sz="3000" dirty="0"/>
-              <a:t>Schrift</a:t>
-            </a:r>
-            <a:endParaRPr lang="de-DE" sz="3000" dirty="0"/>
-          </a:p>
-        </p:txBody>
-      </p:sp>
-    </p:spTree>
   </p:cSld>
   <p:clrMapOvr>
     <a:masterClrMapping/>

--- a/DONT TOUCH THIS !!!!!!!!!!!/Abgabe/Präsentation.pptx
+++ b/DONT TOUCH THIS !!!!!!!!!!!/Abgabe/Präsentation.pptx
@@ -153,7 +153,7 @@
   </p:defaultTextStyle>
   <p:extLst>
     <p:ext uri="{EFAFB233-063F-42B5-8137-9DF3F51BA10A}">
-      <p15:sldGuideLst xmlns:p15="http://schemas.microsoft.com/office/powerpoint/2012/main">
+      <p15:sldGuideLst xmlns:p15="http://schemas.microsoft.com/office/powerpoint/2012/main" xmlns="">
         <p15:guide id="1" orient="horz" pos="2160">
           <p15:clr>
             <a:srgbClr val="A4A3A4"/>
@@ -167,7 +167,7 @@
       </p15:sldGuideLst>
     </p:ext>
     <p:ext uri="{2D200454-40CA-4A62-9FC3-DE9A4176ACB9}">
-      <p15:notesGuideLst xmlns:p15="http://schemas.microsoft.com/office/powerpoint/2012/main">
+      <p15:notesGuideLst xmlns:p15="http://schemas.microsoft.com/office/powerpoint/2012/main" xmlns="">
         <p15:guide id="1" orient="horz" pos="2100">
           <p15:clr>
             <a:srgbClr val="A4A3A4"/>
@@ -1621,6 +1621,10 @@
             <a:br>
               <a:rPr lang="de-DE" noProof="0" dirty="0"/>
             </a:br>
+            <a:r>
+              <a:rPr lang="de-DE" noProof="0" dirty="0"/>
+              <a:t/>
+            </a:r>
             <a:br>
               <a:rPr lang="de-DE" noProof="0" dirty="0"/>
             </a:br>
@@ -1833,6 +1837,10 @@
             <a:br>
               <a:rPr lang="de-DE" noProof="0" dirty="0"/>
             </a:br>
+            <a:r>
+              <a:rPr lang="de-DE" noProof="0" dirty="0"/>
+              <a:t/>
+            </a:r>
             <a:br>
               <a:rPr lang="de-DE" noProof="0" dirty="0"/>
             </a:br>
@@ -10122,15 +10130,15 @@
           <a:bodyPr/>
           <a:lstStyle/>
           <a:p>
-            <a:r>
-              <a:rPr lang="de-DE" dirty="0"/>
-              <a:t>Überschrift 2</a:t>
-            </a:r>
-          </a:p>
-          <a:p>
-            <a:r>
-              <a:rPr lang="de-DE" dirty="0"/>
-              <a:t>Hier steht ein einleitender oder beschreibender Fließtext und nach Wunsch eine Aufzählung</a:t>
+            <a:endParaRPr lang="de-DE" dirty="0" smtClean="0"/>
+          </a:p>
+          <a:p>
+            <a:endParaRPr lang="de-DE" dirty="0" smtClean="0"/>
+          </a:p>
+          <a:p>
+            <a:r>
+              <a:rPr lang="de-DE" dirty="0" smtClean="0"/>
+              <a:t>Mandelbrotberechnung</a:t>
             </a:r>
           </a:p>
           <a:p>
@@ -10138,39 +10146,19 @@
           </a:p>
           <a:p>
             <a:r>
-              <a:rPr lang="de-DE" dirty="0"/>
-              <a:t>Punkt 1</a:t>
-            </a:r>
-          </a:p>
-          <a:p>
+              <a:rPr lang="de-DE" dirty="0" smtClean="0"/>
+              <a:t>Parallelisierung</a:t>
+            </a:r>
             <a:endParaRPr lang="de-DE" dirty="0"/>
           </a:p>
           <a:p>
-            <a:r>
-              <a:rPr lang="de-DE" dirty="0"/>
-              <a:t>Punkt 2</a:t>
-            </a:r>
+            <a:endParaRPr lang="de-DE" dirty="0" smtClean="0"/>
           </a:p>
           <a:p>
             <a:endParaRPr lang="de-DE" dirty="0"/>
           </a:p>
           <a:p>
-            <a:r>
-              <a:rPr lang="de-DE" dirty="0"/>
-              <a:t>Punkt 3</a:t>
-            </a:r>
-          </a:p>
-          <a:p>
-            <a:endParaRPr lang="de-DE" dirty="0"/>
-          </a:p>
-          <a:p>
-            <a:r>
-              <a:rPr lang="de-DE" dirty="0"/>
-              <a:t>Punkt 4</a:t>
-            </a:r>
-          </a:p>
-          <a:p>
-            <a:endParaRPr lang="de-DE" dirty="0"/>
+            <a:endParaRPr lang="de-DE" dirty="0" smtClean="0"/>
           </a:p>
           <a:p>
             <a:endParaRPr lang="de-DE" dirty="0"/>

--- a/DONT TOUCH THIS !!!!!!!!!!!/Abgabe/Präsentation.pptx
+++ b/DONT TOUCH THIS !!!!!!!!!!!/Abgabe/Präsentation.pptx
@@ -153,7 +153,7 @@
   </p:defaultTextStyle>
   <p:extLst>
     <p:ext uri="{EFAFB233-063F-42B5-8137-9DF3F51BA10A}">
-      <p15:sldGuideLst xmlns:p15="http://schemas.microsoft.com/office/powerpoint/2012/main" xmlns="">
+      <p15:sldGuideLst xmlns:p15="http://schemas.microsoft.com/office/powerpoint/2012/main">
         <p15:guide id="1" orient="horz" pos="2160">
           <p15:clr>
             <a:srgbClr val="A4A3A4"/>
@@ -167,7 +167,7 @@
       </p15:sldGuideLst>
     </p:ext>
     <p:ext uri="{2D200454-40CA-4A62-9FC3-DE9A4176ACB9}">
-      <p15:notesGuideLst xmlns:p15="http://schemas.microsoft.com/office/powerpoint/2012/main" xmlns="">
+      <p15:notesGuideLst xmlns:p15="http://schemas.microsoft.com/office/powerpoint/2012/main">
         <p15:guide id="1" orient="horz" pos="2100">
           <p15:clr>
             <a:srgbClr val="A4A3A4"/>
@@ -1621,10 +1621,6 @@
             <a:br>
               <a:rPr lang="de-DE" noProof="0" dirty="0"/>
             </a:br>
-            <a:r>
-              <a:rPr lang="de-DE" noProof="0" dirty="0"/>
-              <a:t/>
-            </a:r>
             <a:br>
               <a:rPr lang="de-DE" noProof="0" dirty="0"/>
             </a:br>
@@ -1837,10 +1833,6 @@
             <a:br>
               <a:rPr lang="de-DE" noProof="0" dirty="0"/>
             </a:br>
-            <a:r>
-              <a:rPr lang="de-DE" noProof="0" dirty="0"/>
-              <a:t/>
-            </a:r>
             <a:br>
               <a:rPr lang="de-DE" noProof="0" dirty="0"/>
             </a:br>
@@ -10115,56 +10107,6 @@
           <a:chExt cx="0" cy="0"/>
         </a:xfrm>
       </p:grpSpPr>
-      <p:sp>
-        <p:nvSpPr>
-          <p:cNvPr id="3" name="Textplatzhalter 2"/>
-          <p:cNvSpPr>
-            <a:spLocks noGrp="1"/>
-          </p:cNvSpPr>
-          <p:nvPr>
-            <p:ph idx="14"/>
-          </p:nvPr>
-        </p:nvSpPr>
-        <p:spPr/>
-        <p:txBody>
-          <a:bodyPr/>
-          <a:lstStyle/>
-          <a:p>
-            <a:endParaRPr lang="de-DE" dirty="0" smtClean="0"/>
-          </a:p>
-          <a:p>
-            <a:endParaRPr lang="de-DE" dirty="0" smtClean="0"/>
-          </a:p>
-          <a:p>
-            <a:r>
-              <a:rPr lang="de-DE" dirty="0" smtClean="0"/>
-              <a:t>Mandelbrotberechnung</a:t>
-            </a:r>
-          </a:p>
-          <a:p>
-            <a:endParaRPr lang="de-DE" dirty="0"/>
-          </a:p>
-          <a:p>
-            <a:r>
-              <a:rPr lang="de-DE" dirty="0" smtClean="0"/>
-              <a:t>Parallelisierung</a:t>
-            </a:r>
-            <a:endParaRPr lang="de-DE" dirty="0"/>
-          </a:p>
-          <a:p>
-            <a:endParaRPr lang="de-DE" dirty="0" smtClean="0"/>
-          </a:p>
-          <a:p>
-            <a:endParaRPr lang="de-DE" dirty="0"/>
-          </a:p>
-          <a:p>
-            <a:endParaRPr lang="de-DE" dirty="0" smtClean="0"/>
-          </a:p>
-          <a:p>
-            <a:endParaRPr lang="de-DE" dirty="0"/>
-          </a:p>
-        </p:txBody>
-      </p:sp>
       <p:pic>
         <p:nvPicPr>
           <p:cNvPr id="2" name="Inhaltsplatzhalter 1"/>
@@ -10189,8 +10131,8 @@
         </p:blipFill>
         <p:spPr>
           <a:xfrm>
-            <a:off x="4646613" y="2015331"/>
-            <a:ext cx="4181475" cy="4181475"/>
+            <a:off x="1990259" y="1404703"/>
+            <a:ext cx="4518835" cy="4518835"/>
           </a:xfrm>
         </p:spPr>
       </p:pic>

--- a/DONT TOUCH THIS !!!!!!!!!!!/Abgabe/Präsentation.pptx
+++ b/DONT TOUCH THIS !!!!!!!!!!!/Abgabe/Präsentation.pptx
@@ -10024,7 +10024,7 @@
           <a:p>
             <a:r>
               <a:rPr lang="de-DE" dirty="0"/>
-              <a:t>Fakultät für Informatik</a:t>
+              <a:t>Lehrstuhl für Rechnertechnik und Rechnerorganisation</a:t>
             </a:r>
           </a:p>
           <a:p>

--- a/DONT TOUCH THIS !!!!!!!!!!!/Abgabe/Präsentation.pptx
+++ b/DONT TOUCH THIS !!!!!!!!!!!/Abgabe/Präsentation.pptx
@@ -10003,8 +10003,12 @@
           <a:lstStyle/>
           <a:p>
             <a:r>
+              <a:rPr lang="de-DE"/>
+              <a:t>Referenten: </a:t>
+            </a:r>
+            <a:r>
               <a:rPr lang="de-DE" dirty="0"/>
-              <a:t>Referent: Oliver Jung, Robin </a:t>
+              <a:t>Oliver Jung, Robin </a:t>
             </a:r>
             <a:r>
               <a:rPr lang="de-DE" dirty="0" err="1"/>

--- a/DONT TOUCH THIS !!!!!!!!!!!/Abgabe/Präsentation.pptx
+++ b/DONT TOUCH THIS !!!!!!!!!!!/Abgabe/Präsentation.pptx
@@ -10003,20 +10003,8 @@
           <a:lstStyle/>
           <a:p>
             <a:r>
-              <a:rPr lang="de-DE"/>
-              <a:t>Referenten: </a:t>
-            </a:r>
-            <a:r>
               <a:rPr lang="de-DE" dirty="0"/>
-              <a:t>Oliver Jung, Robin </a:t>
-            </a:r>
-            <a:r>
-              <a:rPr lang="de-DE" dirty="0" err="1"/>
-              <a:t>Ostner</a:t>
-            </a:r>
-            <a:r>
-              <a:rPr lang="de-DE" dirty="0"/>
-              <a:t>, Florian Sprang</a:t>
+              <a:t>Referenten: Oliver Jung, Robin Ostner, Florian Sprang</a:t>
             </a:r>
           </a:p>
           <a:p>
